--- a/customization/customizing_PUI_examples/OnlineForumCustomizing.pptx
+++ b/customization/customizing_PUI_examples/OnlineForumCustomizing.pptx
@@ -5,7 +5,7 @@
     <p:sldMasterId id="2147483662" r:id="rId1"/>
   </p:sldMasterIdLst>
   <p:notesMasterIdLst>
-    <p:notesMasterId r:id="rId33"/>
+    <p:notesMasterId r:id="rId36"/>
   </p:notesMasterIdLst>
   <p:sldIdLst>
     <p:sldId id="256" r:id="rId2"/>
@@ -13,56 +13,59 @@
     <p:sldId id="294" r:id="rId4"/>
     <p:sldId id="289" r:id="rId5"/>
     <p:sldId id="283" r:id="rId6"/>
-    <p:sldId id="285" r:id="rId7"/>
-    <p:sldId id="282" r:id="rId8"/>
-    <p:sldId id="286" r:id="rId9"/>
-    <p:sldId id="284" r:id="rId10"/>
-    <p:sldId id="295" r:id="rId11"/>
-    <p:sldId id="258" r:id="rId12"/>
-    <p:sldId id="262" r:id="rId13"/>
-    <p:sldId id="263" r:id="rId14"/>
-    <p:sldId id="264" r:id="rId15"/>
-    <p:sldId id="292" r:id="rId16"/>
-    <p:sldId id="265" r:id="rId17"/>
-    <p:sldId id="266" r:id="rId18"/>
-    <p:sldId id="267" r:id="rId19"/>
-    <p:sldId id="268" r:id="rId20"/>
-    <p:sldId id="269" r:id="rId21"/>
-    <p:sldId id="270" r:id="rId22"/>
-    <p:sldId id="271" r:id="rId23"/>
-    <p:sldId id="272" r:id="rId24"/>
-    <p:sldId id="281" r:id="rId25"/>
-    <p:sldId id="287" r:id="rId26"/>
-    <p:sldId id="291" r:id="rId27"/>
-    <p:sldId id="293" r:id="rId28"/>
-    <p:sldId id="288" r:id="rId29"/>
-    <p:sldId id="290" r:id="rId30"/>
-    <p:sldId id="279" r:id="rId31"/>
-    <p:sldId id="280" r:id="rId32"/>
+    <p:sldId id="298" r:id="rId7"/>
+    <p:sldId id="296" r:id="rId8"/>
+    <p:sldId id="297" r:id="rId9"/>
+    <p:sldId id="285" r:id="rId10"/>
+    <p:sldId id="282" r:id="rId11"/>
+    <p:sldId id="286" r:id="rId12"/>
+    <p:sldId id="284" r:id="rId13"/>
+    <p:sldId id="299" r:id="rId14"/>
+    <p:sldId id="258" r:id="rId15"/>
+    <p:sldId id="262" r:id="rId16"/>
+    <p:sldId id="263" r:id="rId17"/>
+    <p:sldId id="264" r:id="rId18"/>
+    <p:sldId id="292" r:id="rId19"/>
+    <p:sldId id="265" r:id="rId20"/>
+    <p:sldId id="266" r:id="rId21"/>
+    <p:sldId id="267" r:id="rId22"/>
+    <p:sldId id="268" r:id="rId23"/>
+    <p:sldId id="269" r:id="rId24"/>
+    <p:sldId id="270" r:id="rId25"/>
+    <p:sldId id="271" r:id="rId26"/>
+    <p:sldId id="272" r:id="rId27"/>
+    <p:sldId id="281" r:id="rId28"/>
+    <p:sldId id="287" r:id="rId29"/>
+    <p:sldId id="291" r:id="rId30"/>
+    <p:sldId id="293" r:id="rId31"/>
+    <p:sldId id="288" r:id="rId32"/>
+    <p:sldId id="290" r:id="rId33"/>
+    <p:sldId id="279" r:id="rId34"/>
+    <p:sldId id="280" r:id="rId35"/>
   </p:sldIdLst>
   <p:sldSz cx="9144000" cy="6858000" type="screen4x3"/>
   <p:notesSz cx="6858000" cy="9144000"/>
   <p:embeddedFontLst>
     <p:embeddedFont>
       <p:font typeface="Calibri" panose="020F0502020204030204" pitchFamily="34" charset="0"/>
-      <p:regular r:id="rId34"/>
-      <p:bold r:id="rId35"/>
-      <p:italic r:id="rId36"/>
-      <p:boldItalic r:id="rId37"/>
+      <p:regular r:id="rId37"/>
+      <p:bold r:id="rId38"/>
+      <p:italic r:id="rId39"/>
+      <p:boldItalic r:id="rId40"/>
     </p:embeddedFont>
     <p:embeddedFont>
       <p:font typeface="Franklin Gothic" panose="020B0603020102020204" pitchFamily="34" charset="0"/>
-      <p:regular r:id="rId38"/>
-      <p:bold r:id="rId39"/>
-      <p:italic r:id="rId40"/>
-      <p:boldItalic r:id="rId41"/>
+      <p:regular r:id="rId41"/>
+      <p:bold r:id="rId42"/>
+      <p:italic r:id="rId43"/>
+      <p:boldItalic r:id="rId44"/>
     </p:embeddedFont>
     <p:embeddedFont>
       <p:font typeface="Helvetica Neue" panose="02000503000000020004" pitchFamily="2" charset="0"/>
-      <p:regular r:id="rId42"/>
-      <p:bold r:id="rId43"/>
-      <p:italic r:id="rId44"/>
-      <p:boldItalic r:id="rId45"/>
+      <p:regular r:id="rId45"/>
+      <p:bold r:id="rId46"/>
+      <p:italic r:id="rId47"/>
+      <p:boldItalic r:id="rId48"/>
     </p:embeddedFont>
   </p:embeddedFontLst>
   <p:defaultTextStyle>
@@ -1599,6 +1602,464 @@
   <p:cSld>
     <p:spTree>
       <p:nvGrpSpPr>
+        <p:cNvPr id="1" name="Shape 118"/>
+        <p:cNvGrpSpPr/>
+        <p:nvPr/>
+      </p:nvGrpSpPr>
+      <p:grpSpPr>
+        <a:xfrm>
+          <a:off x="0" y="0"/>
+          <a:ext cx="0" cy="0"/>
+          <a:chOff x="0" y="0"/>
+          <a:chExt cx="0" cy="0"/>
+        </a:xfrm>
+      </p:grpSpPr>
+      <p:sp>
+        <p:nvSpPr>
+          <p:cNvPr id="119" name="Google Shape;119;p10:notes"/>
+          <p:cNvSpPr txBox="1">
+            <a:spLocks noGrp="1"/>
+          </p:cNvSpPr>
+          <p:nvPr>
+            <p:ph type="body" idx="1"/>
+          </p:nvPr>
+        </p:nvSpPr>
+        <p:spPr>
+          <a:xfrm>
+            <a:off x="685800" y="4400550"/>
+            <a:ext cx="5486400" cy="3600450"/>
+          </a:xfrm>
+          <a:prstGeom prst="rect">
+            <a:avLst/>
+          </a:prstGeom>
+        </p:spPr>
+        <p:txBody>
+          <a:bodyPr spcFirstLastPara="1" wrap="square" lIns="91425" tIns="91425" rIns="91425" bIns="91425" anchor="t" anchorCtr="0">
+            <a:noAutofit/>
+          </a:bodyPr>
+          <a:lstStyle/>
+          <a:p>
+            <a:pPr marL="0" lvl="0" indent="0" algn="l" rtl="0">
+              <a:spcBef>
+                <a:spcPts val="0"/>
+              </a:spcBef>
+              <a:spcAft>
+                <a:spcPts val="0"/>
+              </a:spcAft>
+              <a:buNone/>
+            </a:pPr>
+            <a:endParaRPr/>
+          </a:p>
+        </p:txBody>
+      </p:sp>
+      <p:sp>
+        <p:nvSpPr>
+          <p:cNvPr id="120" name="Google Shape;120;p10:notes"/>
+          <p:cNvSpPr>
+            <a:spLocks noGrp="1" noRot="1" noChangeAspect="1"/>
+          </p:cNvSpPr>
+          <p:nvPr>
+            <p:ph type="sldImg" idx="2"/>
+          </p:nvPr>
+        </p:nvSpPr>
+        <p:spPr>
+          <a:xfrm>
+            <a:off x="1371600" y="1143000"/>
+            <a:ext cx="4114800" cy="3086100"/>
+          </a:xfrm>
+          <a:custGeom>
+            <a:avLst/>
+            <a:gdLst/>
+            <a:ahLst/>
+            <a:cxnLst/>
+            <a:rect l="l" t="t" r="r" b="b"/>
+            <a:pathLst>
+              <a:path w="120000" h="120000" extrusionOk="0">
+                <a:moveTo>
+                  <a:pt x="0" y="0"/>
+                </a:moveTo>
+                <a:lnTo>
+                  <a:pt x="120000" y="0"/>
+                </a:lnTo>
+                <a:lnTo>
+                  <a:pt x="120000" y="120000"/>
+                </a:lnTo>
+                <a:lnTo>
+                  <a:pt x="0" y="120000"/>
+                </a:lnTo>
+                <a:close/>
+              </a:path>
+            </a:pathLst>
+          </a:custGeom>
+        </p:spPr>
+      </p:sp>
+    </p:spTree>
+  </p:cSld>
+  <p:clrMapOvr>
+    <a:masterClrMapping/>
+  </p:clrMapOvr>
+</p:notes>
+</file>
+
+<file path=ppt/notesSlides/notesSlide11.xml><?xml version="1.0" encoding="utf-8"?>
+<p:notes xmlns:a="http://schemas.openxmlformats.org/drawingml/2006/main" xmlns:r="http://schemas.openxmlformats.org/officeDocument/2006/relationships" xmlns:p="http://schemas.openxmlformats.org/presentationml/2006/main" showMasterSp="0" showMasterPhAnim="0">
+  <p:cSld>
+    <p:spTree>
+      <p:nvGrpSpPr>
+        <p:cNvPr id="1" name="Shape 124"/>
+        <p:cNvGrpSpPr/>
+        <p:nvPr/>
+      </p:nvGrpSpPr>
+      <p:grpSpPr>
+        <a:xfrm>
+          <a:off x="0" y="0"/>
+          <a:ext cx="0" cy="0"/>
+          <a:chOff x="0" y="0"/>
+          <a:chExt cx="0" cy="0"/>
+        </a:xfrm>
+      </p:grpSpPr>
+      <p:sp>
+        <p:nvSpPr>
+          <p:cNvPr id="125" name="Google Shape;125;p11:notes"/>
+          <p:cNvSpPr txBox="1">
+            <a:spLocks noGrp="1"/>
+          </p:cNvSpPr>
+          <p:nvPr>
+            <p:ph type="body" idx="1"/>
+          </p:nvPr>
+        </p:nvSpPr>
+        <p:spPr>
+          <a:xfrm>
+            <a:off x="685800" y="4400550"/>
+            <a:ext cx="5486400" cy="3600450"/>
+          </a:xfrm>
+          <a:prstGeom prst="rect">
+            <a:avLst/>
+          </a:prstGeom>
+        </p:spPr>
+        <p:txBody>
+          <a:bodyPr spcFirstLastPara="1" wrap="square" lIns="91425" tIns="91425" rIns="91425" bIns="91425" anchor="t" anchorCtr="0">
+            <a:noAutofit/>
+          </a:bodyPr>
+          <a:lstStyle/>
+          <a:p>
+            <a:pPr marL="0" lvl="0" indent="0" algn="l" rtl="0">
+              <a:spcBef>
+                <a:spcPts val="0"/>
+              </a:spcBef>
+              <a:spcAft>
+                <a:spcPts val="0"/>
+              </a:spcAft>
+              <a:buNone/>
+            </a:pPr>
+            <a:endParaRPr/>
+          </a:p>
+        </p:txBody>
+      </p:sp>
+      <p:sp>
+        <p:nvSpPr>
+          <p:cNvPr id="126" name="Google Shape;126;p11:notes"/>
+          <p:cNvSpPr>
+            <a:spLocks noGrp="1" noRot="1" noChangeAspect="1"/>
+          </p:cNvSpPr>
+          <p:nvPr>
+            <p:ph type="sldImg" idx="2"/>
+          </p:nvPr>
+        </p:nvSpPr>
+        <p:spPr>
+          <a:xfrm>
+            <a:off x="1371600" y="1143000"/>
+            <a:ext cx="4114800" cy="3086100"/>
+          </a:xfrm>
+          <a:custGeom>
+            <a:avLst/>
+            <a:gdLst/>
+            <a:ahLst/>
+            <a:cxnLst/>
+            <a:rect l="l" t="t" r="r" b="b"/>
+            <a:pathLst>
+              <a:path w="120000" h="120000" extrusionOk="0">
+                <a:moveTo>
+                  <a:pt x="0" y="0"/>
+                </a:moveTo>
+                <a:lnTo>
+                  <a:pt x="120000" y="0"/>
+                </a:lnTo>
+                <a:lnTo>
+                  <a:pt x="120000" y="120000"/>
+                </a:lnTo>
+                <a:lnTo>
+                  <a:pt x="0" y="120000"/>
+                </a:lnTo>
+                <a:close/>
+              </a:path>
+            </a:pathLst>
+          </a:custGeom>
+        </p:spPr>
+      </p:sp>
+    </p:spTree>
+  </p:cSld>
+  <p:clrMapOvr>
+    <a:masterClrMapping/>
+  </p:clrMapOvr>
+</p:notes>
+</file>
+
+<file path=ppt/notesSlides/notesSlide12.xml><?xml version="1.0" encoding="utf-8"?>
+<p:notes xmlns:a="http://schemas.openxmlformats.org/drawingml/2006/main" xmlns:r="http://schemas.openxmlformats.org/officeDocument/2006/relationships" xmlns:p="http://schemas.openxmlformats.org/presentationml/2006/main" showMasterSp="0" showMasterPhAnim="0">
+  <p:cSld>
+    <p:spTree>
+      <p:nvGrpSpPr>
+        <p:cNvPr id="1" name="Shape 130"/>
+        <p:cNvGrpSpPr/>
+        <p:nvPr/>
+      </p:nvGrpSpPr>
+      <p:grpSpPr>
+        <a:xfrm>
+          <a:off x="0" y="0"/>
+          <a:ext cx="0" cy="0"/>
+          <a:chOff x="0" y="0"/>
+          <a:chExt cx="0" cy="0"/>
+        </a:xfrm>
+      </p:grpSpPr>
+      <p:sp>
+        <p:nvSpPr>
+          <p:cNvPr id="131" name="Google Shape;131;p12:notes"/>
+          <p:cNvSpPr txBox="1">
+            <a:spLocks noGrp="1"/>
+          </p:cNvSpPr>
+          <p:nvPr>
+            <p:ph type="body" idx="1"/>
+          </p:nvPr>
+        </p:nvSpPr>
+        <p:spPr>
+          <a:xfrm>
+            <a:off x="685800" y="4400550"/>
+            <a:ext cx="5486400" cy="3600450"/>
+          </a:xfrm>
+          <a:prstGeom prst="rect">
+            <a:avLst/>
+          </a:prstGeom>
+        </p:spPr>
+        <p:txBody>
+          <a:bodyPr spcFirstLastPara="1" wrap="square" lIns="91425" tIns="91425" rIns="91425" bIns="91425" anchor="t" anchorCtr="0">
+            <a:noAutofit/>
+          </a:bodyPr>
+          <a:lstStyle/>
+          <a:p>
+            <a:pPr marL="0" lvl="0" indent="0" algn="l" rtl="0">
+              <a:spcBef>
+                <a:spcPts val="0"/>
+              </a:spcBef>
+              <a:spcAft>
+                <a:spcPts val="0"/>
+              </a:spcAft>
+              <a:buNone/>
+            </a:pPr>
+            <a:r>
+              <a:rPr lang="en-US" dirty="0"/>
+              <a:t>Spacing in a </a:t>
+            </a:r>
+            <a:r>
+              <a:rPr lang="en-US" dirty="0" err="1"/>
+              <a:t>yml</a:t>
+            </a:r>
+            <a:r>
+              <a:rPr lang="en-US" dirty="0"/>
+              <a:t> file is very important - always have 2 space indentation from the previous line to keep it in the current hierarchy. Remove 2 spaces at a time to move back up the hierarchy.</a:t>
+            </a:r>
+          </a:p>
+          <a:p>
+            <a:pPr marL="0" indent="0"/>
+            <a:endParaRPr lang="en-US" dirty="0"/>
+          </a:p>
+          <a:p>
+            <a:pPr marL="0" indent="0"/>
+            <a:r>
+              <a:rPr lang="en-US" dirty="0"/>
+              <a:t>It is OK to copy the entire </a:t>
+            </a:r>
+            <a:r>
+              <a:rPr lang="en-US" dirty="0" err="1"/>
+              <a:t>yml</a:t>
+            </a:r>
+            <a:r>
+              <a:rPr lang="en-US" dirty="0"/>
+              <a:t> file over into the plugin directory to make sure you keep the right hierarchy and spacing, but be aware that will make it more difficult to maintain the changes you have made when upgrades occur.</a:t>
+            </a:r>
+          </a:p>
+          <a:p>
+            <a:pPr marL="0" lvl="0" indent="0" algn="l" rtl="0">
+              <a:spcBef>
+                <a:spcPts val="0"/>
+              </a:spcBef>
+              <a:spcAft>
+                <a:spcPts val="0"/>
+              </a:spcAft>
+              <a:buNone/>
+            </a:pPr>
+            <a:endParaRPr dirty="0"/>
+          </a:p>
+        </p:txBody>
+      </p:sp>
+      <p:sp>
+        <p:nvSpPr>
+          <p:cNvPr id="132" name="Google Shape;132;p12:notes"/>
+          <p:cNvSpPr>
+            <a:spLocks noGrp="1" noRot="1" noChangeAspect="1"/>
+          </p:cNvSpPr>
+          <p:nvPr>
+            <p:ph type="sldImg" idx="2"/>
+          </p:nvPr>
+        </p:nvSpPr>
+        <p:spPr>
+          <a:xfrm>
+            <a:off x="1371600" y="1143000"/>
+            <a:ext cx="4114800" cy="3086100"/>
+          </a:xfrm>
+          <a:custGeom>
+            <a:avLst/>
+            <a:gdLst/>
+            <a:ahLst/>
+            <a:cxnLst/>
+            <a:rect l="l" t="t" r="r" b="b"/>
+            <a:pathLst>
+              <a:path w="120000" h="120000" extrusionOk="0">
+                <a:moveTo>
+                  <a:pt x="0" y="0"/>
+                </a:moveTo>
+                <a:lnTo>
+                  <a:pt x="120000" y="0"/>
+                </a:lnTo>
+                <a:lnTo>
+                  <a:pt x="120000" y="120000"/>
+                </a:lnTo>
+                <a:lnTo>
+                  <a:pt x="0" y="120000"/>
+                </a:lnTo>
+                <a:close/>
+              </a:path>
+            </a:pathLst>
+          </a:custGeom>
+        </p:spPr>
+      </p:sp>
+    </p:spTree>
+  </p:cSld>
+  <p:clrMapOvr>
+    <a:masterClrMapping/>
+  </p:clrMapOvr>
+</p:notes>
+</file>
+
+<file path=ppt/notesSlides/notesSlide13.xml><?xml version="1.0" encoding="utf-8"?>
+<p:notes xmlns:a="http://schemas.openxmlformats.org/drawingml/2006/main" xmlns:r="http://schemas.openxmlformats.org/officeDocument/2006/relationships" xmlns:p="http://schemas.openxmlformats.org/presentationml/2006/main" showMasterSp="0" showMasterPhAnim="0">
+  <p:cSld>
+    <p:spTree>
+      <p:nvGrpSpPr>
+        <p:cNvPr id="1" name="Shape 136"/>
+        <p:cNvGrpSpPr/>
+        <p:nvPr/>
+      </p:nvGrpSpPr>
+      <p:grpSpPr>
+        <a:xfrm>
+          <a:off x="0" y="0"/>
+          <a:ext cx="0" cy="0"/>
+          <a:chOff x="0" y="0"/>
+          <a:chExt cx="0" cy="0"/>
+        </a:xfrm>
+      </p:grpSpPr>
+      <p:sp>
+        <p:nvSpPr>
+          <p:cNvPr id="137" name="Google Shape;137;p13:notes"/>
+          <p:cNvSpPr txBox="1">
+            <a:spLocks noGrp="1"/>
+          </p:cNvSpPr>
+          <p:nvPr>
+            <p:ph type="body" idx="1"/>
+          </p:nvPr>
+        </p:nvSpPr>
+        <p:spPr>
+          <a:xfrm>
+            <a:off x="685800" y="4400550"/>
+            <a:ext cx="5486400" cy="3600450"/>
+          </a:xfrm>
+          <a:prstGeom prst="rect">
+            <a:avLst/>
+          </a:prstGeom>
+        </p:spPr>
+        <p:txBody>
+          <a:bodyPr spcFirstLastPara="1" wrap="square" lIns="91425" tIns="91425" rIns="91425" bIns="91425" anchor="t" anchorCtr="0">
+            <a:noAutofit/>
+          </a:bodyPr>
+          <a:lstStyle/>
+          <a:p>
+            <a:pPr marL="0" lvl="0" indent="0" algn="l" rtl="0">
+              <a:spcBef>
+                <a:spcPts val="0"/>
+              </a:spcBef>
+              <a:spcAft>
+                <a:spcPts val="0"/>
+              </a:spcAft>
+              <a:buNone/>
+            </a:pPr>
+            <a:endParaRPr/>
+          </a:p>
+        </p:txBody>
+      </p:sp>
+      <p:sp>
+        <p:nvSpPr>
+          <p:cNvPr id="138" name="Google Shape;138;p13:notes"/>
+          <p:cNvSpPr>
+            <a:spLocks noGrp="1" noRot="1" noChangeAspect="1"/>
+          </p:cNvSpPr>
+          <p:nvPr>
+            <p:ph type="sldImg" idx="2"/>
+          </p:nvPr>
+        </p:nvSpPr>
+        <p:spPr>
+          <a:xfrm>
+            <a:off x="1371600" y="1143000"/>
+            <a:ext cx="4114800" cy="3086100"/>
+          </a:xfrm>
+          <a:custGeom>
+            <a:avLst/>
+            <a:gdLst/>
+            <a:ahLst/>
+            <a:cxnLst/>
+            <a:rect l="l" t="t" r="r" b="b"/>
+            <a:pathLst>
+              <a:path w="120000" h="120000" extrusionOk="0">
+                <a:moveTo>
+                  <a:pt x="0" y="0"/>
+                </a:moveTo>
+                <a:lnTo>
+                  <a:pt x="120000" y="0"/>
+                </a:lnTo>
+                <a:lnTo>
+                  <a:pt x="120000" y="120000"/>
+                </a:lnTo>
+                <a:lnTo>
+                  <a:pt x="0" y="120000"/>
+                </a:lnTo>
+                <a:close/>
+              </a:path>
+            </a:pathLst>
+          </a:custGeom>
+        </p:spPr>
+      </p:sp>
+    </p:spTree>
+  </p:cSld>
+  <p:clrMapOvr>
+    <a:masterClrMapping/>
+  </p:clrMapOvr>
+</p:notes>
+</file>
+
+<file path=ppt/notesSlides/notesSlide14.xml><?xml version="1.0" encoding="utf-8"?>
+<p:notes xmlns:a="http://schemas.openxmlformats.org/drawingml/2006/main" xmlns:r="http://schemas.openxmlformats.org/officeDocument/2006/relationships" xmlns:p="http://schemas.openxmlformats.org/presentationml/2006/main" showMasterSp="0" showMasterPhAnim="0">
+  <p:cSld>
+    <p:spTree>
+      <p:nvGrpSpPr>
         <p:cNvPr id="1" name="Shape 145"/>
         <p:cNvGrpSpPr/>
         <p:nvPr/>
@@ -1698,7 +2159,7 @@
 </p:notes>
 </file>
 
-<file path=ppt/notesSlides/notesSlide11.xml><?xml version="1.0" encoding="utf-8"?>
+<file path=ppt/notesSlides/notesSlide15.xml><?xml version="1.0" encoding="utf-8"?>
 <p:notes xmlns:a="http://schemas.openxmlformats.org/drawingml/2006/main" xmlns:r="http://schemas.openxmlformats.org/officeDocument/2006/relationships" xmlns:p="http://schemas.openxmlformats.org/presentationml/2006/main" showMasterSp="0" showMasterPhAnim="0">
   <p:cSld>
     <p:spTree>
@@ -1802,7 +2263,7 @@
 </p:notes>
 </file>
 
-<file path=ppt/notesSlides/notesSlide12.xml><?xml version="1.0" encoding="utf-8"?>
+<file path=ppt/notesSlides/notesSlide16.xml><?xml version="1.0" encoding="utf-8"?>
 <p:notes xmlns:a="http://schemas.openxmlformats.org/drawingml/2006/main" xmlns:r="http://schemas.openxmlformats.org/officeDocument/2006/relationships" xmlns:p="http://schemas.openxmlformats.org/presentationml/2006/main" showMasterSp="0" showMasterPhAnim="0">
   <p:cSld>
     <p:spTree>
@@ -1906,7 +2367,7 @@
 </p:notes>
 </file>
 
-<file path=ppt/notesSlides/notesSlide13.xml><?xml version="1.0" encoding="utf-8"?>
+<file path=ppt/notesSlides/notesSlide17.xml><?xml version="1.0" encoding="utf-8"?>
 <p:notes xmlns:a="http://schemas.openxmlformats.org/drawingml/2006/main" xmlns:r="http://schemas.openxmlformats.org/officeDocument/2006/relationships" xmlns:p="http://schemas.openxmlformats.org/presentationml/2006/main" showMasterSp="0" showMasterPhAnim="0">
   <p:cSld>
     <p:spTree>
@@ -2010,7 +2471,7 @@
 </p:notes>
 </file>
 
-<file path=ppt/notesSlides/notesSlide14.xml><?xml version="1.0" encoding="utf-8"?>
+<file path=ppt/notesSlides/notesSlide18.xml><?xml version="1.0" encoding="utf-8"?>
 <p:notes xmlns:a="http://schemas.openxmlformats.org/drawingml/2006/main" xmlns:r="http://schemas.openxmlformats.org/officeDocument/2006/relationships" xmlns:p="http://schemas.openxmlformats.org/presentationml/2006/main" showMasterSp="0" showMasterPhAnim="0">
   <p:cSld>
     <p:spTree>
@@ -2114,7 +2575,7 @@
 </p:notes>
 </file>
 
-<file path=ppt/notesSlides/notesSlide15.xml><?xml version="1.0" encoding="utf-8"?>
+<file path=ppt/notesSlides/notesSlide19.xml><?xml version="1.0" encoding="utf-8"?>
 <p:notes xmlns:a="http://schemas.openxmlformats.org/drawingml/2006/main" xmlns:r="http://schemas.openxmlformats.org/officeDocument/2006/relationships" xmlns:p="http://schemas.openxmlformats.org/presentationml/2006/main">
   <p:cSld>
     <p:spTree>
@@ -2215,7 +2676,7 @@
                 <a:cs typeface="Arial"/>
                 <a:sym typeface="Arial"/>
               </a:rPr>
-              <a:t>24</a:t>
+              <a:t>27</a:t>
             </a:fld>
             <a:endParaRPr lang="en-US" sz="1200" b="0" i="0" u="none" strike="noStrike" cap="none">
               <a:solidFill>
@@ -2242,7 +2703,111 @@
 </p:notes>
 </file>
 
-<file path=ppt/notesSlides/notesSlide16.xml><?xml version="1.0" encoding="utf-8"?>
+<file path=ppt/notesSlides/notesSlide2.xml><?xml version="1.0" encoding="utf-8"?>
+<p:notes xmlns:a="http://schemas.openxmlformats.org/drawingml/2006/main" xmlns:r="http://schemas.openxmlformats.org/officeDocument/2006/relationships" xmlns:p="http://schemas.openxmlformats.org/presentationml/2006/main" showMasterSp="0" showMasterPhAnim="0">
+  <p:cSld>
+    <p:spTree>
+      <p:nvGrpSpPr>
+        <p:cNvPr id="1" name="Shape 70"/>
+        <p:cNvGrpSpPr/>
+        <p:nvPr/>
+      </p:nvGrpSpPr>
+      <p:grpSpPr>
+        <a:xfrm>
+          <a:off x="0" y="0"/>
+          <a:ext cx="0" cy="0"/>
+          <a:chOff x="0" y="0"/>
+          <a:chExt cx="0" cy="0"/>
+        </a:xfrm>
+      </p:grpSpPr>
+      <p:sp>
+        <p:nvSpPr>
+          <p:cNvPr id="71" name="Google Shape;71;p5:notes"/>
+          <p:cNvSpPr txBox="1">
+            <a:spLocks noGrp="1"/>
+          </p:cNvSpPr>
+          <p:nvPr>
+            <p:ph type="body" idx="1"/>
+          </p:nvPr>
+        </p:nvSpPr>
+        <p:spPr>
+          <a:xfrm>
+            <a:off x="685800" y="4400550"/>
+            <a:ext cx="5486400" cy="3600450"/>
+          </a:xfrm>
+          <a:prstGeom prst="rect">
+            <a:avLst/>
+          </a:prstGeom>
+        </p:spPr>
+        <p:txBody>
+          <a:bodyPr spcFirstLastPara="1" wrap="square" lIns="91425" tIns="91425" rIns="91425" bIns="91425" anchor="t" anchorCtr="0">
+            <a:noAutofit/>
+          </a:bodyPr>
+          <a:lstStyle/>
+          <a:p>
+            <a:pPr marL="0" lvl="0" indent="0" algn="l" rtl="0">
+              <a:spcBef>
+                <a:spcPts val="0"/>
+              </a:spcBef>
+              <a:spcAft>
+                <a:spcPts val="0"/>
+              </a:spcAft>
+              <a:buNone/>
+            </a:pPr>
+            <a:endParaRPr/>
+          </a:p>
+        </p:txBody>
+      </p:sp>
+      <p:sp>
+        <p:nvSpPr>
+          <p:cNvPr id="72" name="Google Shape;72;p5:notes"/>
+          <p:cNvSpPr>
+            <a:spLocks noGrp="1" noRot="1" noChangeAspect="1"/>
+          </p:cNvSpPr>
+          <p:nvPr>
+            <p:ph type="sldImg" idx="2"/>
+          </p:nvPr>
+        </p:nvSpPr>
+        <p:spPr>
+          <a:xfrm>
+            <a:off x="1371600" y="1143000"/>
+            <a:ext cx="4114800" cy="3086100"/>
+          </a:xfrm>
+          <a:custGeom>
+            <a:avLst/>
+            <a:gdLst/>
+            <a:ahLst/>
+            <a:cxnLst/>
+            <a:rect l="l" t="t" r="r" b="b"/>
+            <a:pathLst>
+              <a:path w="120000" h="120000" extrusionOk="0">
+                <a:moveTo>
+                  <a:pt x="0" y="0"/>
+                </a:moveTo>
+                <a:lnTo>
+                  <a:pt x="120000" y="0"/>
+                </a:lnTo>
+                <a:lnTo>
+                  <a:pt x="120000" y="120000"/>
+                </a:lnTo>
+                <a:lnTo>
+                  <a:pt x="0" y="120000"/>
+                </a:lnTo>
+                <a:close/>
+              </a:path>
+            </a:pathLst>
+          </a:custGeom>
+        </p:spPr>
+      </p:sp>
+    </p:spTree>
+  </p:cSld>
+  <p:clrMapOvr>
+    <a:masterClrMapping/>
+  </p:clrMapOvr>
+</p:notes>
+</file>
+
+<file path=ppt/notesSlides/notesSlide20.xml><?xml version="1.0" encoding="utf-8"?>
 <p:notes xmlns:a="http://schemas.openxmlformats.org/drawingml/2006/main" xmlns:r="http://schemas.openxmlformats.org/officeDocument/2006/relationships" xmlns:p="http://schemas.openxmlformats.org/presentationml/2006/main" showMasterSp="0" showMasterPhAnim="0">
   <p:cSld>
     <p:spTree>
@@ -2346,7 +2911,7 @@
 </p:notes>
 </file>
 
-<file path=ppt/notesSlides/notesSlide17.xml><?xml version="1.0" encoding="utf-8"?>
+<file path=ppt/notesSlides/notesSlide21.xml><?xml version="1.0" encoding="utf-8"?>
 <p:notes xmlns:a="http://schemas.openxmlformats.org/drawingml/2006/main" xmlns:r="http://schemas.openxmlformats.org/officeDocument/2006/relationships" xmlns:p="http://schemas.openxmlformats.org/presentationml/2006/main" showMasterSp="0" showMasterPhAnim="0">
   <p:cSld>
     <p:spTree>
@@ -2450,12 +3015,12 @@
 </p:notes>
 </file>
 
-<file path=ppt/notesSlides/notesSlide2.xml><?xml version="1.0" encoding="utf-8"?>
-<p:notes xmlns:a="http://schemas.openxmlformats.org/drawingml/2006/main" xmlns:r="http://schemas.openxmlformats.org/officeDocument/2006/relationships" xmlns:p="http://schemas.openxmlformats.org/presentationml/2006/main" showMasterSp="0" showMasterPhAnim="0">
+<file path=ppt/notesSlides/notesSlide3.xml><?xml version="1.0" encoding="utf-8"?>
+<p:notes xmlns:a="http://schemas.openxmlformats.org/drawingml/2006/main" xmlns:r="http://schemas.openxmlformats.org/officeDocument/2006/relationships" xmlns:p="http://schemas.openxmlformats.org/presentationml/2006/main">
   <p:cSld>
     <p:spTree>
       <p:nvGrpSpPr>
-        <p:cNvPr id="1" name="Shape 70"/>
+        <p:cNvPr id="1" name=""/>
         <p:cNvGrpSpPr/>
         <p:nvPr/>
       </p:nvGrpSpPr>
@@ -2469,84 +3034,98 @@
       </p:grpSpPr>
       <p:sp>
         <p:nvSpPr>
-          <p:cNvPr id="71" name="Google Shape;71;p5:notes"/>
-          <p:cNvSpPr txBox="1">
+          <p:cNvPr id="2" name="Slide Image Placeholder 1"/>
+          <p:cNvSpPr>
+            <a:spLocks noGrp="1" noRot="1" noChangeAspect="1"/>
+          </p:cNvSpPr>
+          <p:nvPr>
+            <p:ph type="sldImg"/>
+          </p:nvPr>
+        </p:nvSpPr>
+        <p:spPr/>
+      </p:sp>
+      <p:sp>
+        <p:nvSpPr>
+          <p:cNvPr id="3" name="Notes Placeholder 2"/>
+          <p:cNvSpPr>
             <a:spLocks noGrp="1"/>
           </p:cNvSpPr>
           <p:nvPr>
             <p:ph type="body" idx="1"/>
           </p:nvPr>
         </p:nvSpPr>
-        <p:spPr>
-          <a:xfrm>
-            <a:off x="685800" y="4400550"/>
-            <a:ext cx="5486400" cy="3600450"/>
-          </a:xfrm>
-          <a:prstGeom prst="rect">
-            <a:avLst/>
-          </a:prstGeom>
-        </p:spPr>
+        <p:spPr/>
         <p:txBody>
-          <a:bodyPr spcFirstLastPara="1" wrap="square" lIns="91425" tIns="91425" rIns="91425" bIns="91425" anchor="t" anchorCtr="0">
-            <a:noAutofit/>
-          </a:bodyPr>
+          <a:bodyPr/>
           <a:lstStyle/>
           <a:p>
-            <a:pPr marL="0" lvl="0" indent="0" algn="l" rtl="0">
-              <a:spcBef>
-                <a:spcPts val="0"/>
-              </a:spcBef>
-              <a:spcAft>
-                <a:spcPts val="0"/>
-              </a:spcAft>
-              <a:buNone/>
-            </a:pPr>
-            <a:endParaRPr/>
+            <a:r>
+              <a:rPr lang="en-US" dirty="0"/>
+              <a:t>Using the default of 10, when I have 26 results, I get 3 pages. The first and second page have 10 results each and the third page has 6.</a:t>
+            </a:r>
+          </a:p>
+          <a:p>
+            <a:r>
+              <a:rPr lang="en-US" dirty="0"/>
+              <a:t>Setting this to 20 would mean that the first page would have up to  20 results on it, the second page would have results 21-40, etc.</a:t>
+            </a:r>
           </a:p>
         </p:txBody>
       </p:sp>
       <p:sp>
         <p:nvSpPr>
-          <p:cNvPr id="72" name="Google Shape;72;p5:notes"/>
+          <p:cNvPr id="4" name="Slide Number Placeholder 3"/>
           <p:cNvSpPr>
-            <a:spLocks noGrp="1" noRot="1" noChangeAspect="1"/>
+            <a:spLocks noGrp="1"/>
           </p:cNvSpPr>
           <p:nvPr>
-            <p:ph type="sldImg" idx="2"/>
+            <p:ph type="sldNum" idx="12"/>
           </p:nvPr>
         </p:nvSpPr>
-        <p:spPr>
-          <a:xfrm>
-            <a:off x="1371600" y="1143000"/>
-            <a:ext cx="4114800" cy="3086100"/>
-          </a:xfrm>
-          <a:custGeom>
-            <a:avLst/>
-            <a:gdLst/>
-            <a:ahLst/>
-            <a:cxnLst/>
-            <a:rect l="l" t="t" r="r" b="b"/>
-            <a:pathLst>
-              <a:path w="120000" h="120000" extrusionOk="0">
-                <a:moveTo>
-                  <a:pt x="0" y="0"/>
-                </a:moveTo>
-                <a:lnTo>
-                  <a:pt x="120000" y="0"/>
-                </a:lnTo>
-                <a:lnTo>
-                  <a:pt x="120000" y="120000"/>
-                </a:lnTo>
-                <a:lnTo>
-                  <a:pt x="0" y="120000"/>
-                </a:lnTo>
-                <a:close/>
-              </a:path>
-            </a:pathLst>
-          </a:custGeom>
-        </p:spPr>
+        <p:spPr/>
+        <p:txBody>
+          <a:bodyPr/>
+          <a:lstStyle/>
+          <a:p>
+            <a:pPr marL="0" marR="0" lvl="0" indent="0" algn="r" rtl="0">
+              <a:spcBef>
+                <a:spcPts val="0"/>
+              </a:spcBef>
+              <a:spcAft>
+                <a:spcPts val="0"/>
+              </a:spcAft>
+              <a:buNone/>
+            </a:pPr>
+            <a:fld id="{00000000-1234-1234-1234-123412341234}" type="slidenum">
+              <a:rPr lang="en-US" sz="1200" b="0" i="0" u="none" strike="noStrike" cap="none" smtClean="0">
+                <a:solidFill>
+                  <a:schemeClr val="dk1"/>
+                </a:solidFill>
+                <a:latin typeface="Arial"/>
+                <a:ea typeface="Arial"/>
+                <a:cs typeface="Arial"/>
+                <a:sym typeface="Arial"/>
+              </a:rPr>
+              <a:t>7</a:t>
+            </a:fld>
+            <a:endParaRPr lang="en-US" sz="1200" b="0" i="0" u="none" strike="noStrike" cap="none">
+              <a:solidFill>
+                <a:schemeClr val="dk1"/>
+              </a:solidFill>
+              <a:latin typeface="Arial"/>
+              <a:ea typeface="Arial"/>
+              <a:cs typeface="Arial"/>
+              <a:sym typeface="Arial"/>
+            </a:endParaRPr>
+          </a:p>
+        </p:txBody>
       </p:sp>
     </p:spTree>
+    <p:extLst>
+      <p:ext uri="{BB962C8B-B14F-4D97-AF65-F5344CB8AC3E}">
+        <p14:creationId xmlns:p14="http://schemas.microsoft.com/office/powerpoint/2010/main" val="1579284192"/>
+      </p:ext>
+    </p:extLst>
   </p:cSld>
   <p:clrMapOvr>
     <a:masterClrMapping/>
@@ -2554,7 +3133,346 @@
 </p:notes>
 </file>
 
-<file path=ppt/notesSlides/notesSlide3.xml><?xml version="1.0" encoding="utf-8"?>
+<file path=ppt/notesSlides/notesSlide4.xml><?xml version="1.0" encoding="utf-8"?>
+<p:notes xmlns:a="http://schemas.openxmlformats.org/drawingml/2006/main" xmlns:r="http://schemas.openxmlformats.org/officeDocument/2006/relationships" xmlns:p="http://schemas.openxmlformats.org/presentationml/2006/main">
+  <p:cSld>
+    <p:spTree>
+      <p:nvGrpSpPr>
+        <p:cNvPr id="1" name=""/>
+        <p:cNvGrpSpPr/>
+        <p:nvPr/>
+      </p:nvGrpSpPr>
+      <p:grpSpPr>
+        <a:xfrm>
+          <a:off x="0" y="0"/>
+          <a:ext cx="0" cy="0"/>
+          <a:chOff x="0" y="0"/>
+          <a:chExt cx="0" cy="0"/>
+        </a:xfrm>
+      </p:grpSpPr>
+      <p:sp>
+        <p:nvSpPr>
+          <p:cNvPr id="2" name="Slide Image Placeholder 1"/>
+          <p:cNvSpPr>
+            <a:spLocks noGrp="1" noRot="1" noChangeAspect="1"/>
+          </p:cNvSpPr>
+          <p:nvPr>
+            <p:ph type="sldImg"/>
+          </p:nvPr>
+        </p:nvSpPr>
+        <p:spPr/>
+      </p:sp>
+      <p:sp>
+        <p:nvSpPr>
+          <p:cNvPr id="3" name="Notes Placeholder 2"/>
+          <p:cNvSpPr>
+            <a:spLocks noGrp="1"/>
+          </p:cNvSpPr>
+          <p:nvPr>
+            <p:ph type="body" idx="1"/>
+          </p:nvPr>
+        </p:nvSpPr>
+        <p:spPr/>
+        <p:txBody>
+          <a:bodyPr/>
+          <a:lstStyle/>
+          <a:p>
+            <a:r>
+              <a:rPr lang="en-US" dirty="0"/>
+              <a:t>The first example is for the default value of 450. The second one is for a value of 250.</a:t>
+            </a:r>
+          </a:p>
+          <a:p>
+            <a:endParaRPr lang="en-US" dirty="0"/>
+          </a:p>
+        </p:txBody>
+      </p:sp>
+      <p:sp>
+        <p:nvSpPr>
+          <p:cNvPr id="4" name="Slide Number Placeholder 3"/>
+          <p:cNvSpPr>
+            <a:spLocks noGrp="1"/>
+          </p:cNvSpPr>
+          <p:nvPr>
+            <p:ph type="sldNum" idx="12"/>
+          </p:nvPr>
+        </p:nvSpPr>
+        <p:spPr/>
+        <p:txBody>
+          <a:bodyPr/>
+          <a:lstStyle/>
+          <a:p>
+            <a:pPr marL="0" marR="0" lvl="0" indent="0" algn="r" rtl="0">
+              <a:spcBef>
+                <a:spcPts val="0"/>
+              </a:spcBef>
+              <a:spcAft>
+                <a:spcPts val="0"/>
+              </a:spcAft>
+              <a:buNone/>
+            </a:pPr>
+            <a:fld id="{00000000-1234-1234-1234-123412341234}" type="slidenum">
+              <a:rPr lang="en-US" sz="1200" b="0" i="0" u="none" strike="noStrike" cap="none" smtClean="0">
+                <a:solidFill>
+                  <a:schemeClr val="dk1"/>
+                </a:solidFill>
+                <a:latin typeface="Arial"/>
+                <a:ea typeface="Arial"/>
+                <a:cs typeface="Arial"/>
+                <a:sym typeface="Arial"/>
+              </a:rPr>
+              <a:t>8</a:t>
+            </a:fld>
+            <a:endParaRPr lang="en-US" sz="1200" b="0" i="0" u="none" strike="noStrike" cap="none">
+              <a:solidFill>
+                <a:schemeClr val="dk1"/>
+              </a:solidFill>
+              <a:latin typeface="Arial"/>
+              <a:ea typeface="Arial"/>
+              <a:cs typeface="Arial"/>
+              <a:sym typeface="Arial"/>
+            </a:endParaRPr>
+          </a:p>
+        </p:txBody>
+      </p:sp>
+    </p:spTree>
+    <p:extLst>
+      <p:ext uri="{BB962C8B-B14F-4D97-AF65-F5344CB8AC3E}">
+        <p14:creationId xmlns:p14="http://schemas.microsoft.com/office/powerpoint/2010/main" val="1755938218"/>
+      </p:ext>
+    </p:extLst>
+  </p:cSld>
+  <p:clrMapOvr>
+    <a:masterClrMapping/>
+  </p:clrMapOvr>
+</p:notes>
+</file>
+
+<file path=ppt/notesSlides/notesSlide5.xml><?xml version="1.0" encoding="utf-8"?>
+<p:notes xmlns:a="http://schemas.openxmlformats.org/drawingml/2006/main" xmlns:r="http://schemas.openxmlformats.org/officeDocument/2006/relationships" xmlns:p="http://schemas.openxmlformats.org/presentationml/2006/main">
+  <p:cSld>
+    <p:spTree>
+      <p:nvGrpSpPr>
+        <p:cNvPr id="1" name=""/>
+        <p:cNvGrpSpPr/>
+        <p:nvPr/>
+      </p:nvGrpSpPr>
+      <p:grpSpPr>
+        <a:xfrm>
+          <a:off x="0" y="0"/>
+          <a:ext cx="0" cy="0"/>
+          <a:chOff x="0" y="0"/>
+          <a:chExt cx="0" cy="0"/>
+        </a:xfrm>
+      </p:grpSpPr>
+      <p:sp>
+        <p:nvSpPr>
+          <p:cNvPr id="2" name="Slide Image Placeholder 1"/>
+          <p:cNvSpPr>
+            <a:spLocks noGrp="1" noRot="1" noChangeAspect="1"/>
+          </p:cNvSpPr>
+          <p:nvPr>
+            <p:ph type="sldImg"/>
+          </p:nvPr>
+        </p:nvSpPr>
+        <p:spPr/>
+      </p:sp>
+      <p:sp>
+        <p:nvSpPr>
+          <p:cNvPr id="3" name="Notes Placeholder 2"/>
+          <p:cNvSpPr>
+            <a:spLocks noGrp="1"/>
+          </p:cNvSpPr>
+          <p:nvPr>
+            <p:ph type="body" idx="1"/>
+          </p:nvPr>
+        </p:nvSpPr>
+        <p:spPr/>
+        <p:txBody>
+          <a:bodyPr/>
+          <a:lstStyle/>
+          <a:p>
+            <a:r>
+              <a:rPr lang="en-US" dirty="0"/>
+              <a:t>If you change this value it needs to be a web-accessible URL.</a:t>
+            </a:r>
+          </a:p>
+        </p:txBody>
+      </p:sp>
+      <p:sp>
+        <p:nvSpPr>
+          <p:cNvPr id="4" name="Slide Number Placeholder 3"/>
+          <p:cNvSpPr>
+            <a:spLocks noGrp="1"/>
+          </p:cNvSpPr>
+          <p:nvPr>
+            <p:ph type="sldNum" idx="12"/>
+          </p:nvPr>
+        </p:nvSpPr>
+        <p:spPr/>
+        <p:txBody>
+          <a:bodyPr/>
+          <a:lstStyle/>
+          <a:p>
+            <a:pPr marL="0" marR="0" lvl="0" indent="0" algn="r" rtl="0">
+              <a:spcBef>
+                <a:spcPts val="0"/>
+              </a:spcBef>
+              <a:spcAft>
+                <a:spcPts val="0"/>
+              </a:spcAft>
+              <a:buNone/>
+            </a:pPr>
+            <a:fld id="{00000000-1234-1234-1234-123412341234}" type="slidenum">
+              <a:rPr lang="en-US" sz="1200" b="0" i="0" u="none" strike="noStrike" cap="none" smtClean="0">
+                <a:solidFill>
+                  <a:schemeClr val="dk1"/>
+                </a:solidFill>
+                <a:latin typeface="Arial"/>
+                <a:ea typeface="Arial"/>
+                <a:cs typeface="Arial"/>
+                <a:sym typeface="Arial"/>
+              </a:rPr>
+              <a:t>10</a:t>
+            </a:fld>
+            <a:endParaRPr lang="en-US" sz="1200" b="0" i="0" u="none" strike="noStrike" cap="none">
+              <a:solidFill>
+                <a:schemeClr val="dk1"/>
+              </a:solidFill>
+              <a:latin typeface="Arial"/>
+              <a:ea typeface="Arial"/>
+              <a:cs typeface="Arial"/>
+              <a:sym typeface="Arial"/>
+            </a:endParaRPr>
+          </a:p>
+        </p:txBody>
+      </p:sp>
+    </p:spTree>
+    <p:extLst>
+      <p:ext uri="{BB962C8B-B14F-4D97-AF65-F5344CB8AC3E}">
+        <p14:creationId xmlns:p14="http://schemas.microsoft.com/office/powerpoint/2010/main" val="4038462616"/>
+      </p:ext>
+    </p:extLst>
+  </p:cSld>
+  <p:clrMapOvr>
+    <a:masterClrMapping/>
+  </p:clrMapOvr>
+</p:notes>
+</file>
+
+<file path=ppt/notesSlides/notesSlide6.xml><?xml version="1.0" encoding="utf-8"?>
+<p:notes xmlns:a="http://schemas.openxmlformats.org/drawingml/2006/main" xmlns:r="http://schemas.openxmlformats.org/officeDocument/2006/relationships" xmlns:p="http://schemas.openxmlformats.org/presentationml/2006/main">
+  <p:cSld>
+    <p:spTree>
+      <p:nvGrpSpPr>
+        <p:cNvPr id="1" name=""/>
+        <p:cNvGrpSpPr/>
+        <p:nvPr/>
+      </p:nvGrpSpPr>
+      <p:grpSpPr>
+        <a:xfrm>
+          <a:off x="0" y="0"/>
+          <a:ext cx="0" cy="0"/>
+          <a:chOff x="0" y="0"/>
+          <a:chExt cx="0" cy="0"/>
+        </a:xfrm>
+      </p:grpSpPr>
+      <p:sp>
+        <p:nvSpPr>
+          <p:cNvPr id="2" name="Slide Image Placeholder 1"/>
+          <p:cNvSpPr>
+            <a:spLocks noGrp="1" noRot="1" noChangeAspect="1"/>
+          </p:cNvSpPr>
+          <p:nvPr>
+            <p:ph type="sldImg"/>
+          </p:nvPr>
+        </p:nvSpPr>
+        <p:spPr/>
+      </p:sp>
+      <p:sp>
+        <p:nvSpPr>
+          <p:cNvPr id="3" name="Notes Placeholder 2"/>
+          <p:cNvSpPr>
+            <a:spLocks noGrp="1"/>
+          </p:cNvSpPr>
+          <p:nvPr>
+            <p:ph type="body" idx="1"/>
+          </p:nvPr>
+        </p:nvSpPr>
+        <p:spPr/>
+        <p:txBody>
+          <a:bodyPr/>
+          <a:lstStyle/>
+          <a:p>
+            <a:r>
+              <a:rPr lang="en-US" dirty="0"/>
+              <a:t>When a person presses the print button, a PDF of the current finding aid is generated and saved to the local hard drive.</a:t>
+            </a:r>
+          </a:p>
+        </p:txBody>
+      </p:sp>
+      <p:sp>
+        <p:nvSpPr>
+          <p:cNvPr id="4" name="Slide Number Placeholder 3"/>
+          <p:cNvSpPr>
+            <a:spLocks noGrp="1"/>
+          </p:cNvSpPr>
+          <p:nvPr>
+            <p:ph type="sldNum" idx="12"/>
+          </p:nvPr>
+        </p:nvSpPr>
+        <p:spPr/>
+        <p:txBody>
+          <a:bodyPr/>
+          <a:lstStyle/>
+          <a:p>
+            <a:pPr marL="0" marR="0" lvl="0" indent="0" algn="r" rtl="0">
+              <a:spcBef>
+                <a:spcPts val="0"/>
+              </a:spcBef>
+              <a:spcAft>
+                <a:spcPts val="0"/>
+              </a:spcAft>
+              <a:buNone/>
+            </a:pPr>
+            <a:fld id="{00000000-1234-1234-1234-123412341234}" type="slidenum">
+              <a:rPr lang="en-US" sz="1200" b="0" i="0" u="none" strike="noStrike" cap="none" smtClean="0">
+                <a:solidFill>
+                  <a:schemeClr val="dk1"/>
+                </a:solidFill>
+                <a:latin typeface="Arial"/>
+                <a:ea typeface="Arial"/>
+                <a:cs typeface="Arial"/>
+                <a:sym typeface="Arial"/>
+              </a:rPr>
+              <a:t>13</a:t>
+            </a:fld>
+            <a:endParaRPr lang="en-US" sz="1200" b="0" i="0" u="none" strike="noStrike" cap="none">
+              <a:solidFill>
+                <a:schemeClr val="dk1"/>
+              </a:solidFill>
+              <a:latin typeface="Arial"/>
+              <a:ea typeface="Arial"/>
+              <a:cs typeface="Arial"/>
+              <a:sym typeface="Arial"/>
+            </a:endParaRPr>
+          </a:p>
+        </p:txBody>
+      </p:sp>
+    </p:spTree>
+    <p:extLst>
+      <p:ext uri="{BB962C8B-B14F-4D97-AF65-F5344CB8AC3E}">
+        <p14:creationId xmlns:p14="http://schemas.microsoft.com/office/powerpoint/2010/main" val="2009852118"/>
+      </p:ext>
+    </p:extLst>
+  </p:cSld>
+  <p:clrMapOvr>
+    <a:masterClrMapping/>
+  </p:clrMapOvr>
+</p:notes>
+</file>
+
+<file path=ppt/notesSlides/notesSlide7.xml><?xml version="1.0" encoding="utf-8"?>
 <p:notes xmlns:a="http://schemas.openxmlformats.org/drawingml/2006/main" xmlns:r="http://schemas.openxmlformats.org/officeDocument/2006/relationships" xmlns:p="http://schemas.openxmlformats.org/presentationml/2006/main" showMasterSp="0" showMasterPhAnim="0">
   <p:cSld>
     <p:spTree>
@@ -2662,7 +3580,7 @@
 </p:notes>
 </file>
 
-<file path=ppt/notesSlides/notesSlide4.xml><?xml version="1.0" encoding="utf-8"?>
+<file path=ppt/notesSlides/notesSlide8.xml><?xml version="1.0" encoding="utf-8"?>
 <p:notes xmlns:a="http://schemas.openxmlformats.org/drawingml/2006/main" xmlns:r="http://schemas.openxmlformats.org/officeDocument/2006/relationships" xmlns:p="http://schemas.openxmlformats.org/presentationml/2006/main" showMasterSp="0" showMasterPhAnim="0">
   <p:cSld>
     <p:spTree>
@@ -2766,7 +3684,7 @@
 </p:notes>
 </file>
 
-<file path=ppt/notesSlides/notesSlide5.xml><?xml version="1.0" encoding="utf-8"?>
+<file path=ppt/notesSlides/notesSlide9.xml><?xml version="1.0" encoding="utf-8"?>
 <p:notes xmlns:a="http://schemas.openxmlformats.org/drawingml/2006/main" xmlns:r="http://schemas.openxmlformats.org/officeDocument/2006/relationships" xmlns:p="http://schemas.openxmlformats.org/presentationml/2006/main" showMasterSp="0" showMasterPhAnim="0">
   <p:cSld>
     <p:spTree>
@@ -2824,464 +3742,6 @@
       <p:sp>
         <p:nvSpPr>
           <p:cNvPr id="113" name="Google Shape;113;p9:notes"/>
-          <p:cNvSpPr>
-            <a:spLocks noGrp="1" noRot="1" noChangeAspect="1"/>
-          </p:cNvSpPr>
-          <p:nvPr>
-            <p:ph type="sldImg" idx="2"/>
-          </p:nvPr>
-        </p:nvSpPr>
-        <p:spPr>
-          <a:xfrm>
-            <a:off x="1371600" y="1143000"/>
-            <a:ext cx="4114800" cy="3086100"/>
-          </a:xfrm>
-          <a:custGeom>
-            <a:avLst/>
-            <a:gdLst/>
-            <a:ahLst/>
-            <a:cxnLst/>
-            <a:rect l="l" t="t" r="r" b="b"/>
-            <a:pathLst>
-              <a:path w="120000" h="120000" extrusionOk="0">
-                <a:moveTo>
-                  <a:pt x="0" y="0"/>
-                </a:moveTo>
-                <a:lnTo>
-                  <a:pt x="120000" y="0"/>
-                </a:lnTo>
-                <a:lnTo>
-                  <a:pt x="120000" y="120000"/>
-                </a:lnTo>
-                <a:lnTo>
-                  <a:pt x="0" y="120000"/>
-                </a:lnTo>
-                <a:close/>
-              </a:path>
-            </a:pathLst>
-          </a:custGeom>
-        </p:spPr>
-      </p:sp>
-    </p:spTree>
-  </p:cSld>
-  <p:clrMapOvr>
-    <a:masterClrMapping/>
-  </p:clrMapOvr>
-</p:notes>
-</file>
-
-<file path=ppt/notesSlides/notesSlide6.xml><?xml version="1.0" encoding="utf-8"?>
-<p:notes xmlns:a="http://schemas.openxmlformats.org/drawingml/2006/main" xmlns:r="http://schemas.openxmlformats.org/officeDocument/2006/relationships" xmlns:p="http://schemas.openxmlformats.org/presentationml/2006/main" showMasterSp="0" showMasterPhAnim="0">
-  <p:cSld>
-    <p:spTree>
-      <p:nvGrpSpPr>
-        <p:cNvPr id="1" name="Shape 118"/>
-        <p:cNvGrpSpPr/>
-        <p:nvPr/>
-      </p:nvGrpSpPr>
-      <p:grpSpPr>
-        <a:xfrm>
-          <a:off x="0" y="0"/>
-          <a:ext cx="0" cy="0"/>
-          <a:chOff x="0" y="0"/>
-          <a:chExt cx="0" cy="0"/>
-        </a:xfrm>
-      </p:grpSpPr>
-      <p:sp>
-        <p:nvSpPr>
-          <p:cNvPr id="119" name="Google Shape;119;p10:notes"/>
-          <p:cNvSpPr txBox="1">
-            <a:spLocks noGrp="1"/>
-          </p:cNvSpPr>
-          <p:nvPr>
-            <p:ph type="body" idx="1"/>
-          </p:nvPr>
-        </p:nvSpPr>
-        <p:spPr>
-          <a:xfrm>
-            <a:off x="685800" y="4400550"/>
-            <a:ext cx="5486400" cy="3600450"/>
-          </a:xfrm>
-          <a:prstGeom prst="rect">
-            <a:avLst/>
-          </a:prstGeom>
-        </p:spPr>
-        <p:txBody>
-          <a:bodyPr spcFirstLastPara="1" wrap="square" lIns="91425" tIns="91425" rIns="91425" bIns="91425" anchor="t" anchorCtr="0">
-            <a:noAutofit/>
-          </a:bodyPr>
-          <a:lstStyle/>
-          <a:p>
-            <a:pPr marL="0" lvl="0" indent="0" algn="l" rtl="0">
-              <a:spcBef>
-                <a:spcPts val="0"/>
-              </a:spcBef>
-              <a:spcAft>
-                <a:spcPts val="0"/>
-              </a:spcAft>
-              <a:buNone/>
-            </a:pPr>
-            <a:endParaRPr/>
-          </a:p>
-        </p:txBody>
-      </p:sp>
-      <p:sp>
-        <p:nvSpPr>
-          <p:cNvPr id="120" name="Google Shape;120;p10:notes"/>
-          <p:cNvSpPr>
-            <a:spLocks noGrp="1" noRot="1" noChangeAspect="1"/>
-          </p:cNvSpPr>
-          <p:nvPr>
-            <p:ph type="sldImg" idx="2"/>
-          </p:nvPr>
-        </p:nvSpPr>
-        <p:spPr>
-          <a:xfrm>
-            <a:off x="1371600" y="1143000"/>
-            <a:ext cx="4114800" cy="3086100"/>
-          </a:xfrm>
-          <a:custGeom>
-            <a:avLst/>
-            <a:gdLst/>
-            <a:ahLst/>
-            <a:cxnLst/>
-            <a:rect l="l" t="t" r="r" b="b"/>
-            <a:pathLst>
-              <a:path w="120000" h="120000" extrusionOk="0">
-                <a:moveTo>
-                  <a:pt x="0" y="0"/>
-                </a:moveTo>
-                <a:lnTo>
-                  <a:pt x="120000" y="0"/>
-                </a:lnTo>
-                <a:lnTo>
-                  <a:pt x="120000" y="120000"/>
-                </a:lnTo>
-                <a:lnTo>
-                  <a:pt x="0" y="120000"/>
-                </a:lnTo>
-                <a:close/>
-              </a:path>
-            </a:pathLst>
-          </a:custGeom>
-        </p:spPr>
-      </p:sp>
-    </p:spTree>
-  </p:cSld>
-  <p:clrMapOvr>
-    <a:masterClrMapping/>
-  </p:clrMapOvr>
-</p:notes>
-</file>
-
-<file path=ppt/notesSlides/notesSlide7.xml><?xml version="1.0" encoding="utf-8"?>
-<p:notes xmlns:a="http://schemas.openxmlformats.org/drawingml/2006/main" xmlns:r="http://schemas.openxmlformats.org/officeDocument/2006/relationships" xmlns:p="http://schemas.openxmlformats.org/presentationml/2006/main" showMasterSp="0" showMasterPhAnim="0">
-  <p:cSld>
-    <p:spTree>
-      <p:nvGrpSpPr>
-        <p:cNvPr id="1" name="Shape 124"/>
-        <p:cNvGrpSpPr/>
-        <p:nvPr/>
-      </p:nvGrpSpPr>
-      <p:grpSpPr>
-        <a:xfrm>
-          <a:off x="0" y="0"/>
-          <a:ext cx="0" cy="0"/>
-          <a:chOff x="0" y="0"/>
-          <a:chExt cx="0" cy="0"/>
-        </a:xfrm>
-      </p:grpSpPr>
-      <p:sp>
-        <p:nvSpPr>
-          <p:cNvPr id="125" name="Google Shape;125;p11:notes"/>
-          <p:cNvSpPr txBox="1">
-            <a:spLocks noGrp="1"/>
-          </p:cNvSpPr>
-          <p:nvPr>
-            <p:ph type="body" idx="1"/>
-          </p:nvPr>
-        </p:nvSpPr>
-        <p:spPr>
-          <a:xfrm>
-            <a:off x="685800" y="4400550"/>
-            <a:ext cx="5486400" cy="3600450"/>
-          </a:xfrm>
-          <a:prstGeom prst="rect">
-            <a:avLst/>
-          </a:prstGeom>
-        </p:spPr>
-        <p:txBody>
-          <a:bodyPr spcFirstLastPara="1" wrap="square" lIns="91425" tIns="91425" rIns="91425" bIns="91425" anchor="t" anchorCtr="0">
-            <a:noAutofit/>
-          </a:bodyPr>
-          <a:lstStyle/>
-          <a:p>
-            <a:pPr marL="0" lvl="0" indent="0" algn="l" rtl="0">
-              <a:spcBef>
-                <a:spcPts val="0"/>
-              </a:spcBef>
-              <a:spcAft>
-                <a:spcPts val="0"/>
-              </a:spcAft>
-              <a:buNone/>
-            </a:pPr>
-            <a:endParaRPr/>
-          </a:p>
-        </p:txBody>
-      </p:sp>
-      <p:sp>
-        <p:nvSpPr>
-          <p:cNvPr id="126" name="Google Shape;126;p11:notes"/>
-          <p:cNvSpPr>
-            <a:spLocks noGrp="1" noRot="1" noChangeAspect="1"/>
-          </p:cNvSpPr>
-          <p:nvPr>
-            <p:ph type="sldImg" idx="2"/>
-          </p:nvPr>
-        </p:nvSpPr>
-        <p:spPr>
-          <a:xfrm>
-            <a:off x="1371600" y="1143000"/>
-            <a:ext cx="4114800" cy="3086100"/>
-          </a:xfrm>
-          <a:custGeom>
-            <a:avLst/>
-            <a:gdLst/>
-            <a:ahLst/>
-            <a:cxnLst/>
-            <a:rect l="l" t="t" r="r" b="b"/>
-            <a:pathLst>
-              <a:path w="120000" h="120000" extrusionOk="0">
-                <a:moveTo>
-                  <a:pt x="0" y="0"/>
-                </a:moveTo>
-                <a:lnTo>
-                  <a:pt x="120000" y="0"/>
-                </a:lnTo>
-                <a:lnTo>
-                  <a:pt x="120000" y="120000"/>
-                </a:lnTo>
-                <a:lnTo>
-                  <a:pt x="0" y="120000"/>
-                </a:lnTo>
-                <a:close/>
-              </a:path>
-            </a:pathLst>
-          </a:custGeom>
-        </p:spPr>
-      </p:sp>
-    </p:spTree>
-  </p:cSld>
-  <p:clrMapOvr>
-    <a:masterClrMapping/>
-  </p:clrMapOvr>
-</p:notes>
-</file>
-
-<file path=ppt/notesSlides/notesSlide8.xml><?xml version="1.0" encoding="utf-8"?>
-<p:notes xmlns:a="http://schemas.openxmlformats.org/drawingml/2006/main" xmlns:r="http://schemas.openxmlformats.org/officeDocument/2006/relationships" xmlns:p="http://schemas.openxmlformats.org/presentationml/2006/main" showMasterSp="0" showMasterPhAnim="0">
-  <p:cSld>
-    <p:spTree>
-      <p:nvGrpSpPr>
-        <p:cNvPr id="1" name="Shape 130"/>
-        <p:cNvGrpSpPr/>
-        <p:nvPr/>
-      </p:nvGrpSpPr>
-      <p:grpSpPr>
-        <a:xfrm>
-          <a:off x="0" y="0"/>
-          <a:ext cx="0" cy="0"/>
-          <a:chOff x="0" y="0"/>
-          <a:chExt cx="0" cy="0"/>
-        </a:xfrm>
-      </p:grpSpPr>
-      <p:sp>
-        <p:nvSpPr>
-          <p:cNvPr id="131" name="Google Shape;131;p12:notes"/>
-          <p:cNvSpPr txBox="1">
-            <a:spLocks noGrp="1"/>
-          </p:cNvSpPr>
-          <p:nvPr>
-            <p:ph type="body" idx="1"/>
-          </p:nvPr>
-        </p:nvSpPr>
-        <p:spPr>
-          <a:xfrm>
-            <a:off x="685800" y="4400550"/>
-            <a:ext cx="5486400" cy="3600450"/>
-          </a:xfrm>
-          <a:prstGeom prst="rect">
-            <a:avLst/>
-          </a:prstGeom>
-        </p:spPr>
-        <p:txBody>
-          <a:bodyPr spcFirstLastPara="1" wrap="square" lIns="91425" tIns="91425" rIns="91425" bIns="91425" anchor="t" anchorCtr="0">
-            <a:noAutofit/>
-          </a:bodyPr>
-          <a:lstStyle/>
-          <a:p>
-            <a:pPr marL="0" lvl="0" indent="0" algn="l" rtl="0">
-              <a:spcBef>
-                <a:spcPts val="0"/>
-              </a:spcBef>
-              <a:spcAft>
-                <a:spcPts val="0"/>
-              </a:spcAft>
-              <a:buNone/>
-            </a:pPr>
-            <a:r>
-              <a:rPr lang="en-US" dirty="0"/>
-              <a:t>Spacing in a </a:t>
-            </a:r>
-            <a:r>
-              <a:rPr lang="en-US" dirty="0" err="1"/>
-              <a:t>yml</a:t>
-            </a:r>
-            <a:r>
-              <a:rPr lang="en-US" dirty="0"/>
-              <a:t> file is very important - always have 2 space indentation from the previous line to keep it in the current hierarchy. Remove 2 spaces at a time to move back up the hierarchy.</a:t>
-            </a:r>
-          </a:p>
-          <a:p>
-            <a:pPr marL="0" indent="0"/>
-            <a:endParaRPr lang="en-US" dirty="0"/>
-          </a:p>
-          <a:p>
-            <a:pPr marL="0" indent="0"/>
-            <a:r>
-              <a:rPr lang="en-US" dirty="0"/>
-              <a:t>It is OK to copy the entire </a:t>
-            </a:r>
-            <a:r>
-              <a:rPr lang="en-US" dirty="0" err="1"/>
-              <a:t>yml</a:t>
-            </a:r>
-            <a:r>
-              <a:rPr lang="en-US" dirty="0"/>
-              <a:t> file over into the plugin directory to make sure you keep the right hierarchy and spacing, but be aware that will make it more difficult to maintain the changes you have made when upgrades occur.</a:t>
-            </a:r>
-          </a:p>
-          <a:p>
-            <a:pPr marL="0" lvl="0" indent="0" algn="l" rtl="0">
-              <a:spcBef>
-                <a:spcPts val="0"/>
-              </a:spcBef>
-              <a:spcAft>
-                <a:spcPts val="0"/>
-              </a:spcAft>
-              <a:buNone/>
-            </a:pPr>
-            <a:endParaRPr dirty="0"/>
-          </a:p>
-        </p:txBody>
-      </p:sp>
-      <p:sp>
-        <p:nvSpPr>
-          <p:cNvPr id="132" name="Google Shape;132;p12:notes"/>
-          <p:cNvSpPr>
-            <a:spLocks noGrp="1" noRot="1" noChangeAspect="1"/>
-          </p:cNvSpPr>
-          <p:nvPr>
-            <p:ph type="sldImg" idx="2"/>
-          </p:nvPr>
-        </p:nvSpPr>
-        <p:spPr>
-          <a:xfrm>
-            <a:off x="1371600" y="1143000"/>
-            <a:ext cx="4114800" cy="3086100"/>
-          </a:xfrm>
-          <a:custGeom>
-            <a:avLst/>
-            <a:gdLst/>
-            <a:ahLst/>
-            <a:cxnLst/>
-            <a:rect l="l" t="t" r="r" b="b"/>
-            <a:pathLst>
-              <a:path w="120000" h="120000" extrusionOk="0">
-                <a:moveTo>
-                  <a:pt x="0" y="0"/>
-                </a:moveTo>
-                <a:lnTo>
-                  <a:pt x="120000" y="0"/>
-                </a:lnTo>
-                <a:lnTo>
-                  <a:pt x="120000" y="120000"/>
-                </a:lnTo>
-                <a:lnTo>
-                  <a:pt x="0" y="120000"/>
-                </a:lnTo>
-                <a:close/>
-              </a:path>
-            </a:pathLst>
-          </a:custGeom>
-        </p:spPr>
-      </p:sp>
-    </p:spTree>
-  </p:cSld>
-  <p:clrMapOvr>
-    <a:masterClrMapping/>
-  </p:clrMapOvr>
-</p:notes>
-</file>
-
-<file path=ppt/notesSlides/notesSlide9.xml><?xml version="1.0" encoding="utf-8"?>
-<p:notes xmlns:a="http://schemas.openxmlformats.org/drawingml/2006/main" xmlns:r="http://schemas.openxmlformats.org/officeDocument/2006/relationships" xmlns:p="http://schemas.openxmlformats.org/presentationml/2006/main" showMasterSp="0" showMasterPhAnim="0">
-  <p:cSld>
-    <p:spTree>
-      <p:nvGrpSpPr>
-        <p:cNvPr id="1" name="Shape 136"/>
-        <p:cNvGrpSpPr/>
-        <p:nvPr/>
-      </p:nvGrpSpPr>
-      <p:grpSpPr>
-        <a:xfrm>
-          <a:off x="0" y="0"/>
-          <a:ext cx="0" cy="0"/>
-          <a:chOff x="0" y="0"/>
-          <a:chExt cx="0" cy="0"/>
-        </a:xfrm>
-      </p:grpSpPr>
-      <p:sp>
-        <p:nvSpPr>
-          <p:cNvPr id="137" name="Google Shape;137;p13:notes"/>
-          <p:cNvSpPr txBox="1">
-            <a:spLocks noGrp="1"/>
-          </p:cNvSpPr>
-          <p:nvPr>
-            <p:ph type="body" idx="1"/>
-          </p:nvPr>
-        </p:nvSpPr>
-        <p:spPr>
-          <a:xfrm>
-            <a:off x="685800" y="4400550"/>
-            <a:ext cx="5486400" cy="3600450"/>
-          </a:xfrm>
-          <a:prstGeom prst="rect">
-            <a:avLst/>
-          </a:prstGeom>
-        </p:spPr>
-        <p:txBody>
-          <a:bodyPr spcFirstLastPara="1" wrap="square" lIns="91425" tIns="91425" rIns="91425" bIns="91425" anchor="t" anchorCtr="0">
-            <a:noAutofit/>
-          </a:bodyPr>
-          <a:lstStyle/>
-          <a:p>
-            <a:pPr marL="0" lvl="0" indent="0" algn="l" rtl="0">
-              <a:spcBef>
-                <a:spcPts val="0"/>
-              </a:spcBef>
-              <a:spcAft>
-                <a:spcPts val="0"/>
-              </a:spcAft>
-              <a:buNone/>
-            </a:pPr>
-            <a:endParaRPr/>
-          </a:p>
-        </p:txBody>
-      </p:sp>
-      <p:sp>
-        <p:nvSpPr>
-          <p:cNvPr id="138" name="Google Shape;138;p13:notes"/>
           <p:cNvSpPr>
             <a:spLocks noGrp="1" noRot="1" noChangeAspect="1"/>
           </p:cNvSpPr>
@@ -12392,7 +12852,7 @@
           <p:cNvPr id="2" name="Title 1">
             <a:extLst>
               <a:ext uri="{FF2B5EF4-FFF2-40B4-BE49-F238E27FC236}">
-                <a16:creationId xmlns:a16="http://schemas.microsoft.com/office/drawing/2014/main" id="{B6178EBB-621F-3447-AE68-11FCF4FDC0BE}"/>
+                <a16:creationId xmlns:a16="http://schemas.microsoft.com/office/drawing/2014/main" id="{BEB721FE-9202-6F45-AFC3-21D82ED99E6E}"/>
               </a:ext>
             </a:extLst>
           </p:cNvPr>
@@ -12406,7 +12866,7 @@
         <p:spPr>
           <a:xfrm>
             <a:off x="457200" y="274638"/>
-            <a:ext cx="8229600" cy="563562"/>
+            <a:ext cx="8229600" cy="1143000"/>
           </a:xfrm>
         </p:spPr>
         <p:txBody>
@@ -12414,8 +12874,8 @@
           <a:lstStyle/>
           <a:p>
             <a:r>
-              <a:rPr lang="en-US" dirty="0"/>
-              <a:t>Requests</a:t>
+              <a:rPr lang="en-US" sz="4000" dirty="0"/>
+              <a:t>Change the feedback link</a:t>
             </a:r>
           </a:p>
         </p:txBody>
@@ -12425,7 +12885,7 @@
           <p:cNvPr id="3" name="Text Placeholder 2">
             <a:extLst>
               <a:ext uri="{FF2B5EF4-FFF2-40B4-BE49-F238E27FC236}">
-                <a16:creationId xmlns:a16="http://schemas.microsoft.com/office/drawing/2014/main" id="{86715A2C-809C-BF46-A16D-50C473F913A2}"/>
+                <a16:creationId xmlns:a16="http://schemas.microsoft.com/office/drawing/2014/main" id="{51862B97-E2CE-554B-9A89-2A36AB29D3A4}"/>
               </a:ext>
             </a:extLst>
           </p:cNvPr>
@@ -12438,268 +12898,1189 @@
         </p:nvSpPr>
         <p:spPr>
           <a:xfrm>
-            <a:off x="457200" y="986259"/>
-            <a:ext cx="8229600" cy="4963128"/>
+            <a:off x="734518" y="1522855"/>
+            <a:ext cx="7952282" cy="1406271"/>
           </a:xfrm>
         </p:spPr>
         <p:txBody>
           <a:bodyPr/>
           <a:lstStyle/>
           <a:p>
-            <a:pPr marL="368300" indent="-342900">
+            <a:pPr marL="25400" indent="0">
               <a:buClrTx/>
               <a:buSzPct val="100000"/>
-              <a:buFont typeface="+mj-lt"/>
-              <a:buAutoNum type="alphaUcPeriod" startAt="9"/>
+              <a:buNone/>
             </a:pPr>
             <a:r>
-              <a:rPr lang="en-US" sz="1800" dirty="0"/>
-              <a:t>Like the other page actions, request functionality is defaulted to disabled/false. In order to enable requests, you will need to make several configuration file changes:</a:t>
-            </a:r>
-          </a:p>
-          <a:p>
-            <a:pPr marL="482600" lvl="1" indent="0">
+              <a:rPr lang="en-US" sz="2000" dirty="0">
+                <a:cs typeface="Courier New" panose="02070309020205020404" pitchFamily="49" charset="0"/>
+              </a:rPr>
+              <a:t>The configuration variable for changing the feedback link is </a:t>
+            </a:r>
+            <a:r>
+              <a:rPr lang="en-US" sz="1600" b="1" dirty="0" err="1">
+                <a:latin typeface="Courier New"/>
+                <a:ea typeface="Courier New"/>
+                <a:cs typeface="Courier New"/>
+                <a:sym typeface="Courier New"/>
+              </a:rPr>
+              <a:t>AppConfig</a:t>
+            </a:r>
+            <a:r>
+              <a:rPr lang="en-US" sz="1600" b="1" dirty="0">
+                <a:latin typeface="Courier New"/>
+                <a:ea typeface="Courier New"/>
+                <a:cs typeface="Courier New"/>
+                <a:sym typeface="Courier New"/>
+              </a:rPr>
+              <a:t>[:</a:t>
+            </a:r>
+            <a:r>
+              <a:rPr lang="en-US" sz="1600" b="1" dirty="0" err="1">
+                <a:latin typeface="Courier New"/>
+                <a:ea typeface="Courier New"/>
+                <a:cs typeface="Courier New"/>
+                <a:sym typeface="Courier New"/>
+              </a:rPr>
+              <a:t>feedback_url</a:t>
+            </a:r>
+            <a:r>
+              <a:rPr lang="en-US" sz="1600" b="1" dirty="0">
+                <a:latin typeface="Courier New"/>
+                <a:ea typeface="Courier New"/>
+                <a:cs typeface="Courier New"/>
+                <a:sym typeface="Courier New"/>
+              </a:rPr>
+              <a:t>]</a:t>
+            </a:r>
+            <a:r>
+              <a:rPr lang="en-US" sz="2000" dirty="0">
+                <a:latin typeface="+mn-lt"/>
+                <a:ea typeface="Courier New"/>
+                <a:cs typeface="Courier New"/>
+                <a:sym typeface="Courier New"/>
+              </a:rPr>
+              <a:t>.</a:t>
+            </a:r>
+            <a:endParaRPr lang="en-US" sz="1600" dirty="0">
+              <a:latin typeface="Courier New"/>
+              <a:ea typeface="Courier New"/>
+              <a:cs typeface="Courier New"/>
+              <a:sym typeface="Courier New"/>
+            </a:endParaRPr>
+          </a:p>
+          <a:p>
+            <a:pPr marL="25400" indent="0">
+              <a:buClrTx/>
+              <a:buSzPct val="100000"/>
               <a:buNone/>
             </a:pPr>
             <a:r>
-              <a:rPr lang="en-US" sz="1400" b="1" dirty="0" err="1"/>
+              <a:rPr lang="en-US" sz="2000" dirty="0">
+                <a:cs typeface="Courier New" panose="02070309020205020404" pitchFamily="49" charset="0"/>
+                <a:sym typeface="Courier New"/>
+              </a:rPr>
+              <a:t>The default is a link back to the ArchivesSpace website:  </a:t>
+            </a:r>
+            <a:r>
+              <a:rPr lang="en-US" sz="1600" b="1" dirty="0">
+                <a:latin typeface="Courier New" panose="02070309020205020404" pitchFamily="49" charset="0"/>
+                <a:ea typeface="Courier New"/>
+                <a:cs typeface="Courier New" panose="02070309020205020404" pitchFamily="49" charset="0"/>
+                <a:sym typeface="Courier New"/>
+              </a:rPr>
+              <a:t>"http://</a:t>
+            </a:r>
+            <a:r>
+              <a:rPr lang="en-US" sz="1600" b="1" dirty="0" err="1">
+                <a:latin typeface="Courier New" panose="02070309020205020404" pitchFamily="49" charset="0"/>
+                <a:ea typeface="Courier New"/>
+                <a:cs typeface="Courier New" panose="02070309020205020404" pitchFamily="49" charset="0"/>
+                <a:sym typeface="Courier New"/>
+              </a:rPr>
+              <a:t>archivesspace.org</a:t>
+            </a:r>
+            <a:r>
+              <a:rPr lang="en-US" sz="1600" b="1" dirty="0">
+                <a:latin typeface="Courier New" panose="02070309020205020404" pitchFamily="49" charset="0"/>
+                <a:ea typeface="Courier New"/>
+                <a:cs typeface="Courier New" panose="02070309020205020404" pitchFamily="49" charset="0"/>
+                <a:sym typeface="Courier New"/>
+              </a:rPr>
+              <a:t>/feedback"</a:t>
+            </a:r>
+          </a:p>
+          <a:p>
+            <a:pPr marL="25400" indent="0">
+              <a:buClrTx/>
+              <a:buSzPct val="100000"/>
+              <a:buNone/>
+            </a:pPr>
+            <a:endParaRPr lang="en-US" sz="2000" dirty="0"/>
+          </a:p>
+          <a:p>
+            <a:pPr marL="25400" indent="0">
+              <a:buNone/>
+            </a:pPr>
+            <a:endParaRPr lang="en-US" sz="2400" dirty="0">
+              <a:latin typeface="+mn-lt"/>
+            </a:endParaRPr>
+          </a:p>
+        </p:txBody>
+      </p:sp>
+      <p:sp>
+        <p:nvSpPr>
+          <p:cNvPr id="4" name="TextBox 3">
+            <a:extLst>
+              <a:ext uri="{FF2B5EF4-FFF2-40B4-BE49-F238E27FC236}">
+                <a16:creationId xmlns:a16="http://schemas.microsoft.com/office/drawing/2014/main" id="{EC715FBB-4BAB-BF4F-AFDD-4653DE7BD3FE}"/>
+              </a:ext>
+            </a:extLst>
+          </p:cNvPr>
+          <p:cNvSpPr txBox="1"/>
+          <p:nvPr/>
+        </p:nvSpPr>
+        <p:spPr>
+          <a:xfrm>
+            <a:off x="734518" y="3928874"/>
+            <a:ext cx="7061549" cy="707886"/>
+          </a:xfrm>
+          <a:prstGeom prst="rect">
+            <a:avLst/>
+          </a:prstGeom>
+          <a:noFill/>
+        </p:spPr>
+        <p:txBody>
+          <a:bodyPr wrap="none" rtlCol="0">
+            <a:spAutoFit/>
+          </a:bodyPr>
+          <a:lstStyle/>
+          <a:p>
+            <a:r>
+              <a:rPr lang="en-US" sz="2000" dirty="0"/>
+              <a:t>If you would like to remove the feedback link completely, set </a:t>
+            </a:r>
+          </a:p>
+          <a:p>
+            <a:r>
+              <a:rPr lang="en-US" sz="2000" b="1" dirty="0" err="1">
+                <a:latin typeface="Courier New"/>
+                <a:cs typeface="Courier New"/>
+                <a:sym typeface="Courier New"/>
+              </a:rPr>
               <a:t>AppConfig</a:t>
             </a:r>
             <a:r>
-              <a:rPr lang="en-US" sz="1400" b="1" dirty="0"/>
+              <a:rPr lang="en-US" sz="2000" b="1" dirty="0">
+                <a:latin typeface="Courier New"/>
+                <a:cs typeface="Courier New"/>
+                <a:sym typeface="Courier New"/>
+              </a:rPr>
               <a:t>[:</a:t>
             </a:r>
             <a:r>
-              <a:rPr lang="en-US" sz="1400" b="1" dirty="0" err="1"/>
-              <a:t>pui_email_enabled</a:t>
-            </a:r>
-            <a:r>
-              <a:rPr lang="en-US" sz="1400" b="1" dirty="0"/>
-              <a:t>]  = true</a:t>
-            </a:r>
-            <a:endParaRPr lang="en-US" sz="1400" dirty="0"/>
-          </a:p>
-          <a:p>
-            <a:pPr marL="482600" lvl="1" indent="0">
-              <a:buNone/>
+              <a:rPr lang="en-US" sz="2000" b="1" dirty="0" err="1">
+                <a:latin typeface="Courier New"/>
+                <a:cs typeface="Courier New"/>
+                <a:sym typeface="Courier New"/>
+              </a:rPr>
+              <a:t>feedback_url</a:t>
+            </a:r>
+            <a:r>
+              <a:rPr lang="en-US" sz="2000" b="1" dirty="0">
+                <a:latin typeface="Courier New"/>
+                <a:cs typeface="Courier New"/>
+                <a:sym typeface="Courier New"/>
+              </a:rPr>
+              <a:t>] = ""</a:t>
+            </a:r>
+            <a:endParaRPr lang="en-US" sz="2000" b="1" dirty="0">
+              <a:latin typeface="Courier New"/>
+              <a:cs typeface="Courier New"/>
+            </a:endParaRPr>
+          </a:p>
+        </p:txBody>
+      </p:sp>
+      <p:grpSp>
+        <p:nvGrpSpPr>
+          <p:cNvPr id="10" name="Group 9">
+            <a:extLst>
+              <a:ext uri="{FF2B5EF4-FFF2-40B4-BE49-F238E27FC236}">
+                <a16:creationId xmlns:a16="http://schemas.microsoft.com/office/drawing/2014/main" id="{C620188C-9861-EF4E-88E5-DC6B68EEE382}"/>
+              </a:ext>
+            </a:extLst>
+          </p:cNvPr>
+          <p:cNvGrpSpPr/>
+          <p:nvPr/>
+        </p:nvGrpSpPr>
+        <p:grpSpPr>
+          <a:xfrm>
+            <a:off x="904094" y="3181350"/>
+            <a:ext cx="7200900" cy="495300"/>
+            <a:chOff x="626776" y="3181350"/>
+            <a:chExt cx="7200900" cy="495300"/>
+          </a:xfrm>
+        </p:grpSpPr>
+        <p:pic>
+          <p:nvPicPr>
+            <p:cNvPr id="8" name="Picture 7">
+              <a:extLst>
+                <a:ext uri="{FF2B5EF4-FFF2-40B4-BE49-F238E27FC236}">
+                  <a16:creationId xmlns:a16="http://schemas.microsoft.com/office/drawing/2014/main" id="{D93BB9F6-A5CF-CF41-A899-0864D5C6D140}"/>
+                </a:ext>
+              </a:extLst>
+            </p:cNvPr>
+            <p:cNvPicPr>
+              <a:picLocks noChangeAspect="1"/>
+            </p:cNvPicPr>
+            <p:nvPr/>
+          </p:nvPicPr>
+          <p:blipFill>
+            <a:blip r:embed="rId3"/>
+            <a:stretch>
+              <a:fillRect/>
+            </a:stretch>
+          </p:blipFill>
+          <p:spPr>
+            <a:xfrm>
+              <a:off x="626776" y="3181350"/>
+              <a:ext cx="7200900" cy="495300"/>
+            </a:xfrm>
+            <a:prstGeom prst="rect">
+              <a:avLst/>
+            </a:prstGeom>
+          </p:spPr>
+        </p:pic>
+        <p:sp>
+          <p:nvSpPr>
+            <p:cNvPr id="9" name="Rounded Rectangle 8">
+              <a:extLst>
+                <a:ext uri="{FF2B5EF4-FFF2-40B4-BE49-F238E27FC236}">
+                  <a16:creationId xmlns:a16="http://schemas.microsoft.com/office/drawing/2014/main" id="{6ED0DFED-1E13-C44C-9EBA-405CCBD4A70E}"/>
+                </a:ext>
+              </a:extLst>
+            </p:cNvPr>
+            <p:cNvSpPr/>
+            <p:nvPr/>
+          </p:nvSpPr>
+          <p:spPr>
+            <a:xfrm>
+              <a:off x="4572000" y="3181350"/>
+              <a:ext cx="3057993" cy="495300"/>
+            </a:xfrm>
+            <a:prstGeom prst="roundRect">
+              <a:avLst/>
+            </a:prstGeom>
+            <a:noFill/>
+            <a:ln>
+              <a:solidFill>
+                <a:schemeClr val="tx1"/>
+              </a:solidFill>
+            </a:ln>
+          </p:spPr>
+          <p:style>
+            <a:lnRef idx="2">
+              <a:schemeClr val="accent1">
+                <a:shade val="50000"/>
+              </a:schemeClr>
+            </a:lnRef>
+            <a:fillRef idx="1">
+              <a:schemeClr val="accent1"/>
+            </a:fillRef>
+            <a:effectRef idx="0">
+              <a:schemeClr val="accent1"/>
+            </a:effectRef>
+            <a:fontRef idx="minor">
+              <a:schemeClr val="lt1"/>
+            </a:fontRef>
+          </p:style>
+          <p:txBody>
+            <a:bodyPr rtlCol="0" anchor="ctr"/>
+            <a:lstStyle/>
+            <a:p>
+              <a:pPr algn="ctr"/>
+              <a:endParaRPr lang="en-US"/>
+            </a:p>
+          </p:txBody>
+        </p:sp>
+      </p:grpSp>
+      <p:pic>
+        <p:nvPicPr>
+          <p:cNvPr id="15" name="Picture 14">
+            <a:extLst>
+              <a:ext uri="{FF2B5EF4-FFF2-40B4-BE49-F238E27FC236}">
+                <a16:creationId xmlns:a16="http://schemas.microsoft.com/office/drawing/2014/main" id="{CF2D549F-1091-404E-BD69-4A2E90387AF7}"/>
+              </a:ext>
+            </a:extLst>
+          </p:cNvPr>
+          <p:cNvPicPr>
+            <a:picLocks noChangeAspect="1"/>
+          </p:cNvPicPr>
+          <p:nvPr/>
+        </p:nvPicPr>
+        <p:blipFill>
+          <a:blip r:embed="rId4"/>
+          <a:stretch>
+            <a:fillRect/>
+          </a:stretch>
+        </p:blipFill>
+        <p:spPr>
+          <a:xfrm>
+            <a:off x="2245992" y="4853278"/>
+            <a:ext cx="4038600" cy="393700"/>
+          </a:xfrm>
+          <a:prstGeom prst="rect">
+            <a:avLst/>
+          </a:prstGeom>
+        </p:spPr>
+      </p:pic>
+    </p:spTree>
+    <p:extLst>
+      <p:ext uri="{BB962C8B-B14F-4D97-AF65-F5344CB8AC3E}">
+        <p14:creationId xmlns:p14="http://schemas.microsoft.com/office/powerpoint/2010/main" val="1666292079"/>
+      </p:ext>
+    </p:extLst>
+  </p:cSld>
+  <p:clrMapOvr>
+    <a:masterClrMapping/>
+  </p:clrMapOvr>
+</p:sld>
+</file>
+
+<file path=ppt/slides/slide11.xml><?xml version="1.0" encoding="utf-8"?>
+<p:sld xmlns:a="http://schemas.openxmlformats.org/drawingml/2006/main" xmlns:r="http://schemas.openxmlformats.org/officeDocument/2006/relationships" xmlns:p="http://schemas.openxmlformats.org/presentationml/2006/main">
+  <p:cSld>
+    <p:spTree>
+      <p:nvGrpSpPr>
+        <p:cNvPr id="1" name=""/>
+        <p:cNvGrpSpPr/>
+        <p:nvPr/>
+      </p:nvGrpSpPr>
+      <p:grpSpPr>
+        <a:xfrm>
+          <a:off x="0" y="0"/>
+          <a:ext cx="0" cy="0"/>
+          <a:chOff x="0" y="0"/>
+          <a:chExt cx="0" cy="0"/>
+        </a:xfrm>
+      </p:grpSpPr>
+      <p:sp>
+        <p:nvSpPr>
+          <p:cNvPr id="2" name="Title 1">
+            <a:extLst>
+              <a:ext uri="{FF2B5EF4-FFF2-40B4-BE49-F238E27FC236}">
+                <a16:creationId xmlns:a16="http://schemas.microsoft.com/office/drawing/2014/main" id="{909F2175-F954-DB48-8ABE-452DDF1BA55C}"/>
+              </a:ext>
+            </a:extLst>
+          </p:cNvPr>
+          <p:cNvSpPr>
+            <a:spLocks noGrp="1"/>
+          </p:cNvSpPr>
+          <p:nvPr>
+            <p:ph type="title"/>
+          </p:nvPr>
+        </p:nvSpPr>
+        <p:spPr>
+          <a:xfrm>
+            <a:off x="457200" y="164890"/>
+            <a:ext cx="8229600" cy="1143000"/>
+          </a:xfrm>
+        </p:spPr>
+        <p:txBody>
+          <a:bodyPr/>
+          <a:lstStyle/>
+          <a:p>
+            <a:pPr marL="50800">
+              <a:buClr>
+                <a:srgbClr val="0070C0"/>
+              </a:buClr>
+              <a:buSzPct val="100000"/>
             </a:pPr>
             <a:r>
-              <a:rPr lang="en-US" sz="1400" b="1" dirty="0" err="1"/>
+              <a:rPr lang="en-US" sz="3200" dirty="0"/>
+              <a:t>Enable/Disable counts and badges that appear on the repository page</a:t>
+            </a:r>
+          </a:p>
+        </p:txBody>
+      </p:sp>
+      <p:sp>
+        <p:nvSpPr>
+          <p:cNvPr id="3" name="Text Placeholder 2">
+            <a:extLst>
+              <a:ext uri="{FF2B5EF4-FFF2-40B4-BE49-F238E27FC236}">
+                <a16:creationId xmlns:a16="http://schemas.microsoft.com/office/drawing/2014/main" id="{2AE6E65A-B1F8-FE47-BCAF-8D2E1DD4C9A6}"/>
+              </a:ext>
+            </a:extLst>
+          </p:cNvPr>
+          <p:cNvSpPr>
+            <a:spLocks noGrp="1"/>
+          </p:cNvSpPr>
+          <p:nvPr>
+            <p:ph type="body" idx="1"/>
+          </p:nvPr>
+        </p:nvSpPr>
+        <p:spPr>
+          <a:xfrm>
+            <a:off x="457200" y="1275588"/>
+            <a:ext cx="8229600" cy="927968"/>
+          </a:xfrm>
+        </p:spPr>
+        <p:txBody>
+          <a:bodyPr/>
+          <a:lstStyle/>
+          <a:p>
+            <a:pPr marL="25400" indent="0">
+              <a:buClrTx/>
+              <a:buSzPct val="100000"/>
+              <a:buNone/>
+            </a:pPr>
+            <a:r>
+              <a:rPr lang="en-US" sz="2000" dirty="0"/>
+              <a:t>The counts and badges that appear on the repository page can be enabled/disabled using these configuration variables:</a:t>
+            </a:r>
+          </a:p>
+          <a:p>
+            <a:pPr marL="25400" indent="0">
+              <a:buNone/>
+            </a:pPr>
+            <a:endParaRPr lang="en-US" sz="2000" dirty="0"/>
+          </a:p>
+        </p:txBody>
+      </p:sp>
+      <p:grpSp>
+        <p:nvGrpSpPr>
+          <p:cNvPr id="5" name="Group 4">
+            <a:extLst>
+              <a:ext uri="{FF2B5EF4-FFF2-40B4-BE49-F238E27FC236}">
+                <a16:creationId xmlns:a16="http://schemas.microsoft.com/office/drawing/2014/main" id="{551056BC-4823-D041-AED7-16DA377611F8}"/>
+              </a:ext>
+            </a:extLst>
+          </p:cNvPr>
+          <p:cNvGrpSpPr/>
+          <p:nvPr/>
+        </p:nvGrpSpPr>
+        <p:grpSpPr>
+          <a:xfrm>
+            <a:off x="344775" y="2179080"/>
+            <a:ext cx="8454451" cy="954107"/>
+            <a:chOff x="344775" y="2284010"/>
+            <a:chExt cx="8454451" cy="954107"/>
+          </a:xfrm>
+        </p:grpSpPr>
+        <p:sp>
+          <p:nvSpPr>
+            <p:cNvPr id="4" name="TextBox 3">
+              <a:extLst>
+                <a:ext uri="{FF2B5EF4-FFF2-40B4-BE49-F238E27FC236}">
+                  <a16:creationId xmlns:a16="http://schemas.microsoft.com/office/drawing/2014/main" id="{1429F8C9-332E-364A-9101-016F0193F651}"/>
+                </a:ext>
+              </a:extLst>
+            </p:cNvPr>
+            <p:cNvSpPr txBox="1"/>
+            <p:nvPr/>
+          </p:nvSpPr>
+          <p:spPr>
+            <a:xfrm>
+              <a:off x="344775" y="2284010"/>
+              <a:ext cx="4227226" cy="954107"/>
+            </a:xfrm>
+            <a:prstGeom prst="rect">
+              <a:avLst/>
+            </a:prstGeom>
+            <a:noFill/>
+          </p:spPr>
+          <p:txBody>
+            <a:bodyPr wrap="square" rtlCol="0">
+              <a:spAutoFit/>
+            </a:bodyPr>
+            <a:lstStyle/>
+            <a:p>
+              <a:r>
+                <a:rPr lang="en-US" dirty="0" err="1"/>
+                <a:t>AppConfig</a:t>
+              </a:r>
+              <a:r>
+                <a:rPr lang="en-US" dirty="0"/>
+                <a:t>[:</a:t>
+              </a:r>
+              <a:r>
+                <a:rPr lang="en-US" dirty="0" err="1"/>
+                <a:t>pui_hide</a:t>
+              </a:r>
+              <a:r>
+                <a:rPr lang="en-US" dirty="0"/>
+                <a:t>][:</a:t>
+              </a:r>
+              <a:r>
+                <a:rPr lang="en-US" dirty="0" err="1"/>
+                <a:t>resource_badge</a:t>
+              </a:r>
+              <a:r>
+                <a:rPr lang="en-US" dirty="0"/>
+                <a:t>] = false</a:t>
+              </a:r>
+            </a:p>
+            <a:p>
+              <a:r>
+                <a:rPr lang="en-US" dirty="0" err="1"/>
+                <a:t>AppConfig</a:t>
+              </a:r>
+              <a:r>
+                <a:rPr lang="en-US" dirty="0"/>
+                <a:t>[:</a:t>
+              </a:r>
+              <a:r>
+                <a:rPr lang="en-US" dirty="0" err="1"/>
+                <a:t>pui_hide</a:t>
+              </a:r>
+              <a:r>
+                <a:rPr lang="en-US" dirty="0"/>
+                <a:t>][:</a:t>
+              </a:r>
+              <a:r>
+                <a:rPr lang="en-US" dirty="0" err="1"/>
+                <a:t>digital_object_badge</a:t>
+              </a:r>
+              <a:r>
+                <a:rPr lang="en-US" dirty="0"/>
+                <a:t>] = false</a:t>
+              </a:r>
+            </a:p>
+            <a:p>
+              <a:r>
+                <a:rPr lang="en-US" dirty="0" err="1"/>
+                <a:t>AppConfig</a:t>
+              </a:r>
+              <a:r>
+                <a:rPr lang="en-US" dirty="0"/>
+                <a:t>[:</a:t>
+              </a:r>
+              <a:r>
+                <a:rPr lang="en-US" dirty="0" err="1"/>
+                <a:t>pui_hide</a:t>
+              </a:r>
+              <a:r>
+                <a:rPr lang="en-US" dirty="0"/>
+                <a:t>][:</a:t>
+              </a:r>
+              <a:r>
+                <a:rPr lang="en-US" dirty="0" err="1"/>
+                <a:t>accession_badge</a:t>
+              </a:r>
+              <a:r>
+                <a:rPr lang="en-US" dirty="0"/>
+                <a:t>] = false</a:t>
+              </a:r>
+            </a:p>
+            <a:p>
+              <a:r>
+                <a:rPr lang="en-US" dirty="0" err="1"/>
+                <a:t>AppConfig</a:t>
+              </a:r>
+              <a:r>
+                <a:rPr lang="en-US" dirty="0"/>
+                <a:t>[:</a:t>
+              </a:r>
+              <a:r>
+                <a:rPr lang="en-US" dirty="0" err="1"/>
+                <a:t>pui_hide</a:t>
+              </a:r>
+              <a:r>
+                <a:rPr lang="en-US" dirty="0"/>
+                <a:t>][:</a:t>
+              </a:r>
+              <a:r>
+                <a:rPr lang="en-US" dirty="0" err="1"/>
+                <a:t>subject_badge</a:t>
+              </a:r>
+              <a:r>
+                <a:rPr lang="en-US" dirty="0"/>
+                <a:t>] = false</a:t>
+              </a:r>
+            </a:p>
+          </p:txBody>
+        </p:sp>
+        <p:sp>
+          <p:nvSpPr>
+            <p:cNvPr id="6" name="TextBox 5">
+              <a:extLst>
+                <a:ext uri="{FF2B5EF4-FFF2-40B4-BE49-F238E27FC236}">
+                  <a16:creationId xmlns:a16="http://schemas.microsoft.com/office/drawing/2014/main" id="{E54F4A06-451C-884E-848A-36B80E3FAC7D}"/>
+                </a:ext>
+              </a:extLst>
+            </p:cNvPr>
+            <p:cNvSpPr txBox="1"/>
+            <p:nvPr/>
+          </p:nvSpPr>
+          <p:spPr>
+            <a:xfrm>
+              <a:off x="4572000" y="2284010"/>
+              <a:ext cx="4227226" cy="738664"/>
+            </a:xfrm>
+            <a:prstGeom prst="rect">
+              <a:avLst/>
+            </a:prstGeom>
+            <a:noFill/>
+          </p:spPr>
+          <p:txBody>
+            <a:bodyPr wrap="square" rtlCol="0">
+              <a:spAutoFit/>
+            </a:bodyPr>
+            <a:lstStyle/>
+            <a:p>
+              <a:r>
+                <a:rPr lang="en-US" dirty="0" err="1"/>
+                <a:t>AppConfig</a:t>
+              </a:r>
+              <a:r>
+                <a:rPr lang="en-US" dirty="0"/>
+                <a:t>[:</a:t>
+              </a:r>
+              <a:r>
+                <a:rPr lang="en-US" dirty="0" err="1"/>
+                <a:t>pui_hide</a:t>
+              </a:r>
+              <a:r>
+                <a:rPr lang="en-US" dirty="0"/>
+                <a:t>][:</a:t>
+              </a:r>
+              <a:r>
+                <a:rPr lang="en-US" dirty="0" err="1"/>
+                <a:t>agent_badge</a:t>
+              </a:r>
+              <a:r>
+                <a:rPr lang="en-US" dirty="0"/>
+                <a:t>] = false</a:t>
+              </a:r>
+            </a:p>
+            <a:p>
+              <a:r>
+                <a:rPr lang="en-US" dirty="0" err="1"/>
+                <a:t>AppConfig</a:t>
+              </a:r>
+              <a:r>
+                <a:rPr lang="en-US" dirty="0"/>
+                <a:t>[:</a:t>
+              </a:r>
+              <a:r>
+                <a:rPr lang="en-US" dirty="0" err="1"/>
+                <a:t>pui_hide</a:t>
+              </a:r>
+              <a:r>
+                <a:rPr lang="en-US" dirty="0"/>
+                <a:t>][:</a:t>
+              </a:r>
+              <a:r>
+                <a:rPr lang="en-US" dirty="0" err="1"/>
+                <a:t>classification_badge</a:t>
+              </a:r>
+              <a:r>
+                <a:rPr lang="en-US" dirty="0"/>
+                <a:t>] = false</a:t>
+              </a:r>
+            </a:p>
+            <a:p>
+              <a:r>
+                <a:rPr lang="en-US" dirty="0" err="1"/>
+                <a:t>AppConfig</a:t>
+              </a:r>
+              <a:r>
+                <a:rPr lang="en-US" dirty="0"/>
+                <a:t>[:</a:t>
+              </a:r>
+              <a:r>
+                <a:rPr lang="en-US" dirty="0" err="1"/>
+                <a:t>pui_hide</a:t>
+              </a:r>
+              <a:r>
+                <a:rPr lang="en-US" dirty="0"/>
+                <a:t>][:counts] = false </a:t>
+              </a:r>
+            </a:p>
+          </p:txBody>
+        </p:sp>
+      </p:grpSp>
+      <p:grpSp>
+        <p:nvGrpSpPr>
+          <p:cNvPr id="16" name="Group 15">
+            <a:extLst>
+              <a:ext uri="{FF2B5EF4-FFF2-40B4-BE49-F238E27FC236}">
+                <a16:creationId xmlns:a16="http://schemas.microsoft.com/office/drawing/2014/main" id="{CC6E05DD-D0D7-2148-8EB9-A69902593843}"/>
+              </a:ext>
+            </a:extLst>
+          </p:cNvPr>
+          <p:cNvGrpSpPr/>
+          <p:nvPr/>
+        </p:nvGrpSpPr>
+        <p:grpSpPr>
+          <a:xfrm>
+            <a:off x="440440" y="5585782"/>
+            <a:ext cx="8379217" cy="1138490"/>
+            <a:chOff x="453244" y="4482064"/>
+            <a:chExt cx="8379217" cy="1138490"/>
+          </a:xfrm>
+        </p:grpSpPr>
+        <p:sp>
+          <p:nvSpPr>
+            <p:cNvPr id="10" name="TextBox 9">
+              <a:extLst>
+                <a:ext uri="{FF2B5EF4-FFF2-40B4-BE49-F238E27FC236}">
+                  <a16:creationId xmlns:a16="http://schemas.microsoft.com/office/drawing/2014/main" id="{9C83AACD-7487-7047-9064-988E0CA05F9F}"/>
+                </a:ext>
+              </a:extLst>
+            </p:cNvPr>
+            <p:cNvSpPr txBox="1"/>
+            <p:nvPr/>
+          </p:nvSpPr>
+          <p:spPr>
+            <a:xfrm>
+              <a:off x="453244" y="4482064"/>
+              <a:ext cx="8379217" cy="307777"/>
+            </a:xfrm>
+            <a:prstGeom prst="rect">
+              <a:avLst/>
+            </a:prstGeom>
+            <a:noFill/>
+          </p:spPr>
+          <p:txBody>
+            <a:bodyPr wrap="none" rtlCol="0">
+              <a:spAutoFit/>
+            </a:bodyPr>
+            <a:lstStyle/>
+            <a:p>
+              <a:r>
+                <a:rPr lang="en-US" dirty="0"/>
+                <a:t>Disabled Unprocessed Materials Badge - </a:t>
+              </a:r>
+              <a:r>
+                <a:rPr lang="en-US" b="1" dirty="0" err="1">
+                  <a:latin typeface="Courier New" panose="02070309020205020404" pitchFamily="49" charset="0"/>
+                  <a:cs typeface="Courier New" panose="02070309020205020404" pitchFamily="49" charset="0"/>
+                </a:rPr>
+                <a:t>AppConfig</a:t>
+              </a:r>
+              <a:r>
+                <a:rPr lang="en-US" b="1" dirty="0">
+                  <a:latin typeface="Courier New" panose="02070309020205020404" pitchFamily="49" charset="0"/>
+                  <a:cs typeface="Courier New" panose="02070309020205020404" pitchFamily="49" charset="0"/>
+                </a:rPr>
+                <a:t>[:</a:t>
+              </a:r>
+              <a:r>
+                <a:rPr lang="en-US" b="1" dirty="0" err="1">
+                  <a:latin typeface="Courier New" panose="02070309020205020404" pitchFamily="49" charset="0"/>
+                  <a:cs typeface="Courier New" panose="02070309020205020404" pitchFamily="49" charset="0"/>
+                </a:rPr>
+                <a:t>pui_hide</a:t>
+              </a:r>
+              <a:r>
+                <a:rPr lang="en-US" b="1" dirty="0">
+                  <a:latin typeface="Courier New" panose="02070309020205020404" pitchFamily="49" charset="0"/>
+                  <a:cs typeface="Courier New" panose="02070309020205020404" pitchFamily="49" charset="0"/>
+                </a:rPr>
+                <a:t>][:</a:t>
+              </a:r>
+              <a:r>
+                <a:rPr lang="en-US" b="1" dirty="0" err="1">
+                  <a:latin typeface="Courier New" panose="02070309020205020404" pitchFamily="49" charset="0"/>
+                  <a:cs typeface="Courier New" panose="02070309020205020404" pitchFamily="49" charset="0"/>
+                </a:rPr>
+                <a:t>accession_badge</a:t>
+              </a:r>
+              <a:r>
+                <a:rPr lang="en-US" b="1" dirty="0">
+                  <a:latin typeface="Courier New" panose="02070309020205020404" pitchFamily="49" charset="0"/>
+                  <a:cs typeface="Courier New" panose="02070309020205020404" pitchFamily="49" charset="0"/>
+                </a:rPr>
+                <a:t>] = false</a:t>
+              </a:r>
+            </a:p>
+          </p:txBody>
+        </p:sp>
+        <p:pic>
+          <p:nvPicPr>
+            <p:cNvPr id="12" name="Picture 11">
+              <a:extLst>
+                <a:ext uri="{FF2B5EF4-FFF2-40B4-BE49-F238E27FC236}">
+                  <a16:creationId xmlns:a16="http://schemas.microsoft.com/office/drawing/2014/main" id="{05148FAA-5DC8-1A46-9B45-737AFD1415E5}"/>
+                </a:ext>
+              </a:extLst>
+            </p:cNvPr>
+            <p:cNvPicPr>
+              <a:picLocks noChangeAspect="1"/>
+            </p:cNvPicPr>
+            <p:nvPr/>
+          </p:nvPicPr>
+          <p:blipFill>
+            <a:blip r:embed="rId2"/>
+            <a:stretch>
+              <a:fillRect/>
+            </a:stretch>
+          </p:blipFill>
+          <p:spPr>
+            <a:xfrm>
+              <a:off x="453244" y="4789841"/>
+              <a:ext cx="5145582" cy="830713"/>
+            </a:xfrm>
+            <a:prstGeom prst="rect">
+              <a:avLst/>
+            </a:prstGeom>
+          </p:spPr>
+        </p:pic>
+      </p:grpSp>
+      <p:grpSp>
+        <p:nvGrpSpPr>
+          <p:cNvPr id="15" name="Group 14">
+            <a:extLst>
+              <a:ext uri="{FF2B5EF4-FFF2-40B4-BE49-F238E27FC236}">
+                <a16:creationId xmlns:a16="http://schemas.microsoft.com/office/drawing/2014/main" id="{E6F8B345-12E9-4746-877A-C4B358950A0C}"/>
+              </a:ext>
+            </a:extLst>
+          </p:cNvPr>
+          <p:cNvGrpSpPr/>
+          <p:nvPr/>
+        </p:nvGrpSpPr>
+        <p:grpSpPr>
+          <a:xfrm>
+            <a:off x="457200" y="3189160"/>
+            <a:ext cx="6996867" cy="1144567"/>
+            <a:chOff x="457200" y="3294090"/>
+            <a:chExt cx="6996867" cy="1144567"/>
+          </a:xfrm>
+        </p:grpSpPr>
+        <p:sp>
+          <p:nvSpPr>
+            <p:cNvPr id="8" name="TextBox 7">
+              <a:extLst>
+                <a:ext uri="{FF2B5EF4-FFF2-40B4-BE49-F238E27FC236}">
+                  <a16:creationId xmlns:a16="http://schemas.microsoft.com/office/drawing/2014/main" id="{2FAEF1FB-40D7-FC43-9ECF-6F36249A2F32}"/>
+                </a:ext>
+              </a:extLst>
+            </p:cNvPr>
+            <p:cNvSpPr txBox="1"/>
+            <p:nvPr/>
+          </p:nvSpPr>
+          <p:spPr>
+            <a:xfrm>
+              <a:off x="457200" y="3294090"/>
+              <a:ext cx="2374368" cy="307777"/>
+            </a:xfrm>
+            <a:prstGeom prst="rect">
+              <a:avLst/>
+            </a:prstGeom>
+            <a:noFill/>
+          </p:spPr>
+          <p:txBody>
+            <a:bodyPr wrap="none" rtlCol="0">
+              <a:spAutoFit/>
+            </a:bodyPr>
+            <a:lstStyle/>
+            <a:p>
+              <a:r>
+                <a:rPr lang="en-US" dirty="0"/>
+                <a:t>Default Counts and Badges</a:t>
+              </a:r>
+            </a:p>
+          </p:txBody>
+        </p:sp>
+        <p:pic>
+          <p:nvPicPr>
+            <p:cNvPr id="14" name="Picture 13">
+              <a:extLst>
+                <a:ext uri="{FF2B5EF4-FFF2-40B4-BE49-F238E27FC236}">
+                  <a16:creationId xmlns:a16="http://schemas.microsoft.com/office/drawing/2014/main" id="{1722B6ED-8EA0-DE44-85CA-1B2745495526}"/>
+                </a:ext>
+              </a:extLst>
+            </p:cNvPr>
+            <p:cNvPicPr>
+              <a:picLocks noChangeAspect="1"/>
+            </p:cNvPicPr>
+            <p:nvPr/>
+          </p:nvPicPr>
+          <p:blipFill>
+            <a:blip r:embed="rId3"/>
+            <a:stretch>
+              <a:fillRect/>
+            </a:stretch>
+          </p:blipFill>
+          <p:spPr>
+            <a:xfrm>
+              <a:off x="457200" y="3560884"/>
+              <a:ext cx="6996867" cy="877773"/>
+            </a:xfrm>
+            <a:prstGeom prst="rect">
+              <a:avLst/>
+            </a:prstGeom>
+          </p:spPr>
+        </p:pic>
+      </p:grpSp>
+      <p:grpSp>
+        <p:nvGrpSpPr>
+          <p:cNvPr id="21" name="Group 20">
+            <a:extLst>
+              <a:ext uri="{FF2B5EF4-FFF2-40B4-BE49-F238E27FC236}">
+                <a16:creationId xmlns:a16="http://schemas.microsoft.com/office/drawing/2014/main" id="{00822EA2-2F94-484D-8F27-AF50C6C0134A}"/>
+              </a:ext>
+            </a:extLst>
+          </p:cNvPr>
+          <p:cNvGrpSpPr/>
+          <p:nvPr/>
+        </p:nvGrpSpPr>
+        <p:grpSpPr>
+          <a:xfrm>
+            <a:off x="440440" y="4333727"/>
+            <a:ext cx="6515778" cy="1215298"/>
+            <a:chOff x="440440" y="4438657"/>
+            <a:chExt cx="6515778" cy="1215298"/>
+          </a:xfrm>
+        </p:grpSpPr>
+        <p:sp>
+          <p:nvSpPr>
+            <p:cNvPr id="17" name="TextBox 16">
+              <a:extLst>
+                <a:ext uri="{FF2B5EF4-FFF2-40B4-BE49-F238E27FC236}">
+                  <a16:creationId xmlns:a16="http://schemas.microsoft.com/office/drawing/2014/main" id="{FB5AF713-C4C4-F149-9897-0F5903A9CFBE}"/>
+                </a:ext>
+              </a:extLst>
+            </p:cNvPr>
+            <p:cNvSpPr txBox="1"/>
+            <p:nvPr/>
+          </p:nvSpPr>
+          <p:spPr>
+            <a:xfrm>
+              <a:off x="440440" y="4438657"/>
+              <a:ext cx="5631670" cy="307777"/>
+            </a:xfrm>
+            <a:prstGeom prst="rect">
+              <a:avLst/>
+            </a:prstGeom>
+            <a:noFill/>
+          </p:spPr>
+          <p:txBody>
+            <a:bodyPr wrap="none" rtlCol="0">
+              <a:spAutoFit/>
+            </a:bodyPr>
+            <a:lstStyle/>
+            <a:p>
+              <a:r>
+                <a:rPr lang="en-US" dirty="0"/>
+                <a:t>Disabled Counts - </a:t>
+              </a:r>
+              <a:r>
+                <a:rPr lang="en-US" b="1" dirty="0" err="1">
+                  <a:latin typeface="Courier New" panose="02070309020205020404" pitchFamily="49" charset="0"/>
+                  <a:cs typeface="Courier New" panose="02070309020205020404" pitchFamily="49" charset="0"/>
+                </a:rPr>
+                <a:t>AppConfig</a:t>
+              </a:r>
+              <a:r>
+                <a:rPr lang="en-US" b="1" dirty="0">
+                  <a:latin typeface="Courier New" panose="02070309020205020404" pitchFamily="49" charset="0"/>
+                  <a:cs typeface="Courier New" panose="02070309020205020404" pitchFamily="49" charset="0"/>
+                </a:rPr>
+                <a:t>[:</a:t>
+              </a:r>
+              <a:r>
+                <a:rPr lang="en-US" b="1" dirty="0" err="1">
+                  <a:latin typeface="Courier New" panose="02070309020205020404" pitchFamily="49" charset="0"/>
+                  <a:cs typeface="Courier New" panose="02070309020205020404" pitchFamily="49" charset="0"/>
+                </a:rPr>
+                <a:t>pui_hide</a:t>
+              </a:r>
+              <a:r>
+                <a:rPr lang="en-US" b="1" dirty="0">
+                  <a:latin typeface="Courier New" panose="02070309020205020404" pitchFamily="49" charset="0"/>
+                  <a:cs typeface="Courier New" panose="02070309020205020404" pitchFamily="49" charset="0"/>
+                </a:rPr>
+                <a:t>][:counts] = false</a:t>
+              </a:r>
+            </a:p>
+          </p:txBody>
+        </p:sp>
+        <p:pic>
+          <p:nvPicPr>
+            <p:cNvPr id="19" name="Picture 18">
+              <a:extLst>
+                <a:ext uri="{FF2B5EF4-FFF2-40B4-BE49-F238E27FC236}">
+                  <a16:creationId xmlns:a16="http://schemas.microsoft.com/office/drawing/2014/main" id="{AFFE5F0D-5EE4-4B43-A4BD-90D519A6681E}"/>
+                </a:ext>
+              </a:extLst>
+            </p:cNvPr>
+            <p:cNvPicPr>
+              <a:picLocks noChangeAspect="1"/>
+            </p:cNvPicPr>
+            <p:nvPr/>
+          </p:nvPicPr>
+          <p:blipFill>
+            <a:blip r:embed="rId4"/>
+            <a:stretch>
+              <a:fillRect/>
+            </a:stretch>
+          </p:blipFill>
+          <p:spPr>
+            <a:xfrm>
+              <a:off x="440440" y="4776182"/>
+              <a:ext cx="6515778" cy="877773"/>
+            </a:xfrm>
+            <a:prstGeom prst="rect">
+              <a:avLst/>
+            </a:prstGeom>
+          </p:spPr>
+        </p:pic>
+      </p:grpSp>
+    </p:spTree>
+    <p:extLst>
+      <p:ext uri="{BB962C8B-B14F-4D97-AF65-F5344CB8AC3E}">
+        <p14:creationId xmlns:p14="http://schemas.microsoft.com/office/powerpoint/2010/main" val="1826761005"/>
+      </p:ext>
+    </p:extLst>
+  </p:cSld>
+  <p:clrMapOvr>
+    <a:masterClrMapping/>
+  </p:clrMapOvr>
+</p:sld>
+</file>
+
+<file path=ppt/slides/slide12.xml><?xml version="1.0" encoding="utf-8"?>
+<p:sld xmlns:a="http://schemas.openxmlformats.org/drawingml/2006/main" xmlns:r="http://schemas.openxmlformats.org/officeDocument/2006/relationships" xmlns:p="http://schemas.openxmlformats.org/presentationml/2006/main">
+  <p:cSld>
+    <p:spTree>
+      <p:nvGrpSpPr>
+        <p:cNvPr id="1" name=""/>
+        <p:cNvGrpSpPr/>
+        <p:nvPr/>
+      </p:nvGrpSpPr>
+      <p:grpSpPr>
+        <a:xfrm>
+          <a:off x="0" y="0"/>
+          <a:ext cx="0" cy="0"/>
+          <a:chOff x="0" y="0"/>
+          <a:chExt cx="0" cy="0"/>
+        </a:xfrm>
+      </p:grpSpPr>
+      <p:sp>
+        <p:nvSpPr>
+          <p:cNvPr id="2" name="Title 1">
+            <a:extLst>
+              <a:ext uri="{FF2B5EF4-FFF2-40B4-BE49-F238E27FC236}">
+                <a16:creationId xmlns:a16="http://schemas.microsoft.com/office/drawing/2014/main" id="{11121A61-8529-B848-BB7C-D9F01BE174D0}"/>
+              </a:ext>
+            </a:extLst>
+          </p:cNvPr>
+          <p:cNvSpPr>
+            <a:spLocks noGrp="1"/>
+          </p:cNvSpPr>
+          <p:nvPr>
+            <p:ph type="title"/>
+          </p:nvPr>
+        </p:nvSpPr>
+        <p:spPr>
+          <a:xfrm>
+            <a:off x="457200" y="424265"/>
+            <a:ext cx="8229600" cy="627405"/>
+          </a:xfrm>
+        </p:spPr>
+        <p:txBody>
+          <a:bodyPr/>
+          <a:lstStyle/>
+          <a:p>
+            <a:r>
+              <a:rPr lang="en-US" sz="3600" dirty="0"/>
+              <a:t>Enable Citations</a:t>
+            </a:r>
+          </a:p>
+        </p:txBody>
+      </p:sp>
+      <p:sp>
+        <p:nvSpPr>
+          <p:cNvPr id="3" name="Text Placeholder 2">
+            <a:extLst>
+              <a:ext uri="{FF2B5EF4-FFF2-40B4-BE49-F238E27FC236}">
+                <a16:creationId xmlns:a16="http://schemas.microsoft.com/office/drawing/2014/main" id="{50C478C0-3DFD-8C4B-A5DB-42E1188905B3}"/>
+              </a:ext>
+            </a:extLst>
+          </p:cNvPr>
+          <p:cNvSpPr>
+            <a:spLocks noGrp="1"/>
+          </p:cNvSpPr>
+          <p:nvPr>
+            <p:ph type="body" idx="1"/>
+          </p:nvPr>
+        </p:nvSpPr>
+        <p:spPr>
+          <a:xfrm>
+            <a:off x="455157" y="1405618"/>
+            <a:ext cx="7298575" cy="984422"/>
+          </a:xfrm>
+        </p:spPr>
+        <p:txBody>
+          <a:bodyPr/>
+          <a:lstStyle/>
+          <a:p>
+            <a:pPr marL="25400" indent="0">
+              <a:buNone/>
+            </a:pPr>
+            <a:r>
+              <a:rPr lang="en-US" sz="2000" dirty="0">
+                <a:cs typeface="Courier New" panose="02070309020205020404" pitchFamily="49" charset="0"/>
+              </a:rPr>
+              <a:t>The configuration variable for enabling or disabling c</a:t>
+            </a:r>
+            <a:r>
+              <a:rPr lang="en-US" sz="2000" dirty="0"/>
+              <a:t>itations is  </a:t>
+            </a:r>
+            <a:r>
+              <a:rPr lang="en-US" sz="1600" b="1" dirty="0" err="1">
+                <a:latin typeface="Courier New" panose="02070309020205020404" pitchFamily="49" charset="0"/>
+                <a:cs typeface="Courier New" panose="02070309020205020404" pitchFamily="49" charset="0"/>
+              </a:rPr>
               <a:t>AppConfig</a:t>
             </a:r>
             <a:r>
-              <a:rPr lang="en-US" sz="1400" b="1" dirty="0"/>
+              <a:rPr lang="en-US" sz="1600" b="1" dirty="0">
+                <a:latin typeface="Courier New" panose="02070309020205020404" pitchFamily="49" charset="0"/>
+                <a:cs typeface="Courier New" panose="02070309020205020404" pitchFamily="49" charset="0"/>
+              </a:rPr>
               <a:t>[:</a:t>
             </a:r>
             <a:r>
-              <a:rPr lang="en-US" sz="1400" b="1" dirty="0" err="1"/>
-              <a:t>pui_email_perform_deliveries</a:t>
-            </a:r>
-            <a:r>
-              <a:rPr lang="en-US" sz="1400" b="1" dirty="0"/>
-              <a:t>] = true</a:t>
-            </a:r>
-            <a:endParaRPr lang="en-US" sz="1400" dirty="0"/>
-          </a:p>
-          <a:p>
-            <a:pPr marL="482600" lvl="1" indent="0">
-              <a:buNone/>
-            </a:pPr>
-            <a:r>
-              <a:rPr lang="en-US" sz="1400" b="1" dirty="0" err="1"/>
-              <a:t>AppConfig</a:t>
-            </a:r>
-            <a:r>
-              <a:rPr lang="en-US" sz="1400" b="1" dirty="0"/>
-              <a:t>[:</a:t>
-            </a:r>
-            <a:r>
-              <a:rPr lang="en-US" sz="1400" b="1" dirty="0" err="1"/>
-              <a:t>pui_page_actions_request</a:t>
-            </a:r>
-            <a:r>
-              <a:rPr lang="en-US" sz="1400" b="1" dirty="0"/>
-              <a:t>] = true</a:t>
-            </a:r>
-            <a:endParaRPr lang="en-US" sz="1400" dirty="0"/>
-          </a:p>
-          <a:p>
-            <a:pPr marL="482600" lvl="1" indent="0">
-              <a:buNone/>
-            </a:pPr>
-            <a:r>
-              <a:rPr lang="en-US" sz="1400" dirty="0"/>
-              <a:t>'to' email address for repositories that don't define their own email - </a:t>
-            </a:r>
-            <a:r>
-              <a:rPr lang="en-US" sz="1400" b="1" dirty="0" err="1"/>
-              <a:t>AppConfig</a:t>
-            </a:r>
-            <a:r>
-              <a:rPr lang="en-US" sz="1400" b="1" dirty="0"/>
-              <a:t>[:</a:t>
-            </a:r>
-            <a:r>
-              <a:rPr lang="en-US" sz="1400" b="1" dirty="0" err="1"/>
-              <a:t>pui_request_email_fallback_to_address</a:t>
-            </a:r>
-            <a:r>
-              <a:rPr lang="en-US" sz="1400" b="1" dirty="0"/>
-              <a:t>] = '</a:t>
-            </a:r>
-            <a:r>
-              <a:rPr lang="en-US" sz="1400" b="1" dirty="0" err="1"/>
-              <a:t>testing@example.com</a:t>
-            </a:r>
-            <a:r>
-              <a:rPr lang="en-US" sz="1400" b="1" dirty="0"/>
-              <a:t>'</a:t>
-            </a:r>
-            <a:endParaRPr lang="en-US" sz="1400" dirty="0"/>
-          </a:p>
-          <a:p>
-            <a:pPr marL="482600" lvl="1" indent="0">
-              <a:buNone/>
-            </a:pPr>
-            <a:r>
-              <a:rPr lang="en-US" sz="1400" dirty="0"/>
-              <a:t>'from' email address for repositories that don't define their own email - </a:t>
-            </a:r>
-            <a:r>
-              <a:rPr lang="en-US" sz="1400" b="1" dirty="0" err="1"/>
-              <a:t>AppConfig</a:t>
-            </a:r>
-            <a:r>
-              <a:rPr lang="en-US" sz="1400" b="1" dirty="0"/>
-              <a:t>[:</a:t>
-            </a:r>
-            <a:r>
-              <a:rPr lang="en-US" sz="1400" b="1" dirty="0" err="1"/>
-              <a:t>pui_request_email_fallback_from_address</a:t>
-            </a:r>
-            <a:r>
-              <a:rPr lang="en-US" sz="1400" b="1" dirty="0"/>
-              <a:t>] = '</a:t>
-            </a:r>
-            <a:r>
-              <a:rPr lang="en-US" sz="1400" b="1" dirty="0" err="1"/>
-              <a:t>testing@example.com</a:t>
-            </a:r>
-            <a:r>
-              <a:rPr lang="en-US" sz="1400" b="1" dirty="0"/>
-              <a:t>'</a:t>
-            </a:r>
-            <a:endParaRPr lang="en-US" sz="1400" dirty="0"/>
-          </a:p>
-          <a:p>
-            <a:pPr marL="482600" lvl="1" indent="0">
-              <a:buNone/>
-            </a:pPr>
-            <a:r>
-              <a:rPr lang="en-US" sz="1400" dirty="0"/>
-              <a:t> use the repository record email address for requests (overrides config email) - </a:t>
-            </a:r>
-            <a:r>
-              <a:rPr lang="en-US" sz="1400" b="1" dirty="0" err="1"/>
-              <a:t>AppConfig</a:t>
-            </a:r>
-            <a:r>
-              <a:rPr lang="en-US" sz="1400" b="1" dirty="0"/>
-              <a:t>[:</a:t>
-            </a:r>
-            <a:r>
-              <a:rPr lang="en-US" sz="1400" b="1" dirty="0" err="1"/>
-              <a:t>pui_request_use_repo_email</a:t>
-            </a:r>
-            <a:r>
-              <a:rPr lang="en-US" sz="1400" b="1" dirty="0"/>
-              <a:t>] = false</a:t>
-            </a:r>
-            <a:endParaRPr lang="en-US" sz="1400" dirty="0"/>
-          </a:p>
-          <a:p>
-            <a:pPr marL="482600" lvl="1" indent="0">
-              <a:buNone/>
-            </a:pPr>
-            <a:r>
-              <a:rPr lang="en-US" sz="1400" dirty="0"/>
-              <a:t> </a:t>
-            </a:r>
-          </a:p>
-          <a:p>
-            <a:pPr marL="482600" lvl="1" indent="0">
-              <a:buNone/>
-            </a:pPr>
-            <a:r>
-              <a:rPr lang="en-US" sz="1800" dirty="0"/>
-              <a:t>Once you have enabled requests, you can configure what kind of records can be requested (default below): </a:t>
-            </a:r>
-          </a:p>
-          <a:p>
-            <a:pPr marL="482600" lvl="1" indent="0">
-              <a:buNone/>
-            </a:pPr>
-            <a:r>
-              <a:rPr lang="en-US" sz="1400" b="1" dirty="0" err="1"/>
-              <a:t>AppConfig</a:t>
-            </a:r>
-            <a:r>
-              <a:rPr lang="en-US" sz="1400" b="1" dirty="0"/>
-              <a:t>[:</a:t>
-            </a:r>
-            <a:r>
-              <a:rPr lang="en-US" sz="1400" b="1" dirty="0" err="1"/>
-              <a:t>pui_requests_permitted_for_types</a:t>
-            </a:r>
-            <a:r>
-              <a:rPr lang="en-US" sz="1400" b="1" dirty="0"/>
-              <a:t>] = [:resource, :</a:t>
-            </a:r>
-            <a:r>
-              <a:rPr lang="en-US" sz="1400" b="1" dirty="0" err="1"/>
-              <a:t>archival_object</a:t>
-            </a:r>
-            <a:r>
-              <a:rPr lang="en-US" sz="1400" b="1" dirty="0"/>
-              <a:t>, :accession, :</a:t>
-            </a:r>
-            <a:r>
-              <a:rPr lang="en-US" sz="1400" b="1" dirty="0" err="1"/>
-              <a:t>digital_object</a:t>
-            </a:r>
-            <a:r>
-              <a:rPr lang="en-US" sz="1400" b="1" dirty="0"/>
-              <a:t>, :</a:t>
-            </a:r>
-            <a:r>
-              <a:rPr lang="en-US" sz="1400" b="1" dirty="0" err="1"/>
-              <a:t>digital_object_component</a:t>
-            </a:r>
-            <a:r>
-              <a:rPr lang="en-US" sz="1400" b="1" dirty="0"/>
+              <a:rPr lang="en-US" sz="1600" b="1" dirty="0" err="1">
+                <a:latin typeface="Courier New" panose="02070309020205020404" pitchFamily="49" charset="0"/>
+                <a:cs typeface="Courier New" panose="02070309020205020404" pitchFamily="49" charset="0"/>
+              </a:rPr>
+              <a:t>pui_page_actions_cite</a:t>
+            </a:r>
+            <a:r>
+              <a:rPr lang="en-US" sz="1600" b="1" dirty="0">
+                <a:latin typeface="Courier New" panose="02070309020205020404" pitchFamily="49" charset="0"/>
+                <a:cs typeface="Courier New" panose="02070309020205020404" pitchFamily="49" charset="0"/>
+              </a:rPr>
               <a:t>]</a:t>
             </a:r>
-          </a:p>
-          <a:p>
-            <a:pPr marL="25400" indent="0">
-              <a:buNone/>
-            </a:pPr>
-            <a:endParaRPr lang="en-US" sz="1000" dirty="0"/>
-          </a:p>
-          <a:p>
-            <a:pPr marL="25400" indent="0">
-              <a:buNone/>
-            </a:pPr>
-            <a:endParaRPr lang="en-US" sz="1000" dirty="0"/>
+            <a:r>
+              <a:rPr lang="en-US" sz="1600" dirty="0">
+                <a:latin typeface="+mn-lt"/>
+                <a:cs typeface="Courier New" panose="02070309020205020404" pitchFamily="49" charset="0"/>
+              </a:rPr>
+              <a:t>. </a:t>
+            </a:r>
+            <a:r>
+              <a:rPr lang="en-US" sz="2000" dirty="0">
+                <a:latin typeface="+mn-lt"/>
+                <a:cs typeface="Courier New" panose="02070309020205020404" pitchFamily="49" charset="0"/>
+              </a:rPr>
+              <a:t>The default is enabled.</a:t>
+            </a:r>
           </a:p>
         </p:txBody>
       </p:sp>
       <p:pic>
         <p:nvPicPr>
-          <p:cNvPr id="4" name="Picture 3">
+          <p:cNvPr id="5" name="Picture 4">
             <a:extLst>
               <a:ext uri="{FF2B5EF4-FFF2-40B4-BE49-F238E27FC236}">
-                <a16:creationId xmlns:a16="http://schemas.microsoft.com/office/drawing/2014/main" id="{315C8711-F136-5349-A5DF-9FB3ED9C9DD3}"/>
+                <a16:creationId xmlns:a16="http://schemas.microsoft.com/office/drawing/2014/main" id="{D9EA636B-398F-0046-BC7D-815516CD9993}"/>
               </a:ext>
             </a:extLst>
           </p:cNvPr>
@@ -12710,13 +14091,73 @@
         </p:nvPicPr>
         <p:blipFill rotWithShape="1">
           <a:blip r:embed="rId2"/>
-          <a:srcRect l="37114" r="29134"/>
+          <a:srcRect r="62283"/>
           <a:stretch/>
         </p:blipFill>
         <p:spPr>
           <a:xfrm>
-            <a:off x="7755774" y="0"/>
-            <a:ext cx="931026" cy="984421"/>
+            <a:off x="7148054" y="245756"/>
+            <a:ext cx="1040392" cy="984421"/>
+          </a:xfrm>
+          <a:prstGeom prst="rect">
+            <a:avLst/>
+          </a:prstGeom>
+        </p:spPr>
+      </p:pic>
+      <p:pic>
+        <p:nvPicPr>
+          <p:cNvPr id="9" name="Picture 8">
+            <a:extLst>
+              <a:ext uri="{FF2B5EF4-FFF2-40B4-BE49-F238E27FC236}">
+                <a16:creationId xmlns:a16="http://schemas.microsoft.com/office/drawing/2014/main" id="{D0D86B04-638C-2543-B7BE-F2204E88F949}"/>
+              </a:ext>
+            </a:extLst>
+          </p:cNvPr>
+          <p:cNvPicPr>
+            <a:picLocks noChangeAspect="1"/>
+          </p:cNvPicPr>
+          <p:nvPr/>
+        </p:nvPicPr>
+        <p:blipFill>
+          <a:blip r:embed="rId3"/>
+          <a:stretch>
+            <a:fillRect/>
+          </a:stretch>
+        </p:blipFill>
+        <p:spPr>
+          <a:xfrm>
+            <a:off x="457200" y="2599901"/>
+            <a:ext cx="5854075" cy="1358230"/>
+          </a:xfrm>
+          <a:prstGeom prst="rect">
+            <a:avLst/>
+          </a:prstGeom>
+        </p:spPr>
+      </p:pic>
+      <p:pic>
+        <p:nvPicPr>
+          <p:cNvPr id="11" name="Picture 10">
+            <a:extLst>
+              <a:ext uri="{FF2B5EF4-FFF2-40B4-BE49-F238E27FC236}">
+                <a16:creationId xmlns:a16="http://schemas.microsoft.com/office/drawing/2014/main" id="{F4928ABF-549C-A043-BFE4-5762C6CE14D0}"/>
+              </a:ext>
+            </a:extLst>
+          </p:cNvPr>
+          <p:cNvPicPr>
+            <a:picLocks noChangeAspect="1"/>
+          </p:cNvPicPr>
+          <p:nvPr/>
+        </p:nvPicPr>
+        <p:blipFill>
+          <a:blip r:embed="rId4"/>
+          <a:stretch>
+            <a:fillRect/>
+          </a:stretch>
+        </p:blipFill>
+        <p:spPr>
+          <a:xfrm>
+            <a:off x="457200" y="4118571"/>
+            <a:ext cx="6198433" cy="1878635"/>
           </a:xfrm>
           <a:prstGeom prst="rect">
             <a:avLst/>
@@ -12726,7 +14167,7 @@
     </p:spTree>
     <p:extLst>
       <p:ext uri="{BB962C8B-B14F-4D97-AF65-F5344CB8AC3E}">
-        <p14:creationId xmlns:p14="http://schemas.microsoft.com/office/powerpoint/2010/main" val="3181728112"/>
+        <p14:creationId xmlns:p14="http://schemas.microsoft.com/office/powerpoint/2010/main" val="2653543534"/>
       </p:ext>
     </p:extLst>
   </p:cSld>
@@ -12736,7 +14177,211 @@
 </p:sld>
 </file>
 
-<file path=ppt/slides/slide11.xml><?xml version="1.0" encoding="utf-8"?>
+<file path=ppt/slides/slide13.xml><?xml version="1.0" encoding="utf-8"?>
+<p:sld xmlns:a="http://schemas.openxmlformats.org/drawingml/2006/main" xmlns:r="http://schemas.openxmlformats.org/officeDocument/2006/relationships" xmlns:p="http://schemas.openxmlformats.org/presentationml/2006/main">
+  <p:cSld>
+    <p:spTree>
+      <p:nvGrpSpPr>
+        <p:cNvPr id="1" name=""/>
+        <p:cNvGrpSpPr/>
+        <p:nvPr/>
+      </p:nvGrpSpPr>
+      <p:grpSpPr>
+        <a:xfrm>
+          <a:off x="0" y="0"/>
+          <a:ext cx="0" cy="0"/>
+          <a:chOff x="0" y="0"/>
+          <a:chExt cx="0" cy="0"/>
+        </a:xfrm>
+      </p:grpSpPr>
+      <p:sp>
+        <p:nvSpPr>
+          <p:cNvPr id="2" name="Title 1">
+            <a:extLst>
+              <a:ext uri="{FF2B5EF4-FFF2-40B4-BE49-F238E27FC236}">
+                <a16:creationId xmlns:a16="http://schemas.microsoft.com/office/drawing/2014/main" id="{11121A61-8529-B848-BB7C-D9F01BE174D0}"/>
+              </a:ext>
+            </a:extLst>
+          </p:cNvPr>
+          <p:cNvSpPr>
+            <a:spLocks noGrp="1"/>
+          </p:cNvSpPr>
+          <p:nvPr>
+            <p:ph type="title"/>
+          </p:nvPr>
+        </p:nvSpPr>
+        <p:spPr>
+          <a:xfrm>
+            <a:off x="457200" y="424265"/>
+            <a:ext cx="8229600" cy="627405"/>
+          </a:xfrm>
+        </p:spPr>
+        <p:txBody>
+          <a:bodyPr/>
+          <a:lstStyle/>
+          <a:p>
+            <a:r>
+              <a:rPr lang="en-US" sz="3600" dirty="0"/>
+              <a:t>Enable Print</a:t>
+            </a:r>
+          </a:p>
+        </p:txBody>
+      </p:sp>
+      <p:sp>
+        <p:nvSpPr>
+          <p:cNvPr id="3" name="Text Placeholder 2">
+            <a:extLst>
+              <a:ext uri="{FF2B5EF4-FFF2-40B4-BE49-F238E27FC236}">
+                <a16:creationId xmlns:a16="http://schemas.microsoft.com/office/drawing/2014/main" id="{50C478C0-3DFD-8C4B-A5DB-42E1188905B3}"/>
+              </a:ext>
+            </a:extLst>
+          </p:cNvPr>
+          <p:cNvSpPr>
+            <a:spLocks noGrp="1"/>
+          </p:cNvSpPr>
+          <p:nvPr>
+            <p:ph type="body" idx="1"/>
+          </p:nvPr>
+        </p:nvSpPr>
+        <p:spPr>
+          <a:xfrm>
+            <a:off x="949830" y="1615478"/>
+            <a:ext cx="7298575" cy="1322594"/>
+          </a:xfrm>
+        </p:spPr>
+        <p:txBody>
+          <a:bodyPr/>
+          <a:lstStyle/>
+          <a:p>
+            <a:pPr marL="25400" indent="0">
+              <a:buNone/>
+            </a:pPr>
+            <a:r>
+              <a:rPr lang="en-US" sz="2400" dirty="0">
+                <a:cs typeface="Courier New" panose="02070309020205020404" pitchFamily="49" charset="0"/>
+              </a:rPr>
+              <a:t>The configuration variable for enabling or disabling print</a:t>
+            </a:r>
+            <a:r>
+              <a:rPr lang="en-US" sz="2400" dirty="0"/>
+              <a:t> is  </a:t>
+            </a:r>
+            <a:r>
+              <a:rPr lang="en-US" sz="1800" b="1" dirty="0" err="1">
+                <a:latin typeface="Courier New" panose="02070309020205020404" pitchFamily="49" charset="0"/>
+                <a:cs typeface="Courier New" panose="02070309020205020404" pitchFamily="49" charset="0"/>
+              </a:rPr>
+              <a:t>AppConfig</a:t>
+            </a:r>
+            <a:r>
+              <a:rPr lang="en-US" sz="1800" b="1" dirty="0">
+                <a:latin typeface="Courier New" panose="02070309020205020404" pitchFamily="49" charset="0"/>
+                <a:cs typeface="Courier New" panose="02070309020205020404" pitchFamily="49" charset="0"/>
+              </a:rPr>
+              <a:t>[:</a:t>
+            </a:r>
+            <a:r>
+              <a:rPr lang="en-US" sz="1800" b="1" dirty="0" err="1">
+                <a:latin typeface="Courier New" panose="02070309020205020404" pitchFamily="49" charset="0"/>
+                <a:cs typeface="Courier New" panose="02070309020205020404" pitchFamily="49" charset="0"/>
+              </a:rPr>
+              <a:t>pui_page_actions_print</a:t>
+            </a:r>
+            <a:r>
+              <a:rPr lang="en-US" sz="1800" b="1" dirty="0">
+                <a:latin typeface="Courier New" panose="02070309020205020404" pitchFamily="49" charset="0"/>
+                <a:cs typeface="Courier New" panose="02070309020205020404" pitchFamily="49" charset="0"/>
+              </a:rPr>
+              <a:t>]</a:t>
+            </a:r>
+            <a:r>
+              <a:rPr lang="en-US" sz="1800" dirty="0">
+                <a:cs typeface="Courier New" panose="02070309020205020404" pitchFamily="49" charset="0"/>
+              </a:rPr>
+              <a:t>. </a:t>
+            </a:r>
+            <a:r>
+              <a:rPr lang="en-US" sz="2400" dirty="0">
+                <a:cs typeface="Courier New" panose="02070309020205020404" pitchFamily="49" charset="0"/>
+              </a:rPr>
+              <a:t>The default is enabled.</a:t>
+            </a:r>
+          </a:p>
+        </p:txBody>
+      </p:sp>
+      <p:pic>
+        <p:nvPicPr>
+          <p:cNvPr id="6" name="Picture 5">
+            <a:extLst>
+              <a:ext uri="{FF2B5EF4-FFF2-40B4-BE49-F238E27FC236}">
+                <a16:creationId xmlns:a16="http://schemas.microsoft.com/office/drawing/2014/main" id="{73924DE3-832F-F943-BA8D-2F424BB5183C}"/>
+              </a:ext>
+            </a:extLst>
+          </p:cNvPr>
+          <p:cNvPicPr>
+            <a:picLocks noChangeAspect="1"/>
+          </p:cNvPicPr>
+          <p:nvPr/>
+        </p:nvPicPr>
+        <p:blipFill rotWithShape="1">
+          <a:blip r:embed="rId3"/>
+          <a:srcRect l="70166"/>
+          <a:stretch/>
+        </p:blipFill>
+        <p:spPr>
+          <a:xfrm>
+            <a:off x="6924502" y="245756"/>
+            <a:ext cx="822960" cy="984421"/>
+          </a:xfrm>
+          <a:prstGeom prst="rect">
+            <a:avLst/>
+          </a:prstGeom>
+        </p:spPr>
+      </p:pic>
+      <p:pic>
+        <p:nvPicPr>
+          <p:cNvPr id="7" name="Picture 6">
+            <a:extLst>
+              <a:ext uri="{FF2B5EF4-FFF2-40B4-BE49-F238E27FC236}">
+                <a16:creationId xmlns:a16="http://schemas.microsoft.com/office/drawing/2014/main" id="{56F9EE22-B30B-9B46-8508-176E515B8241}"/>
+              </a:ext>
+            </a:extLst>
+          </p:cNvPr>
+          <p:cNvPicPr>
+            <a:picLocks noChangeAspect="1"/>
+          </p:cNvPicPr>
+          <p:nvPr/>
+        </p:nvPicPr>
+        <p:blipFill>
+          <a:blip r:embed="rId4"/>
+          <a:stretch>
+            <a:fillRect/>
+          </a:stretch>
+        </p:blipFill>
+        <p:spPr>
+          <a:xfrm>
+            <a:off x="854961" y="3338363"/>
+            <a:ext cx="7298575" cy="1631593"/>
+          </a:xfrm>
+          <a:prstGeom prst="rect">
+            <a:avLst/>
+          </a:prstGeom>
+        </p:spPr>
+      </p:pic>
+    </p:spTree>
+    <p:extLst>
+      <p:ext uri="{BB962C8B-B14F-4D97-AF65-F5344CB8AC3E}">
+        <p14:creationId xmlns:p14="http://schemas.microsoft.com/office/powerpoint/2010/main" val="3705112775"/>
+      </p:ext>
+    </p:extLst>
+  </p:cSld>
+  <p:clrMapOvr>
+    <a:masterClrMapping/>
+  </p:clrMapOvr>
+</p:sld>
+</file>
+
+<file path=ppt/slides/slide14.xml><?xml version="1.0" encoding="utf-8"?>
 <p:sld xmlns:a="http://schemas.openxmlformats.org/drawingml/2006/main" xmlns:r="http://schemas.openxmlformats.org/officeDocument/2006/relationships" xmlns:p="http://schemas.openxmlformats.org/presentationml/2006/main">
   <p:cSld>
     <p:spTree>
@@ -12882,7 +14527,7 @@
 </p:sld>
 </file>
 
-<file path=ppt/slides/slide12.xml><?xml version="1.0" encoding="utf-8"?>
+<file path=ppt/slides/slide15.xml><?xml version="1.0" encoding="utf-8"?>
 <p:sld xmlns:a="http://schemas.openxmlformats.org/drawingml/2006/main" xmlns:r="http://schemas.openxmlformats.org/officeDocument/2006/relationships" xmlns:p="http://schemas.openxmlformats.org/presentationml/2006/main">
   <p:cSld>
     <p:spTree>
@@ -13327,7 +14972,7 @@
 </p:sld>
 </file>
 
-<file path=ppt/slides/slide13.xml><?xml version="1.0" encoding="utf-8"?>
+<file path=ppt/slides/slide16.xml><?xml version="1.0" encoding="utf-8"?>
 <p:sld xmlns:a="http://schemas.openxmlformats.org/drawingml/2006/main" xmlns:r="http://schemas.openxmlformats.org/officeDocument/2006/relationships" xmlns:p="http://schemas.openxmlformats.org/presentationml/2006/main">
   <p:cSld>
     <p:spTree>
@@ -13798,7 +15443,7 @@
 </p:sld>
 </file>
 
-<file path=ppt/slides/slide14.xml><?xml version="1.0" encoding="utf-8"?>
+<file path=ppt/slides/slide17.xml><?xml version="1.0" encoding="utf-8"?>
 <p:sld xmlns:a="http://schemas.openxmlformats.org/drawingml/2006/main" xmlns:r="http://schemas.openxmlformats.org/officeDocument/2006/relationships" xmlns:p="http://schemas.openxmlformats.org/presentationml/2006/main">
   <p:cSld>
     <p:spTree>
@@ -14232,7 +15877,7 @@
 </p:sld>
 </file>
 
-<file path=ppt/slides/slide15.xml><?xml version="1.0" encoding="utf-8"?>
+<file path=ppt/slides/slide18.xml><?xml version="1.0" encoding="utf-8"?>
 <p:sld xmlns:a="http://schemas.openxmlformats.org/drawingml/2006/main" xmlns:r="http://schemas.openxmlformats.org/officeDocument/2006/relationships" xmlns:p="http://schemas.openxmlformats.org/presentationml/2006/main">
   <p:cSld>
     <p:spTree>
@@ -14373,7 +16018,7 @@
 </p:sld>
 </file>
 
-<file path=ppt/slides/slide16.xml><?xml version="1.0" encoding="utf-8"?>
+<file path=ppt/slides/slide19.xml><?xml version="1.0" encoding="utf-8"?>
 <p:sld xmlns:a="http://schemas.openxmlformats.org/drawingml/2006/main" xmlns:r="http://schemas.openxmlformats.org/officeDocument/2006/relationships" xmlns:p="http://schemas.openxmlformats.org/presentationml/2006/main">
   <p:cSld>
     <p:spTree>
@@ -14651,7 +16296,308 @@
 </p:sld>
 </file>
 
-<file path=ppt/slides/slide17.xml><?xml version="1.0" encoding="utf-8"?>
+<file path=ppt/slides/slide2.xml><?xml version="1.0" encoding="utf-8"?>
+<p:sld xmlns:a="http://schemas.openxmlformats.org/drawingml/2006/main" xmlns:r="http://schemas.openxmlformats.org/officeDocument/2006/relationships" xmlns:p="http://schemas.openxmlformats.org/presentationml/2006/main">
+  <p:cSld>
+    <p:spTree>
+      <p:nvGrpSpPr>
+        <p:cNvPr id="1" name="Shape 73"/>
+        <p:cNvGrpSpPr/>
+        <p:nvPr/>
+      </p:nvGrpSpPr>
+      <p:grpSpPr>
+        <a:xfrm>
+          <a:off x="0" y="0"/>
+          <a:ext cx="0" cy="0"/>
+          <a:chOff x="0" y="0"/>
+          <a:chExt cx="0" cy="0"/>
+        </a:xfrm>
+      </p:grpSpPr>
+      <p:sp>
+        <p:nvSpPr>
+          <p:cNvPr id="74" name="Google Shape;74;p17"/>
+          <p:cNvSpPr txBox="1">
+            <a:spLocks noGrp="1"/>
+          </p:cNvSpPr>
+          <p:nvPr>
+            <p:ph type="title"/>
+          </p:nvPr>
+        </p:nvSpPr>
+        <p:spPr>
+          <a:xfrm>
+            <a:off x="457200" y="274638"/>
+            <a:ext cx="8229600" cy="1143000"/>
+          </a:xfrm>
+          <a:prstGeom prst="rect">
+            <a:avLst/>
+          </a:prstGeom>
+          <a:noFill/>
+          <a:ln>
+            <a:noFill/>
+          </a:ln>
+        </p:spPr>
+        <p:txBody>
+          <a:bodyPr spcFirstLastPara="1" wrap="square" lIns="91425" tIns="45700" rIns="91425" bIns="45700" anchor="ctr" anchorCtr="0">
+            <a:noAutofit/>
+          </a:bodyPr>
+          <a:lstStyle/>
+          <a:p>
+            <a:pPr marL="0" marR="0" lvl="0" indent="0" algn="ctr" rtl="0">
+              <a:spcBef>
+                <a:spcPts val="0"/>
+              </a:spcBef>
+              <a:spcAft>
+                <a:spcPts val="0"/>
+              </a:spcAft>
+              <a:buNone/>
+            </a:pPr>
+            <a:r>
+              <a:rPr lang="en-US" sz="4400" b="0" i="0" u="none" strike="noStrike" cap="none" dirty="0">
+                <a:solidFill>
+                  <a:schemeClr val="dk1"/>
+                </a:solidFill>
+                <a:latin typeface="Arial"/>
+                <a:ea typeface="Arial"/>
+                <a:cs typeface="Arial"/>
+                <a:sym typeface="Arial"/>
+              </a:rPr>
+              <a:t>Agenda</a:t>
+            </a:r>
+            <a:endParaRPr sz="4400" b="0" i="0" u="none" strike="noStrike" cap="none" dirty="0">
+              <a:solidFill>
+                <a:schemeClr val="dk1"/>
+              </a:solidFill>
+              <a:latin typeface="Arial"/>
+              <a:ea typeface="Arial"/>
+              <a:cs typeface="Arial"/>
+              <a:sym typeface="Arial"/>
+            </a:endParaRPr>
+          </a:p>
+        </p:txBody>
+      </p:sp>
+      <p:sp>
+        <p:nvSpPr>
+          <p:cNvPr id="75" name="Google Shape;75;p17"/>
+          <p:cNvSpPr txBox="1">
+            <a:spLocks noGrp="1"/>
+          </p:cNvSpPr>
+          <p:nvPr>
+            <p:ph type="body" idx="1"/>
+          </p:nvPr>
+        </p:nvSpPr>
+        <p:spPr>
+          <a:xfrm>
+            <a:off x="457200" y="1600200"/>
+            <a:ext cx="8229600" cy="4419600"/>
+          </a:xfrm>
+          <a:prstGeom prst="rect">
+            <a:avLst/>
+          </a:prstGeom>
+          <a:noFill/>
+          <a:ln>
+            <a:noFill/>
+          </a:ln>
+        </p:spPr>
+        <p:txBody>
+          <a:bodyPr spcFirstLastPara="1" wrap="square" lIns="91425" tIns="45700" rIns="91425" bIns="45700" anchor="t" anchorCtr="0">
+            <a:noAutofit/>
+          </a:bodyPr>
+          <a:lstStyle/>
+          <a:p>
+            <a:pPr marL="342900" lvl="0" indent="-342900">
+              <a:spcBef>
+                <a:spcPts val="0"/>
+              </a:spcBef>
+            </a:pPr>
+            <a:r>
+              <a:rPr lang="en-US" sz="2400" dirty="0"/>
+              <a:t>Introduction</a:t>
+            </a:r>
+          </a:p>
+          <a:p>
+            <a:pPr marL="342900" lvl="0" indent="-342900">
+              <a:spcBef>
+                <a:spcPts val="0"/>
+              </a:spcBef>
+            </a:pPr>
+            <a:r>
+              <a:rPr lang="en-US" sz="2400" dirty="0"/>
+              <a:t>Configuration Settings</a:t>
+            </a:r>
+          </a:p>
+          <a:p>
+            <a:pPr marL="800100" lvl="1" indent="-342900">
+              <a:spcBef>
+                <a:spcPts val="0"/>
+              </a:spcBef>
+            </a:pPr>
+            <a:r>
+              <a:rPr lang="en-US" sz="2400" dirty="0"/>
+              <a:t>Examples</a:t>
+            </a:r>
+          </a:p>
+          <a:p>
+            <a:pPr marL="342900" lvl="0" indent="-342900">
+              <a:spcBef>
+                <a:spcPts val="0"/>
+              </a:spcBef>
+            </a:pPr>
+            <a:r>
+              <a:rPr lang="en-US" sz="2400" dirty="0"/>
+              <a:t>Plugins</a:t>
+            </a:r>
+          </a:p>
+          <a:p>
+            <a:pPr marL="800100" lvl="1" indent="-342900">
+              <a:spcBef>
+                <a:spcPts val="0"/>
+              </a:spcBef>
+            </a:pPr>
+            <a:r>
+              <a:rPr lang="en-US" sz="2400" dirty="0"/>
+              <a:t>Plugin </a:t>
+            </a:r>
+            <a:r>
+              <a:rPr lang="en-US" sz="2400" b="0" i="0" u="none" strike="noStrike" cap="none" dirty="0">
+                <a:solidFill>
+                  <a:schemeClr val="dk1"/>
+                </a:solidFill>
+                <a:latin typeface="Arial"/>
+                <a:ea typeface="Arial"/>
+                <a:cs typeface="Arial"/>
+                <a:sym typeface="Arial"/>
+              </a:rPr>
+              <a:t>directory structure</a:t>
+            </a:r>
+            <a:endParaRPr sz="2400" dirty="0"/>
+          </a:p>
+          <a:p>
+            <a:pPr marL="800100" lvl="1" indent="-342900"/>
+            <a:r>
+              <a:rPr lang="en-US" sz="2400" dirty="0"/>
+              <a:t>Steps to Create a Plugin</a:t>
+            </a:r>
+          </a:p>
+          <a:p>
+            <a:pPr marL="800100" lvl="1" indent="-342900"/>
+            <a:r>
+              <a:rPr lang="en-US" sz="2400" dirty="0"/>
+              <a:t>How to Enable a Plugin</a:t>
+            </a:r>
+          </a:p>
+          <a:p>
+            <a:pPr marL="800100" lvl="1" indent="-342900"/>
+            <a:r>
+              <a:rPr lang="en-US" sz="2400" dirty="0"/>
+              <a:t>How to Use Community Plugins</a:t>
+            </a:r>
+          </a:p>
+          <a:p>
+            <a:pPr marL="800100" lvl="1" indent="-342900"/>
+            <a:r>
+              <a:rPr lang="en-US" sz="2400" b="0" i="0" u="none" strike="noStrike" cap="none" dirty="0">
+                <a:solidFill>
+                  <a:schemeClr val="dk1"/>
+                </a:solidFill>
+                <a:latin typeface="Arial"/>
+                <a:ea typeface="Arial"/>
+                <a:cs typeface="Arial"/>
+                <a:sym typeface="Arial"/>
+              </a:rPr>
+              <a:t>Examples</a:t>
+            </a:r>
+            <a:endParaRPr sz="2400" dirty="0"/>
+          </a:p>
+          <a:p>
+            <a:pPr marL="342900" marR="0" lvl="0" indent="-342900" algn="l" rtl="0">
+              <a:spcBef>
+                <a:spcPts val="640"/>
+              </a:spcBef>
+              <a:spcAft>
+                <a:spcPts val="0"/>
+              </a:spcAft>
+              <a:buClr>
+                <a:srgbClr val="27A9E2"/>
+              </a:buClr>
+              <a:buSzPts val="3200"/>
+              <a:buFont typeface="Arial"/>
+              <a:buChar char="•"/>
+            </a:pPr>
+            <a:r>
+              <a:rPr lang="en-US" sz="2400" b="0" i="0" u="none" strike="noStrike" cap="none" dirty="0">
+                <a:solidFill>
+                  <a:schemeClr val="dk1"/>
+                </a:solidFill>
+                <a:latin typeface="Arial"/>
+                <a:ea typeface="Arial"/>
+                <a:cs typeface="Arial"/>
+                <a:sym typeface="Arial"/>
+              </a:rPr>
+              <a:t>Resources</a:t>
+            </a:r>
+            <a:endParaRPr sz="2400" dirty="0"/>
+          </a:p>
+          <a:p>
+            <a:pPr marL="342900" marR="0" lvl="0" indent="-139700" algn="l" rtl="0">
+              <a:spcBef>
+                <a:spcPts val="640"/>
+              </a:spcBef>
+              <a:spcAft>
+                <a:spcPts val="0"/>
+              </a:spcAft>
+              <a:buClr>
+                <a:srgbClr val="27A9E2"/>
+              </a:buClr>
+              <a:buSzPts val="3200"/>
+              <a:buFont typeface="Arial"/>
+              <a:buNone/>
+            </a:pPr>
+            <a:endParaRPr sz="3200" b="0" i="0" u="none" strike="noStrike" cap="none" dirty="0">
+              <a:solidFill>
+                <a:schemeClr val="dk1"/>
+              </a:solidFill>
+              <a:latin typeface="Arial"/>
+              <a:ea typeface="Arial"/>
+              <a:cs typeface="Arial"/>
+              <a:sym typeface="Arial"/>
+            </a:endParaRPr>
+          </a:p>
+          <a:p>
+            <a:pPr marL="342900" marR="0" lvl="0" indent="-139700" algn="l" rtl="0">
+              <a:spcBef>
+                <a:spcPts val="640"/>
+              </a:spcBef>
+              <a:spcAft>
+                <a:spcPts val="0"/>
+              </a:spcAft>
+              <a:buClr>
+                <a:srgbClr val="27A9E2"/>
+              </a:buClr>
+              <a:buSzPts val="3200"/>
+              <a:buFont typeface="Arial"/>
+              <a:buNone/>
+            </a:pPr>
+            <a:endParaRPr sz="3200" b="0" i="0" u="none" strike="noStrike" cap="none" dirty="0">
+              <a:solidFill>
+                <a:schemeClr val="dk1"/>
+              </a:solidFill>
+              <a:latin typeface="Arial"/>
+              <a:ea typeface="Arial"/>
+              <a:cs typeface="Arial"/>
+              <a:sym typeface="Arial"/>
+            </a:endParaRPr>
+          </a:p>
+        </p:txBody>
+      </p:sp>
+    </p:spTree>
+  </p:cSld>
+  <p:clrMapOvr>
+    <a:masterClrMapping/>
+  </p:clrMapOvr>
+</p:sld>
+</file>
+
+<file path=ppt/slides/slide20.xml><?xml version="1.0" encoding="utf-8"?>
 <p:sld xmlns:a="http://schemas.openxmlformats.org/drawingml/2006/main" xmlns:r="http://schemas.openxmlformats.org/officeDocument/2006/relationships" xmlns:p="http://schemas.openxmlformats.org/presentationml/2006/main">
   <p:cSld>
     <p:spTree>
@@ -15202,7 +17148,7 @@
 </p:sld>
 </file>
 
-<file path=ppt/slides/slide18.xml><?xml version="1.0" encoding="utf-8"?>
+<file path=ppt/slides/slide21.xml><?xml version="1.0" encoding="utf-8"?>
 <p:sld xmlns:a="http://schemas.openxmlformats.org/drawingml/2006/main" xmlns:r="http://schemas.openxmlformats.org/officeDocument/2006/relationships" xmlns:p="http://schemas.openxmlformats.org/presentationml/2006/main">
   <p:cSld>
     <p:spTree>
@@ -15450,7 +17396,7 @@
 </p:sld>
 </file>
 
-<file path=ppt/slides/slide19.xml><?xml version="1.0" encoding="utf-8"?>
+<file path=ppt/slides/slide22.xml><?xml version="1.0" encoding="utf-8"?>
 <p:sld xmlns:a="http://schemas.openxmlformats.org/drawingml/2006/main" xmlns:r="http://schemas.openxmlformats.org/officeDocument/2006/relationships" xmlns:p="http://schemas.openxmlformats.org/presentationml/2006/main">
   <p:cSld>
     <p:spTree>
@@ -15905,308 +17851,7 @@
 </p:sld>
 </file>
 
-<file path=ppt/slides/slide2.xml><?xml version="1.0" encoding="utf-8"?>
-<p:sld xmlns:a="http://schemas.openxmlformats.org/drawingml/2006/main" xmlns:r="http://schemas.openxmlformats.org/officeDocument/2006/relationships" xmlns:p="http://schemas.openxmlformats.org/presentationml/2006/main">
-  <p:cSld>
-    <p:spTree>
-      <p:nvGrpSpPr>
-        <p:cNvPr id="1" name="Shape 73"/>
-        <p:cNvGrpSpPr/>
-        <p:nvPr/>
-      </p:nvGrpSpPr>
-      <p:grpSpPr>
-        <a:xfrm>
-          <a:off x="0" y="0"/>
-          <a:ext cx="0" cy="0"/>
-          <a:chOff x="0" y="0"/>
-          <a:chExt cx="0" cy="0"/>
-        </a:xfrm>
-      </p:grpSpPr>
-      <p:sp>
-        <p:nvSpPr>
-          <p:cNvPr id="74" name="Google Shape;74;p17"/>
-          <p:cNvSpPr txBox="1">
-            <a:spLocks noGrp="1"/>
-          </p:cNvSpPr>
-          <p:nvPr>
-            <p:ph type="title"/>
-          </p:nvPr>
-        </p:nvSpPr>
-        <p:spPr>
-          <a:xfrm>
-            <a:off x="457200" y="274638"/>
-            <a:ext cx="8229600" cy="1143000"/>
-          </a:xfrm>
-          <a:prstGeom prst="rect">
-            <a:avLst/>
-          </a:prstGeom>
-          <a:noFill/>
-          <a:ln>
-            <a:noFill/>
-          </a:ln>
-        </p:spPr>
-        <p:txBody>
-          <a:bodyPr spcFirstLastPara="1" wrap="square" lIns="91425" tIns="45700" rIns="91425" bIns="45700" anchor="ctr" anchorCtr="0">
-            <a:noAutofit/>
-          </a:bodyPr>
-          <a:lstStyle/>
-          <a:p>
-            <a:pPr marL="0" marR="0" lvl="0" indent="0" algn="ctr" rtl="0">
-              <a:spcBef>
-                <a:spcPts val="0"/>
-              </a:spcBef>
-              <a:spcAft>
-                <a:spcPts val="0"/>
-              </a:spcAft>
-              <a:buNone/>
-            </a:pPr>
-            <a:r>
-              <a:rPr lang="en-US" sz="4400" b="0" i="0" u="none" strike="noStrike" cap="none" dirty="0">
-                <a:solidFill>
-                  <a:schemeClr val="dk1"/>
-                </a:solidFill>
-                <a:latin typeface="Arial"/>
-                <a:ea typeface="Arial"/>
-                <a:cs typeface="Arial"/>
-                <a:sym typeface="Arial"/>
-              </a:rPr>
-              <a:t>Agenda</a:t>
-            </a:r>
-            <a:endParaRPr sz="4400" b="0" i="0" u="none" strike="noStrike" cap="none" dirty="0">
-              <a:solidFill>
-                <a:schemeClr val="dk1"/>
-              </a:solidFill>
-              <a:latin typeface="Arial"/>
-              <a:ea typeface="Arial"/>
-              <a:cs typeface="Arial"/>
-              <a:sym typeface="Arial"/>
-            </a:endParaRPr>
-          </a:p>
-        </p:txBody>
-      </p:sp>
-      <p:sp>
-        <p:nvSpPr>
-          <p:cNvPr id="75" name="Google Shape;75;p17"/>
-          <p:cNvSpPr txBox="1">
-            <a:spLocks noGrp="1"/>
-          </p:cNvSpPr>
-          <p:nvPr>
-            <p:ph type="body" idx="1"/>
-          </p:nvPr>
-        </p:nvSpPr>
-        <p:spPr>
-          <a:xfrm>
-            <a:off x="457200" y="1600200"/>
-            <a:ext cx="8229600" cy="4419600"/>
-          </a:xfrm>
-          <a:prstGeom prst="rect">
-            <a:avLst/>
-          </a:prstGeom>
-          <a:noFill/>
-          <a:ln>
-            <a:noFill/>
-          </a:ln>
-        </p:spPr>
-        <p:txBody>
-          <a:bodyPr spcFirstLastPara="1" wrap="square" lIns="91425" tIns="45700" rIns="91425" bIns="45700" anchor="t" anchorCtr="0">
-            <a:noAutofit/>
-          </a:bodyPr>
-          <a:lstStyle/>
-          <a:p>
-            <a:pPr marL="342900" lvl="0" indent="-342900">
-              <a:spcBef>
-                <a:spcPts val="0"/>
-              </a:spcBef>
-            </a:pPr>
-            <a:r>
-              <a:rPr lang="en-US" sz="2400" dirty="0"/>
-              <a:t>Introduction</a:t>
-            </a:r>
-          </a:p>
-          <a:p>
-            <a:pPr marL="342900" lvl="0" indent="-342900">
-              <a:spcBef>
-                <a:spcPts val="0"/>
-              </a:spcBef>
-            </a:pPr>
-            <a:r>
-              <a:rPr lang="en-US" sz="2400" dirty="0"/>
-              <a:t>Configuration Settings</a:t>
-            </a:r>
-          </a:p>
-          <a:p>
-            <a:pPr marL="800100" lvl="1" indent="-342900">
-              <a:spcBef>
-                <a:spcPts val="0"/>
-              </a:spcBef>
-            </a:pPr>
-            <a:r>
-              <a:rPr lang="en-US" sz="2400" dirty="0"/>
-              <a:t>Examples</a:t>
-            </a:r>
-          </a:p>
-          <a:p>
-            <a:pPr marL="342900" lvl="0" indent="-342900">
-              <a:spcBef>
-                <a:spcPts val="0"/>
-              </a:spcBef>
-            </a:pPr>
-            <a:r>
-              <a:rPr lang="en-US" sz="2400" dirty="0"/>
-              <a:t>Plugins</a:t>
-            </a:r>
-          </a:p>
-          <a:p>
-            <a:pPr marL="800100" lvl="1" indent="-342900">
-              <a:spcBef>
-                <a:spcPts val="0"/>
-              </a:spcBef>
-            </a:pPr>
-            <a:r>
-              <a:rPr lang="en-US" sz="2400" dirty="0"/>
-              <a:t>Plugin </a:t>
-            </a:r>
-            <a:r>
-              <a:rPr lang="en-US" sz="2400" b="0" i="0" u="none" strike="noStrike" cap="none" dirty="0">
-                <a:solidFill>
-                  <a:schemeClr val="dk1"/>
-                </a:solidFill>
-                <a:latin typeface="Arial"/>
-                <a:ea typeface="Arial"/>
-                <a:cs typeface="Arial"/>
-                <a:sym typeface="Arial"/>
-              </a:rPr>
-              <a:t>directory structure</a:t>
-            </a:r>
-            <a:endParaRPr sz="2400" dirty="0"/>
-          </a:p>
-          <a:p>
-            <a:pPr marL="800100" lvl="1" indent="-342900"/>
-            <a:r>
-              <a:rPr lang="en-US" sz="2400" dirty="0"/>
-              <a:t>Steps to Create a Plugin</a:t>
-            </a:r>
-          </a:p>
-          <a:p>
-            <a:pPr marL="800100" lvl="1" indent="-342900"/>
-            <a:r>
-              <a:rPr lang="en-US" sz="2400" dirty="0"/>
-              <a:t>How to Enable a Plugin</a:t>
-            </a:r>
-          </a:p>
-          <a:p>
-            <a:pPr marL="800100" lvl="1" indent="-342900"/>
-            <a:r>
-              <a:rPr lang="en-US" sz="2400" dirty="0"/>
-              <a:t>How to Use Community Plugins</a:t>
-            </a:r>
-          </a:p>
-          <a:p>
-            <a:pPr marL="800100" lvl="1" indent="-342900"/>
-            <a:r>
-              <a:rPr lang="en-US" sz="2400" b="0" i="0" u="none" strike="noStrike" cap="none" dirty="0">
-                <a:solidFill>
-                  <a:schemeClr val="dk1"/>
-                </a:solidFill>
-                <a:latin typeface="Arial"/>
-                <a:ea typeface="Arial"/>
-                <a:cs typeface="Arial"/>
-                <a:sym typeface="Arial"/>
-              </a:rPr>
-              <a:t>Examples</a:t>
-            </a:r>
-            <a:endParaRPr sz="2400" dirty="0"/>
-          </a:p>
-          <a:p>
-            <a:pPr marL="342900" marR="0" lvl="0" indent="-342900" algn="l" rtl="0">
-              <a:spcBef>
-                <a:spcPts val="640"/>
-              </a:spcBef>
-              <a:spcAft>
-                <a:spcPts val="0"/>
-              </a:spcAft>
-              <a:buClr>
-                <a:srgbClr val="27A9E2"/>
-              </a:buClr>
-              <a:buSzPts val="3200"/>
-              <a:buFont typeface="Arial"/>
-              <a:buChar char="•"/>
-            </a:pPr>
-            <a:r>
-              <a:rPr lang="en-US" sz="2400" b="0" i="0" u="none" strike="noStrike" cap="none" dirty="0">
-                <a:solidFill>
-                  <a:schemeClr val="dk1"/>
-                </a:solidFill>
-                <a:latin typeface="Arial"/>
-                <a:ea typeface="Arial"/>
-                <a:cs typeface="Arial"/>
-                <a:sym typeface="Arial"/>
-              </a:rPr>
-              <a:t>Resources</a:t>
-            </a:r>
-            <a:endParaRPr sz="2400" dirty="0"/>
-          </a:p>
-          <a:p>
-            <a:pPr marL="342900" marR="0" lvl="0" indent="-139700" algn="l" rtl="0">
-              <a:spcBef>
-                <a:spcPts val="640"/>
-              </a:spcBef>
-              <a:spcAft>
-                <a:spcPts val="0"/>
-              </a:spcAft>
-              <a:buClr>
-                <a:srgbClr val="27A9E2"/>
-              </a:buClr>
-              <a:buSzPts val="3200"/>
-              <a:buFont typeface="Arial"/>
-              <a:buNone/>
-            </a:pPr>
-            <a:endParaRPr sz="3200" b="0" i="0" u="none" strike="noStrike" cap="none" dirty="0">
-              <a:solidFill>
-                <a:schemeClr val="dk1"/>
-              </a:solidFill>
-              <a:latin typeface="Arial"/>
-              <a:ea typeface="Arial"/>
-              <a:cs typeface="Arial"/>
-              <a:sym typeface="Arial"/>
-            </a:endParaRPr>
-          </a:p>
-          <a:p>
-            <a:pPr marL="342900" marR="0" lvl="0" indent="-139700" algn="l" rtl="0">
-              <a:spcBef>
-                <a:spcPts val="640"/>
-              </a:spcBef>
-              <a:spcAft>
-                <a:spcPts val="0"/>
-              </a:spcAft>
-              <a:buClr>
-                <a:srgbClr val="27A9E2"/>
-              </a:buClr>
-              <a:buSzPts val="3200"/>
-              <a:buFont typeface="Arial"/>
-              <a:buNone/>
-            </a:pPr>
-            <a:endParaRPr sz="3200" b="0" i="0" u="none" strike="noStrike" cap="none" dirty="0">
-              <a:solidFill>
-                <a:schemeClr val="dk1"/>
-              </a:solidFill>
-              <a:latin typeface="Arial"/>
-              <a:ea typeface="Arial"/>
-              <a:cs typeface="Arial"/>
-              <a:sym typeface="Arial"/>
-            </a:endParaRPr>
-          </a:p>
-        </p:txBody>
-      </p:sp>
-    </p:spTree>
-  </p:cSld>
-  <p:clrMapOvr>
-    <a:masterClrMapping/>
-  </p:clrMapOvr>
-</p:sld>
-</file>
-
-<file path=ppt/slides/slide20.xml><?xml version="1.0" encoding="utf-8"?>
+<file path=ppt/slides/slide23.xml><?xml version="1.0" encoding="utf-8"?>
 <p:sld xmlns:a="http://schemas.openxmlformats.org/drawingml/2006/main" xmlns:r="http://schemas.openxmlformats.org/officeDocument/2006/relationships" xmlns:p="http://schemas.openxmlformats.org/presentationml/2006/main">
   <p:cSld>
     <p:spTree>
@@ -17467,7 +19112,7 @@
 </p:sld>
 </file>
 
-<file path=ppt/slides/slide21.xml><?xml version="1.0" encoding="utf-8"?>
+<file path=ppt/slides/slide24.xml><?xml version="1.0" encoding="utf-8"?>
 <p:sld xmlns:a="http://schemas.openxmlformats.org/drawingml/2006/main" xmlns:r="http://schemas.openxmlformats.org/officeDocument/2006/relationships" xmlns:p="http://schemas.openxmlformats.org/presentationml/2006/main">
   <p:cSld>
     <p:spTree>
@@ -17634,7 +19279,7 @@
                 <a:cs typeface="Courier New"/>
                 <a:sym typeface="Courier New"/>
               </a:rPr>
-              <a:t>plugins/local/public/views</a:t>
+              <a:t>plugins/local/public/views/shared</a:t>
             </a:r>
             <a:r>
               <a:rPr lang="en-US" sz="2000" b="0" i="0" u="none" strike="noStrike" cap="none" dirty="0">
@@ -18738,7 +20383,7 @@
 </p:sld>
 </file>
 
-<file path=ppt/slides/slide22.xml><?xml version="1.0" encoding="utf-8"?>
+<file path=ppt/slides/slide25.xml><?xml version="1.0" encoding="utf-8"?>
 <p:sld xmlns:a="http://schemas.openxmlformats.org/drawingml/2006/main" xmlns:r="http://schemas.openxmlformats.org/officeDocument/2006/relationships" xmlns:p="http://schemas.openxmlformats.org/presentationml/2006/main">
   <p:cSld>
     <p:spTree>
@@ -19048,7 +20693,7 @@
 </p:sld>
 </file>
 
-<file path=ppt/slides/slide23.xml><?xml version="1.0" encoding="utf-8"?>
+<file path=ppt/slides/slide26.xml><?xml version="1.0" encoding="utf-8"?>
 <p:sld xmlns:a="http://schemas.openxmlformats.org/drawingml/2006/main" xmlns:r="http://schemas.openxmlformats.org/officeDocument/2006/relationships" xmlns:p="http://schemas.openxmlformats.org/presentationml/2006/main">
   <p:cSld>
     <p:spTree>
@@ -19224,7 +20869,7 @@
 </p:sld>
 </file>
 
-<file path=ppt/slides/slide24.xml><?xml version="1.0" encoding="utf-8"?>
+<file path=ppt/slides/slide27.xml><?xml version="1.0" encoding="utf-8"?>
 <p:sld xmlns:a="http://schemas.openxmlformats.org/drawingml/2006/main" xmlns:r="http://schemas.openxmlformats.org/officeDocument/2006/relationships" xmlns:p="http://schemas.openxmlformats.org/presentationml/2006/main">
   <p:cSld>
     <p:spTree>
@@ -19450,7 +21095,7 @@
 </p:sld>
 </file>
 
-<file path=ppt/slides/slide25.xml><?xml version="1.0" encoding="utf-8"?>
+<file path=ppt/slides/slide28.xml><?xml version="1.0" encoding="utf-8"?>
 <p:sld xmlns:a="http://schemas.openxmlformats.org/drawingml/2006/main" xmlns:r="http://schemas.openxmlformats.org/officeDocument/2006/relationships" xmlns:p="http://schemas.openxmlformats.org/presentationml/2006/main">
   <p:cSld>
     <p:spTree>
@@ -19535,7 +21180,7 @@
                 <a:latin typeface="Courier New" panose="02070309020205020404" pitchFamily="49" charset="0"/>
                 <a:cs typeface="Courier New" panose="02070309020205020404" pitchFamily="49" charset="0"/>
               </a:rPr>
-              <a:t>archivesspaces</a:t>
+              <a:t>archivesspace</a:t>
             </a:r>
             <a:r>
               <a:rPr lang="en-US" sz="1400" dirty="0">
@@ -19665,7 +21310,7 @@
 </p:sld>
 </file>
 
-<file path=ppt/slides/slide26.xml><?xml version="1.0" encoding="utf-8"?>
+<file path=ppt/slides/slide29.xml><?xml version="1.0" encoding="utf-8"?>
 <p:sld xmlns:a="http://schemas.openxmlformats.org/drawingml/2006/main" xmlns:r="http://schemas.openxmlformats.org/officeDocument/2006/relationships" xmlns:p="http://schemas.openxmlformats.org/presentationml/2006/main">
   <p:cSld>
     <p:spTree>
@@ -19842,7 +21487,170 @@
 </p:sld>
 </file>
 
-<file path=ppt/slides/slide27.xml><?xml version="1.0" encoding="utf-8"?>
+<file path=ppt/slides/slide3.xml><?xml version="1.0" encoding="utf-8"?>
+<p:sld xmlns:a="http://schemas.openxmlformats.org/drawingml/2006/main" xmlns:r="http://schemas.openxmlformats.org/officeDocument/2006/relationships" xmlns:p="http://schemas.openxmlformats.org/presentationml/2006/main">
+  <p:cSld>
+    <p:spTree>
+      <p:nvGrpSpPr>
+        <p:cNvPr id="1" name=""/>
+        <p:cNvGrpSpPr/>
+        <p:nvPr/>
+      </p:nvGrpSpPr>
+      <p:grpSpPr>
+        <a:xfrm>
+          <a:off x="0" y="0"/>
+          <a:ext cx="0" cy="0"/>
+          <a:chOff x="0" y="0"/>
+          <a:chExt cx="0" cy="0"/>
+        </a:xfrm>
+      </p:grpSpPr>
+      <p:sp>
+        <p:nvSpPr>
+          <p:cNvPr id="2" name="Title 1">
+            <a:extLst>
+              <a:ext uri="{FF2B5EF4-FFF2-40B4-BE49-F238E27FC236}">
+                <a16:creationId xmlns:a16="http://schemas.microsoft.com/office/drawing/2014/main" id="{1A11E089-0AAB-4F4C-8E94-8E05BAB3161E}"/>
+              </a:ext>
+            </a:extLst>
+          </p:cNvPr>
+          <p:cNvSpPr>
+            <a:spLocks noGrp="1"/>
+          </p:cNvSpPr>
+          <p:nvPr>
+            <p:ph type="title"/>
+          </p:nvPr>
+        </p:nvSpPr>
+        <p:spPr/>
+        <p:txBody>
+          <a:bodyPr/>
+          <a:lstStyle/>
+          <a:p>
+            <a:r>
+              <a:rPr lang="en-US" dirty="0"/>
+              <a:t>Introduction</a:t>
+            </a:r>
+          </a:p>
+        </p:txBody>
+      </p:sp>
+      <p:sp>
+        <p:nvSpPr>
+          <p:cNvPr id="3" name="Text Placeholder 2">
+            <a:extLst>
+              <a:ext uri="{FF2B5EF4-FFF2-40B4-BE49-F238E27FC236}">
+                <a16:creationId xmlns:a16="http://schemas.microsoft.com/office/drawing/2014/main" id="{E2A5164C-E914-9349-ACD5-2FC38DFBC500}"/>
+              </a:ext>
+            </a:extLst>
+          </p:cNvPr>
+          <p:cNvSpPr>
+            <a:spLocks noGrp="1"/>
+          </p:cNvSpPr>
+          <p:nvPr>
+            <p:ph type="body" idx="1"/>
+          </p:nvPr>
+        </p:nvSpPr>
+        <p:spPr/>
+        <p:txBody>
+          <a:bodyPr/>
+          <a:lstStyle/>
+          <a:p>
+            <a:r>
+              <a:rPr lang="en-US" dirty="0"/>
+              <a:t>Two mechanisms</a:t>
+            </a:r>
+          </a:p>
+          <a:p>
+            <a:pPr marL="990600" lvl="1" indent="-457200"/>
+            <a:r>
+              <a:rPr lang="en-US" dirty="0"/>
+              <a:t>Configuration variables (</a:t>
+            </a:r>
+            <a:r>
+              <a:rPr lang="en-US" sz="2400" b="1" dirty="0" err="1">
+                <a:latin typeface="Courier New" panose="02070309020205020404" pitchFamily="49" charset="0"/>
+                <a:cs typeface="Courier New" panose="02070309020205020404" pitchFamily="49" charset="0"/>
+              </a:rPr>
+              <a:t>config.rb</a:t>
+            </a:r>
+            <a:r>
+              <a:rPr lang="en-US" dirty="0"/>
+              <a:t>)</a:t>
+            </a:r>
+          </a:p>
+          <a:p>
+            <a:pPr marL="990600" lvl="1" indent="-457200"/>
+            <a:r>
+              <a:rPr lang="en-US" dirty="0"/>
+              <a:t>Plugins</a:t>
+            </a:r>
+          </a:p>
+          <a:p>
+            <a:r>
+              <a:rPr lang="en-US" dirty="0"/>
+              <a:t>All code examples from this presentation can be found in the tech-docs GitHub repository: </a:t>
+            </a:r>
+            <a:r>
+              <a:rPr lang="en-US" sz="2400" b="1" dirty="0">
+                <a:latin typeface="Courier New" panose="02070309020205020404" pitchFamily="49" charset="0"/>
+                <a:cs typeface="Courier New" panose="02070309020205020404" pitchFamily="49" charset="0"/>
+              </a:rPr>
+              <a:t>https://</a:t>
+            </a:r>
+            <a:r>
+              <a:rPr lang="en-US" sz="2400" b="1" dirty="0" err="1">
+                <a:latin typeface="Courier New" panose="02070309020205020404" pitchFamily="49" charset="0"/>
+                <a:cs typeface="Courier New" panose="02070309020205020404" pitchFamily="49" charset="0"/>
+              </a:rPr>
+              <a:t>github.com</a:t>
+            </a:r>
+            <a:r>
+              <a:rPr lang="en-US" sz="2400" b="1" dirty="0">
+                <a:latin typeface="Courier New" panose="02070309020205020404" pitchFamily="49" charset="0"/>
+                <a:cs typeface="Courier New" panose="02070309020205020404" pitchFamily="49" charset="0"/>
+              </a:rPr>
+              <a:t>/</a:t>
+            </a:r>
+            <a:r>
+              <a:rPr lang="en-US" sz="2400" b="1" dirty="0" err="1">
+                <a:latin typeface="Courier New" panose="02070309020205020404" pitchFamily="49" charset="0"/>
+                <a:cs typeface="Courier New" panose="02070309020205020404" pitchFamily="49" charset="0"/>
+              </a:rPr>
+              <a:t>archivesspace</a:t>
+            </a:r>
+            <a:r>
+              <a:rPr lang="en-US" sz="2400" b="1" dirty="0">
+                <a:latin typeface="Courier New" panose="02070309020205020404" pitchFamily="49" charset="0"/>
+                <a:cs typeface="Courier New" panose="02070309020205020404" pitchFamily="49" charset="0"/>
+              </a:rPr>
+              <a:t>/tech-docs/</a:t>
+            </a:r>
+            <a:r>
+              <a:rPr lang="en-US" sz="2400" b="1" dirty="0" err="1">
+                <a:latin typeface="Courier New" panose="02070309020205020404" pitchFamily="49" charset="0"/>
+                <a:cs typeface="Courier New" panose="02070309020205020404" pitchFamily="49" charset="0"/>
+              </a:rPr>
+              <a:t>customizing_PUI_examples</a:t>
+            </a:r>
+            <a:endParaRPr lang="en-US" sz="2400" b="1" dirty="0">
+              <a:latin typeface="Courier New" panose="02070309020205020404" pitchFamily="49" charset="0"/>
+              <a:cs typeface="Courier New" panose="02070309020205020404" pitchFamily="49" charset="0"/>
+            </a:endParaRPr>
+          </a:p>
+        </p:txBody>
+      </p:sp>
+    </p:spTree>
+    <p:extLst>
+      <p:ext uri="{BB962C8B-B14F-4D97-AF65-F5344CB8AC3E}">
+        <p14:creationId xmlns:p14="http://schemas.microsoft.com/office/powerpoint/2010/main" val="1132830864"/>
+      </p:ext>
+    </p:extLst>
+  </p:cSld>
+  <p:clrMapOvr>
+    <a:masterClrMapping/>
+  </p:clrMapOvr>
+</p:sld>
+</file>
+
+<file path=ppt/slides/slide30.xml><?xml version="1.0" encoding="utf-8"?>
 <p:sld xmlns:a="http://schemas.openxmlformats.org/drawingml/2006/main" xmlns:r="http://schemas.openxmlformats.org/officeDocument/2006/relationships" xmlns:p="http://schemas.openxmlformats.org/presentationml/2006/main">
   <p:cSld>
     <p:spTree>
@@ -20064,7 +21872,7 @@
         <p:spPr>
           <a:xfrm>
             <a:off x="375860" y="1405416"/>
-            <a:ext cx="8392280" cy="1815882"/>
+            <a:ext cx="8392280" cy="2246769"/>
           </a:xfrm>
           <a:prstGeom prst="rect">
             <a:avLst/>
@@ -20079,7 +21887,15 @@
           <a:p>
             <a:r>
               <a:rPr lang="en-US" dirty="0"/>
-              <a:t>This example will change the icon image and color for Digital Materials on all ArchivesSpace pages. </a:t>
+              <a:t>This example will change the icon image and color for Digital Materials on all ArchivesSpace pages.  In the current version, we use Font Awesome version 4.7.0 and the icons available can be found here: https://</a:t>
+            </a:r>
+            <a:r>
+              <a:rPr lang="en-US" dirty="0" err="1"/>
+              <a:t>fontawesome.com</a:t>
+            </a:r>
+            <a:r>
+              <a:rPr lang="en-US" dirty="0"/>
+              <a:t>/v4.7.0/icons.</a:t>
             </a:r>
           </a:p>
           <a:p>
@@ -20344,7 +22160,7 @@
 </p:sld>
 </file>
 
-<file path=ppt/slides/slide28.xml><?xml version="1.0" encoding="utf-8"?>
+<file path=ppt/slides/slide31.xml><?xml version="1.0" encoding="utf-8"?>
 <p:sld xmlns:a="http://schemas.openxmlformats.org/drawingml/2006/main" xmlns:r="http://schemas.openxmlformats.org/officeDocument/2006/relationships" xmlns:p="http://schemas.openxmlformats.org/presentationml/2006/main">
   <p:cSld>
     <p:spTree>
@@ -20575,7 +22391,7 @@
 </p:sld>
 </file>
 
-<file path=ppt/slides/slide29.xml><?xml version="1.0" encoding="utf-8"?>
+<file path=ppt/slides/slide32.xml><?xml version="1.0" encoding="utf-8"?>
 <p:sld xmlns:a="http://schemas.openxmlformats.org/drawingml/2006/main" xmlns:r="http://schemas.openxmlformats.org/officeDocument/2006/relationships" xmlns:p="http://schemas.openxmlformats.org/presentationml/2006/main">
   <p:cSld>
     <p:spTree>
@@ -21357,124 +23173,7 @@
 </p:sld>
 </file>
 
-<file path=ppt/slides/slide3.xml><?xml version="1.0" encoding="utf-8"?>
-<p:sld xmlns:a="http://schemas.openxmlformats.org/drawingml/2006/main" xmlns:r="http://schemas.openxmlformats.org/officeDocument/2006/relationships" xmlns:p="http://schemas.openxmlformats.org/presentationml/2006/main">
-  <p:cSld>
-    <p:spTree>
-      <p:nvGrpSpPr>
-        <p:cNvPr id="1" name=""/>
-        <p:cNvGrpSpPr/>
-        <p:nvPr/>
-      </p:nvGrpSpPr>
-      <p:grpSpPr>
-        <a:xfrm>
-          <a:off x="0" y="0"/>
-          <a:ext cx="0" cy="0"/>
-          <a:chOff x="0" y="0"/>
-          <a:chExt cx="0" cy="0"/>
-        </a:xfrm>
-      </p:grpSpPr>
-      <p:sp>
-        <p:nvSpPr>
-          <p:cNvPr id="2" name="Title 1">
-            <a:extLst>
-              <a:ext uri="{FF2B5EF4-FFF2-40B4-BE49-F238E27FC236}">
-                <a16:creationId xmlns:a16="http://schemas.microsoft.com/office/drawing/2014/main" id="{1A11E089-0AAB-4F4C-8E94-8E05BAB3161E}"/>
-              </a:ext>
-            </a:extLst>
-          </p:cNvPr>
-          <p:cNvSpPr>
-            <a:spLocks noGrp="1"/>
-          </p:cNvSpPr>
-          <p:nvPr>
-            <p:ph type="title"/>
-          </p:nvPr>
-        </p:nvSpPr>
-        <p:spPr/>
-        <p:txBody>
-          <a:bodyPr/>
-          <a:lstStyle/>
-          <a:p>
-            <a:r>
-              <a:rPr lang="en-US" dirty="0"/>
-              <a:t>Introduction</a:t>
-            </a:r>
-          </a:p>
-        </p:txBody>
-      </p:sp>
-      <p:sp>
-        <p:nvSpPr>
-          <p:cNvPr id="3" name="Text Placeholder 2">
-            <a:extLst>
-              <a:ext uri="{FF2B5EF4-FFF2-40B4-BE49-F238E27FC236}">
-                <a16:creationId xmlns:a16="http://schemas.microsoft.com/office/drawing/2014/main" id="{E2A5164C-E914-9349-ACD5-2FC38DFBC500}"/>
-              </a:ext>
-            </a:extLst>
-          </p:cNvPr>
-          <p:cNvSpPr>
-            <a:spLocks noGrp="1"/>
-          </p:cNvSpPr>
-          <p:nvPr>
-            <p:ph type="body" idx="1"/>
-          </p:nvPr>
-        </p:nvSpPr>
-        <p:spPr/>
-        <p:txBody>
-          <a:bodyPr/>
-          <a:lstStyle/>
-          <a:p>
-            <a:r>
-              <a:rPr lang="en-US" dirty="0"/>
-              <a:t>Two mechanisms</a:t>
-            </a:r>
-          </a:p>
-          <a:p>
-            <a:pPr marL="990600" lvl="1" indent="-457200"/>
-            <a:r>
-              <a:rPr lang="en-US" dirty="0"/>
-              <a:t>Configuration variables (</a:t>
-            </a:r>
-            <a:r>
-              <a:rPr lang="en-US" dirty="0" err="1"/>
-              <a:t>config.rb</a:t>
-            </a:r>
-            <a:r>
-              <a:rPr lang="en-US" dirty="0"/>
-              <a:t> file)</a:t>
-            </a:r>
-          </a:p>
-          <a:p>
-            <a:pPr marL="990600" lvl="1" indent="-457200"/>
-            <a:r>
-              <a:rPr lang="en-US" dirty="0"/>
-              <a:t>Plugins</a:t>
-            </a:r>
-          </a:p>
-          <a:p>
-            <a:r>
-              <a:rPr lang="en-US" dirty="0"/>
-              <a:t>All code examples from this presentation can be found here:</a:t>
-            </a:r>
-          </a:p>
-          <a:p>
-            <a:endParaRPr lang="en-US" dirty="0"/>
-          </a:p>
-        </p:txBody>
-      </p:sp>
-    </p:spTree>
-    <p:extLst>
-      <p:ext uri="{BB962C8B-B14F-4D97-AF65-F5344CB8AC3E}">
-        <p14:creationId xmlns:p14="http://schemas.microsoft.com/office/powerpoint/2010/main" val="1132830864"/>
-      </p:ext>
-    </p:extLst>
-  </p:cSld>
-  <p:clrMapOvr>
-    <a:masterClrMapping/>
-  </p:clrMapOvr>
-</p:sld>
-</file>
-
-<file path=ppt/slides/slide30.xml><?xml version="1.0" encoding="utf-8"?>
+<file path=ppt/slides/slide33.xml><?xml version="1.0" encoding="utf-8"?>
 <p:sld xmlns:a="http://schemas.openxmlformats.org/drawingml/2006/main" xmlns:r="http://schemas.openxmlformats.org/officeDocument/2006/relationships" xmlns:p="http://schemas.openxmlformats.org/presentationml/2006/main">
   <p:cSld>
     <p:spTree>
@@ -21942,7 +23641,7 @@
 </p:sld>
 </file>
 
-<file path=ppt/slides/slide31.xml><?xml version="1.0" encoding="utf-8"?>
+<file path=ppt/slides/slide34.xml><?xml version="1.0" encoding="utf-8"?>
 <p:sld xmlns:a="http://schemas.openxmlformats.org/drawingml/2006/main" xmlns:r="http://schemas.openxmlformats.org/officeDocument/2006/relationships" xmlns:p="http://schemas.openxmlformats.org/presentationml/2006/main">
   <p:cSld>
     <p:spTree>
@@ -22374,7 +24073,12 @@
             <p:ph type="body" idx="1"/>
           </p:nvPr>
         </p:nvSpPr>
-        <p:spPr/>
+        <p:spPr>
+          <a:xfrm>
+            <a:off x="457200" y="1107583"/>
+            <a:ext cx="8229600" cy="4912217"/>
+          </a:xfrm>
+        </p:spPr>
         <p:txBody>
           <a:bodyPr/>
           <a:lstStyle/>
@@ -22392,10 +24096,16 @@
               <a:t> releases, there is a configuration file in the config directory called </a:t>
             </a:r>
             <a:r>
-              <a:rPr lang="en-US" sz="2400" dirty="0" err="1"/>
+              <a:rPr lang="en-US" sz="2400" b="1" dirty="0" err="1">
+                <a:latin typeface="Courier New" panose="02070309020205020404" pitchFamily="49" charset="0"/>
+                <a:cs typeface="Courier New" panose="02070309020205020404" pitchFamily="49" charset="0"/>
+              </a:rPr>
               <a:t>config.rb</a:t>
             </a:r>
-            <a:endParaRPr lang="en-US" sz="2400" dirty="0"/>
+            <a:endParaRPr lang="en-US" sz="2400" b="1" dirty="0">
+              <a:latin typeface="Courier New" panose="02070309020205020404" pitchFamily="49" charset="0"/>
+              <a:cs typeface="Courier New" panose="02070309020205020404" pitchFamily="49" charset="0"/>
+            </a:endParaRPr>
           </a:p>
           <a:p>
             <a:r>
@@ -22409,12 +24119,22 @@
               <a:t>When you change the values in the </a:t>
             </a:r>
             <a:r>
-              <a:rPr lang="en-US" sz="2400" dirty="0" err="1"/>
+              <a:rPr lang="en-US" sz="2400" b="1" dirty="0" err="1">
+                <a:latin typeface="Courier New" panose="02070309020205020404" pitchFamily="49" charset="0"/>
+                <a:cs typeface="Courier New" panose="02070309020205020404" pitchFamily="49" charset="0"/>
+              </a:rPr>
               <a:t>config.rb</a:t>
             </a:r>
             <a:r>
+              <a:rPr lang="en-US" sz="2400" b="1" dirty="0">
+                <a:latin typeface="Courier New" panose="02070309020205020404" pitchFamily="49" charset="0"/>
+                <a:cs typeface="Courier New" panose="02070309020205020404" pitchFamily="49" charset="0"/>
+              </a:rPr>
+              <a:t> </a:t>
+            </a:r>
+            <a:r>
               <a:rPr lang="en-US" sz="2400" dirty="0"/>
-              <a:t> file, don’t forget to remove the pound signs (#) at the beginning of the modified lines to enable the configuration changes</a:t>
+              <a:t>file, don’t forget to remove the pound signs (#) at the beginning of the modified lines to enable the configuration changes</a:t>
             </a:r>
           </a:p>
           <a:p>
@@ -22507,181 +24227,284 @@
         </p:nvSpPr>
         <p:spPr>
           <a:xfrm>
-            <a:off x="0" y="1309815"/>
-            <a:ext cx="9144000" cy="4707925"/>
+            <a:off x="914398" y="1309815"/>
+            <a:ext cx="7508385" cy="4707925"/>
           </a:xfrm>
         </p:spPr>
         <p:txBody>
           <a:bodyPr/>
           <a:lstStyle/>
           <a:p>
-            <a:pPr marL="850900" lvl="1" indent="-342900">
-              <a:buClrTx/>
+            <a:pPr marL="393700" indent="-342900">
+              <a:buClr>
+                <a:srgbClr val="0070C0"/>
+              </a:buClr>
               <a:buSzPct val="100000"/>
               <a:buFont typeface="+mj-lt"/>
               <a:buAutoNum type="alphaUcPeriod"/>
             </a:pPr>
             <a:r>
-              <a:rPr lang="en-US" sz="1800" dirty="0"/>
-              <a:t>Display linked deaccessions </a:t>
-            </a:r>
-          </a:p>
-          <a:p>
-            <a:pPr marL="508000" lvl="1" indent="0">
-              <a:buNone/>
-            </a:pPr>
-            <a:r>
-              <a:rPr lang="en-US" sz="1800" b="1" dirty="0" err="1">
-                <a:latin typeface="Courier New" panose="02070309020205020404" pitchFamily="49" charset="0"/>
-                <a:cs typeface="Courier New" panose="02070309020205020404" pitchFamily="49" charset="0"/>
-              </a:rPr>
-              <a:t>AppConfig</a:t>
-            </a:r>
-            <a:r>
-              <a:rPr lang="en-US" sz="1800" b="1" dirty="0">
-                <a:latin typeface="Courier New" panose="02070309020205020404" pitchFamily="49" charset="0"/>
-                <a:cs typeface="Courier New" panose="02070309020205020404" pitchFamily="49" charset="0"/>
-              </a:rPr>
-              <a:t>[:</a:t>
-            </a:r>
-            <a:r>
-              <a:rPr lang="en-US" sz="1800" b="1" dirty="0" err="1">
-                <a:latin typeface="Courier New" panose="02070309020205020404" pitchFamily="49" charset="0"/>
-                <a:cs typeface="Courier New" panose="02070309020205020404" pitchFamily="49" charset="0"/>
-              </a:rPr>
-              <a:t>pui_display_deaccessions</a:t>
-            </a:r>
-            <a:r>
-              <a:rPr lang="en-US" sz="1800" b="1" dirty="0">
-                <a:latin typeface="Courier New" panose="02070309020205020404" pitchFamily="49" charset="0"/>
-                <a:cs typeface="Courier New" panose="02070309020205020404" pitchFamily="49" charset="0"/>
-              </a:rPr>
-              <a:t>] = true</a:t>
-            </a:r>
-          </a:p>
-          <a:p>
-            <a:pPr marL="508000" lvl="1" indent="0">
-              <a:buNone/>
-            </a:pPr>
-            <a:endParaRPr lang="en-US" sz="1800" b="1" dirty="0">
+              <a:rPr lang="en-US" sz="2400" dirty="0"/>
+              <a:t>Enable/Disable Display of Linked Deaccessions</a:t>
+            </a:r>
+            <a:r>
+              <a:rPr lang="en-US" sz="2200" dirty="0"/>
+              <a:t> </a:t>
+            </a:r>
+            <a:endParaRPr lang="en-US" sz="2200" b="1" dirty="0">
               <a:latin typeface="Courier New" panose="02070309020205020404" pitchFamily="49" charset="0"/>
               <a:cs typeface="Courier New" panose="02070309020205020404" pitchFamily="49" charset="0"/>
             </a:endParaRPr>
           </a:p>
           <a:p>
-            <a:pPr marL="850900" lvl="1" indent="-342900">
-              <a:buClrTx/>
+            <a:pPr marL="393700" indent="-342900">
+              <a:buClr>
+                <a:srgbClr val="0070C0"/>
+              </a:buClr>
               <a:buSzPct val="100000"/>
               <a:buFont typeface="+mj-lt"/>
               <a:buAutoNum type="alphaUcPeriod" startAt="2"/>
             </a:pPr>
             <a:r>
-              <a:rPr lang="en-US" sz="1800" dirty="0"/>
-              <a:t>Change the number of search results per page </a:t>
-            </a:r>
-            <a:r>
-              <a:rPr lang="en-US" sz="1800" b="1" dirty="0" err="1">
-                <a:latin typeface="Courier New" panose="02070309020205020404" pitchFamily="49" charset="0"/>
-                <a:cs typeface="Courier New" panose="02070309020205020404" pitchFamily="49" charset="0"/>
-              </a:rPr>
-              <a:t>AppConfig</a:t>
-            </a:r>
-            <a:r>
-              <a:rPr lang="en-US" sz="1800" b="1" dirty="0">
-                <a:latin typeface="Courier New" panose="02070309020205020404" pitchFamily="49" charset="0"/>
-                <a:cs typeface="Courier New" panose="02070309020205020404" pitchFamily="49" charset="0"/>
-              </a:rPr>
-              <a:t>[:</a:t>
-            </a:r>
-            <a:r>
-              <a:rPr lang="en-US" sz="1800" b="1" dirty="0" err="1">
-                <a:latin typeface="Courier New" panose="02070309020205020404" pitchFamily="49" charset="0"/>
-                <a:cs typeface="Courier New" panose="02070309020205020404" pitchFamily="49" charset="0"/>
-              </a:rPr>
-              <a:t>pui_search_results_page_size</a:t>
-            </a:r>
-            <a:r>
-              <a:rPr lang="en-US" sz="1800" b="1" dirty="0">
-                <a:latin typeface="Courier New" panose="02070309020205020404" pitchFamily="49" charset="0"/>
-                <a:cs typeface="Courier New" panose="02070309020205020404" pitchFamily="49" charset="0"/>
-              </a:rPr>
-              <a:t>] = 10</a:t>
-            </a:r>
-          </a:p>
-          <a:p>
-            <a:pPr marL="508000" lvl="1" indent="0">
-              <a:buNone/>
-            </a:pPr>
-            <a:endParaRPr lang="en-US" sz="1800" b="1" dirty="0">
+              <a:rPr lang="en-US" sz="2200" dirty="0"/>
+              <a:t>Change the number of search results per page</a:t>
+            </a:r>
+            <a:endParaRPr lang="en-US" sz="2200" b="1" dirty="0">
               <a:latin typeface="Courier New" panose="02070309020205020404" pitchFamily="49" charset="0"/>
               <a:cs typeface="Courier New" panose="02070309020205020404" pitchFamily="49" charset="0"/>
             </a:endParaRPr>
           </a:p>
           <a:p>
-            <a:pPr marL="508000" lvl="1" indent="0">
-              <a:buNone/>
-            </a:pPr>
-            <a:endParaRPr lang="en-US" sz="1800" dirty="0"/>
-          </a:p>
-          <a:p>
-            <a:pPr marL="508000" lvl="1" indent="0">
-              <a:buNone/>
-            </a:pPr>
-            <a:endParaRPr lang="en-US" sz="1800" dirty="0"/>
-          </a:p>
-          <a:p>
-            <a:pPr marL="850900" lvl="1" indent="-342900">
-              <a:buClrTx/>
+            <a:pPr marL="393700" indent="-342900">
+              <a:buClr>
+                <a:srgbClr val="0070C0"/>
+              </a:buClr>
               <a:buSzPct val="100000"/>
               <a:buFont typeface="+mj-lt"/>
               <a:buAutoNum type="alphaUcPeriod" startAt="3"/>
             </a:pPr>
             <a:r>
-              <a:rPr lang="en-US" sz="1800" dirty="0"/>
-              <a:t>The number of characters to truncate before showing the ‘See More' link </a:t>
-            </a:r>
-          </a:p>
-          <a:p>
-            <a:pPr marL="508000" lvl="1" indent="0">
-              <a:buNone/>
+              <a:rPr lang="en-US" sz="2200" dirty="0"/>
+              <a:t>Change the number of characters to truncate before showing the ‘See More' link</a:t>
+            </a:r>
+          </a:p>
+          <a:p>
+            <a:pPr marL="393700" indent="-342900">
+              <a:buClr>
+                <a:srgbClr val="0070C0"/>
+              </a:buClr>
+              <a:buSzPct val="100000"/>
+              <a:buFont typeface="+mj-lt"/>
+              <a:buAutoNum type="alphaUcPeriod" startAt="3"/>
             </a:pPr>
             <a:r>
-              <a:rPr lang="en-US" sz="1800" b="1" dirty="0" err="1">
+              <a:rPr lang="en-US" sz="2200" dirty="0"/>
+              <a:t>Change links on the navigation toolbar </a:t>
+            </a:r>
+          </a:p>
+          <a:p>
+            <a:pPr marL="393700" indent="-342900">
+              <a:buClr>
+                <a:srgbClr val="0070C0"/>
+              </a:buClr>
+              <a:buSzPct val="100000"/>
+              <a:buFont typeface="+mj-lt"/>
+              <a:buAutoNum type="alphaUcPeriod" startAt="3"/>
+            </a:pPr>
+            <a:r>
+              <a:rPr lang="en-US" sz="2200" dirty="0"/>
+              <a:t>Change the feedback link</a:t>
+            </a:r>
+          </a:p>
+          <a:p>
+            <a:pPr marL="393700" indent="-342900">
+              <a:buClr>
+                <a:srgbClr val="0070C0"/>
+              </a:buClr>
+              <a:buSzPct val="100000"/>
+              <a:buFont typeface="+mj-lt"/>
+              <a:buAutoNum type="alphaUcPeriod" startAt="3"/>
+            </a:pPr>
+            <a:r>
+              <a:rPr lang="en-US" sz="2400" dirty="0"/>
+              <a:t>Enable/Disable badges and counts that appear on the repository page</a:t>
+            </a:r>
+          </a:p>
+          <a:p>
+            <a:pPr marL="393700" indent="-342900">
+              <a:buClr>
+                <a:srgbClr val="0070C0"/>
+              </a:buClr>
+              <a:buSzPct val="100000"/>
+              <a:buFont typeface="+mj-lt"/>
+              <a:buAutoNum type="alphaUcPeriod" startAt="3"/>
+            </a:pPr>
+            <a:r>
+              <a:rPr lang="en-US" sz="2400" dirty="0"/>
+              <a:t>Enable Citations</a:t>
+            </a:r>
+          </a:p>
+          <a:p>
+            <a:pPr marL="393700" indent="-342900">
+              <a:buClr>
+                <a:srgbClr val="0070C0"/>
+              </a:buClr>
+              <a:buSzPct val="100000"/>
+              <a:buFont typeface="+mj-lt"/>
+              <a:buAutoNum type="alphaUcPeriod" startAt="3"/>
+            </a:pPr>
+            <a:r>
+              <a:rPr lang="en-US" sz="2400" dirty="0"/>
+              <a:t>Enable Print</a:t>
+            </a:r>
+          </a:p>
+        </p:txBody>
+      </p:sp>
+    </p:spTree>
+    <p:extLst>
+      <p:ext uri="{BB962C8B-B14F-4D97-AF65-F5344CB8AC3E}">
+        <p14:creationId xmlns:p14="http://schemas.microsoft.com/office/powerpoint/2010/main" val="3808753497"/>
+      </p:ext>
+    </p:extLst>
+  </p:cSld>
+  <p:clrMapOvr>
+    <a:masterClrMapping/>
+  </p:clrMapOvr>
+</p:sld>
+</file>
+
+<file path=ppt/slides/slide6.xml><?xml version="1.0" encoding="utf-8"?>
+<p:sld xmlns:a="http://schemas.openxmlformats.org/drawingml/2006/main" xmlns:r="http://schemas.openxmlformats.org/officeDocument/2006/relationships" xmlns:p="http://schemas.openxmlformats.org/presentationml/2006/main">
+  <p:cSld>
+    <p:spTree>
+      <p:nvGrpSpPr>
+        <p:cNvPr id="1" name=""/>
+        <p:cNvGrpSpPr/>
+        <p:nvPr/>
+      </p:nvGrpSpPr>
+      <p:grpSpPr>
+        <a:xfrm>
+          <a:off x="0" y="0"/>
+          <a:ext cx="0" cy="0"/>
+          <a:chOff x="0" y="0"/>
+          <a:chExt cx="0" cy="0"/>
+        </a:xfrm>
+      </p:grpSpPr>
+      <p:sp>
+        <p:nvSpPr>
+          <p:cNvPr id="2" name="Title 1">
+            <a:extLst>
+              <a:ext uri="{FF2B5EF4-FFF2-40B4-BE49-F238E27FC236}">
+                <a16:creationId xmlns:a16="http://schemas.microsoft.com/office/drawing/2014/main" id="{76B130F1-16BD-9540-9BD9-04332A0A216F}"/>
+              </a:ext>
+            </a:extLst>
+          </p:cNvPr>
+          <p:cNvSpPr>
+            <a:spLocks noGrp="1"/>
+          </p:cNvSpPr>
+          <p:nvPr>
+            <p:ph type="title"/>
+          </p:nvPr>
+        </p:nvSpPr>
+        <p:spPr/>
+        <p:txBody>
+          <a:bodyPr/>
+          <a:lstStyle/>
+          <a:p>
+            <a:r>
+              <a:rPr lang="en-US" sz="3200" dirty="0"/>
+              <a:t>Enable/Disable Display of Linked Deaccessions</a:t>
+            </a:r>
+          </a:p>
+        </p:txBody>
+      </p:sp>
+      <p:sp>
+        <p:nvSpPr>
+          <p:cNvPr id="3" name="Text Placeholder 2">
+            <a:extLst>
+              <a:ext uri="{FF2B5EF4-FFF2-40B4-BE49-F238E27FC236}">
+                <a16:creationId xmlns:a16="http://schemas.microsoft.com/office/drawing/2014/main" id="{FA08F64C-0C16-144D-B68D-06FBE5C79886}"/>
+              </a:ext>
+            </a:extLst>
+          </p:cNvPr>
+          <p:cNvSpPr>
+            <a:spLocks noGrp="1"/>
+          </p:cNvSpPr>
+          <p:nvPr>
+            <p:ph type="body" idx="1"/>
+          </p:nvPr>
+        </p:nvSpPr>
+        <p:spPr>
+          <a:xfrm>
+            <a:off x="408703" y="1691356"/>
+            <a:ext cx="8435494" cy="991882"/>
+          </a:xfrm>
+        </p:spPr>
+        <p:txBody>
+          <a:bodyPr/>
+          <a:lstStyle/>
+          <a:p>
+            <a:pPr marL="50800" indent="0">
+              <a:buNone/>
+            </a:pPr>
+            <a:r>
+              <a:rPr lang="en-US" sz="2000" dirty="0">
+                <a:latin typeface="+mn-lt"/>
+                <a:cs typeface="Courier New" panose="02070309020205020404" pitchFamily="49" charset="0"/>
+              </a:rPr>
+              <a:t>The configuration variable for enabling or disabling the display of linked deaccessions is </a:t>
+            </a:r>
+            <a:r>
+              <a:rPr lang="en-US" sz="2000" b="1" dirty="0" err="1">
                 <a:latin typeface="Courier New" panose="02070309020205020404" pitchFamily="49" charset="0"/>
                 <a:cs typeface="Courier New" panose="02070309020205020404" pitchFamily="49" charset="0"/>
               </a:rPr>
               <a:t>AppConfig</a:t>
             </a:r>
             <a:r>
-              <a:rPr lang="en-US" sz="1800" b="1" dirty="0">
+              <a:rPr lang="en-US" sz="2000" b="1" dirty="0">
                 <a:latin typeface="Courier New" panose="02070309020205020404" pitchFamily="49" charset="0"/>
                 <a:cs typeface="Courier New" panose="02070309020205020404" pitchFamily="49" charset="0"/>
               </a:rPr>
               <a:t>[:</a:t>
             </a:r>
             <a:r>
-              <a:rPr lang="en-US" sz="1800" b="1" dirty="0" err="1">
+              <a:rPr lang="en-US" sz="2000" b="1" dirty="0" err="1">
                 <a:latin typeface="Courier New" panose="02070309020205020404" pitchFamily="49" charset="0"/>
                 <a:cs typeface="Courier New" panose="02070309020205020404" pitchFamily="49" charset="0"/>
               </a:rPr>
-              <a:t>pui_readmore_max_characters</a:t>
-            </a:r>
-            <a:r>
-              <a:rPr lang="en-US" sz="1800" b="1" dirty="0">
+              <a:t>pui_display_deaccessions</a:t>
+            </a:r>
+            <a:r>
+              <a:rPr lang="en-US" sz="2000" b="1" dirty="0">
                 <a:latin typeface="Courier New" panose="02070309020205020404" pitchFamily="49" charset="0"/>
                 <a:cs typeface="Courier New" panose="02070309020205020404" pitchFamily="49" charset="0"/>
               </a:rPr>
-              <a:t>] = 450</a:t>
+              <a:t>]</a:t>
+            </a:r>
+            <a:r>
+              <a:rPr lang="en-US" sz="2000" dirty="0">
+                <a:latin typeface="+mn-lt"/>
+                <a:cs typeface="Courier New" panose="02070309020205020404" pitchFamily="49" charset="0"/>
+              </a:rPr>
+              <a:t>.</a:t>
+            </a:r>
+            <a:r>
+              <a:rPr lang="en-US" sz="2000" dirty="0">
+                <a:latin typeface="Courier New" panose="02070309020205020404" pitchFamily="49" charset="0"/>
+                <a:cs typeface="Courier New" panose="02070309020205020404" pitchFamily="49" charset="0"/>
+              </a:rPr>
+              <a:t> </a:t>
             </a:r>
           </a:p>
         </p:txBody>
       </p:sp>
       <p:grpSp>
         <p:nvGrpSpPr>
-          <p:cNvPr id="11" name="Group 10">
+          <p:cNvPr id="16" name="Group 15">
             <a:extLst>
               <a:ext uri="{FF2B5EF4-FFF2-40B4-BE49-F238E27FC236}">
-                <a16:creationId xmlns:a16="http://schemas.microsoft.com/office/drawing/2014/main" id="{B5F834DC-6B25-0043-A59C-28D1D832EAA0}"/>
+                <a16:creationId xmlns:a16="http://schemas.microsoft.com/office/drawing/2014/main" id="{EE34339E-701E-BB46-9C19-0EF147D4D719}"/>
               </a:ext>
             </a:extLst>
           </p:cNvPr>
@@ -22690,18 +24513,58 @@
         </p:nvGrpSpPr>
         <p:grpSpPr>
           <a:xfrm>
-            <a:off x="941004" y="5011369"/>
-            <a:ext cx="6559548" cy="729652"/>
-            <a:chOff x="2473239" y="4271356"/>
-            <a:chExt cx="6647935" cy="729652"/>
+            <a:off x="4635034" y="3128166"/>
+            <a:ext cx="4408998" cy="2433185"/>
+            <a:chOff x="4635034" y="3128166"/>
+            <a:chExt cx="4408998" cy="2433185"/>
           </a:xfrm>
         </p:grpSpPr>
+        <p:sp>
+          <p:nvSpPr>
+            <p:cNvPr id="12" name="TextBox 11">
+              <a:extLst>
+                <a:ext uri="{FF2B5EF4-FFF2-40B4-BE49-F238E27FC236}">
+                  <a16:creationId xmlns:a16="http://schemas.microsoft.com/office/drawing/2014/main" id="{2BF4327F-582F-0A42-B1B1-CCBA4FD8778E}"/>
+                </a:ext>
+              </a:extLst>
+            </p:cNvPr>
+            <p:cNvSpPr txBox="1"/>
+            <p:nvPr/>
+          </p:nvSpPr>
+          <p:spPr>
+            <a:xfrm>
+              <a:off x="5305299" y="3128166"/>
+              <a:ext cx="3068469" cy="400110"/>
+            </a:xfrm>
+            <a:prstGeom prst="rect">
+              <a:avLst/>
+            </a:prstGeom>
+            <a:noFill/>
+          </p:spPr>
+          <p:txBody>
+            <a:bodyPr wrap="none" rtlCol="0">
+              <a:spAutoFit/>
+            </a:bodyPr>
+            <a:lstStyle/>
+            <a:p>
+              <a:pPr marL="50800" indent="0">
+                <a:buNone/>
+              </a:pPr>
+              <a:r>
+                <a:rPr lang="en-US" sz="2000" dirty="0">
+                  <a:cs typeface="Courier New" panose="02070309020205020404" pitchFamily="49" charset="0"/>
+                </a:rPr>
+                <a:t>To disable, set it to false.</a:t>
+              </a:r>
+            </a:p>
+          </p:txBody>
+        </p:sp>
         <p:pic>
           <p:nvPicPr>
-            <p:cNvPr id="5" name="Picture 4">
+            <p:cNvPr id="13" name="Picture 12">
               <a:extLst>
                 <a:ext uri="{FF2B5EF4-FFF2-40B4-BE49-F238E27FC236}">
-                  <a16:creationId xmlns:a16="http://schemas.microsoft.com/office/drawing/2014/main" id="{A04FA44E-8731-C74F-B6E3-84B210BE2C69}"/>
+                  <a16:creationId xmlns:a16="http://schemas.microsoft.com/office/drawing/2014/main" id="{4D3ACCD7-D166-7543-AB84-0B847F43AB05}"/>
                 </a:ext>
               </a:extLst>
             </p:cNvPr>
@@ -22718,8 +24581,59 @@
           </p:blipFill>
           <p:spPr>
             <a:xfrm>
-              <a:off x="2473239" y="4271356"/>
-              <a:ext cx="6647935" cy="729652"/>
+              <a:off x="4635034" y="3525251"/>
+              <a:ext cx="4408998" cy="2036100"/>
+            </a:xfrm>
+            <a:prstGeom prst="rect">
+              <a:avLst/>
+            </a:prstGeom>
+          </p:spPr>
+        </p:pic>
+      </p:grpSp>
+      <p:grpSp>
+        <p:nvGrpSpPr>
+          <p:cNvPr id="15" name="Group 14">
+            <a:extLst>
+              <a:ext uri="{FF2B5EF4-FFF2-40B4-BE49-F238E27FC236}">
+                <a16:creationId xmlns:a16="http://schemas.microsoft.com/office/drawing/2014/main" id="{5D0FC2ED-AF58-2043-9989-3D93B62A2C40}"/>
+              </a:ext>
+            </a:extLst>
+          </p:cNvPr>
+          <p:cNvGrpSpPr/>
+          <p:nvPr/>
+        </p:nvGrpSpPr>
+        <p:grpSpPr>
+          <a:xfrm>
+            <a:off x="408703" y="3103499"/>
+            <a:ext cx="4172804" cy="3156175"/>
+            <a:chOff x="408703" y="3103499"/>
+            <a:chExt cx="4172804" cy="3156175"/>
+          </a:xfrm>
+        </p:grpSpPr>
+        <p:pic>
+          <p:nvPicPr>
+            <p:cNvPr id="7" name="Picture 6">
+              <a:extLst>
+                <a:ext uri="{FF2B5EF4-FFF2-40B4-BE49-F238E27FC236}">
+                  <a16:creationId xmlns:a16="http://schemas.microsoft.com/office/drawing/2014/main" id="{72415652-F094-874E-830D-F24D9A234E6B}"/>
+                </a:ext>
+              </a:extLst>
+            </p:cNvPr>
+            <p:cNvPicPr>
+              <a:picLocks noChangeAspect="1"/>
+            </p:cNvPicPr>
+            <p:nvPr/>
+          </p:nvPicPr>
+          <p:blipFill>
+            <a:blip r:embed="rId3"/>
+            <a:stretch>
+              <a:fillRect/>
+            </a:stretch>
+          </p:blipFill>
+          <p:spPr>
+            <a:xfrm>
+              <a:off x="408703" y="3525251"/>
+              <a:ext cx="4172804" cy="2734423"/>
             </a:xfrm>
             <a:prstGeom prst="rect">
               <a:avLst/>
@@ -22728,10 +24642,50 @@
         </p:pic>
         <p:sp>
           <p:nvSpPr>
-            <p:cNvPr id="6" name="Rounded Rectangle 5">
+            <p:cNvPr id="9" name="TextBox 8">
               <a:extLst>
                 <a:ext uri="{FF2B5EF4-FFF2-40B4-BE49-F238E27FC236}">
-                  <a16:creationId xmlns:a16="http://schemas.microsoft.com/office/drawing/2014/main" id="{79135310-BFC6-2543-A20A-28F835DD5D24}"/>
+                  <a16:creationId xmlns:a16="http://schemas.microsoft.com/office/drawing/2014/main" id="{0AD71344-5E73-9941-AD24-CB820BF8CA72}"/>
+                </a:ext>
+              </a:extLst>
+            </p:cNvPr>
+            <p:cNvSpPr txBox="1"/>
+            <p:nvPr/>
+          </p:nvSpPr>
+          <p:spPr>
+            <a:xfrm>
+              <a:off x="492794" y="3103499"/>
+              <a:ext cx="4004622" cy="400110"/>
+            </a:xfrm>
+            <a:prstGeom prst="rect">
+              <a:avLst/>
+            </a:prstGeom>
+            <a:noFill/>
+          </p:spPr>
+          <p:txBody>
+            <a:bodyPr wrap="none" rtlCol="0">
+              <a:spAutoFit/>
+            </a:bodyPr>
+            <a:lstStyle/>
+            <a:p>
+              <a:pPr marL="50800" indent="0">
+                <a:buNone/>
+              </a:pPr>
+              <a:r>
+                <a:rPr lang="en-US" sz="2000" dirty="0">
+                  <a:cs typeface="Courier New" panose="02070309020205020404" pitchFamily="49" charset="0"/>
+                </a:rPr>
+                <a:t>To enable, set it to true (default) </a:t>
+              </a:r>
+            </a:p>
+          </p:txBody>
+        </p:sp>
+        <p:sp>
+          <p:nvSpPr>
+            <p:cNvPr id="14" name="Rounded Rectangle 13">
+              <a:extLst>
+                <a:ext uri="{FF2B5EF4-FFF2-40B4-BE49-F238E27FC236}">
+                  <a16:creationId xmlns:a16="http://schemas.microsoft.com/office/drawing/2014/main" id="{17885CE5-F1A3-444B-B868-74D3BD8A9DA8}"/>
                 </a:ext>
               </a:extLst>
             </p:cNvPr>
@@ -22740,8 +24694,8 @@
           </p:nvSpPr>
           <p:spPr>
             <a:xfrm>
-              <a:off x="3881689" y="4686915"/>
-              <a:ext cx="815546" cy="314093"/>
+              <a:off x="612714" y="5366478"/>
+              <a:ext cx="2205436" cy="854439"/>
             </a:xfrm>
             <a:prstGeom prst="roundRect">
               <a:avLst/>
@@ -22779,12 +24733,180 @@
           </p:txBody>
         </p:sp>
       </p:grpSp>
+    </p:spTree>
+    <p:extLst>
+      <p:ext uri="{BB962C8B-B14F-4D97-AF65-F5344CB8AC3E}">
+        <p14:creationId xmlns:p14="http://schemas.microsoft.com/office/powerpoint/2010/main" val="217234436"/>
+      </p:ext>
+    </p:extLst>
+  </p:cSld>
+  <p:clrMapOvr>
+    <a:masterClrMapping/>
+  </p:clrMapOvr>
+</p:sld>
+</file>
+
+<file path=ppt/slides/slide7.xml><?xml version="1.0" encoding="utf-8"?>
+<p:sld xmlns:a="http://schemas.openxmlformats.org/drawingml/2006/main" xmlns:r="http://schemas.openxmlformats.org/officeDocument/2006/relationships" xmlns:p="http://schemas.openxmlformats.org/presentationml/2006/main">
+  <p:cSld>
+    <p:spTree>
+      <p:nvGrpSpPr>
+        <p:cNvPr id="1" name=""/>
+        <p:cNvGrpSpPr/>
+        <p:nvPr/>
+      </p:nvGrpSpPr>
+      <p:grpSpPr>
+        <a:xfrm>
+          <a:off x="0" y="0"/>
+          <a:ext cx="0" cy="0"/>
+          <a:chOff x="0" y="0"/>
+          <a:chExt cx="0" cy="0"/>
+        </a:xfrm>
+      </p:grpSpPr>
+      <p:sp>
+        <p:nvSpPr>
+          <p:cNvPr id="2" name="Title 1">
+            <a:extLst>
+              <a:ext uri="{FF2B5EF4-FFF2-40B4-BE49-F238E27FC236}">
+                <a16:creationId xmlns:a16="http://schemas.microsoft.com/office/drawing/2014/main" id="{76B130F1-16BD-9540-9BD9-04332A0A216F}"/>
+              </a:ext>
+            </a:extLst>
+          </p:cNvPr>
+          <p:cNvSpPr>
+            <a:spLocks noGrp="1"/>
+          </p:cNvSpPr>
+          <p:nvPr>
+            <p:ph type="title"/>
+          </p:nvPr>
+        </p:nvSpPr>
+        <p:spPr/>
+        <p:txBody>
+          <a:bodyPr/>
+          <a:lstStyle/>
+          <a:p>
+            <a:r>
+              <a:rPr lang="en-US" sz="3200" dirty="0"/>
+              <a:t>Change the number of </a:t>
+            </a:r>
+            <a:br>
+              <a:rPr lang="en-US" sz="3200" dirty="0"/>
+            </a:br>
+            <a:r>
+              <a:rPr lang="en-US" sz="3200" dirty="0"/>
+              <a:t>search results per page</a:t>
+            </a:r>
+          </a:p>
+        </p:txBody>
+      </p:sp>
+      <p:sp>
+        <p:nvSpPr>
+          <p:cNvPr id="3" name="Text Placeholder 2">
+            <a:extLst>
+              <a:ext uri="{FF2B5EF4-FFF2-40B4-BE49-F238E27FC236}">
+                <a16:creationId xmlns:a16="http://schemas.microsoft.com/office/drawing/2014/main" id="{FA08F64C-0C16-144D-B68D-06FBE5C79886}"/>
+              </a:ext>
+            </a:extLst>
+          </p:cNvPr>
+          <p:cNvSpPr>
+            <a:spLocks noGrp="1"/>
+          </p:cNvSpPr>
+          <p:nvPr>
+            <p:ph type="body" idx="1"/>
+          </p:nvPr>
+        </p:nvSpPr>
+        <p:spPr>
+          <a:xfrm>
+            <a:off x="457200" y="1579639"/>
+            <a:ext cx="8124669" cy="1343443"/>
+          </a:xfrm>
+        </p:spPr>
+        <p:txBody>
+          <a:bodyPr/>
+          <a:lstStyle/>
+          <a:p>
+            <a:pPr marL="50800" indent="0">
+              <a:buClrTx/>
+              <a:buSzPct val="100000"/>
+              <a:buNone/>
+            </a:pPr>
+            <a:r>
+              <a:rPr lang="en-US" sz="2000" dirty="0">
+                <a:cs typeface="Courier New" panose="02070309020205020404" pitchFamily="49" charset="0"/>
+              </a:rPr>
+              <a:t>The configuration variable for the number of search results per page is  </a:t>
+            </a:r>
+            <a:r>
+              <a:rPr lang="en-US" sz="2200" b="1" dirty="0" err="1">
+                <a:latin typeface="Courier New" panose="02070309020205020404" pitchFamily="49" charset="0"/>
+                <a:cs typeface="Courier New" panose="02070309020205020404" pitchFamily="49" charset="0"/>
+              </a:rPr>
+              <a:t>AppConfig</a:t>
+            </a:r>
+            <a:r>
+              <a:rPr lang="en-US" sz="2200" b="1" dirty="0">
+                <a:latin typeface="Courier New" panose="02070309020205020404" pitchFamily="49" charset="0"/>
+                <a:cs typeface="Courier New" panose="02070309020205020404" pitchFamily="49" charset="0"/>
+              </a:rPr>
+              <a:t>[:</a:t>
+            </a:r>
+            <a:r>
+              <a:rPr lang="en-US" sz="2200" b="1" dirty="0" err="1">
+                <a:latin typeface="Courier New" panose="02070309020205020404" pitchFamily="49" charset="0"/>
+                <a:cs typeface="Courier New" panose="02070309020205020404" pitchFamily="49" charset="0"/>
+              </a:rPr>
+              <a:t>pui_search_results_page_size</a:t>
+            </a:r>
+            <a:r>
+              <a:rPr lang="en-US" sz="2200" b="1" dirty="0">
+                <a:latin typeface="Courier New" panose="02070309020205020404" pitchFamily="49" charset="0"/>
+                <a:cs typeface="Courier New" panose="02070309020205020404" pitchFamily="49" charset="0"/>
+              </a:rPr>
+              <a:t>]</a:t>
+            </a:r>
+            <a:r>
+              <a:rPr lang="en-US" sz="2200" dirty="0">
+                <a:cs typeface="Courier New" panose="02070309020205020404" pitchFamily="49" charset="0"/>
+              </a:rPr>
+              <a:t>. </a:t>
+            </a:r>
+          </a:p>
+          <a:p>
+            <a:pPr marL="50800" indent="0">
+              <a:buClrTx/>
+              <a:buSzPct val="100000"/>
+              <a:buNone/>
+            </a:pPr>
+            <a:r>
+              <a:rPr lang="en-US" sz="2200" dirty="0">
+                <a:cs typeface="Courier New" panose="02070309020205020404" pitchFamily="49" charset="0"/>
+              </a:rPr>
+              <a:t>The default is 10.</a:t>
+            </a:r>
+            <a:endParaRPr lang="en-US" sz="2200" b="1" dirty="0">
+              <a:latin typeface="Courier New" panose="02070309020205020404" pitchFamily="49" charset="0"/>
+              <a:cs typeface="Courier New" panose="02070309020205020404" pitchFamily="49" charset="0"/>
+            </a:endParaRPr>
+          </a:p>
+          <a:p>
+            <a:pPr marL="508000" lvl="1" indent="0">
+              <a:buNone/>
+            </a:pPr>
+            <a:endParaRPr lang="en-US" sz="1800" dirty="0"/>
+          </a:p>
+          <a:p>
+            <a:pPr marL="508000" lvl="1" indent="0">
+              <a:buNone/>
+            </a:pPr>
+            <a:endParaRPr lang="en-US" sz="1800" dirty="0"/>
+          </a:p>
+        </p:txBody>
+      </p:sp>
       <p:pic>
         <p:nvPicPr>
-          <p:cNvPr id="8" name="Picture 7">
+          <p:cNvPr id="10" name="Picture 9">
             <a:extLst>
               <a:ext uri="{FF2B5EF4-FFF2-40B4-BE49-F238E27FC236}">
-                <a16:creationId xmlns:a16="http://schemas.microsoft.com/office/drawing/2014/main" id="{4FE61CFB-87E6-4C4F-9C7E-744CDDD5D20D}"/>
+                <a16:creationId xmlns:a16="http://schemas.microsoft.com/office/drawing/2014/main" id="{51F0B7AA-A2DA-2645-87B3-4D193708D296}"/>
               </a:ext>
             </a:extLst>
           </p:cNvPr>
@@ -22801,8 +24923,128 @@
         </p:blipFill>
         <p:spPr>
           <a:xfrm>
-            <a:off x="5661282" y="3072466"/>
-            <a:ext cx="3025518" cy="903726"/>
+            <a:off x="4748134" y="3154074"/>
+            <a:ext cx="3347328" cy="1092099"/>
+          </a:xfrm>
+          <a:prstGeom prst="rect">
+            <a:avLst/>
+          </a:prstGeom>
+        </p:spPr>
+      </p:pic>
+      <p:pic>
+        <p:nvPicPr>
+          <p:cNvPr id="13" name="Picture 12">
+            <a:extLst>
+              <a:ext uri="{FF2B5EF4-FFF2-40B4-BE49-F238E27FC236}">
+                <a16:creationId xmlns:a16="http://schemas.microsoft.com/office/drawing/2014/main" id="{86F98CE1-113E-7D4C-9EB9-79802E724D94}"/>
+              </a:ext>
+            </a:extLst>
+          </p:cNvPr>
+          <p:cNvPicPr>
+            <a:picLocks noChangeAspect="1"/>
+          </p:cNvPicPr>
+          <p:nvPr/>
+        </p:nvPicPr>
+        <p:blipFill>
+          <a:blip r:embed="rId4"/>
+          <a:stretch>
+            <a:fillRect/>
+          </a:stretch>
+        </p:blipFill>
+        <p:spPr>
+          <a:xfrm>
+            <a:off x="4748134" y="4135468"/>
+            <a:ext cx="3549324" cy="1092100"/>
+          </a:xfrm>
+          <a:prstGeom prst="rect">
+            <a:avLst/>
+          </a:prstGeom>
+        </p:spPr>
+      </p:pic>
+      <p:pic>
+        <p:nvPicPr>
+          <p:cNvPr id="7" name="Picture 6">
+            <a:extLst>
+              <a:ext uri="{FF2B5EF4-FFF2-40B4-BE49-F238E27FC236}">
+                <a16:creationId xmlns:a16="http://schemas.microsoft.com/office/drawing/2014/main" id="{9AC47083-F8BD-E74C-8EB7-851218B93527}"/>
+              </a:ext>
+            </a:extLst>
+          </p:cNvPr>
+          <p:cNvPicPr>
+            <a:picLocks noChangeAspect="1"/>
+          </p:cNvPicPr>
+          <p:nvPr/>
+        </p:nvPicPr>
+        <p:blipFill>
+          <a:blip r:embed="rId5"/>
+          <a:stretch>
+            <a:fillRect/>
+          </a:stretch>
+        </p:blipFill>
+        <p:spPr>
+          <a:xfrm>
+            <a:off x="457200" y="3154074"/>
+            <a:ext cx="3403221" cy="1143001"/>
+          </a:xfrm>
+          <a:prstGeom prst="rect">
+            <a:avLst/>
+          </a:prstGeom>
+        </p:spPr>
+      </p:pic>
+      <p:pic>
+        <p:nvPicPr>
+          <p:cNvPr id="16" name="Picture 15">
+            <a:extLst>
+              <a:ext uri="{FF2B5EF4-FFF2-40B4-BE49-F238E27FC236}">
+                <a16:creationId xmlns:a16="http://schemas.microsoft.com/office/drawing/2014/main" id="{9B89851C-8B0B-A843-BB00-C384F9D1AD57}"/>
+              </a:ext>
+            </a:extLst>
+          </p:cNvPr>
+          <p:cNvPicPr>
+            <a:picLocks noChangeAspect="1"/>
+          </p:cNvPicPr>
+          <p:nvPr/>
+        </p:nvPicPr>
+        <p:blipFill>
+          <a:blip r:embed="rId6"/>
+          <a:stretch>
+            <a:fillRect/>
+          </a:stretch>
+        </p:blipFill>
+        <p:spPr>
+          <a:xfrm>
+            <a:off x="457200" y="4135468"/>
+            <a:ext cx="3329485" cy="1084217"/>
+          </a:xfrm>
+          <a:prstGeom prst="rect">
+            <a:avLst/>
+          </a:prstGeom>
+        </p:spPr>
+      </p:pic>
+      <p:pic>
+        <p:nvPicPr>
+          <p:cNvPr id="18" name="Picture 17">
+            <a:extLst>
+              <a:ext uri="{FF2B5EF4-FFF2-40B4-BE49-F238E27FC236}">
+                <a16:creationId xmlns:a16="http://schemas.microsoft.com/office/drawing/2014/main" id="{32B10D90-8B80-864C-BD02-C818BA9C2A79}"/>
+              </a:ext>
+            </a:extLst>
+          </p:cNvPr>
+          <p:cNvPicPr>
+            <a:picLocks noChangeAspect="1"/>
+          </p:cNvPicPr>
+          <p:nvPr/>
+        </p:nvPicPr>
+        <p:blipFill>
+          <a:blip r:embed="rId7"/>
+          <a:stretch>
+            <a:fillRect/>
+          </a:stretch>
+        </p:blipFill>
+        <p:spPr>
+          <a:xfrm>
+            <a:off x="457200" y="5113579"/>
+            <a:ext cx="3549324" cy="1117046"/>
           </a:xfrm>
           <a:prstGeom prst="rect">
             <a:avLst/>
@@ -22812,7 +25054,7 @@
     </p:spTree>
     <p:extLst>
       <p:ext uri="{BB962C8B-B14F-4D97-AF65-F5344CB8AC3E}">
-        <p14:creationId xmlns:p14="http://schemas.microsoft.com/office/powerpoint/2010/main" val="3808753497"/>
+        <p14:creationId xmlns:p14="http://schemas.microsoft.com/office/powerpoint/2010/main" val="2308197701"/>
       </p:ext>
     </p:extLst>
   </p:cSld>
@@ -22822,7 +25064,329 @@
 </p:sld>
 </file>
 
-<file path=ppt/slides/slide6.xml><?xml version="1.0" encoding="utf-8"?>
+<file path=ppt/slides/slide8.xml><?xml version="1.0" encoding="utf-8"?>
+<p:sld xmlns:a="http://schemas.openxmlformats.org/drawingml/2006/main" xmlns:r="http://schemas.openxmlformats.org/officeDocument/2006/relationships" xmlns:p="http://schemas.openxmlformats.org/presentationml/2006/main">
+  <p:cSld>
+    <p:spTree>
+      <p:nvGrpSpPr>
+        <p:cNvPr id="1" name=""/>
+        <p:cNvGrpSpPr/>
+        <p:nvPr/>
+      </p:nvGrpSpPr>
+      <p:grpSpPr>
+        <a:xfrm>
+          <a:off x="0" y="0"/>
+          <a:ext cx="0" cy="0"/>
+          <a:chOff x="0" y="0"/>
+          <a:chExt cx="0" cy="0"/>
+        </a:xfrm>
+      </p:grpSpPr>
+      <p:sp>
+        <p:nvSpPr>
+          <p:cNvPr id="2" name="Title 1">
+            <a:extLst>
+              <a:ext uri="{FF2B5EF4-FFF2-40B4-BE49-F238E27FC236}">
+                <a16:creationId xmlns:a16="http://schemas.microsoft.com/office/drawing/2014/main" id="{76B130F1-16BD-9540-9BD9-04332A0A216F}"/>
+              </a:ext>
+            </a:extLst>
+          </p:cNvPr>
+          <p:cNvSpPr>
+            <a:spLocks noGrp="1"/>
+          </p:cNvSpPr>
+          <p:nvPr>
+            <p:ph type="title"/>
+          </p:nvPr>
+        </p:nvSpPr>
+        <p:spPr/>
+        <p:txBody>
+          <a:bodyPr/>
+          <a:lstStyle/>
+          <a:p>
+            <a:r>
+              <a:rPr lang="en-US" sz="3200" dirty="0"/>
+              <a:t>Change the number of characters to truncate before showing the ‘See More' link </a:t>
+            </a:r>
+          </a:p>
+        </p:txBody>
+      </p:sp>
+      <p:sp>
+        <p:nvSpPr>
+          <p:cNvPr id="3" name="Text Placeholder 2">
+            <a:extLst>
+              <a:ext uri="{FF2B5EF4-FFF2-40B4-BE49-F238E27FC236}">
+                <a16:creationId xmlns:a16="http://schemas.microsoft.com/office/drawing/2014/main" id="{FA08F64C-0C16-144D-B68D-06FBE5C79886}"/>
+              </a:ext>
+            </a:extLst>
+          </p:cNvPr>
+          <p:cNvSpPr>
+            <a:spLocks noGrp="1"/>
+          </p:cNvSpPr>
+          <p:nvPr>
+            <p:ph type="body" idx="1"/>
+          </p:nvPr>
+        </p:nvSpPr>
+        <p:spPr>
+          <a:xfrm>
+            <a:off x="457198" y="1881266"/>
+            <a:ext cx="8229599" cy="1345367"/>
+          </a:xfrm>
+        </p:spPr>
+        <p:txBody>
+          <a:bodyPr/>
+          <a:lstStyle/>
+          <a:p>
+            <a:pPr marL="50800" indent="0">
+              <a:buNone/>
+            </a:pPr>
+            <a:r>
+              <a:rPr lang="en-US" sz="2000" dirty="0">
+                <a:cs typeface="Courier New" panose="02070309020205020404" pitchFamily="49" charset="0"/>
+              </a:rPr>
+              <a:t>The configuration variable for the number of characters to truncate is  </a:t>
+            </a:r>
+            <a:r>
+              <a:rPr lang="en-US" sz="2000" b="1" dirty="0" err="1">
+                <a:latin typeface="Courier New" panose="02070309020205020404" pitchFamily="49" charset="0"/>
+                <a:cs typeface="Courier New" panose="02070309020205020404" pitchFamily="49" charset="0"/>
+              </a:rPr>
+              <a:t>AppConfig</a:t>
+            </a:r>
+            <a:r>
+              <a:rPr lang="en-US" sz="2000" b="1" dirty="0">
+                <a:latin typeface="Courier New" panose="02070309020205020404" pitchFamily="49" charset="0"/>
+                <a:cs typeface="Courier New" panose="02070309020205020404" pitchFamily="49" charset="0"/>
+              </a:rPr>
+              <a:t>[:</a:t>
+            </a:r>
+            <a:r>
+              <a:rPr lang="en-US" sz="2000" b="1" dirty="0" err="1">
+                <a:latin typeface="Courier New" panose="02070309020205020404" pitchFamily="49" charset="0"/>
+                <a:cs typeface="Courier New" panose="02070309020205020404" pitchFamily="49" charset="0"/>
+              </a:rPr>
+              <a:t>pui_readmore_max_characters</a:t>
+            </a:r>
+            <a:r>
+              <a:rPr lang="en-US" sz="2000" b="1" dirty="0">
+                <a:latin typeface="Courier New" panose="02070309020205020404" pitchFamily="49" charset="0"/>
+                <a:cs typeface="Courier New" panose="02070309020205020404" pitchFamily="49" charset="0"/>
+              </a:rPr>
+              <a:t>]</a:t>
+            </a:r>
+            <a:r>
+              <a:rPr lang="en-US" sz="2000" dirty="0">
+                <a:cs typeface="Courier New" panose="02070309020205020404" pitchFamily="49" charset="0"/>
+              </a:rPr>
+              <a:t>.</a:t>
+            </a:r>
+            <a:r>
+              <a:rPr lang="en-US" sz="2000" b="1" dirty="0">
+                <a:latin typeface="Courier New" panose="02070309020205020404" pitchFamily="49" charset="0"/>
+                <a:cs typeface="Courier New" panose="02070309020205020404" pitchFamily="49" charset="0"/>
+              </a:rPr>
+              <a:t> </a:t>
+            </a:r>
+          </a:p>
+          <a:p>
+            <a:pPr marL="50800" indent="0">
+              <a:buNone/>
+            </a:pPr>
+            <a:r>
+              <a:rPr lang="en-US" sz="2000" dirty="0">
+                <a:cs typeface="Courier New" panose="02070309020205020404" pitchFamily="49" charset="0"/>
+              </a:rPr>
+              <a:t>The default is 450.</a:t>
+            </a:r>
+          </a:p>
+        </p:txBody>
+      </p:sp>
+      <p:pic>
+        <p:nvPicPr>
+          <p:cNvPr id="17" name="Picture 16">
+            <a:extLst>
+              <a:ext uri="{FF2B5EF4-FFF2-40B4-BE49-F238E27FC236}">
+                <a16:creationId xmlns:a16="http://schemas.microsoft.com/office/drawing/2014/main" id="{834DC682-4A1C-1147-9928-998F56914CB4}"/>
+              </a:ext>
+            </a:extLst>
+          </p:cNvPr>
+          <p:cNvPicPr>
+            <a:picLocks noChangeAspect="1"/>
+          </p:cNvPicPr>
+          <p:nvPr/>
+        </p:nvPicPr>
+        <p:blipFill>
+          <a:blip r:embed="rId3"/>
+          <a:stretch>
+            <a:fillRect/>
+          </a:stretch>
+        </p:blipFill>
+        <p:spPr>
+          <a:xfrm>
+            <a:off x="428325" y="3218276"/>
+            <a:ext cx="8345091" cy="934000"/>
+          </a:xfrm>
+          <a:prstGeom prst="rect">
+            <a:avLst/>
+          </a:prstGeom>
+          <a:ln w="28575">
+            <a:solidFill>
+              <a:schemeClr val="tx1"/>
+            </a:solidFill>
+          </a:ln>
+        </p:spPr>
+      </p:pic>
+      <p:pic>
+        <p:nvPicPr>
+          <p:cNvPr id="19" name="Picture 18">
+            <a:extLst>
+              <a:ext uri="{FF2B5EF4-FFF2-40B4-BE49-F238E27FC236}">
+                <a16:creationId xmlns:a16="http://schemas.microsoft.com/office/drawing/2014/main" id="{DE6C5861-0A45-6A4A-9904-32A0D577B6A1}"/>
+              </a:ext>
+            </a:extLst>
+          </p:cNvPr>
+          <p:cNvPicPr>
+            <a:picLocks noChangeAspect="1"/>
+          </p:cNvPicPr>
+          <p:nvPr/>
+        </p:nvPicPr>
+        <p:blipFill>
+          <a:blip r:embed="rId4"/>
+          <a:stretch>
+            <a:fillRect/>
+          </a:stretch>
+        </p:blipFill>
+        <p:spPr>
+          <a:xfrm>
+            <a:off x="428325" y="4648975"/>
+            <a:ext cx="8345091" cy="535734"/>
+          </a:xfrm>
+          <a:prstGeom prst="rect">
+            <a:avLst/>
+          </a:prstGeom>
+          <a:ln w="28575">
+            <a:solidFill>
+              <a:schemeClr val="tx1"/>
+            </a:solidFill>
+          </a:ln>
+        </p:spPr>
+      </p:pic>
+      <p:sp>
+        <p:nvSpPr>
+          <p:cNvPr id="20" name="Rounded Rectangle 19">
+            <a:extLst>
+              <a:ext uri="{FF2B5EF4-FFF2-40B4-BE49-F238E27FC236}">
+                <a16:creationId xmlns:a16="http://schemas.microsoft.com/office/drawing/2014/main" id="{5332604E-36D1-294B-BD86-794FF03ED2ED}"/>
+              </a:ext>
+            </a:extLst>
+          </p:cNvPr>
+          <p:cNvSpPr/>
+          <p:nvPr/>
+        </p:nvSpPr>
+        <p:spPr>
+          <a:xfrm>
+            <a:off x="3702570" y="3852472"/>
+            <a:ext cx="869430" cy="299804"/>
+          </a:xfrm>
+          <a:prstGeom prst="roundRect">
+            <a:avLst/>
+          </a:prstGeom>
+          <a:noFill/>
+          <a:ln>
+            <a:solidFill>
+              <a:srgbClr val="FF0000"/>
+            </a:solidFill>
+          </a:ln>
+        </p:spPr>
+        <p:style>
+          <a:lnRef idx="2">
+            <a:schemeClr val="accent1">
+              <a:shade val="50000"/>
+            </a:schemeClr>
+          </a:lnRef>
+          <a:fillRef idx="1">
+            <a:schemeClr val="accent1"/>
+          </a:fillRef>
+          <a:effectRef idx="0">
+            <a:schemeClr val="accent1"/>
+          </a:effectRef>
+          <a:fontRef idx="minor">
+            <a:schemeClr val="lt1"/>
+          </a:fontRef>
+        </p:style>
+        <p:txBody>
+          <a:bodyPr rtlCol="0" anchor="ctr"/>
+          <a:lstStyle/>
+          <a:p>
+            <a:pPr algn="ctr"/>
+            <a:endParaRPr lang="en-US"/>
+          </a:p>
+        </p:txBody>
+      </p:sp>
+      <p:sp>
+        <p:nvSpPr>
+          <p:cNvPr id="21" name="Rounded Rectangle 20">
+            <a:extLst>
+              <a:ext uri="{FF2B5EF4-FFF2-40B4-BE49-F238E27FC236}">
+                <a16:creationId xmlns:a16="http://schemas.microsoft.com/office/drawing/2014/main" id="{33DE229C-58F6-E34A-8884-EB60B3A52144}"/>
+              </a:ext>
+            </a:extLst>
+          </p:cNvPr>
+          <p:cNvSpPr/>
+          <p:nvPr/>
+        </p:nvSpPr>
+        <p:spPr>
+          <a:xfrm>
+            <a:off x="7330190" y="4886793"/>
+            <a:ext cx="989351" cy="297916"/>
+          </a:xfrm>
+          <a:prstGeom prst="roundRect">
+            <a:avLst/>
+          </a:prstGeom>
+          <a:noFill/>
+          <a:ln>
+            <a:solidFill>
+              <a:srgbClr val="FF0000"/>
+            </a:solidFill>
+          </a:ln>
+        </p:spPr>
+        <p:style>
+          <a:lnRef idx="2">
+            <a:schemeClr val="accent1">
+              <a:shade val="50000"/>
+            </a:schemeClr>
+          </a:lnRef>
+          <a:fillRef idx="1">
+            <a:schemeClr val="accent1"/>
+          </a:fillRef>
+          <a:effectRef idx="0">
+            <a:schemeClr val="accent1"/>
+          </a:effectRef>
+          <a:fontRef idx="minor">
+            <a:schemeClr val="lt1"/>
+          </a:fontRef>
+        </p:style>
+        <p:txBody>
+          <a:bodyPr rtlCol="0" anchor="ctr"/>
+          <a:lstStyle/>
+          <a:p>
+            <a:pPr algn="ctr"/>
+            <a:endParaRPr lang="en-US"/>
+          </a:p>
+        </p:txBody>
+      </p:sp>
+    </p:spTree>
+    <p:extLst>
+      <p:ext uri="{BB962C8B-B14F-4D97-AF65-F5344CB8AC3E}">
+        <p14:creationId xmlns:p14="http://schemas.microsoft.com/office/powerpoint/2010/main" val="3152476311"/>
+      </p:ext>
+    </p:extLst>
+  </p:cSld>
+  <p:clrMapOvr>
+    <a:masterClrMapping/>
+  </p:clrMapOvr>
+</p:sld>
+</file>
+
+<file path=ppt/slides/slide9.xml><?xml version="1.0" encoding="utf-8"?>
 <p:sld xmlns:a="http://schemas.openxmlformats.org/drawingml/2006/main" xmlns:r="http://schemas.openxmlformats.org/officeDocument/2006/relationships" xmlns:p="http://schemas.openxmlformats.org/presentationml/2006/main">
   <p:cSld>
     <p:spTree>
@@ -22862,7 +25426,14 @@
           <a:p>
             <a:r>
               <a:rPr lang="en-US" dirty="0"/>
-              <a:t>Navigation Toolbar Links</a:t>
+              <a:t>Change links on the </a:t>
+            </a:r>
+            <a:br>
+              <a:rPr lang="en-US" dirty="0"/>
+            </a:br>
+            <a:r>
+              <a:rPr lang="en-US" dirty="0"/>
+              <a:t>navigation toolbar</a:t>
             </a:r>
           </a:p>
         </p:txBody>
@@ -22885,209 +25456,24 @@
         </p:nvSpPr>
         <p:spPr>
           <a:xfrm>
-            <a:off x="457200" y="2014152"/>
-            <a:ext cx="8229600" cy="3632886"/>
+            <a:off x="457200" y="1609839"/>
+            <a:ext cx="8496244" cy="818989"/>
           </a:xfrm>
         </p:spPr>
         <p:txBody>
           <a:bodyPr/>
           <a:lstStyle/>
           <a:p>
-            <a:pPr marL="482600" indent="-457200">
+            <a:pPr marL="25400" indent="0">
               <a:buClr>
                 <a:schemeClr val="tx1"/>
               </a:buClr>
               <a:buSzPct val="100000"/>
-              <a:buFont typeface="+mj-lt"/>
-              <a:buAutoNum type="alphaUcPeriod" startAt="4"/>
+              <a:buNone/>
             </a:pPr>
             <a:r>
               <a:rPr lang="en-US" sz="2000" dirty="0"/>
-              <a:t>You can hide links on the navigation toolbar by setting any of the following to true:</a:t>
-            </a:r>
-          </a:p>
-          <a:p>
-            <a:pPr marL="482600" lvl="1" indent="0">
-              <a:buNone/>
-            </a:pPr>
-            <a:r>
-              <a:rPr lang="en-US" sz="1800" dirty="0" err="1"/>
-              <a:t>AppConfig</a:t>
-            </a:r>
-            <a:r>
-              <a:rPr lang="en-US" sz="1800" dirty="0"/>
-              <a:t>[:</a:t>
-            </a:r>
-            <a:r>
-              <a:rPr lang="en-US" sz="1800" dirty="0" err="1"/>
-              <a:t>pui_hide</a:t>
-            </a:r>
-            <a:r>
-              <a:rPr lang="en-US" sz="1800" dirty="0"/>
-              <a:t>][:repositories] = false</a:t>
-            </a:r>
-          </a:p>
-          <a:p>
-            <a:pPr marL="482600" lvl="1" indent="0">
-              <a:buNone/>
-            </a:pPr>
-            <a:r>
-              <a:rPr lang="en-US" sz="1800" dirty="0" err="1"/>
-              <a:t>AppConfig</a:t>
-            </a:r>
-            <a:r>
-              <a:rPr lang="en-US" sz="1800" dirty="0"/>
-              <a:t>[:</a:t>
-            </a:r>
-            <a:r>
-              <a:rPr lang="en-US" sz="1800" dirty="0" err="1"/>
-              <a:t>pui_hide</a:t>
-            </a:r>
-            <a:r>
-              <a:rPr lang="en-US" sz="1800" dirty="0"/>
-              <a:t>][:resources] = false</a:t>
-            </a:r>
-          </a:p>
-          <a:p>
-            <a:pPr marL="482600" lvl="1" indent="0">
-              <a:buNone/>
-            </a:pPr>
-            <a:r>
-              <a:rPr lang="en-US" sz="1800" dirty="0" err="1"/>
-              <a:t>AppConfig</a:t>
-            </a:r>
-            <a:r>
-              <a:rPr lang="en-US" sz="1800" dirty="0"/>
-              <a:t>[:</a:t>
-            </a:r>
-            <a:r>
-              <a:rPr lang="en-US" sz="1800" dirty="0" err="1"/>
-              <a:t>pui_hide</a:t>
-            </a:r>
-            <a:r>
-              <a:rPr lang="en-US" sz="1800" dirty="0"/>
-              <a:t>][:</a:t>
-            </a:r>
-            <a:r>
-              <a:rPr lang="en-US" sz="1800" dirty="0" err="1"/>
-              <a:t>digital_objects</a:t>
-            </a:r>
-            <a:r>
-              <a:rPr lang="en-US" sz="1800" dirty="0"/>
-              <a:t>] = false</a:t>
-            </a:r>
-          </a:p>
-          <a:p>
-            <a:pPr marL="482600" lvl="1" indent="0">
-              <a:buNone/>
-            </a:pPr>
-            <a:r>
-              <a:rPr lang="en-US" sz="1800" dirty="0" err="1"/>
-              <a:t>AppConfig</a:t>
-            </a:r>
-            <a:r>
-              <a:rPr lang="en-US" sz="1800" dirty="0"/>
-              <a:t>[:</a:t>
-            </a:r>
-            <a:r>
-              <a:rPr lang="en-US" sz="1800" dirty="0" err="1"/>
-              <a:t>pui_hide</a:t>
-            </a:r>
-            <a:r>
-              <a:rPr lang="en-US" sz="1800" dirty="0"/>
-              <a:t>][:accessions] = false</a:t>
-            </a:r>
-          </a:p>
-          <a:p>
-            <a:pPr marL="482600" lvl="1" indent="0">
-              <a:buNone/>
-            </a:pPr>
-            <a:r>
-              <a:rPr lang="en-US" sz="1800" dirty="0" err="1"/>
-              <a:t>AppConfig</a:t>
-            </a:r>
-            <a:r>
-              <a:rPr lang="en-US" sz="1800" dirty="0"/>
-              <a:t>[:</a:t>
-            </a:r>
-            <a:r>
-              <a:rPr lang="en-US" sz="1800" dirty="0" err="1"/>
-              <a:t>pui_hide</a:t>
-            </a:r>
-            <a:r>
-              <a:rPr lang="en-US" sz="1800" dirty="0"/>
-              <a:t>][:subjects] = false</a:t>
-            </a:r>
-          </a:p>
-          <a:p>
-            <a:pPr marL="482600" lvl="1" indent="0">
-              <a:buNone/>
-            </a:pPr>
-            <a:r>
-              <a:rPr lang="en-US" sz="1800" dirty="0" err="1"/>
-              <a:t>AppConfig</a:t>
-            </a:r>
-            <a:r>
-              <a:rPr lang="en-US" sz="1800" dirty="0"/>
-              <a:t>[:</a:t>
-            </a:r>
-            <a:r>
-              <a:rPr lang="en-US" sz="1800" dirty="0" err="1"/>
-              <a:t>pui_hide</a:t>
-            </a:r>
-            <a:r>
-              <a:rPr lang="en-US" sz="1800" dirty="0"/>
-              <a:t>][:agents] = false</a:t>
-            </a:r>
-          </a:p>
-          <a:p>
-            <a:pPr marL="482600" lvl="1" indent="0">
-              <a:buNone/>
-            </a:pPr>
-            <a:r>
-              <a:rPr lang="en-US" sz="1800" dirty="0" err="1"/>
-              <a:t>AppConfig</a:t>
-            </a:r>
-            <a:r>
-              <a:rPr lang="en-US" sz="1800" dirty="0"/>
-              <a:t>[:</a:t>
-            </a:r>
-            <a:r>
-              <a:rPr lang="en-US" sz="1800" dirty="0" err="1"/>
-              <a:t>pui_hide</a:t>
-            </a:r>
-            <a:r>
-              <a:rPr lang="en-US" sz="1800" dirty="0"/>
-              <a:t>][:classifications] = false</a:t>
-            </a:r>
-          </a:p>
-          <a:p>
-            <a:pPr marL="482600" lvl="1" indent="0">
-              <a:buNone/>
-            </a:pPr>
-            <a:r>
-              <a:rPr lang="en-US" sz="1800" dirty="0" err="1"/>
-              <a:t>AppConfig</a:t>
-            </a:r>
-            <a:r>
-              <a:rPr lang="en-US" sz="1800" dirty="0"/>
-              <a:t>[:</a:t>
-            </a:r>
-            <a:r>
-              <a:rPr lang="en-US" sz="1800" dirty="0" err="1"/>
-              <a:t>pui_hide</a:t>
-            </a:r>
-            <a:r>
-              <a:rPr lang="en-US" sz="1800" dirty="0"/>
-              <a:t>][:</a:t>
-            </a:r>
-            <a:r>
-              <a:rPr lang="en-US" sz="1800" dirty="0" err="1"/>
-              <a:t>search_tab</a:t>
-            </a:r>
-            <a:r>
-              <a:rPr lang="en-US" sz="1800" dirty="0"/>
-              <a:t>] = false</a:t>
+              <a:t>You can remove links on the navigation toolbar by setting any of the following to true:</a:t>
             </a:r>
           </a:p>
           <a:p>
@@ -23120,8 +25506,399 @@
         </p:blipFill>
         <p:spPr>
           <a:xfrm>
-            <a:off x="190556" y="1417638"/>
+            <a:off x="190556" y="4015659"/>
             <a:ext cx="8496244" cy="414676"/>
+          </a:xfrm>
+          <a:prstGeom prst="rect">
+            <a:avLst/>
+          </a:prstGeom>
+        </p:spPr>
+      </p:pic>
+      <p:grpSp>
+        <p:nvGrpSpPr>
+          <p:cNvPr id="7" name="Group 6">
+            <a:extLst>
+              <a:ext uri="{FF2B5EF4-FFF2-40B4-BE49-F238E27FC236}">
+                <a16:creationId xmlns:a16="http://schemas.microsoft.com/office/drawing/2014/main" id="{BACE5DAA-5E05-5F4B-9532-90102F8103EA}"/>
+              </a:ext>
+            </a:extLst>
+          </p:cNvPr>
+          <p:cNvGrpSpPr/>
+          <p:nvPr/>
+        </p:nvGrpSpPr>
+        <p:grpSpPr>
+          <a:xfrm>
+            <a:off x="-6224" y="2425136"/>
+            <a:ext cx="9017856" cy="1077218"/>
+            <a:chOff x="-6224" y="2425136"/>
+            <a:chExt cx="9017856" cy="1077218"/>
+          </a:xfrm>
+        </p:grpSpPr>
+        <p:sp>
+          <p:nvSpPr>
+            <p:cNvPr id="4" name="TextBox 3">
+              <a:extLst>
+                <a:ext uri="{FF2B5EF4-FFF2-40B4-BE49-F238E27FC236}">
+                  <a16:creationId xmlns:a16="http://schemas.microsoft.com/office/drawing/2014/main" id="{010DBB73-8324-D546-A87F-57FD98DC113D}"/>
+                </a:ext>
+              </a:extLst>
+            </p:cNvPr>
+            <p:cNvSpPr txBox="1"/>
+            <p:nvPr/>
+          </p:nvSpPr>
+          <p:spPr>
+            <a:xfrm>
+              <a:off x="-6224" y="2425136"/>
+              <a:ext cx="4711546" cy="1077218"/>
+            </a:xfrm>
+            <a:prstGeom prst="rect">
+              <a:avLst/>
+            </a:prstGeom>
+            <a:noFill/>
+          </p:spPr>
+          <p:txBody>
+            <a:bodyPr wrap="none" rtlCol="0">
+              <a:spAutoFit/>
+            </a:bodyPr>
+            <a:lstStyle/>
+            <a:p>
+              <a:pPr marL="482600" lvl="1" indent="0">
+                <a:buNone/>
+              </a:pPr>
+              <a:r>
+                <a:rPr lang="en-US" sz="1600" dirty="0" err="1"/>
+                <a:t>AppConfig</a:t>
+              </a:r>
+              <a:r>
+                <a:rPr lang="en-US" sz="1600" dirty="0"/>
+                <a:t>[:</a:t>
+              </a:r>
+              <a:r>
+                <a:rPr lang="en-US" sz="1600" dirty="0" err="1"/>
+                <a:t>pui_hide</a:t>
+              </a:r>
+              <a:r>
+                <a:rPr lang="en-US" sz="1600" dirty="0"/>
+                <a:t>][:repositories] = false</a:t>
+              </a:r>
+            </a:p>
+            <a:p>
+              <a:pPr marL="482600" lvl="1" indent="0">
+                <a:buNone/>
+              </a:pPr>
+              <a:r>
+                <a:rPr lang="en-US" sz="1600" dirty="0" err="1"/>
+                <a:t>AppConfig</a:t>
+              </a:r>
+              <a:r>
+                <a:rPr lang="en-US" sz="1600" dirty="0"/>
+                <a:t>[:</a:t>
+              </a:r>
+              <a:r>
+                <a:rPr lang="en-US" sz="1600" dirty="0" err="1"/>
+                <a:t>pui_hide</a:t>
+              </a:r>
+              <a:r>
+                <a:rPr lang="en-US" sz="1600" dirty="0"/>
+                <a:t>][:resources] = false</a:t>
+              </a:r>
+            </a:p>
+            <a:p>
+              <a:pPr marL="482600" lvl="1" indent="0">
+                <a:buNone/>
+              </a:pPr>
+              <a:r>
+                <a:rPr lang="en-US" sz="1600" dirty="0" err="1"/>
+                <a:t>AppConfig</a:t>
+              </a:r>
+              <a:r>
+                <a:rPr lang="en-US" sz="1600" dirty="0"/>
+                <a:t>[:</a:t>
+              </a:r>
+              <a:r>
+                <a:rPr lang="en-US" sz="1600" dirty="0" err="1"/>
+                <a:t>pui_hide</a:t>
+              </a:r>
+              <a:r>
+                <a:rPr lang="en-US" sz="1600" dirty="0"/>
+                <a:t>][:</a:t>
+              </a:r>
+              <a:r>
+                <a:rPr lang="en-US" sz="1600" dirty="0" err="1"/>
+                <a:t>digital_objects</a:t>
+              </a:r>
+              <a:r>
+                <a:rPr lang="en-US" sz="1600" dirty="0"/>
+                <a:t>] = false</a:t>
+              </a:r>
+            </a:p>
+            <a:p>
+              <a:pPr marL="482600" lvl="1" indent="0">
+                <a:buNone/>
+              </a:pPr>
+              <a:r>
+                <a:rPr lang="en-US" sz="1600" dirty="0" err="1"/>
+                <a:t>AppConfig</a:t>
+              </a:r>
+              <a:r>
+                <a:rPr lang="en-US" sz="1600" dirty="0"/>
+                <a:t>[:</a:t>
+              </a:r>
+              <a:r>
+                <a:rPr lang="en-US" sz="1600" dirty="0" err="1"/>
+                <a:t>pui_hide</a:t>
+              </a:r>
+              <a:r>
+                <a:rPr lang="en-US" sz="1600" dirty="0"/>
+                <a:t>][:accessions] = false</a:t>
+              </a:r>
+            </a:p>
+          </p:txBody>
+        </p:sp>
+        <p:sp>
+          <p:nvSpPr>
+            <p:cNvPr id="6" name="TextBox 5">
+              <a:extLst>
+                <a:ext uri="{FF2B5EF4-FFF2-40B4-BE49-F238E27FC236}">
+                  <a16:creationId xmlns:a16="http://schemas.microsoft.com/office/drawing/2014/main" id="{B332AFB1-5084-5B44-848B-9BA7FA254A28}"/>
+                </a:ext>
+              </a:extLst>
+            </p:cNvPr>
+            <p:cNvSpPr txBox="1"/>
+            <p:nvPr/>
+          </p:nvSpPr>
+          <p:spPr>
+            <a:xfrm>
+              <a:off x="4333748" y="2425136"/>
+              <a:ext cx="4677884" cy="1077218"/>
+            </a:xfrm>
+            <a:prstGeom prst="rect">
+              <a:avLst/>
+            </a:prstGeom>
+            <a:noFill/>
+          </p:spPr>
+          <p:txBody>
+            <a:bodyPr wrap="none" rtlCol="0">
+              <a:spAutoFit/>
+            </a:bodyPr>
+            <a:lstStyle/>
+            <a:p>
+              <a:pPr marL="482600" lvl="1" indent="0">
+                <a:buNone/>
+              </a:pPr>
+              <a:r>
+                <a:rPr lang="en-US" sz="1600" dirty="0" err="1"/>
+                <a:t>AppConfig</a:t>
+              </a:r>
+              <a:r>
+                <a:rPr lang="en-US" sz="1600" dirty="0"/>
+                <a:t>[:</a:t>
+              </a:r>
+              <a:r>
+                <a:rPr lang="en-US" sz="1600" dirty="0" err="1"/>
+                <a:t>pui_hide</a:t>
+              </a:r>
+              <a:r>
+                <a:rPr lang="en-US" sz="1600" dirty="0"/>
+                <a:t>][:subjects] = false</a:t>
+              </a:r>
+            </a:p>
+            <a:p>
+              <a:pPr marL="482600" lvl="1" indent="0">
+                <a:buNone/>
+              </a:pPr>
+              <a:r>
+                <a:rPr lang="en-US" sz="1600" dirty="0" err="1"/>
+                <a:t>AppConfig</a:t>
+              </a:r>
+              <a:r>
+                <a:rPr lang="en-US" sz="1600" dirty="0"/>
+                <a:t>[:</a:t>
+              </a:r>
+              <a:r>
+                <a:rPr lang="en-US" sz="1600" dirty="0" err="1"/>
+                <a:t>pui_hide</a:t>
+              </a:r>
+              <a:r>
+                <a:rPr lang="en-US" sz="1600" dirty="0"/>
+                <a:t>][:agents] = false</a:t>
+              </a:r>
+            </a:p>
+            <a:p>
+              <a:pPr marL="482600" lvl="1" indent="0">
+                <a:buNone/>
+              </a:pPr>
+              <a:r>
+                <a:rPr lang="en-US" sz="1600" dirty="0" err="1"/>
+                <a:t>AppConfig</a:t>
+              </a:r>
+              <a:r>
+                <a:rPr lang="en-US" sz="1600" dirty="0"/>
+                <a:t>[:</a:t>
+              </a:r>
+              <a:r>
+                <a:rPr lang="en-US" sz="1600" dirty="0" err="1"/>
+                <a:t>pui_hide</a:t>
+              </a:r>
+              <a:r>
+                <a:rPr lang="en-US" sz="1600" dirty="0"/>
+                <a:t>][:classifications] = false</a:t>
+              </a:r>
+            </a:p>
+            <a:p>
+              <a:pPr marL="482600" lvl="1" indent="0">
+                <a:buNone/>
+              </a:pPr>
+              <a:r>
+                <a:rPr lang="en-US" sz="1600" dirty="0" err="1"/>
+                <a:t>AppConfig</a:t>
+              </a:r>
+              <a:r>
+                <a:rPr lang="en-US" sz="1600" dirty="0"/>
+                <a:t>[:</a:t>
+              </a:r>
+              <a:r>
+                <a:rPr lang="en-US" sz="1600" dirty="0" err="1"/>
+                <a:t>pui_hide</a:t>
+              </a:r>
+              <a:r>
+                <a:rPr lang="en-US" sz="1600" dirty="0"/>
+                <a:t>][:</a:t>
+              </a:r>
+              <a:r>
+                <a:rPr lang="en-US" sz="1600" dirty="0" err="1"/>
+                <a:t>search_tab</a:t>
+              </a:r>
+              <a:r>
+                <a:rPr lang="en-US" sz="1600" dirty="0"/>
+                <a:t>] = false</a:t>
+              </a:r>
+            </a:p>
+          </p:txBody>
+        </p:sp>
+      </p:grpSp>
+      <p:sp>
+        <p:nvSpPr>
+          <p:cNvPr id="8" name="TextBox 7">
+            <a:extLst>
+              <a:ext uri="{FF2B5EF4-FFF2-40B4-BE49-F238E27FC236}">
+                <a16:creationId xmlns:a16="http://schemas.microsoft.com/office/drawing/2014/main" id="{8521ADED-83F9-3246-B4DC-8CE0184F6757}"/>
+              </a:ext>
+            </a:extLst>
+          </p:cNvPr>
+          <p:cNvSpPr txBox="1"/>
+          <p:nvPr/>
+        </p:nvSpPr>
+        <p:spPr>
+          <a:xfrm>
+            <a:off x="190556" y="3605118"/>
+            <a:ext cx="2263761" cy="307777"/>
+          </a:xfrm>
+          <a:prstGeom prst="rect">
+            <a:avLst/>
+          </a:prstGeom>
+          <a:noFill/>
+        </p:spPr>
+        <p:txBody>
+          <a:bodyPr wrap="none" rtlCol="0">
+            <a:spAutoFit/>
+          </a:bodyPr>
+          <a:lstStyle/>
+          <a:p>
+            <a:r>
+              <a:rPr lang="en-US" dirty="0"/>
+              <a:t>Default navigation toolbar</a:t>
+            </a:r>
+          </a:p>
+        </p:txBody>
+      </p:sp>
+      <p:sp>
+        <p:nvSpPr>
+          <p:cNvPr id="9" name="TextBox 8">
+            <a:extLst>
+              <a:ext uri="{FF2B5EF4-FFF2-40B4-BE49-F238E27FC236}">
+                <a16:creationId xmlns:a16="http://schemas.microsoft.com/office/drawing/2014/main" id="{FB62C6F2-CE3D-F445-8E37-8C0F016BA3FC}"/>
+              </a:ext>
+            </a:extLst>
+          </p:cNvPr>
+          <p:cNvSpPr txBox="1"/>
+          <p:nvPr/>
+        </p:nvSpPr>
+        <p:spPr>
+          <a:xfrm>
+            <a:off x="190556" y="4676931"/>
+            <a:ext cx="7598555" cy="307777"/>
+          </a:xfrm>
+          <a:prstGeom prst="rect">
+            <a:avLst/>
+          </a:prstGeom>
+          <a:noFill/>
+        </p:spPr>
+        <p:txBody>
+          <a:bodyPr wrap="none" rtlCol="0">
+            <a:spAutoFit/>
+          </a:bodyPr>
+          <a:lstStyle/>
+          <a:p>
+            <a:r>
+              <a:rPr lang="en-US" dirty="0"/>
+              <a:t>Remove “Unprocessed Material” Link - </a:t>
+            </a:r>
+            <a:r>
+              <a:rPr lang="en-US" b="1" dirty="0" err="1">
+                <a:latin typeface="Courier New" panose="02070309020205020404" pitchFamily="49" charset="0"/>
+                <a:cs typeface="Courier New" panose="02070309020205020404" pitchFamily="49" charset="0"/>
+              </a:rPr>
+              <a:t>AppConfig</a:t>
+            </a:r>
+            <a:r>
+              <a:rPr lang="en-US" b="1" dirty="0">
+                <a:latin typeface="Courier New" panose="02070309020205020404" pitchFamily="49" charset="0"/>
+                <a:cs typeface="Courier New" panose="02070309020205020404" pitchFamily="49" charset="0"/>
+              </a:rPr>
+              <a:t>[:</a:t>
+            </a:r>
+            <a:r>
+              <a:rPr lang="en-US" b="1" dirty="0" err="1">
+                <a:latin typeface="Courier New" panose="02070309020205020404" pitchFamily="49" charset="0"/>
+                <a:cs typeface="Courier New" panose="02070309020205020404" pitchFamily="49" charset="0"/>
+              </a:rPr>
+              <a:t>pui_hide</a:t>
+            </a:r>
+            <a:r>
+              <a:rPr lang="en-US" b="1" dirty="0">
+                <a:latin typeface="Courier New" panose="02070309020205020404" pitchFamily="49" charset="0"/>
+                <a:cs typeface="Courier New" panose="02070309020205020404" pitchFamily="49" charset="0"/>
+              </a:rPr>
+              <a:t>][:accessions] = true</a:t>
+            </a:r>
+          </a:p>
+        </p:txBody>
+      </p:sp>
+      <p:pic>
+        <p:nvPicPr>
+          <p:cNvPr id="11" name="Picture 10">
+            <a:extLst>
+              <a:ext uri="{FF2B5EF4-FFF2-40B4-BE49-F238E27FC236}">
+                <a16:creationId xmlns:a16="http://schemas.microsoft.com/office/drawing/2014/main" id="{AC06FEBA-B744-6D4B-9D60-C85FD4CCBBEE}"/>
+              </a:ext>
+            </a:extLst>
+          </p:cNvPr>
+          <p:cNvPicPr>
+            <a:picLocks noChangeAspect="1"/>
+          </p:cNvPicPr>
+          <p:nvPr/>
+        </p:nvPicPr>
+        <p:blipFill>
+          <a:blip r:embed="rId3"/>
+          <a:stretch>
+            <a:fillRect/>
+          </a:stretch>
+        </p:blipFill>
+        <p:spPr>
+          <a:xfrm>
+            <a:off x="190556" y="5111384"/>
+            <a:ext cx="8496244" cy="522310"/>
           </a:xfrm>
           <a:prstGeom prst="rect">
             <a:avLst/>
@@ -23132,925 +25909,6 @@
     <p:extLst>
       <p:ext uri="{BB962C8B-B14F-4D97-AF65-F5344CB8AC3E}">
         <p14:creationId xmlns:p14="http://schemas.microsoft.com/office/powerpoint/2010/main" val="298454701"/>
-      </p:ext>
-    </p:extLst>
-  </p:cSld>
-  <p:clrMapOvr>
-    <a:masterClrMapping/>
-  </p:clrMapOvr>
-</p:sld>
-</file>
-
-<file path=ppt/slides/slide7.xml><?xml version="1.0" encoding="utf-8"?>
-<p:sld xmlns:a="http://schemas.openxmlformats.org/drawingml/2006/main" xmlns:r="http://schemas.openxmlformats.org/officeDocument/2006/relationships" xmlns:p="http://schemas.openxmlformats.org/presentationml/2006/main">
-  <p:cSld>
-    <p:spTree>
-      <p:nvGrpSpPr>
-        <p:cNvPr id="1" name=""/>
-        <p:cNvGrpSpPr/>
-        <p:nvPr/>
-      </p:nvGrpSpPr>
-      <p:grpSpPr>
-        <a:xfrm>
-          <a:off x="0" y="0"/>
-          <a:ext cx="0" cy="0"/>
-          <a:chOff x="0" y="0"/>
-          <a:chExt cx="0" cy="0"/>
-        </a:xfrm>
-      </p:grpSpPr>
-      <p:sp>
-        <p:nvSpPr>
-          <p:cNvPr id="2" name="Title 1">
-            <a:extLst>
-              <a:ext uri="{FF2B5EF4-FFF2-40B4-BE49-F238E27FC236}">
-                <a16:creationId xmlns:a16="http://schemas.microsoft.com/office/drawing/2014/main" id="{BEB721FE-9202-6F45-AFC3-21D82ED99E6E}"/>
-              </a:ext>
-            </a:extLst>
-          </p:cNvPr>
-          <p:cNvSpPr>
-            <a:spLocks noGrp="1"/>
-          </p:cNvSpPr>
-          <p:nvPr>
-            <p:ph type="title"/>
-          </p:nvPr>
-        </p:nvSpPr>
-        <p:spPr/>
-        <p:txBody>
-          <a:bodyPr/>
-          <a:lstStyle/>
-          <a:p>
-            <a:r>
-              <a:rPr lang="en-US" sz="4000" dirty="0"/>
-              <a:t>Change the Feedback link in the Page Footer</a:t>
-            </a:r>
-          </a:p>
-        </p:txBody>
-      </p:sp>
-      <p:sp>
-        <p:nvSpPr>
-          <p:cNvPr id="3" name="Text Placeholder 2">
-            <a:extLst>
-              <a:ext uri="{FF2B5EF4-FFF2-40B4-BE49-F238E27FC236}">
-                <a16:creationId xmlns:a16="http://schemas.microsoft.com/office/drawing/2014/main" id="{51862B97-E2CE-554B-9A89-2A36AB29D3A4}"/>
-              </a:ext>
-            </a:extLst>
-          </p:cNvPr>
-          <p:cNvSpPr>
-            <a:spLocks noGrp="1"/>
-          </p:cNvSpPr>
-          <p:nvPr>
-            <p:ph type="body" idx="1"/>
-          </p:nvPr>
-        </p:nvSpPr>
-        <p:spPr>
-          <a:xfrm>
-            <a:off x="228600" y="2631988"/>
-            <a:ext cx="8686800" cy="3113905"/>
-          </a:xfrm>
-        </p:spPr>
-        <p:txBody>
-          <a:bodyPr/>
-          <a:lstStyle/>
-          <a:p>
-            <a:pPr marL="482600" indent="-457200">
-              <a:buClrTx/>
-              <a:buSzPct val="100000"/>
-              <a:buFont typeface="+mj-lt"/>
-              <a:buAutoNum type="alphaUcPeriod" startAt="5"/>
-            </a:pPr>
-            <a:r>
-              <a:rPr lang="en-US" sz="2000" dirty="0"/>
-              <a:t>The feedback link can be modified by changing </a:t>
-            </a:r>
-          </a:p>
-          <a:p>
-            <a:pPr marL="25400" indent="0">
-              <a:buNone/>
-            </a:pPr>
-            <a:r>
-              <a:rPr lang="en-US" sz="2000" b="1" dirty="0">
-                <a:latin typeface="Courier New"/>
-                <a:ea typeface="Courier New"/>
-                <a:cs typeface="Courier New"/>
-                <a:sym typeface="Courier New"/>
-              </a:rPr>
-              <a:t>	</a:t>
-            </a:r>
-            <a:r>
-              <a:rPr lang="en-US" sz="1600" b="1" dirty="0" err="1">
-                <a:latin typeface="Courier New"/>
-                <a:ea typeface="Courier New"/>
-                <a:cs typeface="Courier New"/>
-                <a:sym typeface="Courier New"/>
-              </a:rPr>
-              <a:t>AppConfig</a:t>
-            </a:r>
-            <a:r>
-              <a:rPr lang="en-US" sz="1600" b="1" dirty="0">
-                <a:latin typeface="Courier New"/>
-                <a:ea typeface="Courier New"/>
-                <a:cs typeface="Courier New"/>
-                <a:sym typeface="Courier New"/>
-              </a:rPr>
-              <a:t>[:</a:t>
-            </a:r>
-            <a:r>
-              <a:rPr lang="en-US" sz="1600" b="1" dirty="0" err="1">
-                <a:latin typeface="Courier New"/>
-                <a:ea typeface="Courier New"/>
-                <a:cs typeface="Courier New"/>
-                <a:sym typeface="Courier New"/>
-              </a:rPr>
-              <a:t>feedback_url</a:t>
-            </a:r>
-            <a:r>
-              <a:rPr lang="en-US" sz="1600" b="1" dirty="0">
-                <a:latin typeface="Courier New"/>
-                <a:ea typeface="Courier New"/>
-                <a:cs typeface="Courier New"/>
-                <a:sym typeface="Courier New"/>
-              </a:rPr>
-              <a:t>] </a:t>
-            </a:r>
-            <a:r>
-              <a:rPr lang="en-US" sz="1600" b="1" dirty="0">
-                <a:latin typeface="Courier New" panose="02070309020205020404" pitchFamily="49" charset="0"/>
-                <a:ea typeface="Courier New"/>
-                <a:cs typeface="Courier New" panose="02070309020205020404" pitchFamily="49" charset="0"/>
-                <a:sym typeface="Courier New"/>
-              </a:rPr>
-              <a:t>= "http://</a:t>
-            </a:r>
-            <a:r>
-              <a:rPr lang="en-US" sz="1600" b="1" dirty="0" err="1">
-                <a:latin typeface="Courier New" panose="02070309020205020404" pitchFamily="49" charset="0"/>
-                <a:ea typeface="Courier New"/>
-                <a:cs typeface="Courier New" panose="02070309020205020404" pitchFamily="49" charset="0"/>
-                <a:sym typeface="Courier New"/>
-              </a:rPr>
-              <a:t>archivesspace.org</a:t>
-            </a:r>
-            <a:r>
-              <a:rPr lang="en-US" sz="1600" b="1" dirty="0">
-                <a:latin typeface="Courier New" panose="02070309020205020404" pitchFamily="49" charset="0"/>
-                <a:ea typeface="Courier New"/>
-                <a:cs typeface="Courier New" panose="02070309020205020404" pitchFamily="49" charset="0"/>
-                <a:sym typeface="Courier New"/>
-              </a:rPr>
-              <a:t>/feedback"</a:t>
-            </a:r>
-            <a:endParaRPr lang="en-US" sz="1600" dirty="0"/>
-          </a:p>
-          <a:p>
-            <a:endParaRPr lang="en-US" sz="2000" dirty="0"/>
-          </a:p>
-          <a:p>
-            <a:pPr marL="482600" lvl="1" indent="0">
-              <a:buNone/>
-            </a:pPr>
-            <a:r>
-              <a:rPr lang="en-US" sz="2000" dirty="0"/>
-              <a:t>If you would like to remove the feedback link completely, set </a:t>
-            </a:r>
-            <a:r>
-              <a:rPr lang="en-US" sz="1600" dirty="0">
-                <a:latin typeface="+mn-lt"/>
-              </a:rPr>
-              <a:t>	</a:t>
-            </a:r>
-            <a:r>
-              <a:rPr lang="en-US" sz="1600" b="1" dirty="0" err="1">
-                <a:latin typeface="Courier New"/>
-                <a:cs typeface="Courier New"/>
-                <a:sym typeface="Courier New"/>
-              </a:rPr>
-              <a:t>AppConfig</a:t>
-            </a:r>
-            <a:r>
-              <a:rPr lang="en-US" sz="1600" b="1" dirty="0">
-                <a:latin typeface="Courier New"/>
-                <a:cs typeface="Courier New"/>
-                <a:sym typeface="Courier New"/>
-              </a:rPr>
-              <a:t>[:</a:t>
-            </a:r>
-            <a:r>
-              <a:rPr lang="en-US" sz="1600" b="1" dirty="0" err="1">
-                <a:latin typeface="Courier New"/>
-                <a:cs typeface="Courier New"/>
-                <a:sym typeface="Courier New"/>
-              </a:rPr>
-              <a:t>feedback_url</a:t>
-            </a:r>
-            <a:r>
-              <a:rPr lang="en-US" sz="1600" b="1" dirty="0">
-                <a:latin typeface="Courier New"/>
-                <a:cs typeface="Courier New"/>
-                <a:sym typeface="Courier New"/>
-              </a:rPr>
-              <a:t>] = ""</a:t>
-            </a:r>
-            <a:endParaRPr lang="en-US" sz="1600" b="1" dirty="0">
-              <a:latin typeface="Courier New"/>
-              <a:cs typeface="Courier New"/>
-            </a:endParaRPr>
-          </a:p>
-          <a:p>
-            <a:pPr marL="25400" indent="0">
-              <a:buNone/>
-            </a:pPr>
-            <a:endParaRPr lang="en-US" sz="2400" dirty="0">
-              <a:latin typeface="+mn-lt"/>
-            </a:endParaRPr>
-          </a:p>
-        </p:txBody>
-      </p:sp>
-      <p:pic>
-        <p:nvPicPr>
-          <p:cNvPr id="5" name="Picture 4">
-            <a:extLst>
-              <a:ext uri="{FF2B5EF4-FFF2-40B4-BE49-F238E27FC236}">
-                <a16:creationId xmlns:a16="http://schemas.microsoft.com/office/drawing/2014/main" id="{0F9F9AF7-798C-2C4E-8329-4C63E3E1C61D}"/>
-              </a:ext>
-            </a:extLst>
-          </p:cNvPr>
-          <p:cNvPicPr>
-            <a:picLocks noChangeAspect="1"/>
-          </p:cNvPicPr>
-          <p:nvPr/>
-        </p:nvPicPr>
-        <p:blipFill>
-          <a:blip r:embed="rId2"/>
-          <a:stretch>
-            <a:fillRect/>
-          </a:stretch>
-        </p:blipFill>
-        <p:spPr>
-          <a:xfrm>
-            <a:off x="743464" y="1662863"/>
-            <a:ext cx="7162800" cy="723900"/>
-          </a:xfrm>
-          <a:prstGeom prst="rect">
-            <a:avLst/>
-          </a:prstGeom>
-        </p:spPr>
-      </p:pic>
-      <p:sp>
-        <p:nvSpPr>
-          <p:cNvPr id="6" name="Rounded Rectangle 5">
-            <a:extLst>
-              <a:ext uri="{FF2B5EF4-FFF2-40B4-BE49-F238E27FC236}">
-                <a16:creationId xmlns:a16="http://schemas.microsoft.com/office/drawing/2014/main" id="{453CFAA7-420C-0B48-8CAE-C6267B2FFC20}"/>
-              </a:ext>
-            </a:extLst>
-          </p:cNvPr>
-          <p:cNvSpPr/>
-          <p:nvPr/>
-        </p:nvSpPr>
-        <p:spPr>
-          <a:xfrm>
-            <a:off x="4782065" y="1662863"/>
-            <a:ext cx="3124199" cy="723900"/>
-          </a:xfrm>
-          <a:prstGeom prst="roundRect">
-            <a:avLst/>
-          </a:prstGeom>
-          <a:noFill/>
-          <a:ln>
-            <a:solidFill>
-              <a:schemeClr val="tx1"/>
-            </a:solidFill>
-          </a:ln>
-        </p:spPr>
-        <p:style>
-          <a:lnRef idx="2">
-            <a:schemeClr val="accent1">
-              <a:shade val="50000"/>
-            </a:schemeClr>
-          </a:lnRef>
-          <a:fillRef idx="1">
-            <a:schemeClr val="accent1"/>
-          </a:fillRef>
-          <a:effectRef idx="0">
-            <a:schemeClr val="accent1"/>
-          </a:effectRef>
-          <a:fontRef idx="minor">
-            <a:schemeClr val="lt1"/>
-          </a:fontRef>
-        </p:style>
-        <p:txBody>
-          <a:bodyPr rtlCol="0" anchor="ctr"/>
-          <a:lstStyle/>
-          <a:p>
-            <a:pPr algn="ctr"/>
-            <a:endParaRPr lang="en-US"/>
-          </a:p>
-        </p:txBody>
-      </p:sp>
-    </p:spTree>
-    <p:extLst>
-      <p:ext uri="{BB962C8B-B14F-4D97-AF65-F5344CB8AC3E}">
-        <p14:creationId xmlns:p14="http://schemas.microsoft.com/office/powerpoint/2010/main" val="1666292079"/>
-      </p:ext>
-    </p:extLst>
-  </p:cSld>
-  <p:clrMapOvr>
-    <a:masterClrMapping/>
-  </p:clrMapOvr>
-</p:sld>
-</file>
-
-<file path=ppt/slides/slide8.xml><?xml version="1.0" encoding="utf-8"?>
-<p:sld xmlns:a="http://schemas.openxmlformats.org/drawingml/2006/main" xmlns:r="http://schemas.openxmlformats.org/officeDocument/2006/relationships" xmlns:p="http://schemas.openxmlformats.org/presentationml/2006/main">
-  <p:cSld>
-    <p:spTree>
-      <p:nvGrpSpPr>
-        <p:cNvPr id="1" name=""/>
-        <p:cNvGrpSpPr/>
-        <p:nvPr/>
-      </p:nvGrpSpPr>
-      <p:grpSpPr>
-        <a:xfrm>
-          <a:off x="0" y="0"/>
-          <a:ext cx="0" cy="0"/>
-          <a:chOff x="0" y="0"/>
-          <a:chExt cx="0" cy="0"/>
-        </a:xfrm>
-      </p:grpSpPr>
-      <p:sp>
-        <p:nvSpPr>
-          <p:cNvPr id="2" name="Title 1">
-            <a:extLst>
-              <a:ext uri="{FF2B5EF4-FFF2-40B4-BE49-F238E27FC236}">
-                <a16:creationId xmlns:a16="http://schemas.microsoft.com/office/drawing/2014/main" id="{909F2175-F954-DB48-8ABE-452DDF1BA55C}"/>
-              </a:ext>
-            </a:extLst>
-          </p:cNvPr>
-          <p:cNvSpPr>
-            <a:spLocks noGrp="1"/>
-          </p:cNvSpPr>
-          <p:nvPr>
-            <p:ph type="title"/>
-          </p:nvPr>
-        </p:nvSpPr>
-        <p:spPr>
-          <a:xfrm>
-            <a:off x="457200" y="0"/>
-            <a:ext cx="8229600" cy="1143000"/>
-          </a:xfrm>
-        </p:spPr>
-        <p:txBody>
-          <a:bodyPr/>
-          <a:lstStyle/>
-          <a:p>
-            <a:r>
-              <a:rPr lang="en-US" dirty="0"/>
-              <a:t>Repository Badges</a:t>
-            </a:r>
-          </a:p>
-        </p:txBody>
-      </p:sp>
-      <p:sp>
-        <p:nvSpPr>
-          <p:cNvPr id="3" name="Text Placeholder 2">
-            <a:extLst>
-              <a:ext uri="{FF2B5EF4-FFF2-40B4-BE49-F238E27FC236}">
-                <a16:creationId xmlns:a16="http://schemas.microsoft.com/office/drawing/2014/main" id="{2AE6E65A-B1F8-FE47-BCAF-8D2E1DD4C9A6}"/>
-              </a:ext>
-            </a:extLst>
-          </p:cNvPr>
-          <p:cNvSpPr>
-            <a:spLocks noGrp="1"/>
-          </p:cNvSpPr>
-          <p:nvPr>
-            <p:ph type="body" idx="1"/>
-          </p:nvPr>
-        </p:nvSpPr>
-        <p:spPr>
-          <a:xfrm>
-            <a:off x="457200" y="2699652"/>
-            <a:ext cx="8229600" cy="3348681"/>
-          </a:xfrm>
-        </p:spPr>
-        <p:txBody>
-          <a:bodyPr/>
-          <a:lstStyle/>
-          <a:p>
-            <a:pPr marL="482600" indent="-457200">
-              <a:buClrTx/>
-              <a:buSzPct val="100000"/>
-              <a:buFont typeface="+mj-lt"/>
-              <a:buAutoNum type="alphaUcPeriod" startAt="6"/>
-            </a:pPr>
-            <a:r>
-              <a:rPr lang="en-US" sz="2000" dirty="0"/>
-              <a:t>The badges and counts that appear on the repository page can be enabled/disabled using these configuration variables:</a:t>
-            </a:r>
-          </a:p>
-          <a:p>
-            <a:pPr marL="482600" lvl="1" indent="0">
-              <a:buNone/>
-            </a:pPr>
-            <a:r>
-              <a:rPr lang="en-US" sz="1800" dirty="0" err="1"/>
-              <a:t>AppConfig</a:t>
-            </a:r>
-            <a:r>
-              <a:rPr lang="en-US" sz="1800" dirty="0"/>
-              <a:t>[:</a:t>
-            </a:r>
-            <a:r>
-              <a:rPr lang="en-US" sz="1800" dirty="0" err="1"/>
-              <a:t>pui_hide</a:t>
-            </a:r>
-            <a:r>
-              <a:rPr lang="en-US" sz="1800" dirty="0"/>
-              <a:t>][:</a:t>
-            </a:r>
-            <a:r>
-              <a:rPr lang="en-US" sz="1800" dirty="0" err="1"/>
-              <a:t>resource_badge</a:t>
-            </a:r>
-            <a:r>
-              <a:rPr lang="en-US" sz="1800" dirty="0"/>
-              <a:t>] = false</a:t>
-            </a:r>
-          </a:p>
-          <a:p>
-            <a:pPr marL="482600" lvl="1" indent="0">
-              <a:buNone/>
-            </a:pPr>
-            <a:r>
-              <a:rPr lang="en-US" sz="1800" dirty="0" err="1"/>
-              <a:t>AppConfig</a:t>
-            </a:r>
-            <a:r>
-              <a:rPr lang="en-US" sz="1800" dirty="0"/>
-              <a:t>[:</a:t>
-            </a:r>
-            <a:r>
-              <a:rPr lang="en-US" sz="1800" dirty="0" err="1"/>
-              <a:t>pui_hide</a:t>
-            </a:r>
-            <a:r>
-              <a:rPr lang="en-US" sz="1800" dirty="0"/>
-              <a:t>][:</a:t>
-            </a:r>
-            <a:r>
-              <a:rPr lang="en-US" sz="1800" dirty="0" err="1"/>
-              <a:t>digital_object_badge</a:t>
-            </a:r>
-            <a:r>
-              <a:rPr lang="en-US" sz="1800" dirty="0"/>
-              <a:t>] = false</a:t>
-            </a:r>
-          </a:p>
-          <a:p>
-            <a:pPr marL="482600" lvl="1" indent="0">
-              <a:buNone/>
-            </a:pPr>
-            <a:r>
-              <a:rPr lang="en-US" sz="1800" dirty="0" err="1"/>
-              <a:t>AppConfig</a:t>
-            </a:r>
-            <a:r>
-              <a:rPr lang="en-US" sz="1800" dirty="0"/>
-              <a:t>[:</a:t>
-            </a:r>
-            <a:r>
-              <a:rPr lang="en-US" sz="1800" dirty="0" err="1"/>
-              <a:t>pui_hide</a:t>
-            </a:r>
-            <a:r>
-              <a:rPr lang="en-US" sz="1800" dirty="0"/>
-              <a:t>][:</a:t>
-            </a:r>
-            <a:r>
-              <a:rPr lang="en-US" sz="1800" dirty="0" err="1"/>
-              <a:t>accession_badge</a:t>
-            </a:r>
-            <a:r>
-              <a:rPr lang="en-US" sz="1800" dirty="0"/>
-              <a:t>] = false</a:t>
-            </a:r>
-          </a:p>
-          <a:p>
-            <a:pPr marL="482600" lvl="1" indent="0">
-              <a:buNone/>
-            </a:pPr>
-            <a:r>
-              <a:rPr lang="en-US" sz="1800" dirty="0" err="1"/>
-              <a:t>AppConfig</a:t>
-            </a:r>
-            <a:r>
-              <a:rPr lang="en-US" sz="1800" dirty="0"/>
-              <a:t>[:</a:t>
-            </a:r>
-            <a:r>
-              <a:rPr lang="en-US" sz="1800" dirty="0" err="1"/>
-              <a:t>pui_hide</a:t>
-            </a:r>
-            <a:r>
-              <a:rPr lang="en-US" sz="1800" dirty="0"/>
-              <a:t>][:</a:t>
-            </a:r>
-            <a:r>
-              <a:rPr lang="en-US" sz="1800" dirty="0" err="1"/>
-              <a:t>subject_badge</a:t>
-            </a:r>
-            <a:r>
-              <a:rPr lang="en-US" sz="1800" dirty="0"/>
-              <a:t>] = false</a:t>
-            </a:r>
-          </a:p>
-          <a:p>
-            <a:pPr marL="482600" lvl="1" indent="0">
-              <a:buNone/>
-            </a:pPr>
-            <a:r>
-              <a:rPr lang="en-US" sz="1800" dirty="0" err="1"/>
-              <a:t>AppConfig</a:t>
-            </a:r>
-            <a:r>
-              <a:rPr lang="en-US" sz="1800" dirty="0"/>
-              <a:t>[:</a:t>
-            </a:r>
-            <a:r>
-              <a:rPr lang="en-US" sz="1800" dirty="0" err="1"/>
-              <a:t>pui_hide</a:t>
-            </a:r>
-            <a:r>
-              <a:rPr lang="en-US" sz="1800" dirty="0"/>
-              <a:t>][:</a:t>
-            </a:r>
-            <a:r>
-              <a:rPr lang="en-US" sz="1800" dirty="0" err="1"/>
-              <a:t>agent_badge</a:t>
-            </a:r>
-            <a:r>
-              <a:rPr lang="en-US" sz="1800" dirty="0"/>
-              <a:t>] = false</a:t>
-            </a:r>
-          </a:p>
-          <a:p>
-            <a:pPr marL="482600" lvl="1" indent="0">
-              <a:buNone/>
-            </a:pPr>
-            <a:r>
-              <a:rPr lang="en-US" sz="1800" dirty="0" err="1"/>
-              <a:t>AppConfig</a:t>
-            </a:r>
-            <a:r>
-              <a:rPr lang="en-US" sz="1800" dirty="0"/>
-              <a:t>[:</a:t>
-            </a:r>
-            <a:r>
-              <a:rPr lang="en-US" sz="1800" dirty="0" err="1"/>
-              <a:t>pui_hide</a:t>
-            </a:r>
-            <a:r>
-              <a:rPr lang="en-US" sz="1800" dirty="0"/>
-              <a:t>][:</a:t>
-            </a:r>
-            <a:r>
-              <a:rPr lang="en-US" sz="1800" dirty="0" err="1"/>
-              <a:t>classification_badge</a:t>
-            </a:r>
-            <a:r>
-              <a:rPr lang="en-US" sz="1800" dirty="0"/>
-              <a:t>] = false</a:t>
-            </a:r>
-          </a:p>
-          <a:p>
-            <a:pPr marL="482600" lvl="1" indent="0">
-              <a:buNone/>
-            </a:pPr>
-            <a:r>
-              <a:rPr lang="en-US" sz="1800" dirty="0" err="1"/>
-              <a:t>AppConfig</a:t>
-            </a:r>
-            <a:r>
-              <a:rPr lang="en-US" sz="1800" dirty="0"/>
-              <a:t>[:</a:t>
-            </a:r>
-            <a:r>
-              <a:rPr lang="en-US" sz="1800" dirty="0" err="1"/>
-              <a:t>pui_hide</a:t>
-            </a:r>
-            <a:r>
-              <a:rPr lang="en-US" sz="1800" dirty="0"/>
-              <a:t>][:counts] = false</a:t>
-            </a:r>
-          </a:p>
-          <a:p>
-            <a:pPr marL="25400" indent="0">
-              <a:buNone/>
-            </a:pPr>
-            <a:endParaRPr lang="en-US" sz="2000" dirty="0"/>
-          </a:p>
-        </p:txBody>
-      </p:sp>
-      <p:pic>
-        <p:nvPicPr>
-          <p:cNvPr id="7" name="Picture 6">
-            <a:extLst>
-              <a:ext uri="{FF2B5EF4-FFF2-40B4-BE49-F238E27FC236}">
-                <a16:creationId xmlns:a16="http://schemas.microsoft.com/office/drawing/2014/main" id="{F7E29FD3-3966-AE4A-A50D-87448A75A12C}"/>
-              </a:ext>
-            </a:extLst>
-          </p:cNvPr>
-          <p:cNvPicPr>
-            <a:picLocks noChangeAspect="1"/>
-          </p:cNvPicPr>
-          <p:nvPr/>
-        </p:nvPicPr>
-        <p:blipFill>
-          <a:blip r:embed="rId2"/>
-          <a:stretch>
-            <a:fillRect/>
-          </a:stretch>
-        </p:blipFill>
-        <p:spPr>
-          <a:xfrm>
-            <a:off x="272342" y="1117987"/>
-            <a:ext cx="8414458" cy="1581665"/>
-          </a:xfrm>
-          <a:prstGeom prst="rect">
-            <a:avLst/>
-          </a:prstGeom>
-        </p:spPr>
-      </p:pic>
-    </p:spTree>
-    <p:extLst>
-      <p:ext uri="{BB962C8B-B14F-4D97-AF65-F5344CB8AC3E}">
-        <p14:creationId xmlns:p14="http://schemas.microsoft.com/office/powerpoint/2010/main" val="1826761005"/>
-      </p:ext>
-    </p:extLst>
-  </p:cSld>
-  <p:clrMapOvr>
-    <a:masterClrMapping/>
-  </p:clrMapOvr>
-</p:sld>
-</file>
-
-<file path=ppt/slides/slide9.xml><?xml version="1.0" encoding="utf-8"?>
-<p:sld xmlns:a="http://schemas.openxmlformats.org/drawingml/2006/main" xmlns:r="http://schemas.openxmlformats.org/officeDocument/2006/relationships" xmlns:p="http://schemas.openxmlformats.org/presentationml/2006/main">
-  <p:cSld>
-    <p:spTree>
-      <p:nvGrpSpPr>
-        <p:cNvPr id="1" name=""/>
-        <p:cNvGrpSpPr/>
-        <p:nvPr/>
-      </p:nvGrpSpPr>
-      <p:grpSpPr>
-        <a:xfrm>
-          <a:off x="0" y="0"/>
-          <a:ext cx="0" cy="0"/>
-          <a:chOff x="0" y="0"/>
-          <a:chExt cx="0" cy="0"/>
-        </a:xfrm>
-      </p:grpSpPr>
-      <p:sp>
-        <p:nvSpPr>
-          <p:cNvPr id="2" name="Title 1">
-            <a:extLst>
-              <a:ext uri="{FF2B5EF4-FFF2-40B4-BE49-F238E27FC236}">
-                <a16:creationId xmlns:a16="http://schemas.microsoft.com/office/drawing/2014/main" id="{11121A61-8529-B848-BB7C-D9F01BE174D0}"/>
-              </a:ext>
-            </a:extLst>
-          </p:cNvPr>
-          <p:cNvSpPr>
-            <a:spLocks noGrp="1"/>
-          </p:cNvSpPr>
-          <p:nvPr>
-            <p:ph type="title"/>
-          </p:nvPr>
-        </p:nvSpPr>
-        <p:spPr>
-          <a:xfrm>
-            <a:off x="457200" y="424265"/>
-            <a:ext cx="8229600" cy="627405"/>
-          </a:xfrm>
-        </p:spPr>
-        <p:txBody>
-          <a:bodyPr/>
-          <a:lstStyle/>
-          <a:p>
-            <a:r>
-              <a:rPr lang="en-US" sz="3600" dirty="0"/>
-              <a:t>Enable Page Actions</a:t>
-            </a:r>
-          </a:p>
-        </p:txBody>
-      </p:sp>
-      <p:sp>
-        <p:nvSpPr>
-          <p:cNvPr id="3" name="Text Placeholder 2">
-            <a:extLst>
-              <a:ext uri="{FF2B5EF4-FFF2-40B4-BE49-F238E27FC236}">
-                <a16:creationId xmlns:a16="http://schemas.microsoft.com/office/drawing/2014/main" id="{50C478C0-3DFD-8C4B-A5DB-42E1188905B3}"/>
-              </a:ext>
-            </a:extLst>
-          </p:cNvPr>
-          <p:cNvSpPr>
-            <a:spLocks noGrp="1"/>
-          </p:cNvSpPr>
-          <p:nvPr>
-            <p:ph type="body" idx="1"/>
-          </p:nvPr>
-        </p:nvSpPr>
-        <p:spPr>
-          <a:xfrm>
-            <a:off x="665018" y="1615478"/>
-            <a:ext cx="7298575" cy="3627044"/>
-          </a:xfrm>
-        </p:spPr>
-        <p:txBody>
-          <a:bodyPr/>
-          <a:lstStyle/>
-          <a:p>
-            <a:pPr marL="25400" indent="0">
-              <a:buNone/>
-            </a:pPr>
-            <a:r>
-              <a:rPr lang="en-US" sz="2000" dirty="0"/>
-              <a:t>These are defaulted to false, so set them to true to enable</a:t>
-            </a:r>
-          </a:p>
-          <a:p>
-            <a:endParaRPr lang="en-US" sz="2000" dirty="0"/>
-          </a:p>
-          <a:p>
-            <a:pPr marL="482600" indent="-457200">
-              <a:buClrTx/>
-              <a:buSzPct val="100000"/>
-              <a:buFont typeface="+mj-lt"/>
-              <a:buAutoNum type="alphaUcPeriod" startAt="7"/>
-            </a:pPr>
-            <a:r>
-              <a:rPr lang="en-US" sz="2000" dirty="0"/>
-              <a:t>Citations </a:t>
-            </a:r>
-          </a:p>
-          <a:p>
-            <a:pPr marL="25400" indent="0">
-              <a:buNone/>
-            </a:pPr>
-            <a:r>
-              <a:rPr lang="en-US" sz="2400" dirty="0"/>
-              <a:t>	</a:t>
-            </a:r>
-            <a:r>
-              <a:rPr lang="en-US" sz="1600" b="1" dirty="0" err="1">
-                <a:latin typeface="Courier New" panose="02070309020205020404" pitchFamily="49" charset="0"/>
-                <a:cs typeface="Courier New" panose="02070309020205020404" pitchFamily="49" charset="0"/>
-              </a:rPr>
-              <a:t>AppConfig</a:t>
-            </a:r>
-            <a:r>
-              <a:rPr lang="en-US" sz="1600" b="1" dirty="0">
-                <a:latin typeface="Courier New" panose="02070309020205020404" pitchFamily="49" charset="0"/>
-                <a:cs typeface="Courier New" panose="02070309020205020404" pitchFamily="49" charset="0"/>
-              </a:rPr>
-              <a:t>[:</a:t>
-            </a:r>
-            <a:r>
-              <a:rPr lang="en-US" sz="1600" b="1" dirty="0" err="1">
-                <a:latin typeface="Courier New" panose="02070309020205020404" pitchFamily="49" charset="0"/>
-                <a:cs typeface="Courier New" panose="02070309020205020404" pitchFamily="49" charset="0"/>
-              </a:rPr>
-              <a:t>pui_page_actions_cite</a:t>
-            </a:r>
-            <a:r>
-              <a:rPr lang="en-US" sz="1600" b="1" dirty="0">
-                <a:latin typeface="Courier New" panose="02070309020205020404" pitchFamily="49" charset="0"/>
-                <a:cs typeface="Courier New" panose="02070309020205020404" pitchFamily="49" charset="0"/>
-              </a:rPr>
-              <a:t>] = true</a:t>
-            </a:r>
-          </a:p>
-          <a:p>
-            <a:pPr marL="482600" indent="-457200">
-              <a:buClrTx/>
-              <a:buSzPct val="100000"/>
-              <a:buFont typeface="+mj-lt"/>
-              <a:buAutoNum type="alphaUcPeriod" startAt="8"/>
-            </a:pPr>
-            <a:r>
-              <a:rPr lang="en-US" sz="2000" dirty="0"/>
-              <a:t>Print </a:t>
-            </a:r>
-          </a:p>
-          <a:p>
-            <a:pPr marL="25400" indent="0">
-              <a:buNone/>
-            </a:pPr>
-            <a:r>
-              <a:rPr lang="en-US" sz="2400" dirty="0"/>
-              <a:t>	</a:t>
-            </a:r>
-            <a:r>
-              <a:rPr lang="en-US" sz="1600" b="1" dirty="0" err="1">
-                <a:latin typeface="Courier New" panose="02070309020205020404" pitchFamily="49" charset="0"/>
-                <a:cs typeface="Courier New" panose="02070309020205020404" pitchFamily="49" charset="0"/>
-              </a:rPr>
-              <a:t>AppConfig</a:t>
-            </a:r>
-            <a:r>
-              <a:rPr lang="en-US" sz="1600" b="1" dirty="0">
-                <a:latin typeface="Courier New" panose="02070309020205020404" pitchFamily="49" charset="0"/>
-                <a:cs typeface="Courier New" panose="02070309020205020404" pitchFamily="49" charset="0"/>
-              </a:rPr>
-              <a:t>[:</a:t>
-            </a:r>
-            <a:r>
-              <a:rPr lang="en-US" sz="1600" b="1" dirty="0" err="1">
-                <a:latin typeface="Courier New" panose="02070309020205020404" pitchFamily="49" charset="0"/>
-                <a:cs typeface="Courier New" panose="02070309020205020404" pitchFamily="49" charset="0"/>
-              </a:rPr>
-              <a:t>pui_page_actions_print</a:t>
-            </a:r>
-            <a:r>
-              <a:rPr lang="en-US" sz="1600" b="1" dirty="0">
-                <a:latin typeface="Courier New" panose="02070309020205020404" pitchFamily="49" charset="0"/>
-                <a:cs typeface="Courier New" panose="02070309020205020404" pitchFamily="49" charset="0"/>
-              </a:rPr>
-              <a:t>] = true </a:t>
-            </a:r>
-          </a:p>
-          <a:p>
-            <a:pPr marL="939800" lvl="2" indent="0">
-              <a:buNone/>
-            </a:pPr>
-            <a:endParaRPr lang="en-US" sz="1800" b="1" dirty="0">
-              <a:latin typeface="Courier New" panose="02070309020205020404" pitchFamily="49" charset="0"/>
-              <a:cs typeface="Courier New" panose="02070309020205020404" pitchFamily="49" charset="0"/>
-            </a:endParaRPr>
-          </a:p>
-        </p:txBody>
-      </p:sp>
-      <p:pic>
-        <p:nvPicPr>
-          <p:cNvPr id="5" name="Picture 4">
-            <a:extLst>
-              <a:ext uri="{FF2B5EF4-FFF2-40B4-BE49-F238E27FC236}">
-                <a16:creationId xmlns:a16="http://schemas.microsoft.com/office/drawing/2014/main" id="{D9EA636B-398F-0046-BC7D-815516CD9993}"/>
-              </a:ext>
-            </a:extLst>
-          </p:cNvPr>
-          <p:cNvPicPr>
-            <a:picLocks noChangeAspect="1"/>
-          </p:cNvPicPr>
-          <p:nvPr/>
-        </p:nvPicPr>
-        <p:blipFill rotWithShape="1">
-          <a:blip r:embed="rId2"/>
-          <a:srcRect r="62283"/>
-          <a:stretch/>
-        </p:blipFill>
-        <p:spPr>
-          <a:xfrm>
-            <a:off x="6707070" y="2487192"/>
-            <a:ext cx="1040392" cy="984421"/>
-          </a:xfrm>
-          <a:prstGeom prst="rect">
-            <a:avLst/>
-          </a:prstGeom>
-        </p:spPr>
-      </p:pic>
-      <p:pic>
-        <p:nvPicPr>
-          <p:cNvPr id="6" name="Picture 5">
-            <a:extLst>
-              <a:ext uri="{FF2B5EF4-FFF2-40B4-BE49-F238E27FC236}">
-                <a16:creationId xmlns:a16="http://schemas.microsoft.com/office/drawing/2014/main" id="{73924DE3-832F-F943-BA8D-2F424BB5183C}"/>
-              </a:ext>
-            </a:extLst>
-          </p:cNvPr>
-          <p:cNvPicPr>
-            <a:picLocks noChangeAspect="1"/>
-          </p:cNvPicPr>
-          <p:nvPr/>
-        </p:nvPicPr>
-        <p:blipFill rotWithShape="1">
-          <a:blip r:embed="rId2"/>
-          <a:srcRect l="70166"/>
-          <a:stretch/>
-        </p:blipFill>
-        <p:spPr>
-          <a:xfrm>
-            <a:off x="6815786" y="3615054"/>
-            <a:ext cx="822960" cy="984421"/>
-          </a:xfrm>
-          <a:prstGeom prst="rect">
-            <a:avLst/>
-          </a:prstGeom>
-        </p:spPr>
-      </p:pic>
-    </p:spTree>
-    <p:extLst>
-      <p:ext uri="{BB962C8B-B14F-4D97-AF65-F5344CB8AC3E}">
-        <p14:creationId xmlns:p14="http://schemas.microsoft.com/office/powerpoint/2010/main" val="2653543534"/>
       </p:ext>
     </p:extLst>
   </p:cSld>

--- a/customization/customizing_PUI_examples/OnlineForumCustomizing.pptx
+++ b/customization/customizing_PUI_examples/OnlineForumCustomizing.pptx
@@ -1653,7 +1653,15 @@
               </a:spcAft>
               <a:buNone/>
             </a:pPr>
-            <a:endParaRPr/>
+            <a:r>
+              <a:rPr lang="en-US" dirty="0"/>
+              <a:t>The directory structure of a built release of ArchivesSpace looks  different from what the raw source code in the </a:t>
+            </a:r>
+            <a:r>
+              <a:rPr lang="en-US"/>
+              <a:t>GitHub repository.  </a:t>
+            </a:r>
+            <a:endParaRPr dirty="0"/>
           </a:p>
         </p:txBody>
       </p:sp>
@@ -2882,6 +2890,126 @@
 </file>
 
 <file path=ppt/notesSlides/notesSlide20.xml><?xml version="1.0" encoding="utf-8"?>
+<p:notes xmlns:a="http://schemas.openxmlformats.org/drawingml/2006/main" xmlns:r="http://schemas.openxmlformats.org/officeDocument/2006/relationships" xmlns:p="http://schemas.openxmlformats.org/presentationml/2006/main">
+  <p:cSld>
+    <p:spTree>
+      <p:nvGrpSpPr>
+        <p:cNvPr id="1" name=""/>
+        <p:cNvGrpSpPr/>
+        <p:nvPr/>
+      </p:nvGrpSpPr>
+      <p:grpSpPr>
+        <a:xfrm>
+          <a:off x="0" y="0"/>
+          <a:ext cx="0" cy="0"/>
+          <a:chOff x="0" y="0"/>
+          <a:chExt cx="0" cy="0"/>
+        </a:xfrm>
+      </p:grpSpPr>
+      <p:sp>
+        <p:nvSpPr>
+          <p:cNvPr id="2" name="Slide Image Placeholder 1"/>
+          <p:cNvSpPr>
+            <a:spLocks noGrp="1" noRot="1" noChangeAspect="1"/>
+          </p:cNvSpPr>
+          <p:nvPr>
+            <p:ph type="sldImg"/>
+          </p:nvPr>
+        </p:nvSpPr>
+        <p:spPr/>
+      </p:sp>
+      <p:sp>
+        <p:nvSpPr>
+          <p:cNvPr id="3" name="Notes Placeholder 2"/>
+          <p:cNvSpPr>
+            <a:spLocks noGrp="1"/>
+          </p:cNvSpPr>
+          <p:nvPr>
+            <p:ph type="body" idx="1"/>
+          </p:nvPr>
+        </p:nvSpPr>
+        <p:spPr/>
+        <p:txBody>
+          <a:bodyPr/>
+          <a:lstStyle/>
+          <a:p>
+            <a:r>
+              <a:rPr lang="en-US" dirty="0"/>
+              <a:t>The </a:t>
+            </a:r>
+            <a:r>
+              <a:rPr lang="en-US" dirty="0" err="1"/>
+              <a:t>css</a:t>
+            </a:r>
+            <a:r>
+              <a:rPr lang="en-US" dirty="0"/>
+              <a:t> is how you change font awesome icons</a:t>
+            </a:r>
+          </a:p>
+        </p:txBody>
+      </p:sp>
+      <p:sp>
+        <p:nvSpPr>
+          <p:cNvPr id="4" name="Slide Number Placeholder 3"/>
+          <p:cNvSpPr>
+            <a:spLocks noGrp="1"/>
+          </p:cNvSpPr>
+          <p:nvPr>
+            <p:ph type="sldNum" idx="12"/>
+          </p:nvPr>
+        </p:nvSpPr>
+        <p:spPr/>
+        <p:txBody>
+          <a:bodyPr/>
+          <a:lstStyle/>
+          <a:p>
+            <a:pPr marL="0" marR="0" lvl="0" indent="0" algn="r" rtl="0">
+              <a:spcBef>
+                <a:spcPts val="0"/>
+              </a:spcBef>
+              <a:spcAft>
+                <a:spcPts val="0"/>
+              </a:spcAft>
+              <a:buNone/>
+            </a:pPr>
+            <a:fld id="{00000000-1234-1234-1234-123412341234}" type="slidenum">
+              <a:rPr lang="en-US" sz="1200" b="0" i="0" u="none" strike="noStrike" cap="none" smtClean="0">
+                <a:solidFill>
+                  <a:schemeClr val="dk1"/>
+                </a:solidFill>
+                <a:latin typeface="Arial"/>
+                <a:ea typeface="Arial"/>
+                <a:cs typeface="Arial"/>
+                <a:sym typeface="Arial"/>
+              </a:rPr>
+              <a:t>36</a:t>
+            </a:fld>
+            <a:endParaRPr lang="en-US" sz="1200" b="0" i="0" u="none" strike="noStrike" cap="none">
+              <a:solidFill>
+                <a:schemeClr val="dk1"/>
+              </a:solidFill>
+              <a:latin typeface="Arial"/>
+              <a:ea typeface="Arial"/>
+              <a:cs typeface="Arial"/>
+              <a:sym typeface="Arial"/>
+            </a:endParaRPr>
+          </a:p>
+        </p:txBody>
+      </p:sp>
+    </p:spTree>
+    <p:extLst>
+      <p:ext uri="{BB962C8B-B14F-4D97-AF65-F5344CB8AC3E}">
+        <p14:creationId xmlns:p14="http://schemas.microsoft.com/office/powerpoint/2010/main" val="1618381876"/>
+      </p:ext>
+    </p:extLst>
+  </p:cSld>
+  <p:clrMapOvr>
+    <a:masterClrMapping/>
+  </p:clrMapOvr>
+</p:notes>
+</file>
+
+<file path=ppt/notesSlides/notesSlide21.xml><?xml version="1.0" encoding="utf-8"?>
 <p:notes xmlns:a="http://schemas.openxmlformats.org/drawingml/2006/main" xmlns:r="http://schemas.openxmlformats.org/officeDocument/2006/relationships" xmlns:p="http://schemas.openxmlformats.org/presentationml/2006/main" showMasterSp="0" showMasterPhAnim="0">
   <p:cSld>
     <p:spTree>
@@ -2985,7 +3113,7 @@
 </p:notes>
 </file>
 
-<file path=ppt/notesSlides/notesSlide21.xml><?xml version="1.0" encoding="utf-8"?>
+<file path=ppt/notesSlides/notesSlide22.xml><?xml version="1.0" encoding="utf-8"?>
 <p:notes xmlns:a="http://schemas.openxmlformats.org/drawingml/2006/main" xmlns:r="http://schemas.openxmlformats.org/officeDocument/2006/relationships" xmlns:p="http://schemas.openxmlformats.org/presentationml/2006/main" showMasterSp="0" showMasterPhAnim="0">
   <p:cSld>
     <p:spTree>
@@ -3817,7 +3945,11 @@
               </a:spcAft>
               <a:buNone/>
             </a:pPr>
-            <a:endParaRPr/>
+            <a:r>
+              <a:rPr lang="en-US" dirty="0"/>
+              <a:t>you don't need to "understand" these directories to get started.  Look at other's examples and start there... (AKA you don't need to know what a controller or a locale are to get started!)</a:t>
+            </a:r>
+            <a:endParaRPr dirty="0"/>
           </a:p>
         </p:txBody>
       </p:sp>
@@ -12980,7 +13112,7 @@
         <p:spPr>
           <a:xfrm>
             <a:off x="457200" y="1579639"/>
-            <a:ext cx="8124669" cy="1343443"/>
+            <a:ext cx="8124669" cy="819393"/>
           </a:xfrm>
         </p:spPr>
         <p:txBody>
@@ -12993,59 +13125,46 @@
               <a:buNone/>
             </a:pPr>
             <a:r>
-              <a:rPr lang="en-US" sz="2000" dirty="0">
+              <a:rPr lang="en-US" sz="1800" dirty="0">
                 <a:cs typeface="Courier New" panose="02070309020205020404" pitchFamily="49" charset="0"/>
               </a:rPr>
               <a:t>The configuration variable for the number of search results per page is  </a:t>
             </a:r>
             <a:r>
-              <a:rPr lang="en-US" sz="2200" b="1" dirty="0" err="1">
+              <a:rPr lang="en-US" sz="1800" b="1" dirty="0" err="1">
                 <a:latin typeface="Courier New" panose="02070309020205020404" pitchFamily="49" charset="0"/>
                 <a:cs typeface="Courier New" panose="02070309020205020404" pitchFamily="49" charset="0"/>
               </a:rPr>
               <a:t>AppConfig</a:t>
             </a:r>
             <a:r>
-              <a:rPr lang="en-US" sz="2200" b="1" dirty="0">
+              <a:rPr lang="en-US" sz="1800" b="1" dirty="0">
                 <a:latin typeface="Courier New" panose="02070309020205020404" pitchFamily="49" charset="0"/>
                 <a:cs typeface="Courier New" panose="02070309020205020404" pitchFamily="49" charset="0"/>
               </a:rPr>
               <a:t>[:</a:t>
             </a:r>
             <a:r>
-              <a:rPr lang="en-US" sz="2200" b="1" dirty="0" err="1">
+              <a:rPr lang="en-US" sz="1800" b="1" dirty="0" err="1">
                 <a:latin typeface="Courier New" panose="02070309020205020404" pitchFamily="49" charset="0"/>
                 <a:cs typeface="Courier New" panose="02070309020205020404" pitchFamily="49" charset="0"/>
               </a:rPr>
               <a:t>pui_search_results_page_size</a:t>
             </a:r>
             <a:r>
-              <a:rPr lang="en-US" sz="2200" b="1" dirty="0">
+              <a:rPr lang="en-US" sz="1800" b="1" dirty="0">
                 <a:latin typeface="Courier New" panose="02070309020205020404" pitchFamily="49" charset="0"/>
                 <a:cs typeface="Courier New" panose="02070309020205020404" pitchFamily="49" charset="0"/>
               </a:rPr>
               <a:t>]</a:t>
             </a:r>
             <a:r>
-              <a:rPr lang="en-US" sz="2200" dirty="0">
+              <a:rPr lang="en-US" sz="1800" dirty="0">
                 <a:cs typeface="Courier New" panose="02070309020205020404" pitchFamily="49" charset="0"/>
               </a:rPr>
-              <a:t>. </a:t>
-            </a:r>
-          </a:p>
-          <a:p>
-            <a:pPr marL="50800" indent="0">
-              <a:buClrTx/>
-              <a:buSzPct val="100000"/>
-              <a:buNone/>
-            </a:pPr>
-            <a:r>
-              <a:rPr lang="en-US" sz="2200" dirty="0">
-                <a:cs typeface="Courier New" panose="02070309020205020404" pitchFamily="49" charset="0"/>
-              </a:rPr>
-              <a:t>The default is 10.</a:t>
-            </a:r>
-            <a:endParaRPr lang="en-US" sz="2200" b="1" dirty="0">
+              <a:t>. The default is 10.</a:t>
+            </a:r>
+            <a:endParaRPr lang="en-US" sz="1800" b="1" dirty="0">
               <a:latin typeface="Courier New" panose="02070309020205020404" pitchFamily="49" charset="0"/>
               <a:cs typeface="Courier New" panose="02070309020205020404" pitchFamily="49" charset="0"/>
             </a:endParaRPr>
@@ -13064,260 +13183,444 @@
           </a:p>
         </p:txBody>
       </p:sp>
-      <p:pic>
-        <p:nvPicPr>
-          <p:cNvPr id="10" name="Picture 9">
+      <p:grpSp>
+        <p:nvGrpSpPr>
+          <p:cNvPr id="9" name="Group 8">
             <a:extLst>
               <a:ext uri="{FF2B5EF4-FFF2-40B4-BE49-F238E27FC236}">
-                <a16:creationId xmlns:a16="http://schemas.microsoft.com/office/drawing/2014/main" id="{51F0B7AA-A2DA-2645-87B3-4D193708D296}"/>
+                <a16:creationId xmlns:a16="http://schemas.microsoft.com/office/drawing/2014/main" id="{26DEE9C4-2B25-6C44-BCAD-73B0D2CFD615}"/>
               </a:ext>
             </a:extLst>
           </p:cNvPr>
-          <p:cNvPicPr>
-            <a:picLocks noChangeAspect="1"/>
-          </p:cNvPicPr>
+          <p:cNvGrpSpPr/>
           <p:nvPr/>
-        </p:nvPicPr>
-        <p:blipFill>
-          <a:blip r:embed="rId3"/>
-          <a:stretch>
-            <a:fillRect/>
-          </a:stretch>
-        </p:blipFill>
-        <p:spPr>
+        </p:nvGrpSpPr>
+        <p:grpSpPr>
           <a:xfrm>
-            <a:off x="4748134" y="3154074"/>
-            <a:ext cx="3347328" cy="1092099"/>
+            <a:off x="137160" y="2607323"/>
+            <a:ext cx="4382374" cy="3870750"/>
+            <a:chOff x="137160" y="2607323"/>
+            <a:chExt cx="4382374" cy="3870750"/>
           </a:xfrm>
-          <a:prstGeom prst="rect">
-            <a:avLst/>
-          </a:prstGeom>
-        </p:spPr>
-      </p:pic>
-      <p:pic>
-        <p:nvPicPr>
-          <p:cNvPr id="13" name="Picture 12">
+        </p:grpSpPr>
+        <p:pic>
+          <p:nvPicPr>
+            <p:cNvPr id="7" name="Picture 6">
+              <a:extLst>
+                <a:ext uri="{FF2B5EF4-FFF2-40B4-BE49-F238E27FC236}">
+                  <a16:creationId xmlns:a16="http://schemas.microsoft.com/office/drawing/2014/main" id="{9AC47083-F8BD-E74C-8EB7-851218B93527}"/>
+                </a:ext>
+              </a:extLst>
+            </p:cNvPr>
+            <p:cNvPicPr>
+              <a:picLocks noChangeAspect="1"/>
+            </p:cNvPicPr>
+            <p:nvPr/>
+          </p:nvPicPr>
+          <p:blipFill>
+            <a:blip r:embed="rId3"/>
+            <a:stretch>
+              <a:fillRect/>
+            </a:stretch>
+          </p:blipFill>
+          <p:spPr>
+            <a:xfrm>
+              <a:off x="626737" y="3154074"/>
+              <a:ext cx="3403221" cy="1143001"/>
+            </a:xfrm>
+            <a:prstGeom prst="rect">
+              <a:avLst/>
+            </a:prstGeom>
+          </p:spPr>
+        </p:pic>
+        <p:pic>
+          <p:nvPicPr>
+            <p:cNvPr id="16" name="Picture 15">
+              <a:extLst>
+                <a:ext uri="{FF2B5EF4-FFF2-40B4-BE49-F238E27FC236}">
+                  <a16:creationId xmlns:a16="http://schemas.microsoft.com/office/drawing/2014/main" id="{9B89851C-8B0B-A843-BB00-C384F9D1AD57}"/>
+                </a:ext>
+              </a:extLst>
+            </p:cNvPr>
+            <p:cNvPicPr>
+              <a:picLocks noChangeAspect="1"/>
+            </p:cNvPicPr>
+            <p:nvPr/>
+          </p:nvPicPr>
+          <p:blipFill>
+            <a:blip r:embed="rId4"/>
+            <a:stretch>
+              <a:fillRect/>
+            </a:stretch>
+          </p:blipFill>
+          <p:spPr>
+            <a:xfrm>
+              <a:off x="663605" y="4135468"/>
+              <a:ext cx="3329485" cy="1084217"/>
+            </a:xfrm>
+            <a:prstGeom prst="rect">
+              <a:avLst/>
+            </a:prstGeom>
+          </p:spPr>
+        </p:pic>
+        <p:pic>
+          <p:nvPicPr>
+            <p:cNvPr id="18" name="Picture 17">
+              <a:extLst>
+                <a:ext uri="{FF2B5EF4-FFF2-40B4-BE49-F238E27FC236}">
+                  <a16:creationId xmlns:a16="http://schemas.microsoft.com/office/drawing/2014/main" id="{32B10D90-8B80-864C-BD02-C818BA9C2A79}"/>
+                </a:ext>
+              </a:extLst>
+            </p:cNvPr>
+            <p:cNvPicPr>
+              <a:picLocks noChangeAspect="1"/>
+            </p:cNvPicPr>
+            <p:nvPr/>
+          </p:nvPicPr>
+          <p:blipFill>
+            <a:blip r:embed="rId5"/>
+            <a:stretch>
+              <a:fillRect/>
+            </a:stretch>
+          </p:blipFill>
+          <p:spPr>
+            <a:xfrm>
+              <a:off x="553685" y="5113579"/>
+              <a:ext cx="3549324" cy="1117046"/>
+            </a:xfrm>
+            <a:prstGeom prst="rect">
+              <a:avLst/>
+            </a:prstGeom>
+          </p:spPr>
+        </p:pic>
+        <p:sp>
+          <p:nvSpPr>
+            <p:cNvPr id="4" name="Rounded Rectangle 3">
+              <a:extLst>
+                <a:ext uri="{FF2B5EF4-FFF2-40B4-BE49-F238E27FC236}">
+                  <a16:creationId xmlns:a16="http://schemas.microsoft.com/office/drawing/2014/main" id="{58A9E766-A626-6641-8499-407092A23441}"/>
+                </a:ext>
+              </a:extLst>
+            </p:cNvPr>
+            <p:cNvSpPr/>
+            <p:nvPr/>
+          </p:nvSpPr>
+          <p:spPr>
+            <a:xfrm>
+              <a:off x="505389" y="2923082"/>
+              <a:ext cx="3645916" cy="3554991"/>
+            </a:xfrm>
+            <a:prstGeom prst="roundRect">
+              <a:avLst/>
+            </a:prstGeom>
+            <a:noFill/>
+            <a:ln>
+              <a:solidFill>
+                <a:schemeClr val="accent2"/>
+              </a:solidFill>
+            </a:ln>
+          </p:spPr>
+          <p:style>
+            <a:lnRef idx="2">
+              <a:schemeClr val="accent1">
+                <a:shade val="50000"/>
+              </a:schemeClr>
+            </a:lnRef>
+            <a:fillRef idx="1">
+              <a:schemeClr val="accent1"/>
+            </a:fillRef>
+            <a:effectRef idx="0">
+              <a:schemeClr val="accent1"/>
+            </a:effectRef>
+            <a:fontRef idx="minor">
+              <a:schemeClr val="lt1"/>
+            </a:fontRef>
+          </p:style>
+          <p:txBody>
+            <a:bodyPr rtlCol="0" anchor="ctr"/>
+            <a:lstStyle/>
+            <a:p>
+              <a:pPr algn="ctr"/>
+              <a:endParaRPr lang="en-US"/>
+            </a:p>
+          </p:txBody>
+        </p:sp>
+        <p:sp>
+          <p:nvSpPr>
+            <p:cNvPr id="6" name="TextBox 5">
+              <a:extLst>
+                <a:ext uri="{FF2B5EF4-FFF2-40B4-BE49-F238E27FC236}">
+                  <a16:creationId xmlns:a16="http://schemas.microsoft.com/office/drawing/2014/main" id="{88DB39EC-E2F7-B741-BEB0-A246F7539379}"/>
+                </a:ext>
+              </a:extLst>
+            </p:cNvPr>
+            <p:cNvSpPr txBox="1"/>
+            <p:nvPr/>
+          </p:nvSpPr>
+          <p:spPr>
+            <a:xfrm>
+              <a:off x="137160" y="2607323"/>
+              <a:ext cx="4382374" cy="276999"/>
+            </a:xfrm>
+            <a:prstGeom prst="rect">
+              <a:avLst/>
+            </a:prstGeom>
+            <a:noFill/>
+          </p:spPr>
+          <p:txBody>
+            <a:bodyPr wrap="square" rtlCol="0">
+              <a:spAutoFit/>
+            </a:bodyPr>
+            <a:lstStyle/>
+            <a:p>
+              <a:r>
+                <a:rPr lang="en-US" sz="1200" b="1" dirty="0" err="1">
+                  <a:solidFill>
+                    <a:schemeClr val="dk1"/>
+                  </a:solidFill>
+                  <a:latin typeface="Courier New" panose="02070309020205020404" pitchFamily="49" charset="0"/>
+                  <a:cs typeface="Courier New" panose="02070309020205020404" pitchFamily="49" charset="0"/>
+                </a:rPr>
+                <a:t>AppConfig</a:t>
+              </a:r>
+              <a:r>
+                <a:rPr lang="en-US" sz="1200" b="1" dirty="0">
+                  <a:solidFill>
+                    <a:schemeClr val="dk1"/>
+                  </a:solidFill>
+                  <a:latin typeface="Courier New" panose="02070309020205020404" pitchFamily="49" charset="0"/>
+                  <a:cs typeface="Courier New" panose="02070309020205020404" pitchFamily="49" charset="0"/>
+                </a:rPr>
+                <a:t>[:</a:t>
+              </a:r>
+              <a:r>
+                <a:rPr lang="en-US" sz="1200" b="1" dirty="0" err="1">
+                  <a:solidFill>
+                    <a:schemeClr val="dk1"/>
+                  </a:solidFill>
+                  <a:latin typeface="Courier New" panose="02070309020205020404" pitchFamily="49" charset="0"/>
+                  <a:cs typeface="Courier New" panose="02070309020205020404" pitchFamily="49" charset="0"/>
+                </a:rPr>
+                <a:t>pui_search_results_page_size</a:t>
+              </a:r>
+              <a:r>
+                <a:rPr lang="en-US" sz="1200" b="1" dirty="0">
+                  <a:solidFill>
+                    <a:schemeClr val="dk1"/>
+                  </a:solidFill>
+                  <a:latin typeface="Courier New" panose="02070309020205020404" pitchFamily="49" charset="0"/>
+                  <a:cs typeface="Courier New" panose="02070309020205020404" pitchFamily="49" charset="0"/>
+                </a:rPr>
+                <a:t>]=10</a:t>
+              </a:r>
+            </a:p>
+          </p:txBody>
+        </p:sp>
+      </p:grpSp>
+      <p:grpSp>
+        <p:nvGrpSpPr>
+          <p:cNvPr id="8" name="Group 7">
             <a:extLst>
               <a:ext uri="{FF2B5EF4-FFF2-40B4-BE49-F238E27FC236}">
-                <a16:creationId xmlns:a16="http://schemas.microsoft.com/office/drawing/2014/main" id="{86F98CE1-113E-7D4C-9EB9-79802E724D94}"/>
+                <a16:creationId xmlns:a16="http://schemas.microsoft.com/office/drawing/2014/main" id="{E9EFDA59-8A1E-6C40-95B3-3EFABA8C9AC2}"/>
               </a:ext>
             </a:extLst>
           </p:cNvPr>
-          <p:cNvPicPr>
-            <a:picLocks noChangeAspect="1"/>
-          </p:cNvPicPr>
+          <p:cNvGrpSpPr/>
           <p:nvPr/>
-        </p:nvPicPr>
-        <p:blipFill>
-          <a:blip r:embed="rId4"/>
-          <a:stretch>
-            <a:fillRect/>
-          </a:stretch>
-        </p:blipFill>
-        <p:spPr>
+        </p:nvGrpSpPr>
+        <p:grpSpPr>
           <a:xfrm>
-            <a:off x="4748134" y="4135468"/>
-            <a:ext cx="3549324" cy="1092100"/>
+            <a:off x="4465320" y="2599703"/>
+            <a:ext cx="4221480" cy="2938212"/>
+            <a:chOff x="4465320" y="2599703"/>
+            <a:chExt cx="4221480" cy="2938212"/>
           </a:xfrm>
-          <a:prstGeom prst="rect">
-            <a:avLst/>
-          </a:prstGeom>
-        </p:spPr>
-      </p:pic>
-      <p:pic>
-        <p:nvPicPr>
-          <p:cNvPr id="7" name="Picture 6">
-            <a:extLst>
-              <a:ext uri="{FF2B5EF4-FFF2-40B4-BE49-F238E27FC236}">
-                <a16:creationId xmlns:a16="http://schemas.microsoft.com/office/drawing/2014/main" id="{9AC47083-F8BD-E74C-8EB7-851218B93527}"/>
-              </a:ext>
-            </a:extLst>
-          </p:cNvPr>
-          <p:cNvPicPr>
-            <a:picLocks noChangeAspect="1"/>
-          </p:cNvPicPr>
-          <p:nvPr/>
-        </p:nvPicPr>
-        <p:blipFill>
-          <a:blip r:embed="rId5"/>
-          <a:stretch>
-            <a:fillRect/>
-          </a:stretch>
-        </p:blipFill>
-        <p:spPr>
-          <a:xfrm>
-            <a:off x="457200" y="3154074"/>
-            <a:ext cx="3403221" cy="1143001"/>
-          </a:xfrm>
-          <a:prstGeom prst="rect">
-            <a:avLst/>
-          </a:prstGeom>
-        </p:spPr>
-      </p:pic>
-      <p:pic>
-        <p:nvPicPr>
-          <p:cNvPr id="16" name="Picture 15">
-            <a:extLst>
-              <a:ext uri="{FF2B5EF4-FFF2-40B4-BE49-F238E27FC236}">
-                <a16:creationId xmlns:a16="http://schemas.microsoft.com/office/drawing/2014/main" id="{9B89851C-8B0B-A843-BB00-C384F9D1AD57}"/>
-              </a:ext>
-            </a:extLst>
-          </p:cNvPr>
-          <p:cNvPicPr>
-            <a:picLocks noChangeAspect="1"/>
-          </p:cNvPicPr>
-          <p:nvPr/>
-        </p:nvPicPr>
-        <p:blipFill>
-          <a:blip r:embed="rId6"/>
-          <a:stretch>
-            <a:fillRect/>
-          </a:stretch>
-        </p:blipFill>
-        <p:spPr>
-          <a:xfrm>
-            <a:off x="457200" y="4135468"/>
-            <a:ext cx="3329485" cy="1084217"/>
-          </a:xfrm>
-          <a:prstGeom prst="rect">
-            <a:avLst/>
-          </a:prstGeom>
-        </p:spPr>
-      </p:pic>
-      <p:pic>
-        <p:nvPicPr>
-          <p:cNvPr id="18" name="Picture 17">
-            <a:extLst>
-              <a:ext uri="{FF2B5EF4-FFF2-40B4-BE49-F238E27FC236}">
-                <a16:creationId xmlns:a16="http://schemas.microsoft.com/office/drawing/2014/main" id="{32B10D90-8B80-864C-BD02-C818BA9C2A79}"/>
-              </a:ext>
-            </a:extLst>
-          </p:cNvPr>
-          <p:cNvPicPr>
-            <a:picLocks noChangeAspect="1"/>
-          </p:cNvPicPr>
-          <p:nvPr/>
-        </p:nvPicPr>
-        <p:blipFill>
-          <a:blip r:embed="rId7"/>
-          <a:stretch>
-            <a:fillRect/>
-          </a:stretch>
-        </p:blipFill>
-        <p:spPr>
-          <a:xfrm>
-            <a:off x="457200" y="5113579"/>
-            <a:ext cx="3549324" cy="1117046"/>
-          </a:xfrm>
-          <a:prstGeom prst="rect">
-            <a:avLst/>
-          </a:prstGeom>
-        </p:spPr>
-      </p:pic>
-      <p:sp>
-        <p:nvSpPr>
-          <p:cNvPr id="4" name="Rounded Rectangle 3">
-            <a:extLst>
-              <a:ext uri="{FF2B5EF4-FFF2-40B4-BE49-F238E27FC236}">
-                <a16:creationId xmlns:a16="http://schemas.microsoft.com/office/drawing/2014/main" id="{58A9E766-A626-6641-8499-407092A23441}"/>
-              </a:ext>
-            </a:extLst>
-          </p:cNvPr>
-          <p:cNvSpPr/>
-          <p:nvPr/>
-        </p:nvSpPr>
-        <p:spPr>
-          <a:xfrm>
-            <a:off x="360608" y="2923082"/>
-            <a:ext cx="3645916" cy="3554991"/>
-          </a:xfrm>
-          <a:prstGeom prst="roundRect">
-            <a:avLst/>
-          </a:prstGeom>
-          <a:noFill/>
-          <a:ln>
-            <a:solidFill>
-              <a:schemeClr val="accent2"/>
-            </a:solidFill>
-          </a:ln>
-        </p:spPr>
-        <p:style>
-          <a:lnRef idx="2">
-            <a:schemeClr val="accent1">
-              <a:shade val="50000"/>
-            </a:schemeClr>
-          </a:lnRef>
-          <a:fillRef idx="1">
-            <a:schemeClr val="accent1"/>
-          </a:fillRef>
-          <a:effectRef idx="0">
-            <a:schemeClr val="accent1"/>
-          </a:effectRef>
-          <a:fontRef idx="minor">
-            <a:schemeClr val="lt1"/>
-          </a:fontRef>
-        </p:style>
-        <p:txBody>
-          <a:bodyPr rtlCol="0" anchor="ctr"/>
-          <a:lstStyle/>
-          <a:p>
-            <a:pPr algn="ctr"/>
-            <a:endParaRPr lang="en-US"/>
-          </a:p>
-        </p:txBody>
-      </p:sp>
-      <p:sp>
-        <p:nvSpPr>
-          <p:cNvPr id="5" name="Rounded Rectangle 4">
-            <a:extLst>
-              <a:ext uri="{FF2B5EF4-FFF2-40B4-BE49-F238E27FC236}">
-                <a16:creationId xmlns:a16="http://schemas.microsoft.com/office/drawing/2014/main" id="{52088773-89B3-634A-8270-D154A3C15324}"/>
-              </a:ext>
-            </a:extLst>
-          </p:cNvPr>
-          <p:cNvSpPr/>
-          <p:nvPr/>
-        </p:nvSpPr>
-        <p:spPr>
-          <a:xfrm>
-            <a:off x="4572000" y="2923082"/>
-            <a:ext cx="3863662" cy="2614833"/>
-          </a:xfrm>
-          <a:prstGeom prst="roundRect">
-            <a:avLst/>
-          </a:prstGeom>
-          <a:noFill/>
-          <a:ln>
-            <a:solidFill>
-              <a:schemeClr val="accent2"/>
-            </a:solidFill>
-          </a:ln>
-        </p:spPr>
-        <p:style>
-          <a:lnRef idx="2">
-            <a:schemeClr val="accent1">
-              <a:shade val="50000"/>
-            </a:schemeClr>
-          </a:lnRef>
-          <a:fillRef idx="1">
-            <a:schemeClr val="accent1"/>
-          </a:fillRef>
-          <a:effectRef idx="0">
-            <a:schemeClr val="accent1"/>
-          </a:effectRef>
-          <a:fontRef idx="minor">
-            <a:schemeClr val="lt1"/>
-          </a:fontRef>
-        </p:style>
-        <p:txBody>
-          <a:bodyPr rtlCol="0" anchor="ctr"/>
-          <a:lstStyle/>
-          <a:p>
-            <a:pPr algn="ctr"/>
-            <a:endParaRPr lang="en-US"/>
-          </a:p>
-        </p:txBody>
-      </p:sp>
+        </p:grpSpPr>
+        <p:pic>
+          <p:nvPicPr>
+            <p:cNvPr id="10" name="Picture 9">
+              <a:extLst>
+                <a:ext uri="{FF2B5EF4-FFF2-40B4-BE49-F238E27FC236}">
+                  <a16:creationId xmlns:a16="http://schemas.microsoft.com/office/drawing/2014/main" id="{51F0B7AA-A2DA-2645-87B3-4D193708D296}"/>
+                </a:ext>
+              </a:extLst>
+            </p:cNvPr>
+            <p:cNvPicPr>
+              <a:picLocks noChangeAspect="1"/>
+            </p:cNvPicPr>
+            <p:nvPr/>
+          </p:nvPicPr>
+          <p:blipFill>
+            <a:blip r:embed="rId6"/>
+            <a:stretch>
+              <a:fillRect/>
+            </a:stretch>
+          </p:blipFill>
+          <p:spPr>
+            <a:xfrm>
+              <a:off x="4982843" y="3154074"/>
+              <a:ext cx="3347328" cy="1092099"/>
+            </a:xfrm>
+            <a:prstGeom prst="rect">
+              <a:avLst/>
+            </a:prstGeom>
+          </p:spPr>
+        </p:pic>
+        <p:pic>
+          <p:nvPicPr>
+            <p:cNvPr id="13" name="Picture 12">
+              <a:extLst>
+                <a:ext uri="{FF2B5EF4-FFF2-40B4-BE49-F238E27FC236}">
+                  <a16:creationId xmlns:a16="http://schemas.microsoft.com/office/drawing/2014/main" id="{86F98CE1-113E-7D4C-9EB9-79802E724D94}"/>
+                </a:ext>
+              </a:extLst>
+            </p:cNvPr>
+            <p:cNvPicPr>
+              <a:picLocks noChangeAspect="1"/>
+            </p:cNvPicPr>
+            <p:nvPr/>
+          </p:nvPicPr>
+          <p:blipFill>
+            <a:blip r:embed="rId7"/>
+            <a:stretch>
+              <a:fillRect/>
+            </a:stretch>
+          </p:blipFill>
+          <p:spPr>
+            <a:xfrm>
+              <a:off x="4881845" y="4135468"/>
+              <a:ext cx="3549324" cy="1092100"/>
+            </a:xfrm>
+            <a:prstGeom prst="rect">
+              <a:avLst/>
+            </a:prstGeom>
+          </p:spPr>
+        </p:pic>
+        <p:sp>
+          <p:nvSpPr>
+            <p:cNvPr id="5" name="Rounded Rectangle 4">
+              <a:extLst>
+                <a:ext uri="{FF2B5EF4-FFF2-40B4-BE49-F238E27FC236}">
+                  <a16:creationId xmlns:a16="http://schemas.microsoft.com/office/drawing/2014/main" id="{52088773-89B3-634A-8270-D154A3C15324}"/>
+                </a:ext>
+              </a:extLst>
+            </p:cNvPr>
+            <p:cNvSpPr/>
+            <p:nvPr/>
+          </p:nvSpPr>
+          <p:spPr>
+            <a:xfrm>
+              <a:off x="4724676" y="2923082"/>
+              <a:ext cx="3863662" cy="2614833"/>
+            </a:xfrm>
+            <a:prstGeom prst="roundRect">
+              <a:avLst/>
+            </a:prstGeom>
+            <a:noFill/>
+            <a:ln>
+              <a:solidFill>
+                <a:schemeClr val="accent2"/>
+              </a:solidFill>
+            </a:ln>
+          </p:spPr>
+          <p:style>
+            <a:lnRef idx="2">
+              <a:schemeClr val="accent1">
+                <a:shade val="50000"/>
+              </a:schemeClr>
+            </a:lnRef>
+            <a:fillRef idx="1">
+              <a:schemeClr val="accent1"/>
+            </a:fillRef>
+            <a:effectRef idx="0">
+              <a:schemeClr val="accent1"/>
+            </a:effectRef>
+            <a:fontRef idx="minor">
+              <a:schemeClr val="lt1"/>
+            </a:fontRef>
+          </p:style>
+          <p:txBody>
+            <a:bodyPr rtlCol="0" anchor="ctr"/>
+            <a:lstStyle/>
+            <a:p>
+              <a:pPr algn="ctr"/>
+              <a:endParaRPr lang="en-US"/>
+            </a:p>
+          </p:txBody>
+        </p:sp>
+        <p:sp>
+          <p:nvSpPr>
+            <p:cNvPr id="12" name="TextBox 11">
+              <a:extLst>
+                <a:ext uri="{FF2B5EF4-FFF2-40B4-BE49-F238E27FC236}">
+                  <a16:creationId xmlns:a16="http://schemas.microsoft.com/office/drawing/2014/main" id="{1699174A-D905-D14E-89E1-4F7A7C1C6598}"/>
+                </a:ext>
+              </a:extLst>
+            </p:cNvPr>
+            <p:cNvSpPr txBox="1"/>
+            <p:nvPr/>
+          </p:nvSpPr>
+          <p:spPr>
+            <a:xfrm>
+              <a:off x="4465320" y="2599703"/>
+              <a:ext cx="4221480" cy="276999"/>
+            </a:xfrm>
+            <a:prstGeom prst="rect">
+              <a:avLst/>
+            </a:prstGeom>
+            <a:noFill/>
+          </p:spPr>
+          <p:txBody>
+            <a:bodyPr wrap="square" rtlCol="0">
+              <a:spAutoFit/>
+            </a:bodyPr>
+            <a:lstStyle/>
+            <a:p>
+              <a:r>
+                <a:rPr lang="en-US" sz="1200" b="1" dirty="0" err="1">
+                  <a:solidFill>
+                    <a:schemeClr val="dk1"/>
+                  </a:solidFill>
+                  <a:latin typeface="Courier New" panose="02070309020205020404" pitchFamily="49" charset="0"/>
+                  <a:cs typeface="Courier New" panose="02070309020205020404" pitchFamily="49" charset="0"/>
+                </a:rPr>
+                <a:t>AppConfig</a:t>
+              </a:r>
+              <a:r>
+                <a:rPr lang="en-US" sz="1200" b="1" dirty="0">
+                  <a:solidFill>
+                    <a:schemeClr val="dk1"/>
+                  </a:solidFill>
+                  <a:latin typeface="Courier New" panose="02070309020205020404" pitchFamily="49" charset="0"/>
+                  <a:cs typeface="Courier New" panose="02070309020205020404" pitchFamily="49" charset="0"/>
+                </a:rPr>
+                <a:t>[:</a:t>
+              </a:r>
+              <a:r>
+                <a:rPr lang="en-US" sz="1200" b="1" dirty="0" err="1">
+                  <a:solidFill>
+                    <a:schemeClr val="dk1"/>
+                  </a:solidFill>
+                  <a:latin typeface="Courier New" panose="02070309020205020404" pitchFamily="49" charset="0"/>
+                  <a:cs typeface="Courier New" panose="02070309020205020404" pitchFamily="49" charset="0"/>
+                </a:rPr>
+                <a:t>pui_search_results_page_size</a:t>
+              </a:r>
+              <a:r>
+                <a:rPr lang="en-US" sz="1200" b="1" dirty="0">
+                  <a:solidFill>
+                    <a:schemeClr val="dk1"/>
+                  </a:solidFill>
+                  <a:latin typeface="Courier New" panose="02070309020205020404" pitchFamily="49" charset="0"/>
+                  <a:cs typeface="Courier New" panose="02070309020205020404" pitchFamily="49" charset="0"/>
+                </a:rPr>
+                <a:t>]=26</a:t>
+              </a:r>
+            </a:p>
+          </p:txBody>
+        </p:sp>
+      </p:grpSp>
     </p:spTree>
     <p:extLst>
       <p:ext uri="{BB962C8B-B14F-4D97-AF65-F5344CB8AC3E}">
@@ -13394,8 +13697,8 @@
         </p:nvSpPr>
         <p:spPr>
           <a:xfrm>
-            <a:off x="457198" y="1881266"/>
-            <a:ext cx="8229599" cy="1345367"/>
+            <a:off x="457198" y="1492646"/>
+            <a:ext cx="8229599" cy="934001"/>
           </a:xfrm>
         </p:spPr>
         <p:txBody>
@@ -13406,59 +13709,54 @@
               <a:buNone/>
             </a:pPr>
             <a:r>
-              <a:rPr lang="en-US" sz="2000" dirty="0">
+              <a:rPr lang="en-US" sz="1800" dirty="0">
                 <a:cs typeface="Courier New" panose="02070309020205020404" pitchFamily="49" charset="0"/>
               </a:rPr>
               <a:t>The configuration variable for the number of characters to truncate is  </a:t>
             </a:r>
             <a:r>
-              <a:rPr lang="en-US" sz="2000" b="1" dirty="0" err="1">
+              <a:rPr lang="en-US" sz="1800" b="1" dirty="0" err="1">
                 <a:latin typeface="Courier New" panose="02070309020205020404" pitchFamily="49" charset="0"/>
                 <a:cs typeface="Courier New" panose="02070309020205020404" pitchFamily="49" charset="0"/>
               </a:rPr>
               <a:t>AppConfig</a:t>
             </a:r>
             <a:r>
-              <a:rPr lang="en-US" sz="2000" b="1" dirty="0">
+              <a:rPr lang="en-US" sz="1800" b="1" dirty="0">
                 <a:latin typeface="Courier New" panose="02070309020205020404" pitchFamily="49" charset="0"/>
                 <a:cs typeface="Courier New" panose="02070309020205020404" pitchFamily="49" charset="0"/>
               </a:rPr>
               <a:t>[:</a:t>
             </a:r>
             <a:r>
-              <a:rPr lang="en-US" sz="2000" b="1" dirty="0" err="1">
+              <a:rPr lang="en-US" sz="1800" b="1" dirty="0" err="1">
                 <a:latin typeface="Courier New" panose="02070309020205020404" pitchFamily="49" charset="0"/>
                 <a:cs typeface="Courier New" panose="02070309020205020404" pitchFamily="49" charset="0"/>
               </a:rPr>
               <a:t>pui_readmore_max_characters</a:t>
             </a:r>
             <a:r>
-              <a:rPr lang="en-US" sz="2000" b="1" dirty="0">
+              <a:rPr lang="en-US" sz="1800" b="1" dirty="0">
                 <a:latin typeface="Courier New" panose="02070309020205020404" pitchFamily="49" charset="0"/>
                 <a:cs typeface="Courier New" panose="02070309020205020404" pitchFamily="49" charset="0"/>
               </a:rPr>
               <a:t>]</a:t>
             </a:r>
             <a:r>
-              <a:rPr lang="en-US" sz="2000" dirty="0">
+              <a:rPr lang="en-US" sz="1800" dirty="0">
                 <a:cs typeface="Courier New" panose="02070309020205020404" pitchFamily="49" charset="0"/>
               </a:rPr>
               <a:t>.</a:t>
             </a:r>
             <a:r>
-              <a:rPr lang="en-US" sz="2000" b="1" dirty="0">
+              <a:rPr lang="en-US" sz="1800" b="1" dirty="0">
                 <a:latin typeface="Courier New" panose="02070309020205020404" pitchFamily="49" charset="0"/>
                 <a:cs typeface="Courier New" panose="02070309020205020404" pitchFamily="49" charset="0"/>
               </a:rPr>
               <a:t> </a:t>
             </a:r>
-          </a:p>
-          <a:p>
-            <a:pPr marL="50800" indent="0">
-              <a:buNone/>
-            </a:pPr>
-            <a:r>
-              <a:rPr lang="en-US" sz="2000" dirty="0">
+            <a:r>
+              <a:rPr lang="en-US" sz="1800" dirty="0">
                 <a:cs typeface="Courier New" panose="02070309020205020404" pitchFamily="49" charset="0"/>
               </a:rPr>
               <a:t>The default is 450.</a:t>
@@ -13488,7 +13786,7 @@
         </p:blipFill>
         <p:spPr>
           <a:xfrm>
-            <a:off x="428325" y="3218276"/>
+            <a:off x="363975" y="3218276"/>
             <a:ext cx="8345091" cy="934000"/>
           </a:xfrm>
           <a:prstGeom prst="rect">
@@ -13523,7 +13821,7 @@
         </p:blipFill>
         <p:spPr>
           <a:xfrm>
-            <a:off x="428325" y="4648975"/>
+            <a:off x="363975" y="5003305"/>
             <a:ext cx="8345091" cy="535734"/>
           </a:xfrm>
           <a:prstGeom prst="rect">
@@ -13602,7 +13900,7 @@
         </p:nvSpPr>
         <p:spPr>
           <a:xfrm>
-            <a:off x="7330190" y="4886793"/>
+            <a:off x="7330190" y="5218263"/>
             <a:ext cx="989351" cy="297916"/>
           </a:xfrm>
           <a:prstGeom prst="roundRect">
@@ -13637,6 +13935,148 @@
           <a:p>
             <a:pPr algn="ctr"/>
             <a:endParaRPr lang="en-US"/>
+          </a:p>
+        </p:txBody>
+      </p:sp>
+      <p:sp>
+        <p:nvSpPr>
+          <p:cNvPr id="4" name="TextBox 3">
+            <a:extLst>
+              <a:ext uri="{FF2B5EF4-FFF2-40B4-BE49-F238E27FC236}">
+                <a16:creationId xmlns:a16="http://schemas.microsoft.com/office/drawing/2014/main" id="{6A62C3E1-BAA9-A24D-91D5-0F819E239A99}"/>
+              </a:ext>
+            </a:extLst>
+          </p:cNvPr>
+          <p:cNvSpPr txBox="1"/>
+          <p:nvPr/>
+        </p:nvSpPr>
+        <p:spPr>
+          <a:xfrm>
+            <a:off x="363975" y="2777490"/>
+            <a:ext cx="6250429" cy="369332"/>
+          </a:xfrm>
+          <a:prstGeom prst="rect">
+            <a:avLst/>
+          </a:prstGeom>
+          <a:noFill/>
+        </p:spPr>
+        <p:txBody>
+          <a:bodyPr wrap="none" rtlCol="0">
+            <a:spAutoFit/>
+          </a:bodyPr>
+          <a:lstStyle/>
+          <a:p>
+            <a:r>
+              <a:rPr lang="en-US" sz="1800" b="1" dirty="0" err="1">
+                <a:solidFill>
+                  <a:schemeClr val="dk1"/>
+                </a:solidFill>
+                <a:latin typeface="Courier New" panose="02070309020205020404" pitchFamily="49" charset="0"/>
+                <a:cs typeface="Courier New" panose="02070309020205020404" pitchFamily="49" charset="0"/>
+              </a:rPr>
+              <a:t>AppConfig</a:t>
+            </a:r>
+            <a:r>
+              <a:rPr lang="en-US" sz="1800" b="1" dirty="0">
+                <a:solidFill>
+                  <a:schemeClr val="dk1"/>
+                </a:solidFill>
+                <a:latin typeface="Courier New" panose="02070309020205020404" pitchFamily="49" charset="0"/>
+                <a:cs typeface="Courier New" panose="02070309020205020404" pitchFamily="49" charset="0"/>
+              </a:rPr>
+              <a:t>[:</a:t>
+            </a:r>
+            <a:r>
+              <a:rPr lang="en-US" sz="1800" b="1" dirty="0" err="1">
+                <a:solidFill>
+                  <a:schemeClr val="dk1"/>
+                </a:solidFill>
+                <a:latin typeface="Courier New" panose="02070309020205020404" pitchFamily="49" charset="0"/>
+                <a:cs typeface="Courier New" panose="02070309020205020404" pitchFamily="49" charset="0"/>
+              </a:rPr>
+              <a:t>pui_readmore_max_characters</a:t>
+            </a:r>
+            <a:r>
+              <a:rPr lang="en-US" sz="1800" b="1" dirty="0">
+                <a:solidFill>
+                  <a:schemeClr val="dk1"/>
+                </a:solidFill>
+                <a:latin typeface="Courier New" panose="02070309020205020404" pitchFamily="49" charset="0"/>
+                <a:cs typeface="Courier New" panose="02070309020205020404" pitchFamily="49" charset="0"/>
+              </a:rPr>
+              <a:t> = 450</a:t>
+            </a:r>
+          </a:p>
+        </p:txBody>
+      </p:sp>
+      <p:sp>
+        <p:nvSpPr>
+          <p:cNvPr id="9" name="TextBox 8">
+            <a:extLst>
+              <a:ext uri="{FF2B5EF4-FFF2-40B4-BE49-F238E27FC236}">
+                <a16:creationId xmlns:a16="http://schemas.microsoft.com/office/drawing/2014/main" id="{29C80771-DD0C-0B4A-A17E-B632062AE118}"/>
+              </a:ext>
+            </a:extLst>
+          </p:cNvPr>
+          <p:cNvSpPr txBox="1"/>
+          <p:nvPr/>
+        </p:nvSpPr>
+        <p:spPr>
+          <a:xfrm>
+            <a:off x="363975" y="4510416"/>
+            <a:ext cx="6250429" cy="369332"/>
+          </a:xfrm>
+          <a:prstGeom prst="rect">
+            <a:avLst/>
+          </a:prstGeom>
+          <a:noFill/>
+        </p:spPr>
+        <p:txBody>
+          <a:bodyPr wrap="none" rtlCol="0">
+            <a:spAutoFit/>
+          </a:bodyPr>
+          <a:lstStyle/>
+          <a:p>
+            <a:r>
+              <a:rPr lang="en-US" sz="1800" b="1" dirty="0" err="1">
+                <a:solidFill>
+                  <a:schemeClr val="dk1"/>
+                </a:solidFill>
+                <a:latin typeface="Courier New" panose="02070309020205020404" pitchFamily="49" charset="0"/>
+                <a:cs typeface="Courier New" panose="02070309020205020404" pitchFamily="49" charset="0"/>
+              </a:rPr>
+              <a:t>AppConfig</a:t>
+            </a:r>
+            <a:r>
+              <a:rPr lang="en-US" sz="1800" b="1" dirty="0">
+                <a:solidFill>
+                  <a:schemeClr val="dk1"/>
+                </a:solidFill>
+                <a:latin typeface="Courier New" panose="02070309020205020404" pitchFamily="49" charset="0"/>
+                <a:cs typeface="Courier New" panose="02070309020205020404" pitchFamily="49" charset="0"/>
+              </a:rPr>
+              <a:t>[:</a:t>
+            </a:r>
+            <a:r>
+              <a:rPr lang="en-US" sz="1800" b="1" dirty="0" err="1">
+                <a:solidFill>
+                  <a:schemeClr val="dk1"/>
+                </a:solidFill>
+                <a:latin typeface="Courier New" panose="02070309020205020404" pitchFamily="49" charset="0"/>
+                <a:cs typeface="Courier New" panose="02070309020205020404" pitchFamily="49" charset="0"/>
+              </a:rPr>
+              <a:t>pui_readmore_max_characters</a:t>
+            </a:r>
+            <a:r>
+              <a:rPr lang="en-US" sz="1800" b="1" dirty="0">
+                <a:solidFill>
+                  <a:schemeClr val="dk1"/>
+                </a:solidFill>
+                <a:latin typeface="Courier New" panose="02070309020205020404" pitchFamily="49" charset="0"/>
+                <a:cs typeface="Courier New" panose="02070309020205020404" pitchFamily="49" charset="0"/>
+              </a:rPr>
+              <a:t> = 250</a:t>
+            </a:r>
           </a:p>
         </p:txBody>
       </p:sp>
@@ -15757,7 +16197,7 @@
         <p:spPr>
           <a:xfrm>
             <a:off x="457200" y="1252470"/>
-            <a:ext cx="8229600" cy="2057400"/>
+            <a:ext cx="8229600" cy="1673610"/>
           </a:xfrm>
         </p:spPr>
         <p:txBody>
@@ -15773,12 +16213,6 @@
             <a:r>
               <a:rPr lang="en-US" sz="2000" dirty="0"/>
               <a:t>Empty directory out of the box so need to add directories depending on type of changes made</a:t>
-            </a:r>
-          </a:p>
-          <a:p>
-            <a:r>
-              <a:rPr lang="en-US" sz="2000" dirty="0"/>
-              <a:t>Final directory structure for following examples</a:t>
             </a:r>
           </a:p>
         </p:txBody>
@@ -17210,7 +17644,7 @@
                 <a:cs typeface="Courier New"/>
                 <a:sym typeface="Courier New"/>
               </a:rPr>
-              <a:t>common/config/</a:t>
+              <a:t>config/</a:t>
             </a:r>
             <a:r>
               <a:rPr lang="en-US" sz="1800" b="1" i="0" u="none" strike="noStrike" cap="none" dirty="0" err="1">
@@ -22023,7 +22457,7 @@
             </a:r>
             <a:r>
               <a:rPr lang="en-US" sz="1600" dirty="0"/>
-              <a:t> structure, and update the text. </a:t>
+              <a:t> structure, update the text, and save the file. </a:t>
             </a:r>
             <a:r>
               <a:rPr lang="en-US" sz="1600" b="0" i="0" u="none" strike="noStrike" cap="none" dirty="0">
@@ -25100,7 +25534,7 @@
                 <p:nvPr/>
               </p:nvPicPr>
               <p:blipFill rotWithShape="1">
-                <a:blip r:embed="rId2"/>
+                <a:blip r:embed="rId3"/>
                 <a:srcRect r="66450"/>
                 <a:stretch/>
               </p:blipFill>
@@ -25331,7 +25765,7 @@
                 <p:nvPr/>
               </p:nvPicPr>
               <p:blipFill>
-                <a:blip r:embed="rId3"/>
+                <a:blip r:embed="rId4"/>
                 <a:stretch>
                   <a:fillRect/>
                 </a:stretch>
@@ -26671,15 +27105,7 @@
           <a:p>
             <a:r>
               <a:rPr lang="en-US" sz="2400" dirty="0"/>
-              <a:t>In all </a:t>
-            </a:r>
-            <a:r>
-              <a:rPr lang="en-US" sz="2400" dirty="0" err="1"/>
-              <a:t>ArchivesSpaces</a:t>
-            </a:r>
-            <a:r>
-              <a:rPr lang="en-US" sz="2400" dirty="0"/>
-              <a:t> releases, there is a configuration file in the config directory called </a:t>
+              <a:t>In all ArchivesSpace releases, there is a configuration file in the config directory called </a:t>
             </a:r>
             <a:r>
               <a:rPr lang="en-US" sz="2400" b="1" dirty="0" err="1">
@@ -27079,269 +27505,356 @@
           </a:p>
         </p:txBody>
       </p:sp>
-      <p:grpSp>
-        <p:nvGrpSpPr>
-          <p:cNvPr id="7" name="Group 6">
+      <p:sp>
+        <p:nvSpPr>
+          <p:cNvPr id="4" name="TextBox 3">
             <a:extLst>
               <a:ext uri="{FF2B5EF4-FFF2-40B4-BE49-F238E27FC236}">
-                <a16:creationId xmlns:a16="http://schemas.microsoft.com/office/drawing/2014/main" id="{BACE5DAA-5E05-5F4B-9532-90102F8103EA}"/>
+                <a16:creationId xmlns:a16="http://schemas.microsoft.com/office/drawing/2014/main" id="{010DBB73-8324-D546-A87F-57FD98DC113D}"/>
               </a:ext>
             </a:extLst>
           </p:cNvPr>
-          <p:cNvGrpSpPr/>
+          <p:cNvSpPr txBox="1"/>
           <p:nvPr/>
-        </p:nvGrpSpPr>
-        <p:grpSpPr>
+        </p:nvSpPr>
+        <p:spPr>
           <a:xfrm>
-            <a:off x="-6224" y="2425136"/>
-            <a:ext cx="9017856" cy="1077218"/>
-            <a:chOff x="-6224" y="2425136"/>
-            <a:chExt cx="9017856" cy="1077218"/>
+            <a:off x="-376791" y="2496032"/>
+            <a:ext cx="4948791" cy="830997"/>
           </a:xfrm>
-        </p:grpSpPr>
-        <p:sp>
-          <p:nvSpPr>
-            <p:cNvPr id="4" name="TextBox 3">
-              <a:extLst>
-                <a:ext uri="{FF2B5EF4-FFF2-40B4-BE49-F238E27FC236}">
-                  <a16:creationId xmlns:a16="http://schemas.microsoft.com/office/drawing/2014/main" id="{010DBB73-8324-D546-A87F-57FD98DC113D}"/>
-                </a:ext>
-              </a:extLst>
-            </p:cNvPr>
-            <p:cNvSpPr txBox="1"/>
-            <p:nvPr/>
-          </p:nvSpPr>
-          <p:spPr>
-            <a:xfrm>
-              <a:off x="-6224" y="2425136"/>
-              <a:ext cx="4711546" cy="1077218"/>
-            </a:xfrm>
-            <a:prstGeom prst="rect">
-              <a:avLst/>
-            </a:prstGeom>
-            <a:noFill/>
-          </p:spPr>
-          <p:txBody>
-            <a:bodyPr wrap="none" rtlCol="0">
-              <a:spAutoFit/>
-            </a:bodyPr>
-            <a:lstStyle/>
-            <a:p>
-              <a:pPr marL="482600" lvl="1" indent="0">
-                <a:buNone/>
-              </a:pPr>
-              <a:r>
-                <a:rPr lang="en-US" sz="1600" dirty="0" err="1"/>
-                <a:t>AppConfig</a:t>
-              </a:r>
-              <a:r>
-                <a:rPr lang="en-US" sz="1600" dirty="0"/>
-                <a:t>[:</a:t>
-              </a:r>
-              <a:r>
-                <a:rPr lang="en-US" sz="1600" dirty="0" err="1"/>
-                <a:t>pui_hide</a:t>
-              </a:r>
-              <a:r>
-                <a:rPr lang="en-US" sz="1600" dirty="0"/>
-                <a:t>][:repositories] = false</a:t>
-              </a:r>
-            </a:p>
-            <a:p>
-              <a:pPr marL="482600" lvl="1" indent="0">
-                <a:buNone/>
-              </a:pPr>
-              <a:r>
-                <a:rPr lang="en-US" sz="1600" dirty="0" err="1"/>
-                <a:t>AppConfig</a:t>
-              </a:r>
-              <a:r>
-                <a:rPr lang="en-US" sz="1600" dirty="0"/>
-                <a:t>[:</a:t>
-              </a:r>
-              <a:r>
-                <a:rPr lang="en-US" sz="1600" dirty="0" err="1"/>
-                <a:t>pui_hide</a:t>
-              </a:r>
-              <a:r>
-                <a:rPr lang="en-US" sz="1600" dirty="0"/>
-                <a:t>][:resources] = false</a:t>
-              </a:r>
-            </a:p>
-            <a:p>
-              <a:pPr marL="482600" lvl="1" indent="0">
-                <a:buNone/>
-              </a:pPr>
-              <a:r>
-                <a:rPr lang="en-US" sz="1600" dirty="0" err="1"/>
-                <a:t>AppConfig</a:t>
-              </a:r>
-              <a:r>
-                <a:rPr lang="en-US" sz="1600" dirty="0"/>
-                <a:t>[:</a:t>
-              </a:r>
-              <a:r>
-                <a:rPr lang="en-US" sz="1600" dirty="0" err="1"/>
-                <a:t>pui_hide</a:t>
-              </a:r>
-              <a:r>
-                <a:rPr lang="en-US" sz="1600" dirty="0"/>
-                <a:t>][:</a:t>
-              </a:r>
-              <a:r>
-                <a:rPr lang="en-US" sz="1600" dirty="0" err="1"/>
-                <a:t>digital_objects</a:t>
-              </a:r>
-              <a:r>
-                <a:rPr lang="en-US" sz="1600" dirty="0"/>
-                <a:t>] = false</a:t>
-              </a:r>
-            </a:p>
-            <a:p>
-              <a:pPr marL="482600" lvl="1" indent="0">
-                <a:buNone/>
-              </a:pPr>
-              <a:r>
-                <a:rPr lang="en-US" sz="1600" dirty="0" err="1"/>
-                <a:t>AppConfig</a:t>
-              </a:r>
-              <a:r>
-                <a:rPr lang="en-US" sz="1600" dirty="0"/>
-                <a:t>[:</a:t>
-              </a:r>
-              <a:r>
-                <a:rPr lang="en-US" sz="1600" dirty="0" err="1"/>
-                <a:t>pui_hide</a:t>
-              </a:r>
-              <a:r>
-                <a:rPr lang="en-US" sz="1600" dirty="0"/>
-                <a:t>][:accessions] = false</a:t>
-              </a:r>
-            </a:p>
-          </p:txBody>
-        </p:sp>
-        <p:sp>
-          <p:nvSpPr>
-            <p:cNvPr id="6" name="TextBox 5">
-              <a:extLst>
-                <a:ext uri="{FF2B5EF4-FFF2-40B4-BE49-F238E27FC236}">
-                  <a16:creationId xmlns:a16="http://schemas.microsoft.com/office/drawing/2014/main" id="{B332AFB1-5084-5B44-848B-9BA7FA254A28}"/>
-                </a:ext>
-              </a:extLst>
-            </p:cNvPr>
-            <p:cNvSpPr txBox="1"/>
-            <p:nvPr/>
-          </p:nvSpPr>
-          <p:spPr>
-            <a:xfrm>
-              <a:off x="4333748" y="2425136"/>
-              <a:ext cx="4677884" cy="1077218"/>
-            </a:xfrm>
-            <a:prstGeom prst="rect">
-              <a:avLst/>
-            </a:prstGeom>
-            <a:noFill/>
-          </p:spPr>
-          <p:txBody>
-            <a:bodyPr wrap="none" rtlCol="0">
-              <a:spAutoFit/>
-            </a:bodyPr>
-            <a:lstStyle/>
-            <a:p>
-              <a:pPr marL="482600" lvl="1" indent="0">
-                <a:buNone/>
-              </a:pPr>
-              <a:r>
-                <a:rPr lang="en-US" sz="1600" dirty="0" err="1"/>
-                <a:t>AppConfig</a:t>
-              </a:r>
-              <a:r>
-                <a:rPr lang="en-US" sz="1600" dirty="0"/>
-                <a:t>[:</a:t>
-              </a:r>
-              <a:r>
-                <a:rPr lang="en-US" sz="1600" dirty="0" err="1"/>
-                <a:t>pui_hide</a:t>
-              </a:r>
-              <a:r>
-                <a:rPr lang="en-US" sz="1600" dirty="0"/>
-                <a:t>][:subjects] = false</a:t>
-              </a:r>
-            </a:p>
-            <a:p>
-              <a:pPr marL="482600" lvl="1" indent="0">
-                <a:buNone/>
-              </a:pPr>
-              <a:r>
-                <a:rPr lang="en-US" sz="1600" dirty="0" err="1"/>
-                <a:t>AppConfig</a:t>
-              </a:r>
-              <a:r>
-                <a:rPr lang="en-US" sz="1600" dirty="0"/>
-                <a:t>[:</a:t>
-              </a:r>
-              <a:r>
-                <a:rPr lang="en-US" sz="1600" dirty="0" err="1"/>
-                <a:t>pui_hide</a:t>
-              </a:r>
-              <a:r>
-                <a:rPr lang="en-US" sz="1600" dirty="0"/>
-                <a:t>][:agents] = false</a:t>
-              </a:r>
-            </a:p>
-            <a:p>
-              <a:pPr marL="482600" lvl="1" indent="0">
-                <a:buNone/>
-              </a:pPr>
-              <a:r>
-                <a:rPr lang="en-US" sz="1600" dirty="0" err="1"/>
-                <a:t>AppConfig</a:t>
-              </a:r>
-              <a:r>
-                <a:rPr lang="en-US" sz="1600" dirty="0"/>
-                <a:t>[:</a:t>
-              </a:r>
-              <a:r>
-                <a:rPr lang="en-US" sz="1600" dirty="0" err="1"/>
-                <a:t>pui_hide</a:t>
-              </a:r>
-              <a:r>
-                <a:rPr lang="en-US" sz="1600" dirty="0"/>
-                <a:t>][:classifications] = false</a:t>
-              </a:r>
-            </a:p>
-            <a:p>
-              <a:pPr marL="482600" lvl="1" indent="0">
-                <a:buNone/>
-              </a:pPr>
-              <a:r>
-                <a:rPr lang="en-US" sz="1600" dirty="0" err="1"/>
-                <a:t>AppConfig</a:t>
-              </a:r>
-              <a:r>
-                <a:rPr lang="en-US" sz="1600" dirty="0"/>
-                <a:t>[:</a:t>
-              </a:r>
-              <a:r>
-                <a:rPr lang="en-US" sz="1600" dirty="0" err="1"/>
-                <a:t>pui_hide</a:t>
-              </a:r>
-              <a:r>
-                <a:rPr lang="en-US" sz="1600" dirty="0"/>
-                <a:t>][:</a:t>
-              </a:r>
-              <a:r>
-                <a:rPr lang="en-US" sz="1600" dirty="0" err="1"/>
-                <a:t>search_tab</a:t>
-              </a:r>
-              <a:r>
-                <a:rPr lang="en-US" sz="1600" dirty="0"/>
-                <a:t>] = false</a:t>
-              </a:r>
-            </a:p>
-          </p:txBody>
-        </p:sp>
-      </p:grpSp>
+          <a:prstGeom prst="rect">
+            <a:avLst/>
+          </a:prstGeom>
+          <a:noFill/>
+        </p:spPr>
+        <p:txBody>
+          <a:bodyPr wrap="none" rtlCol="0">
+            <a:spAutoFit/>
+          </a:bodyPr>
+          <a:lstStyle/>
+          <a:p>
+            <a:pPr marL="482600" lvl="1" indent="0">
+              <a:buNone/>
+            </a:pPr>
+            <a:r>
+              <a:rPr lang="en-US" sz="1200" b="1" dirty="0" err="1">
+                <a:latin typeface="Courier New" panose="02070309020205020404" pitchFamily="49" charset="0"/>
+                <a:cs typeface="Courier New" panose="02070309020205020404" pitchFamily="49" charset="0"/>
+              </a:rPr>
+              <a:t>AppConfig</a:t>
+            </a:r>
+            <a:r>
+              <a:rPr lang="en-US" sz="1200" b="1" dirty="0">
+                <a:latin typeface="Courier New" panose="02070309020205020404" pitchFamily="49" charset="0"/>
+                <a:cs typeface="Courier New" panose="02070309020205020404" pitchFamily="49" charset="0"/>
+              </a:rPr>
+              <a:t>[:</a:t>
+            </a:r>
+            <a:r>
+              <a:rPr lang="en-US" sz="1200" b="1" dirty="0" err="1">
+                <a:latin typeface="Courier New" panose="02070309020205020404" pitchFamily="49" charset="0"/>
+                <a:cs typeface="Courier New" panose="02070309020205020404" pitchFamily="49" charset="0"/>
+              </a:rPr>
+              <a:t>pui_hide</a:t>
+            </a:r>
+            <a:r>
+              <a:rPr lang="en-US" sz="1200" b="1" dirty="0">
+                <a:latin typeface="Courier New" panose="02070309020205020404" pitchFamily="49" charset="0"/>
+                <a:cs typeface="Courier New" panose="02070309020205020404" pitchFamily="49" charset="0"/>
+              </a:rPr>
+              <a:t>][:repositories] = false</a:t>
+            </a:r>
+          </a:p>
+          <a:p>
+            <a:pPr marL="482600" lvl="1" indent="0">
+              <a:buNone/>
+            </a:pPr>
+            <a:r>
+              <a:rPr lang="en-US" sz="1200" b="1" dirty="0" err="1">
+                <a:latin typeface="Courier New" panose="02070309020205020404" pitchFamily="49" charset="0"/>
+                <a:cs typeface="Courier New" panose="02070309020205020404" pitchFamily="49" charset="0"/>
+              </a:rPr>
+              <a:t>AppConfig</a:t>
+            </a:r>
+            <a:r>
+              <a:rPr lang="en-US" sz="1200" b="1" dirty="0">
+                <a:latin typeface="Courier New" panose="02070309020205020404" pitchFamily="49" charset="0"/>
+                <a:cs typeface="Courier New" panose="02070309020205020404" pitchFamily="49" charset="0"/>
+              </a:rPr>
+              <a:t>[:</a:t>
+            </a:r>
+            <a:r>
+              <a:rPr lang="en-US" sz="1200" b="1" dirty="0" err="1">
+                <a:latin typeface="Courier New" panose="02070309020205020404" pitchFamily="49" charset="0"/>
+                <a:cs typeface="Courier New" panose="02070309020205020404" pitchFamily="49" charset="0"/>
+              </a:rPr>
+              <a:t>pui_hide</a:t>
+            </a:r>
+            <a:r>
+              <a:rPr lang="en-US" sz="1200" b="1" dirty="0">
+                <a:latin typeface="Courier New" panose="02070309020205020404" pitchFamily="49" charset="0"/>
+                <a:cs typeface="Courier New" panose="02070309020205020404" pitchFamily="49" charset="0"/>
+              </a:rPr>
+              <a:t>][:resources] = false</a:t>
+            </a:r>
+          </a:p>
+          <a:p>
+            <a:pPr marL="482600" lvl="1" indent="0">
+              <a:buNone/>
+            </a:pPr>
+            <a:r>
+              <a:rPr lang="en-US" sz="1200" b="1" dirty="0" err="1">
+                <a:latin typeface="Courier New" panose="02070309020205020404" pitchFamily="49" charset="0"/>
+                <a:cs typeface="Courier New" panose="02070309020205020404" pitchFamily="49" charset="0"/>
+              </a:rPr>
+              <a:t>AppConfig</a:t>
+            </a:r>
+            <a:r>
+              <a:rPr lang="en-US" sz="1200" b="1" dirty="0">
+                <a:latin typeface="Courier New" panose="02070309020205020404" pitchFamily="49" charset="0"/>
+                <a:cs typeface="Courier New" panose="02070309020205020404" pitchFamily="49" charset="0"/>
+              </a:rPr>
+              <a:t>[:</a:t>
+            </a:r>
+            <a:r>
+              <a:rPr lang="en-US" sz="1200" b="1" dirty="0" err="1">
+                <a:latin typeface="Courier New" panose="02070309020205020404" pitchFamily="49" charset="0"/>
+                <a:cs typeface="Courier New" panose="02070309020205020404" pitchFamily="49" charset="0"/>
+              </a:rPr>
+              <a:t>pui_hide</a:t>
+            </a:r>
+            <a:r>
+              <a:rPr lang="en-US" sz="1200" b="1" dirty="0">
+                <a:latin typeface="Courier New" panose="02070309020205020404" pitchFamily="49" charset="0"/>
+                <a:cs typeface="Courier New" panose="02070309020205020404" pitchFamily="49" charset="0"/>
+              </a:rPr>
+              <a:t>][:</a:t>
+            </a:r>
+            <a:r>
+              <a:rPr lang="en-US" sz="1200" b="1" dirty="0" err="1">
+                <a:latin typeface="Courier New" panose="02070309020205020404" pitchFamily="49" charset="0"/>
+                <a:cs typeface="Courier New" panose="02070309020205020404" pitchFamily="49" charset="0"/>
+              </a:rPr>
+              <a:t>digital_objects</a:t>
+            </a:r>
+            <a:r>
+              <a:rPr lang="en-US" sz="1200" b="1" dirty="0">
+                <a:latin typeface="Courier New" panose="02070309020205020404" pitchFamily="49" charset="0"/>
+                <a:cs typeface="Courier New" panose="02070309020205020404" pitchFamily="49" charset="0"/>
+              </a:rPr>
+              <a:t>] = false</a:t>
+            </a:r>
+          </a:p>
+          <a:p>
+            <a:pPr marL="482600" lvl="1" indent="0">
+              <a:buNone/>
+            </a:pPr>
+            <a:r>
+              <a:rPr lang="en-US" sz="1200" b="1" dirty="0" err="1">
+                <a:latin typeface="Courier New" panose="02070309020205020404" pitchFamily="49" charset="0"/>
+                <a:cs typeface="Courier New" panose="02070309020205020404" pitchFamily="49" charset="0"/>
+              </a:rPr>
+              <a:t>AppConfig</a:t>
+            </a:r>
+            <a:r>
+              <a:rPr lang="en-US" sz="1200" b="1" dirty="0">
+                <a:latin typeface="Courier New" panose="02070309020205020404" pitchFamily="49" charset="0"/>
+                <a:cs typeface="Courier New" panose="02070309020205020404" pitchFamily="49" charset="0"/>
+              </a:rPr>
+              <a:t>[:</a:t>
+            </a:r>
+            <a:r>
+              <a:rPr lang="en-US" sz="1200" b="1" dirty="0" err="1">
+                <a:latin typeface="Courier New" panose="02070309020205020404" pitchFamily="49" charset="0"/>
+                <a:cs typeface="Courier New" panose="02070309020205020404" pitchFamily="49" charset="0"/>
+              </a:rPr>
+              <a:t>pui_hide</a:t>
+            </a:r>
+            <a:r>
+              <a:rPr lang="en-US" sz="1200" b="1" dirty="0">
+                <a:latin typeface="Courier New" panose="02070309020205020404" pitchFamily="49" charset="0"/>
+                <a:cs typeface="Courier New" panose="02070309020205020404" pitchFamily="49" charset="0"/>
+              </a:rPr>
+              <a:t>][:accessions] = false</a:t>
+            </a:r>
+          </a:p>
+        </p:txBody>
+      </p:sp>
+      <p:sp>
+        <p:nvSpPr>
+          <p:cNvPr id="6" name="TextBox 5">
+            <a:extLst>
+              <a:ext uri="{FF2B5EF4-FFF2-40B4-BE49-F238E27FC236}">
+                <a16:creationId xmlns:a16="http://schemas.microsoft.com/office/drawing/2014/main" id="{B332AFB1-5084-5B44-848B-9BA7FA254A28}"/>
+              </a:ext>
+            </a:extLst>
+          </p:cNvPr>
+          <p:cNvSpPr txBox="1"/>
+          <p:nvPr/>
+        </p:nvSpPr>
+        <p:spPr>
+          <a:xfrm>
+            <a:off x="4051330" y="2455591"/>
+            <a:ext cx="4948791" cy="830997"/>
+          </a:xfrm>
+          <a:prstGeom prst="rect">
+            <a:avLst/>
+          </a:prstGeom>
+          <a:noFill/>
+        </p:spPr>
+        <p:txBody>
+          <a:bodyPr wrap="none" rtlCol="0">
+            <a:spAutoFit/>
+          </a:bodyPr>
+          <a:lstStyle/>
+          <a:p>
+            <a:pPr marL="482600" lvl="1" indent="0">
+              <a:buNone/>
+            </a:pPr>
+            <a:r>
+              <a:rPr lang="en-US" sz="1200" b="1" dirty="0" err="1">
+                <a:latin typeface="Courier New" panose="02070309020205020404" pitchFamily="49" charset="0"/>
+                <a:cs typeface="Courier New" panose="02070309020205020404" pitchFamily="49" charset="0"/>
+              </a:rPr>
+              <a:t>AppConfig</a:t>
+            </a:r>
+            <a:r>
+              <a:rPr lang="en-US" sz="1200" b="1" dirty="0">
+                <a:latin typeface="Courier New" panose="02070309020205020404" pitchFamily="49" charset="0"/>
+                <a:cs typeface="Courier New" panose="02070309020205020404" pitchFamily="49" charset="0"/>
+              </a:rPr>
+              <a:t>[:</a:t>
+            </a:r>
+            <a:r>
+              <a:rPr lang="en-US" sz="1200" b="1" dirty="0" err="1">
+                <a:latin typeface="Courier New" panose="02070309020205020404" pitchFamily="49" charset="0"/>
+                <a:cs typeface="Courier New" panose="02070309020205020404" pitchFamily="49" charset="0"/>
+              </a:rPr>
+              <a:t>pui_hide</a:t>
+            </a:r>
+            <a:r>
+              <a:rPr lang="en-US" sz="1200" b="1" dirty="0">
+                <a:latin typeface="Courier New" panose="02070309020205020404" pitchFamily="49" charset="0"/>
+                <a:cs typeface="Courier New" panose="02070309020205020404" pitchFamily="49" charset="0"/>
+              </a:rPr>
+              <a:t>][:subjects] = false</a:t>
+            </a:r>
+          </a:p>
+          <a:p>
+            <a:pPr marL="482600" lvl="1" indent="0">
+              <a:buNone/>
+            </a:pPr>
+            <a:r>
+              <a:rPr lang="en-US" sz="1200" b="1" dirty="0" err="1">
+                <a:latin typeface="Courier New" panose="02070309020205020404" pitchFamily="49" charset="0"/>
+                <a:cs typeface="Courier New" panose="02070309020205020404" pitchFamily="49" charset="0"/>
+              </a:rPr>
+              <a:t>AppConfig</a:t>
+            </a:r>
+            <a:r>
+              <a:rPr lang="en-US" sz="1200" b="1" dirty="0">
+                <a:latin typeface="Courier New" panose="02070309020205020404" pitchFamily="49" charset="0"/>
+                <a:cs typeface="Courier New" panose="02070309020205020404" pitchFamily="49" charset="0"/>
+              </a:rPr>
+              <a:t>[:</a:t>
+            </a:r>
+            <a:r>
+              <a:rPr lang="en-US" sz="1200" b="1" dirty="0" err="1">
+                <a:latin typeface="Courier New" panose="02070309020205020404" pitchFamily="49" charset="0"/>
+                <a:cs typeface="Courier New" panose="02070309020205020404" pitchFamily="49" charset="0"/>
+              </a:rPr>
+              <a:t>pui_hide</a:t>
+            </a:r>
+            <a:r>
+              <a:rPr lang="en-US" sz="1200" b="1" dirty="0">
+                <a:latin typeface="Courier New" panose="02070309020205020404" pitchFamily="49" charset="0"/>
+                <a:cs typeface="Courier New" panose="02070309020205020404" pitchFamily="49" charset="0"/>
+              </a:rPr>
+              <a:t>][:agents] = false</a:t>
+            </a:r>
+          </a:p>
+          <a:p>
+            <a:pPr marL="482600" lvl="1" indent="0">
+              <a:buNone/>
+            </a:pPr>
+            <a:r>
+              <a:rPr lang="en-US" sz="1200" b="1" dirty="0" err="1">
+                <a:latin typeface="Courier New" panose="02070309020205020404" pitchFamily="49" charset="0"/>
+                <a:cs typeface="Courier New" panose="02070309020205020404" pitchFamily="49" charset="0"/>
+              </a:rPr>
+              <a:t>AppConfig</a:t>
+            </a:r>
+            <a:r>
+              <a:rPr lang="en-US" sz="1200" b="1" dirty="0">
+                <a:latin typeface="Courier New" panose="02070309020205020404" pitchFamily="49" charset="0"/>
+                <a:cs typeface="Courier New" panose="02070309020205020404" pitchFamily="49" charset="0"/>
+              </a:rPr>
+              <a:t>[:</a:t>
+            </a:r>
+            <a:r>
+              <a:rPr lang="en-US" sz="1200" b="1" dirty="0" err="1">
+                <a:latin typeface="Courier New" panose="02070309020205020404" pitchFamily="49" charset="0"/>
+                <a:cs typeface="Courier New" panose="02070309020205020404" pitchFamily="49" charset="0"/>
+              </a:rPr>
+              <a:t>pui_hide</a:t>
+            </a:r>
+            <a:r>
+              <a:rPr lang="en-US" sz="1200" b="1" dirty="0">
+                <a:latin typeface="Courier New" panose="02070309020205020404" pitchFamily="49" charset="0"/>
+                <a:cs typeface="Courier New" panose="02070309020205020404" pitchFamily="49" charset="0"/>
+              </a:rPr>
+              <a:t>][:classifications] = false</a:t>
+            </a:r>
+          </a:p>
+          <a:p>
+            <a:pPr marL="482600" lvl="1" indent="0">
+              <a:buNone/>
+            </a:pPr>
+            <a:r>
+              <a:rPr lang="en-US" sz="1200" b="1" dirty="0" err="1">
+                <a:latin typeface="Courier New" panose="02070309020205020404" pitchFamily="49" charset="0"/>
+                <a:cs typeface="Courier New" panose="02070309020205020404" pitchFamily="49" charset="0"/>
+              </a:rPr>
+              <a:t>AppConfig</a:t>
+            </a:r>
+            <a:r>
+              <a:rPr lang="en-US" sz="1200" b="1" dirty="0">
+                <a:latin typeface="Courier New" panose="02070309020205020404" pitchFamily="49" charset="0"/>
+                <a:cs typeface="Courier New" panose="02070309020205020404" pitchFamily="49" charset="0"/>
+              </a:rPr>
+              <a:t>[:</a:t>
+            </a:r>
+            <a:r>
+              <a:rPr lang="en-US" sz="1200" b="1" dirty="0" err="1">
+                <a:latin typeface="Courier New" panose="02070309020205020404" pitchFamily="49" charset="0"/>
+                <a:cs typeface="Courier New" panose="02070309020205020404" pitchFamily="49" charset="0"/>
+              </a:rPr>
+              <a:t>pui_hide</a:t>
+            </a:r>
+            <a:r>
+              <a:rPr lang="en-US" sz="1200" b="1" dirty="0">
+                <a:latin typeface="Courier New" panose="02070309020205020404" pitchFamily="49" charset="0"/>
+                <a:cs typeface="Courier New" panose="02070309020205020404" pitchFamily="49" charset="0"/>
+              </a:rPr>
+              <a:t>][:</a:t>
+            </a:r>
+            <a:r>
+              <a:rPr lang="en-US" sz="1200" b="1" dirty="0" err="1">
+                <a:latin typeface="Courier New" panose="02070309020205020404" pitchFamily="49" charset="0"/>
+                <a:cs typeface="Courier New" panose="02070309020205020404" pitchFamily="49" charset="0"/>
+              </a:rPr>
+              <a:t>search_tab</a:t>
+            </a:r>
+            <a:r>
+              <a:rPr lang="en-US" sz="1200" b="1" dirty="0">
+                <a:latin typeface="Courier New" panose="02070309020205020404" pitchFamily="49" charset="0"/>
+                <a:cs typeface="Courier New" panose="02070309020205020404" pitchFamily="49" charset="0"/>
+              </a:rPr>
+              <a:t>] = false</a:t>
+            </a:r>
+          </a:p>
+        </p:txBody>
+      </p:sp>
       <p:grpSp>
         <p:nvGrpSpPr>
           <p:cNvPr id="13" name="Group 12">
@@ -27761,175 +28274,415 @@
           </a:p>
           <a:p>
             <a:r>
-              <a:rPr lang="en-US" sz="2000" dirty="0" err="1"/>
+              <a:rPr lang="en-US" sz="1400" b="1" dirty="0" err="1">
+                <a:solidFill>
+                  <a:srgbClr val="000000"/>
+                </a:solidFill>
+                <a:latin typeface="Courier New" panose="02070309020205020404" pitchFamily="49" charset="0"/>
+                <a:cs typeface="Courier New" panose="02070309020205020404" pitchFamily="49" charset="0"/>
+              </a:rPr>
               <a:t>AppConfig</a:t>
             </a:r>
             <a:r>
-              <a:rPr lang="en-US" sz="2000" dirty="0"/>
+              <a:rPr lang="en-US" sz="1400" b="1" dirty="0">
+                <a:solidFill>
+                  <a:srgbClr val="000000"/>
+                </a:solidFill>
+                <a:latin typeface="Courier New" panose="02070309020205020404" pitchFamily="49" charset="0"/>
+                <a:cs typeface="Courier New" panose="02070309020205020404" pitchFamily="49" charset="0"/>
+              </a:rPr>
               <a:t>[:</a:t>
             </a:r>
             <a:r>
-              <a:rPr lang="en-US" sz="2000" dirty="0" err="1"/>
+              <a:rPr lang="en-US" sz="1400" b="1" dirty="0" err="1">
+                <a:solidFill>
+                  <a:srgbClr val="000000"/>
+                </a:solidFill>
+                <a:latin typeface="Courier New" panose="02070309020205020404" pitchFamily="49" charset="0"/>
+                <a:cs typeface="Courier New" panose="02070309020205020404" pitchFamily="49" charset="0"/>
+              </a:rPr>
               <a:t>pui_hide</a:t>
             </a:r>
             <a:r>
-              <a:rPr lang="en-US" sz="2000" dirty="0"/>
+              <a:rPr lang="en-US" sz="1400" b="1" dirty="0">
+                <a:solidFill>
+                  <a:srgbClr val="000000"/>
+                </a:solidFill>
+                <a:latin typeface="Courier New" panose="02070309020205020404" pitchFamily="49" charset="0"/>
+                <a:cs typeface="Courier New" panose="02070309020205020404" pitchFamily="49" charset="0"/>
+              </a:rPr>
               <a:t>][:</a:t>
             </a:r>
             <a:r>
-              <a:rPr lang="en-US" sz="2000" dirty="0" err="1"/>
+              <a:rPr lang="en-US" sz="1400" b="1" dirty="0" err="1">
+                <a:solidFill>
+                  <a:srgbClr val="000000"/>
+                </a:solidFill>
+                <a:latin typeface="Courier New" panose="02070309020205020404" pitchFamily="49" charset="0"/>
+                <a:cs typeface="Courier New" panose="02070309020205020404" pitchFamily="49" charset="0"/>
+              </a:rPr>
               <a:t>resource_badge</a:t>
             </a:r>
             <a:r>
-              <a:rPr lang="en-US" sz="2000" dirty="0"/>
+              <a:rPr lang="en-US" sz="1400" b="1" dirty="0">
+                <a:solidFill>
+                  <a:srgbClr val="000000"/>
+                </a:solidFill>
+                <a:latin typeface="Courier New" panose="02070309020205020404" pitchFamily="49" charset="0"/>
+                <a:cs typeface="Courier New" panose="02070309020205020404" pitchFamily="49" charset="0"/>
+              </a:rPr>
               <a:t>] = false</a:t>
             </a:r>
           </a:p>
           <a:p>
             <a:r>
-              <a:rPr lang="en-US" sz="2000" dirty="0" err="1"/>
+              <a:rPr lang="en-US" sz="1400" b="1" dirty="0" err="1">
+                <a:solidFill>
+                  <a:srgbClr val="000000"/>
+                </a:solidFill>
+                <a:latin typeface="Courier New" panose="02070309020205020404" pitchFamily="49" charset="0"/>
+                <a:cs typeface="Courier New" panose="02070309020205020404" pitchFamily="49" charset="0"/>
+              </a:rPr>
               <a:t>AppConfig</a:t>
             </a:r>
             <a:r>
-              <a:rPr lang="en-US" sz="2000" dirty="0"/>
+              <a:rPr lang="en-US" sz="1400" b="1" dirty="0">
+                <a:solidFill>
+                  <a:srgbClr val="000000"/>
+                </a:solidFill>
+                <a:latin typeface="Courier New" panose="02070309020205020404" pitchFamily="49" charset="0"/>
+                <a:cs typeface="Courier New" panose="02070309020205020404" pitchFamily="49" charset="0"/>
+              </a:rPr>
               <a:t>[:</a:t>
             </a:r>
             <a:r>
-              <a:rPr lang="en-US" sz="2000" dirty="0" err="1"/>
+              <a:rPr lang="en-US" sz="1400" b="1" dirty="0" err="1">
+                <a:solidFill>
+                  <a:srgbClr val="000000"/>
+                </a:solidFill>
+                <a:latin typeface="Courier New" panose="02070309020205020404" pitchFamily="49" charset="0"/>
+                <a:cs typeface="Courier New" panose="02070309020205020404" pitchFamily="49" charset="0"/>
+              </a:rPr>
               <a:t>pui_hide</a:t>
             </a:r>
             <a:r>
-              <a:rPr lang="en-US" sz="2000" dirty="0"/>
+              <a:rPr lang="en-US" sz="1400" b="1" dirty="0">
+                <a:solidFill>
+                  <a:srgbClr val="000000"/>
+                </a:solidFill>
+                <a:latin typeface="Courier New" panose="02070309020205020404" pitchFamily="49" charset="0"/>
+                <a:cs typeface="Courier New" panose="02070309020205020404" pitchFamily="49" charset="0"/>
+              </a:rPr>
               <a:t>][:</a:t>
             </a:r>
             <a:r>
-              <a:rPr lang="en-US" sz="2000" dirty="0" err="1"/>
+              <a:rPr lang="en-US" sz="1400" b="1" dirty="0" err="1">
+                <a:solidFill>
+                  <a:srgbClr val="000000"/>
+                </a:solidFill>
+                <a:latin typeface="Courier New" panose="02070309020205020404" pitchFamily="49" charset="0"/>
+                <a:cs typeface="Courier New" panose="02070309020205020404" pitchFamily="49" charset="0"/>
+              </a:rPr>
               <a:t>digital_object_badge</a:t>
             </a:r>
             <a:r>
-              <a:rPr lang="en-US" sz="2000" dirty="0"/>
+              <a:rPr lang="en-US" sz="1400" b="1" dirty="0">
+                <a:solidFill>
+                  <a:srgbClr val="000000"/>
+                </a:solidFill>
+                <a:latin typeface="Courier New" panose="02070309020205020404" pitchFamily="49" charset="0"/>
+                <a:cs typeface="Courier New" panose="02070309020205020404" pitchFamily="49" charset="0"/>
+              </a:rPr>
               <a:t>] = false</a:t>
             </a:r>
           </a:p>
           <a:p>
             <a:r>
-              <a:rPr lang="en-US" sz="2000" dirty="0" err="1"/>
+              <a:rPr lang="en-US" sz="1400" b="1" dirty="0" err="1">
+                <a:solidFill>
+                  <a:srgbClr val="000000"/>
+                </a:solidFill>
+                <a:latin typeface="Courier New" panose="02070309020205020404" pitchFamily="49" charset="0"/>
+                <a:cs typeface="Courier New" panose="02070309020205020404" pitchFamily="49" charset="0"/>
+              </a:rPr>
               <a:t>AppConfig</a:t>
             </a:r>
             <a:r>
-              <a:rPr lang="en-US" sz="2000" dirty="0"/>
+              <a:rPr lang="en-US" sz="1400" b="1" dirty="0">
+                <a:solidFill>
+                  <a:srgbClr val="000000"/>
+                </a:solidFill>
+                <a:latin typeface="Courier New" panose="02070309020205020404" pitchFamily="49" charset="0"/>
+                <a:cs typeface="Courier New" panose="02070309020205020404" pitchFamily="49" charset="0"/>
+              </a:rPr>
               <a:t>[:</a:t>
             </a:r>
             <a:r>
-              <a:rPr lang="en-US" sz="2000" dirty="0" err="1"/>
+              <a:rPr lang="en-US" sz="1400" b="1" dirty="0" err="1">
+                <a:solidFill>
+                  <a:srgbClr val="000000"/>
+                </a:solidFill>
+                <a:latin typeface="Courier New" panose="02070309020205020404" pitchFamily="49" charset="0"/>
+                <a:cs typeface="Courier New" panose="02070309020205020404" pitchFamily="49" charset="0"/>
+              </a:rPr>
               <a:t>pui_hide</a:t>
             </a:r>
             <a:r>
-              <a:rPr lang="en-US" sz="2000" dirty="0"/>
+              <a:rPr lang="en-US" sz="1400" b="1" dirty="0">
+                <a:solidFill>
+                  <a:srgbClr val="000000"/>
+                </a:solidFill>
+                <a:latin typeface="Courier New" panose="02070309020205020404" pitchFamily="49" charset="0"/>
+                <a:cs typeface="Courier New" panose="02070309020205020404" pitchFamily="49" charset="0"/>
+              </a:rPr>
               <a:t>][:</a:t>
             </a:r>
             <a:r>
-              <a:rPr lang="en-US" sz="2000" dirty="0" err="1"/>
+              <a:rPr lang="en-US" sz="1400" b="1" dirty="0" err="1">
+                <a:solidFill>
+                  <a:srgbClr val="000000"/>
+                </a:solidFill>
+                <a:latin typeface="Courier New" panose="02070309020205020404" pitchFamily="49" charset="0"/>
+                <a:cs typeface="Courier New" panose="02070309020205020404" pitchFamily="49" charset="0"/>
+              </a:rPr>
               <a:t>accession_badge</a:t>
             </a:r>
             <a:r>
-              <a:rPr lang="en-US" sz="2000" dirty="0"/>
+              <a:rPr lang="en-US" sz="1400" b="1" dirty="0">
+                <a:solidFill>
+                  <a:srgbClr val="000000"/>
+                </a:solidFill>
+                <a:latin typeface="Courier New" panose="02070309020205020404" pitchFamily="49" charset="0"/>
+                <a:cs typeface="Courier New" panose="02070309020205020404" pitchFamily="49" charset="0"/>
+              </a:rPr>
               <a:t>] = false</a:t>
             </a:r>
           </a:p>
           <a:p>
             <a:r>
-              <a:rPr lang="en-US" sz="2000" dirty="0" err="1"/>
+              <a:rPr lang="en-US" sz="1400" b="1" dirty="0" err="1">
+                <a:solidFill>
+                  <a:srgbClr val="000000"/>
+                </a:solidFill>
+                <a:latin typeface="Courier New" panose="02070309020205020404" pitchFamily="49" charset="0"/>
+                <a:cs typeface="Courier New" panose="02070309020205020404" pitchFamily="49" charset="0"/>
+              </a:rPr>
               <a:t>AppConfig</a:t>
             </a:r>
             <a:r>
-              <a:rPr lang="en-US" sz="2000" dirty="0"/>
+              <a:rPr lang="en-US" sz="1400" b="1" dirty="0">
+                <a:solidFill>
+                  <a:srgbClr val="000000"/>
+                </a:solidFill>
+                <a:latin typeface="Courier New" panose="02070309020205020404" pitchFamily="49" charset="0"/>
+                <a:cs typeface="Courier New" panose="02070309020205020404" pitchFamily="49" charset="0"/>
+              </a:rPr>
               <a:t>[:</a:t>
             </a:r>
             <a:r>
-              <a:rPr lang="en-US" sz="2000" dirty="0" err="1"/>
+              <a:rPr lang="en-US" sz="1400" b="1" dirty="0" err="1">
+                <a:solidFill>
+                  <a:srgbClr val="000000"/>
+                </a:solidFill>
+                <a:latin typeface="Courier New" panose="02070309020205020404" pitchFamily="49" charset="0"/>
+                <a:cs typeface="Courier New" panose="02070309020205020404" pitchFamily="49" charset="0"/>
+              </a:rPr>
               <a:t>pui_hide</a:t>
             </a:r>
             <a:r>
-              <a:rPr lang="en-US" sz="2000" dirty="0"/>
+              <a:rPr lang="en-US" sz="1400" b="1" dirty="0">
+                <a:solidFill>
+                  <a:srgbClr val="000000"/>
+                </a:solidFill>
+                <a:latin typeface="Courier New" panose="02070309020205020404" pitchFamily="49" charset="0"/>
+                <a:cs typeface="Courier New" panose="02070309020205020404" pitchFamily="49" charset="0"/>
+              </a:rPr>
               <a:t>][:</a:t>
             </a:r>
             <a:r>
-              <a:rPr lang="en-US" sz="2000" dirty="0" err="1"/>
+              <a:rPr lang="en-US" sz="1400" b="1" dirty="0" err="1">
+                <a:solidFill>
+                  <a:srgbClr val="000000"/>
+                </a:solidFill>
+                <a:latin typeface="Courier New" panose="02070309020205020404" pitchFamily="49" charset="0"/>
+                <a:cs typeface="Courier New" panose="02070309020205020404" pitchFamily="49" charset="0"/>
+              </a:rPr>
               <a:t>subject_badge</a:t>
             </a:r>
             <a:r>
-              <a:rPr lang="en-US" sz="2000" dirty="0"/>
+              <a:rPr lang="en-US" sz="1400" b="1" dirty="0">
+                <a:solidFill>
+                  <a:srgbClr val="000000"/>
+                </a:solidFill>
+                <a:latin typeface="Courier New" panose="02070309020205020404" pitchFamily="49" charset="0"/>
+                <a:cs typeface="Courier New" panose="02070309020205020404" pitchFamily="49" charset="0"/>
+              </a:rPr>
               <a:t>] = false</a:t>
             </a:r>
           </a:p>
           <a:p>
             <a:r>
-              <a:rPr lang="en-US" sz="2000" dirty="0" err="1"/>
+              <a:rPr lang="en-US" sz="1400" b="1" dirty="0" err="1">
+                <a:solidFill>
+                  <a:srgbClr val="000000"/>
+                </a:solidFill>
+                <a:latin typeface="Courier New" panose="02070309020205020404" pitchFamily="49" charset="0"/>
+                <a:cs typeface="Courier New" panose="02070309020205020404" pitchFamily="49" charset="0"/>
+              </a:rPr>
               <a:t>AppConfig</a:t>
             </a:r>
             <a:r>
-              <a:rPr lang="en-US" sz="2000" dirty="0"/>
+              <a:rPr lang="en-US" sz="1400" b="1" dirty="0">
+                <a:solidFill>
+                  <a:srgbClr val="000000"/>
+                </a:solidFill>
+                <a:latin typeface="Courier New" panose="02070309020205020404" pitchFamily="49" charset="0"/>
+                <a:cs typeface="Courier New" panose="02070309020205020404" pitchFamily="49" charset="0"/>
+              </a:rPr>
               <a:t>[:</a:t>
             </a:r>
             <a:r>
-              <a:rPr lang="en-US" sz="2000" dirty="0" err="1"/>
+              <a:rPr lang="en-US" sz="1400" b="1" dirty="0" err="1">
+                <a:solidFill>
+                  <a:srgbClr val="000000"/>
+                </a:solidFill>
+                <a:latin typeface="Courier New" panose="02070309020205020404" pitchFamily="49" charset="0"/>
+                <a:cs typeface="Courier New" panose="02070309020205020404" pitchFamily="49" charset="0"/>
+              </a:rPr>
               <a:t>pui_hide</a:t>
             </a:r>
             <a:r>
-              <a:rPr lang="en-US" sz="2000" dirty="0"/>
+              <a:rPr lang="en-US" sz="1400" b="1" dirty="0">
+                <a:solidFill>
+                  <a:srgbClr val="000000"/>
+                </a:solidFill>
+                <a:latin typeface="Courier New" panose="02070309020205020404" pitchFamily="49" charset="0"/>
+                <a:cs typeface="Courier New" panose="02070309020205020404" pitchFamily="49" charset="0"/>
+              </a:rPr>
               <a:t>][:</a:t>
             </a:r>
             <a:r>
-              <a:rPr lang="en-US" sz="2000" dirty="0" err="1"/>
+              <a:rPr lang="en-US" sz="1400" b="1" dirty="0" err="1">
+                <a:solidFill>
+                  <a:srgbClr val="000000"/>
+                </a:solidFill>
+                <a:latin typeface="Courier New" panose="02070309020205020404" pitchFamily="49" charset="0"/>
+                <a:cs typeface="Courier New" panose="02070309020205020404" pitchFamily="49" charset="0"/>
+              </a:rPr>
               <a:t>agent_badge</a:t>
             </a:r>
             <a:r>
-              <a:rPr lang="en-US" sz="2000" dirty="0"/>
+              <a:rPr lang="en-US" sz="1400" b="1" dirty="0">
+                <a:solidFill>
+                  <a:srgbClr val="000000"/>
+                </a:solidFill>
+                <a:latin typeface="Courier New" panose="02070309020205020404" pitchFamily="49" charset="0"/>
+                <a:cs typeface="Courier New" panose="02070309020205020404" pitchFamily="49" charset="0"/>
+              </a:rPr>
               <a:t>] = false</a:t>
             </a:r>
           </a:p>
           <a:p>
             <a:r>
-              <a:rPr lang="en-US" sz="2000" dirty="0" err="1"/>
+              <a:rPr lang="en-US" sz="1400" b="1" dirty="0" err="1">
+                <a:solidFill>
+                  <a:srgbClr val="000000"/>
+                </a:solidFill>
+                <a:latin typeface="Courier New" panose="02070309020205020404" pitchFamily="49" charset="0"/>
+                <a:cs typeface="Courier New" panose="02070309020205020404" pitchFamily="49" charset="0"/>
+              </a:rPr>
               <a:t>AppConfig</a:t>
             </a:r>
             <a:r>
-              <a:rPr lang="en-US" sz="2000" dirty="0"/>
+              <a:rPr lang="en-US" sz="1400" b="1" dirty="0">
+                <a:solidFill>
+                  <a:srgbClr val="000000"/>
+                </a:solidFill>
+                <a:latin typeface="Courier New" panose="02070309020205020404" pitchFamily="49" charset="0"/>
+                <a:cs typeface="Courier New" panose="02070309020205020404" pitchFamily="49" charset="0"/>
+              </a:rPr>
               <a:t>[:</a:t>
             </a:r>
             <a:r>
-              <a:rPr lang="en-US" sz="2000" dirty="0" err="1"/>
+              <a:rPr lang="en-US" sz="1400" b="1" dirty="0" err="1">
+                <a:solidFill>
+                  <a:srgbClr val="000000"/>
+                </a:solidFill>
+                <a:latin typeface="Courier New" panose="02070309020205020404" pitchFamily="49" charset="0"/>
+                <a:cs typeface="Courier New" panose="02070309020205020404" pitchFamily="49" charset="0"/>
+              </a:rPr>
               <a:t>pui_hide</a:t>
             </a:r>
             <a:r>
-              <a:rPr lang="en-US" sz="2000" dirty="0"/>
+              <a:rPr lang="en-US" sz="1400" b="1" dirty="0">
+                <a:solidFill>
+                  <a:srgbClr val="000000"/>
+                </a:solidFill>
+                <a:latin typeface="Courier New" panose="02070309020205020404" pitchFamily="49" charset="0"/>
+                <a:cs typeface="Courier New" panose="02070309020205020404" pitchFamily="49" charset="0"/>
+              </a:rPr>
               <a:t>][:</a:t>
             </a:r>
             <a:r>
-              <a:rPr lang="en-US" sz="2000" dirty="0" err="1"/>
+              <a:rPr lang="en-US" sz="1400" b="1" dirty="0" err="1">
+                <a:solidFill>
+                  <a:srgbClr val="000000"/>
+                </a:solidFill>
+                <a:latin typeface="Courier New" panose="02070309020205020404" pitchFamily="49" charset="0"/>
+                <a:cs typeface="Courier New" panose="02070309020205020404" pitchFamily="49" charset="0"/>
+              </a:rPr>
               <a:t>classification_badge</a:t>
             </a:r>
             <a:r>
-              <a:rPr lang="en-US" sz="2000" dirty="0"/>
+              <a:rPr lang="en-US" sz="1400" b="1" dirty="0">
+                <a:solidFill>
+                  <a:srgbClr val="000000"/>
+                </a:solidFill>
+                <a:latin typeface="Courier New" panose="02070309020205020404" pitchFamily="49" charset="0"/>
+                <a:cs typeface="Courier New" panose="02070309020205020404" pitchFamily="49" charset="0"/>
+              </a:rPr>
               <a:t>] = false</a:t>
             </a:r>
           </a:p>
           <a:p>
             <a:r>
-              <a:rPr lang="en-US" sz="2000" dirty="0" err="1"/>
+              <a:rPr lang="en-US" sz="1400" b="1" dirty="0" err="1">
+                <a:solidFill>
+                  <a:srgbClr val="000000"/>
+                </a:solidFill>
+                <a:latin typeface="Courier New" panose="02070309020205020404" pitchFamily="49" charset="0"/>
+                <a:cs typeface="Courier New" panose="02070309020205020404" pitchFamily="49" charset="0"/>
+              </a:rPr>
               <a:t>AppConfig</a:t>
             </a:r>
             <a:r>
-              <a:rPr lang="en-US" sz="2000" dirty="0"/>
+              <a:rPr lang="en-US" sz="1400" b="1" dirty="0">
+                <a:solidFill>
+                  <a:srgbClr val="000000"/>
+                </a:solidFill>
+                <a:latin typeface="Courier New" panose="02070309020205020404" pitchFamily="49" charset="0"/>
+                <a:cs typeface="Courier New" panose="02070309020205020404" pitchFamily="49" charset="0"/>
+              </a:rPr>
               <a:t>[:</a:t>
             </a:r>
             <a:r>
-              <a:rPr lang="en-US" sz="2000" dirty="0" err="1"/>
+              <a:rPr lang="en-US" sz="1400" b="1" dirty="0" err="1">
+                <a:solidFill>
+                  <a:srgbClr val="000000"/>
+                </a:solidFill>
+                <a:latin typeface="Courier New" panose="02070309020205020404" pitchFamily="49" charset="0"/>
+                <a:cs typeface="Courier New" panose="02070309020205020404" pitchFamily="49" charset="0"/>
+              </a:rPr>
               <a:t>pui_hide</a:t>
             </a:r>
             <a:r>
-              <a:rPr lang="en-US" sz="2000" dirty="0"/>
+              <a:rPr lang="en-US" sz="1400" b="1" dirty="0">
+                <a:solidFill>
+                  <a:srgbClr val="000000"/>
+                </a:solidFill>
+                <a:latin typeface="Courier New" panose="02070309020205020404" pitchFamily="49" charset="0"/>
+                <a:cs typeface="Courier New" panose="02070309020205020404" pitchFamily="49" charset="0"/>
+              </a:rPr>
               <a:t>][:counts] = false </a:t>
             </a:r>
           </a:p>

--- a/customization/customizing_PUI_examples/OnlineForumCustomizing.pptx
+++ b/customization/customizing_PUI_examples/OnlineForumCustomizing.pptx
@@ -13615,7 +13615,7 @@
                   <a:latin typeface="Courier New" panose="02070309020205020404" pitchFamily="49" charset="0"/>
                   <a:cs typeface="Courier New" panose="02070309020205020404" pitchFamily="49" charset="0"/>
                 </a:rPr>
-                <a:t>]=26</a:t>
+                <a:t>]=20</a:t>
               </a:r>
             </a:p>
           </p:txBody>
@@ -14728,7 +14728,7 @@
         </p:nvSpPr>
         <p:spPr>
           <a:xfrm>
-            <a:off x="455157" y="1405618"/>
+            <a:off x="763767" y="1302748"/>
             <a:ext cx="7298575" cy="984422"/>
           </a:xfrm>
         </p:spPr>
@@ -14789,7 +14789,7 @@
                 <a:latin typeface="+mn-lt"/>
                 <a:cs typeface="Courier New" panose="02070309020205020404" pitchFamily="49" charset="0"/>
               </a:rPr>
-              <a:t>The default is enabled.</a:t>
+              <a:t>The default is enabled (true).</a:t>
             </a:r>
           </a:p>
         </p:txBody>
@@ -15110,7 +15110,7 @@
         </p:nvSpPr>
         <p:spPr>
           <a:xfrm>
-            <a:off x="949830" y="1615478"/>
+            <a:off x="949830" y="1524038"/>
             <a:ext cx="7298575" cy="1322594"/>
           </a:xfrm>
         </p:spPr>
@@ -15169,7 +15169,7 @@
               <a:rPr lang="en-US" sz="2400" dirty="0">
                 <a:cs typeface="Courier New" panose="02070309020205020404" pitchFamily="49" charset="0"/>
               </a:rPr>
-              <a:t>The default is enabled.</a:t>
+              <a:t>The default is enabled (true).</a:t>
             </a:r>
           </a:p>
         </p:txBody>
@@ -17600,7 +17600,7 @@
           </a:ln>
         </p:spPr>
         <p:txBody>
-          <a:bodyPr spcFirstLastPara="1" wrap="square" lIns="91425" tIns="45700" rIns="91425" bIns="45700" anchor="t" anchorCtr="0">
+          <a:bodyPr spcFirstLastPara="1" wrap="square" lIns="91440" tIns="45700" rIns="91425" bIns="45700" anchor="t" anchorCtr="0">
             <a:noAutofit/>
           </a:bodyPr>
           <a:lstStyle/>
@@ -17681,22 +17681,14 @@
             </a:endParaRPr>
           </a:p>
           <a:p>
-            <a:pPr marL="742950" marR="0" lvl="1" indent="-222250" algn="l" rtl="0">
+            <a:pPr marL="742950" lvl="1" indent="-222250">
               <a:lnSpc>
                 <a:spcPct val="115000"/>
               </a:lnSpc>
               <a:spcBef>
                 <a:spcPts val="0"/>
               </a:spcBef>
-              <a:spcAft>
-                <a:spcPts val="0"/>
-              </a:spcAft>
-              <a:buClr>
-                <a:srgbClr val="27A9E2"/>
-              </a:buClr>
               <a:buSzPts val="1800"/>
-              <a:buFont typeface="Arial"/>
-              <a:buChar char="–"/>
             </a:pPr>
             <a:r>
               <a:rPr lang="en-US" sz="1800" b="0" i="0" u="none" strike="noStrike" cap="none" dirty="0">
@@ -17711,10 +17703,7 @@
               <a:t>For example: </a:t>
             </a:r>
             <a:r>
-              <a:rPr lang="en-US" sz="1800" b="1" i="0" u="none" strike="noStrike" cap="none" dirty="0" err="1">
-                <a:solidFill>
-                  <a:schemeClr val="dk1"/>
-                </a:solidFill>
+              <a:rPr lang="en-US" sz="1800" b="1" dirty="0" err="1">
                 <a:latin typeface="Courier New"/>
                 <a:ea typeface="Courier New"/>
                 <a:cs typeface="Courier New"/>
@@ -17723,10 +17712,7 @@
               <a:t>AppConfig</a:t>
             </a:r>
             <a:r>
-              <a:rPr lang="en-US" sz="1800" b="1" i="0" u="none" strike="noStrike" cap="none" dirty="0">
-                <a:solidFill>
-                  <a:schemeClr val="dk1"/>
-                </a:solidFill>
+              <a:rPr lang="en-US" sz="1800" b="1" dirty="0">
                 <a:latin typeface="Courier New"/>
                 <a:ea typeface="Courier New"/>
                 <a:cs typeface="Courier New"/>
@@ -17735,22 +17721,34 @@
               <a:t>[:plugins] = ['local', '</a:t>
             </a:r>
             <a:r>
-              <a:rPr lang="en-US" sz="1800" b="1" i="0" u="none" strike="noStrike" cap="none" dirty="0" err="1">
-                <a:solidFill>
-                  <a:schemeClr val="dk1"/>
-                </a:solidFill>
+              <a:rPr lang="en-US" sz="1800" b="1" dirty="0" err="1">
                 <a:latin typeface="Courier New"/>
                 <a:ea typeface="Courier New"/>
                 <a:cs typeface="Courier New"/>
                 <a:sym typeface="Courier New"/>
               </a:rPr>
+              <a:t>lcnaf</a:t>
+            </a:r>
+            <a:r>
+              <a:rPr lang="en-US" sz="1800" b="1" dirty="0">
+                <a:latin typeface="Courier New"/>
+                <a:ea typeface="Courier New"/>
+                <a:cs typeface="Courier New"/>
+                <a:sym typeface="Courier New"/>
+              </a:rPr>
+              <a:t>', '</a:t>
+            </a:r>
+            <a:r>
+              <a:rPr lang="en-US" sz="1800" b="1" dirty="0" err="1">
+                <a:latin typeface="Courier New"/>
+                <a:ea typeface="Courier New"/>
+                <a:cs typeface="Courier New"/>
+                <a:sym typeface="Courier New"/>
+              </a:rPr>
               <a:t>my_plugin</a:t>
             </a:r>
             <a:r>
-              <a:rPr lang="en-US" sz="1800" b="1" i="0" u="none" strike="noStrike" cap="none" dirty="0">
-                <a:solidFill>
-                  <a:schemeClr val="dk1"/>
-                </a:solidFill>
+              <a:rPr lang="en-US" sz="1800" b="1" dirty="0">
                 <a:latin typeface="Courier New"/>
                 <a:ea typeface="Courier New"/>
                 <a:cs typeface="Courier New"/>
@@ -17825,22 +17823,14 @@
             <a:endParaRPr sz="1800" dirty="0"/>
           </a:p>
           <a:p>
-            <a:pPr marL="342900" marR="0" lvl="0" indent="-342900" algn="l" rtl="0">
+            <a:pPr marL="342900" lvl="0" indent="-342900">
               <a:lnSpc>
                 <a:spcPct val="115000"/>
               </a:lnSpc>
               <a:spcBef>
                 <a:spcPts val="360"/>
               </a:spcBef>
-              <a:spcAft>
-                <a:spcPts val="0"/>
-              </a:spcAft>
-              <a:buClr>
-                <a:srgbClr val="27A9E2"/>
-              </a:buClr>
               <a:buSzPts val="1800"/>
-              <a:buFont typeface="Arial"/>
-              <a:buChar char="•"/>
             </a:pPr>
             <a:r>
               <a:rPr lang="en-US" sz="1800" dirty="0"/>
@@ -17871,7 +17861,7 @@
                 <a:cs typeface="Courier New"/>
                 <a:sym typeface="Courier New"/>
               </a:rPr>
-              <a:t>my_plugin</a:t>
+              <a:t>lcnaf</a:t>
             </a:r>
             <a:r>
               <a:rPr lang="en-US" sz="1800" b="1" dirty="0">
@@ -17880,7 +17870,25 @@
                 <a:cs typeface="Courier New"/>
                 <a:sym typeface="Courier New"/>
               </a:rPr>
-              <a:t>’] </a:t>
+              <a:t>', '</a:t>
+            </a:r>
+            <a:r>
+              <a:rPr lang="en-US" sz="1800" b="1" dirty="0" err="1">
+                <a:latin typeface="Courier New"/>
+                <a:ea typeface="Courier New"/>
+                <a:cs typeface="Courier New"/>
+                <a:sym typeface="Courier New"/>
+              </a:rPr>
+              <a:t>my_plugin</a:t>
+            </a:r>
+            <a:r>
+              <a:rPr lang="en-US" sz="1800" b="1" dirty="0">
+                <a:latin typeface="Courier New"/>
+                <a:ea typeface="Courier New"/>
+                <a:cs typeface="Courier New"/>
+                <a:sym typeface="Courier New"/>
+              </a:rPr>
+              <a:t>'] </a:t>
             </a:r>
             <a:r>
               <a:rPr lang="en-US" sz="1800" dirty="0">
@@ -28980,7 +28988,7 @@
             <p:spPr>
               <a:xfrm>
                 <a:off x="440440" y="4438657"/>
-                <a:ext cx="5631670" cy="307777"/>
+                <a:ext cx="5424883" cy="307777"/>
               </a:xfrm>
               <a:prstGeom prst="rect">
                 <a:avLst/>
@@ -29023,7 +29031,7 @@
                     <a:latin typeface="Courier New" panose="02070309020205020404" pitchFamily="49" charset="0"/>
                     <a:cs typeface="Courier New" panose="02070309020205020404" pitchFamily="49" charset="0"/>
                   </a:rPr>
-                  <a:t>][:counts] = false</a:t>
+                  <a:t>][:counts] = true</a:t>
                 </a:r>
               </a:p>
             </p:txBody>
@@ -29147,9 +29155,9 @@
           <p:grpSpPr>
             <a:xfrm>
               <a:off x="440440" y="4967595"/>
-              <a:ext cx="8379217" cy="1138490"/>
+              <a:ext cx="8222123" cy="1138490"/>
               <a:chOff x="453244" y="4482064"/>
-              <a:chExt cx="8379217" cy="1138490"/>
+              <a:chExt cx="8222123" cy="1138490"/>
             </a:xfrm>
           </p:grpSpPr>
           <p:sp>
@@ -29167,7 +29175,7 @@
             <p:spPr>
               <a:xfrm>
                 <a:off x="453244" y="4482064"/>
-                <a:ext cx="8379217" cy="307777"/>
+                <a:ext cx="8222123" cy="307777"/>
               </a:xfrm>
               <a:prstGeom prst="rect">
                 <a:avLst/>
@@ -29224,7 +29232,7 @@
                     <a:latin typeface="Courier New" panose="02070309020205020404" pitchFamily="49" charset="0"/>
                     <a:cs typeface="Courier New" panose="02070309020205020404" pitchFamily="49" charset="0"/>
                   </a:rPr>
-                  <a:t>] = false</a:t>
+                  <a:t>] = true</a:t>
                 </a:r>
               </a:p>
             </p:txBody>
